--- a/2022-2-PreCapstoneDesign-최종보고서.pptx
+++ b/2022-2-PreCapstoneDesign-최종보고서.pptx
@@ -1,19 +1,44 @@
 
 <file path=ppt/presentation.xml><?xml version="1.0" encoding="utf-8"?>
-<p:presentation xmlns:a="http://schemas.openxmlformats.org/drawingml/2006/main" xmlns:r="http://schemas.openxmlformats.org/officeDocument/2006/relationships" xmlns:p="http://schemas.openxmlformats.org/presentationml/2006/main" saveSubsetFonts="1">
+<p:presentation xmlns:a="http://schemas.openxmlformats.org/drawingml/2006/main" xmlns:r="http://schemas.openxmlformats.org/officeDocument/2006/relationships" xmlns:p="http://schemas.openxmlformats.org/presentationml/2006/main" embedTrueTypeFonts="1" saveSubsetFonts="1">
   <p:sldMasterIdLst>
     <p:sldMasterId id="2147483660" r:id="rId1"/>
   </p:sldMasterIdLst>
   <p:notesMasterIdLst>
-    <p:notesMasterId r:id="rId5"/>
+    <p:notesMasterId r:id="rId6"/>
   </p:notesMasterIdLst>
   <p:sldIdLst>
     <p:sldId id="256" r:id="rId2"/>
     <p:sldId id="348" r:id="rId3"/>
     <p:sldId id="346" r:id="rId4"/>
+    <p:sldId id="349" r:id="rId5"/>
   </p:sldIdLst>
   <p:sldSz cx="9144000" cy="6858000" type="screen4x3"/>
   <p:notesSz cx="6858000" cy="9144000"/>
+  <p:embeddedFontLst>
+    <p:embeddedFont>
+      <p:font typeface="맑은 고딕" panose="020B0503020000020004" pitchFamily="50" charset="-127"/>
+      <p:regular r:id="rId7"/>
+      <p:bold r:id="rId8"/>
+    </p:embeddedFont>
+    <p:embeddedFont>
+      <p:font typeface="한컴산뜻돋움" panose="02000000000000000000" pitchFamily="2" charset="-127"/>
+      <p:regular r:id="rId9"/>
+      <p:bold r:id="rId10"/>
+    </p:embeddedFont>
+    <p:embeddedFont>
+      <p:font typeface="함초롬바탕" panose="02030604000101010101" pitchFamily="18" charset="-127"/>
+      <p:regular r:id="rId11"/>
+      <p:bold r:id="rId12"/>
+    </p:embeddedFont>
+    <p:embeddedFont>
+      <p:font typeface="Calibri" panose="020F0502020204030204" pitchFamily="34" charset="0"/>
+      <p:regular r:id="rId13"/>
+      <p:bold r:id="rId14"/>
+      <p:italic r:id="rId15"/>
+      <p:boldItalic r:id="rId16"/>
+    </p:embeddedFont>
+  </p:embeddedFontLst>
   <p:defaultTextStyle>
     <a:defPPr>
       <a:defRPr lang="en-US"/>
@@ -4275,22 +4300,7 @@
                 <a:latin typeface="+mn-ea"/>
                 <a:ea typeface="+mn-ea"/>
               </a:rPr>
-              <a:t>- </a:t>
-            </a:r>
-            <a:r>
-              <a:rPr lang="ko-KR" altLang="en-US" sz="3200" dirty="0" err="1">
-                <a:ln w="12700">
-                  <a:solidFill>
-                    <a:schemeClr val="tx1">
-                      <a:lumMod val="85000"/>
-                      <a:lumOff val="15000"/>
-                    </a:schemeClr>
-                  </a:solidFill>
-                </a:ln>
-                <a:latin typeface="+mn-ea"/>
-                <a:ea typeface="+mn-ea"/>
-              </a:rPr>
-              <a:t>만드로이드</a:t>
+              <a:t>- Ligal.AI</a:t>
             </a:r>
             <a:r>
               <a:rPr lang="ko-KR" altLang="en-US" sz="3200" dirty="0">
@@ -4443,7 +4453,7 @@
         <p:spPr/>
         <p:txBody>
           <a:bodyPr>
-            <a:normAutofit/>
+            <a:normAutofit lnSpcReduction="10000"/>
           </a:bodyPr>
           <a:lstStyle/>
           <a:p>
@@ -4456,10 +4466,46 @@
               <a:t>: </a:t>
             </a:r>
             <a:r>
-              <a:rPr lang="ko-KR" altLang="en-US" dirty="0"/>
-              <a:t>시각장애인의 편의를 위한 음성 인식 메모 앱</a:t>
-            </a:r>
-            <a:endParaRPr lang="en-US" altLang="ko-KR" dirty="0"/>
+              <a:rPr lang="ko-KR" altLang="en-US" sz="2000" dirty="0">
+                <a:ln w="12700">
+                  <a:solidFill>
+                    <a:schemeClr val="tx1">
+                      <a:lumMod val="85000"/>
+                      <a:lumOff val="15000"/>
+                    </a:schemeClr>
+                  </a:solidFill>
+                </a:ln>
+                <a:latin typeface="+mn-ea"/>
+                <a:ea typeface="+mn-ea"/>
+              </a:rPr>
+              <a:t>비법조인을 위한 판결 예상 및 유사 사례 검색 </a:t>
+            </a:r>
+            <a:endParaRPr lang="en-US" altLang="ko-KR" sz="2000" dirty="0">
+              <a:ln w="12700">
+                <a:solidFill>
+                  <a:schemeClr val="tx1">
+                    <a:lumMod val="85000"/>
+                    <a:lumOff val="15000"/>
+                  </a:schemeClr>
+                </a:solidFill>
+              </a:ln>
+              <a:latin typeface="+mn-ea"/>
+              <a:ea typeface="+mn-ea"/>
+            </a:endParaRPr>
+          </a:p>
+          <a:p>
+            <a:endParaRPr lang="en-US" altLang="ko-KR" sz="100" dirty="0">
+              <a:ln w="12700">
+                <a:solidFill>
+                  <a:schemeClr val="tx1">
+                    <a:lumMod val="85000"/>
+                    <a:lumOff val="15000"/>
+                  </a:schemeClr>
+                </a:solidFill>
+              </a:ln>
+              <a:latin typeface="+mn-ea"/>
+              <a:ea typeface="+mn-ea"/>
+            </a:endParaRPr>
           </a:p>
           <a:p>
             <a:r>
@@ -4472,7 +4518,15 @@
             </a:r>
             <a:r>
               <a:rPr lang="ko-KR" altLang="en-US" dirty="0"/>
-              <a:t>개발할 아이디어를 고민하던 중 저희 팀은 이런 의문이 들었습니다</a:t>
+              <a:t>저희 조원은 부동산 투자와 민법</a:t>
+            </a:r>
+            <a:r>
+              <a:rPr lang="en-US" altLang="ko-KR" dirty="0"/>
+              <a:t>, </a:t>
+            </a:r>
+            <a:r>
+              <a:rPr lang="ko-KR" altLang="en-US" dirty="0"/>
+              <a:t>공법 등 부동산 관련 법에 관심이 많은 편입니다</a:t>
             </a:r>
             <a:r>
               <a:rPr lang="en-US" altLang="ko-KR" dirty="0"/>
@@ -4480,7 +4534,15 @@
             </a:r>
             <a:r>
               <a:rPr lang="ko-KR" altLang="en-US" dirty="0"/>
-              <a:t>시각장애인은 스마트폰을 어떻게 사용할까</a:t>
+              <a:t>실제로 공인중개사를 준비중이기도 합니다</a:t>
+            </a:r>
+            <a:r>
+              <a:rPr lang="en-US" altLang="ko-KR" dirty="0"/>
+              <a:t>. </a:t>
+            </a:r>
+            <a:r>
+              <a:rPr lang="ko-KR" altLang="en-US" dirty="0"/>
+              <a:t>최근에 화제가 되고 있는 전세 사기 등 부동산 관련 판결에 대하여도 교재를 통해 학습할 수 있었는데</a:t>
             </a:r>
             <a:r>
               <a:rPr lang="en-US" altLang="ko-KR" dirty="0"/>
@@ -4488,7 +4550,15 @@
             </a:r>
             <a:r>
               <a:rPr lang="ko-KR" altLang="en-US" dirty="0"/>
-              <a:t>더 나아가 메모를 하는 습관은 바쁜 현대 사회에 있어서 필수적으로 필요한 기능이라고 할 수 있는데</a:t>
+              <a:t>일반적으로 법조계에 종사하지 않는 민간인이 이러한 사건의 피해자가 되는 이유는 법에 대하여 잘 모르기 때문이 아닐까 합니다</a:t>
+            </a:r>
+            <a:r>
+              <a:rPr lang="en-US" altLang="ko-KR" dirty="0"/>
+              <a:t>. </a:t>
+            </a:r>
+            <a:r>
+              <a:rPr lang="ko-KR" altLang="en-US" dirty="0"/>
+              <a:t>법은 어렵기 때문에 법을 아는 전문직 종사자를 만나서 상담을 받는데</a:t>
             </a:r>
             <a:r>
               <a:rPr lang="en-US" altLang="ko-KR" dirty="0"/>
@@ -4496,7 +4566,7 @@
             </a:r>
             <a:r>
               <a:rPr lang="ko-KR" altLang="en-US" dirty="0"/>
-              <a:t>앞을 보지 못하는 시각장애인을 위한 서비스가 없다고 판단되었습니다</a:t>
+              <a:t>시작부터 상당한 비용이 들게 됩니다</a:t>
             </a:r>
             <a:r>
               <a:rPr lang="en-US" altLang="ko-KR" dirty="0"/>
@@ -4504,23 +4574,52 @@
             </a:r>
             <a:r>
               <a:rPr lang="ko-KR" altLang="en-US" dirty="0"/>
-              <a:t>시각장애인이라면 타자를 타이핑하는 것이 제한되기 때문에 음성으로 녹음하는 방식이 더 메모의 기능에 충실할 수 있지 않을까 생각이 되었고</a:t>
+              <a:t>하지만 시대는 바뀌고 있고</a:t>
             </a:r>
             <a:r>
               <a:rPr lang="en-US" altLang="ko-KR" dirty="0"/>
-              <a:t>, TTS </a:t>
+              <a:t>, </a:t>
             </a:r>
             <a:r>
               <a:rPr lang="ko-KR" altLang="en-US" dirty="0"/>
-              <a:t>엔진을 활용한 음성 안내 서비스가 더 도움이 될 것이라고 생각했습니다</a:t>
+              <a:t>저희는 법에 관심이 많은 컴퓨터공학과 학생으로서 지금까지 대학에서 배운 지식을 바탕으로 리걸테크 서비스를 개발할 것입니다</a:t>
             </a:r>
             <a:r>
               <a:rPr lang="en-US" altLang="ko-KR" dirty="0"/>
               <a:t>. </a:t>
             </a:r>
+          </a:p>
+          <a:p>
+            <a:endParaRPr lang="en-US" altLang="ko-KR" sz="100" dirty="0"/>
+          </a:p>
+          <a:p>
             <a:r>
               <a:rPr lang="ko-KR" altLang="en-US" dirty="0"/>
-              <a:t>이러한 차이점이 일반적인 메모장 앱에 비하여 더 시각장애인을 위한 서비스가 될 것이라고 확신했습니다</a:t>
+              <a:t>프로젝트 아이디어</a:t>
+            </a:r>
+            <a:r>
+              <a:rPr lang="en-US" altLang="ko-KR" dirty="0"/>
+              <a:t> : </a:t>
+            </a:r>
+            <a:r>
+              <a:rPr lang="ko-KR" altLang="en-US" dirty="0"/>
+              <a:t>사용자가 현재 처한 상황을 구체적으로 입력하게 되면</a:t>
+            </a:r>
+            <a:r>
+              <a:rPr lang="en-US" altLang="ko-KR" dirty="0"/>
+              <a:t>, </a:t>
+            </a:r>
+            <a:r>
+              <a:rPr lang="ko-KR" altLang="en-US" dirty="0"/>
+              <a:t>프로그램이 문맥을 파악한 후 가장 유사한 순서대로 판례를 출력하고</a:t>
+            </a:r>
+            <a:r>
+              <a:rPr lang="en-US" altLang="ko-KR" dirty="0"/>
+              <a:t>, </a:t>
+            </a:r>
+            <a:r>
+              <a:rPr lang="ko-KR" altLang="en-US" dirty="0"/>
+              <a:t>예상하는 판결에 대하여 알려줍니다</a:t>
             </a:r>
             <a:r>
               <a:rPr lang="en-US" altLang="ko-KR" dirty="0"/>
@@ -4645,168 +4744,6 @@
           </a:p>
         </p:txBody>
       </p:sp>
-      <p:grpSp>
-        <p:nvGrpSpPr>
-          <p:cNvPr id="9" name="그룹 8">
-            <a:extLst>
-              <a:ext uri="{FF2B5EF4-FFF2-40B4-BE49-F238E27FC236}">
-                <a16:creationId xmlns:a16="http://schemas.microsoft.com/office/drawing/2014/main" id="{D719E91B-FF18-33C8-B9EF-16D9A5C9C4EA}"/>
-              </a:ext>
-            </a:extLst>
-          </p:cNvPr>
-          <p:cNvGrpSpPr/>
-          <p:nvPr/>
-        </p:nvGrpSpPr>
-        <p:grpSpPr>
-          <a:xfrm>
-            <a:off x="1151965" y="1281953"/>
-            <a:ext cx="6840070" cy="4885765"/>
-            <a:chOff x="1192306" y="1147482"/>
-            <a:chExt cx="5329238" cy="3198812"/>
-          </a:xfrm>
-        </p:grpSpPr>
-        <p:pic>
-          <p:nvPicPr>
-            <p:cNvPr id="1027" name="_x103085544">
-              <a:extLst>
-                <a:ext uri="{FF2B5EF4-FFF2-40B4-BE49-F238E27FC236}">
-                  <a16:creationId xmlns:a16="http://schemas.microsoft.com/office/drawing/2014/main" id="{B695946A-99DD-A9F1-4650-5D9FED42F112}"/>
-                </a:ext>
-              </a:extLst>
-            </p:cNvPr>
-            <p:cNvPicPr>
-              <a:picLocks noChangeAspect="1" noChangeArrowheads="1"/>
-            </p:cNvPicPr>
-            <p:nvPr/>
-          </p:nvPicPr>
-          <p:blipFill>
-            <a:blip r:embed="rId2">
-              <a:extLst>
-                <a:ext uri="{28A0092B-C50C-407E-A947-70E740481C1C}">
-                  <a14:useLocalDpi xmlns:a14="http://schemas.microsoft.com/office/drawing/2010/main" val="0"/>
-                </a:ext>
-              </a:extLst>
-            </a:blip>
-            <a:srcRect/>
-            <a:stretch>
-              <a:fillRect/>
-            </a:stretch>
-          </p:blipFill>
-          <p:spPr bwMode="auto">
-            <a:xfrm>
-              <a:off x="1192306" y="1147482"/>
-              <a:ext cx="1779588" cy="3176588"/>
-            </a:xfrm>
-            <a:prstGeom prst="rect">
-              <a:avLst/>
-            </a:prstGeom>
-            <a:noFill/>
-            <a:extLst>
-              <a:ext uri="{909E8E84-426E-40DD-AFC4-6F175D3DCCD1}">
-                <a14:hiddenFill xmlns:a14="http://schemas.microsoft.com/office/drawing/2010/main">
-                  <a:solidFill>
-                    <a:srgbClr val="FFFFFF"/>
-                  </a:solidFill>
-                </a14:hiddenFill>
-              </a:ext>
-            </a:extLst>
-          </p:spPr>
-        </p:pic>
-        <p:pic>
-          <p:nvPicPr>
-            <p:cNvPr id="1026" name="_x103084752">
-              <a:extLst>
-                <a:ext uri="{FF2B5EF4-FFF2-40B4-BE49-F238E27FC236}">
-                  <a16:creationId xmlns:a16="http://schemas.microsoft.com/office/drawing/2014/main" id="{C8646539-0CC8-E5AB-4C51-EE036CA955AD}"/>
-                </a:ext>
-              </a:extLst>
-            </p:cNvPr>
-            <p:cNvPicPr>
-              <a:picLocks noChangeAspect="1" noChangeArrowheads="1"/>
-            </p:cNvPicPr>
-            <p:nvPr/>
-          </p:nvPicPr>
-          <p:blipFill>
-            <a:blip r:embed="rId3">
-              <a:extLst>
-                <a:ext uri="{28A0092B-C50C-407E-A947-70E740481C1C}">
-                  <a14:useLocalDpi xmlns:a14="http://schemas.microsoft.com/office/drawing/2010/main" val="0"/>
-                </a:ext>
-              </a:extLst>
-            </a:blip>
-            <a:srcRect/>
-            <a:stretch>
-              <a:fillRect/>
-            </a:stretch>
-          </p:blipFill>
-          <p:spPr bwMode="auto">
-            <a:xfrm>
-              <a:off x="2967131" y="1147482"/>
-              <a:ext cx="1793875" cy="3198812"/>
-            </a:xfrm>
-            <a:prstGeom prst="rect">
-              <a:avLst/>
-            </a:prstGeom>
-            <a:noFill/>
-            <a:extLst>
-              <a:ext uri="{909E8E84-426E-40DD-AFC4-6F175D3DCCD1}">
-                <a14:hiddenFill xmlns:a14="http://schemas.microsoft.com/office/drawing/2010/main">
-                  <a:solidFill>
-                    <a:srgbClr val="FFFFFF"/>
-                  </a:solidFill>
-                </a14:hiddenFill>
-              </a:ext>
-            </a:extLst>
-          </p:spPr>
-        </p:pic>
-        <p:pic>
-          <p:nvPicPr>
-            <p:cNvPr id="1025" name="_x102960304">
-              <a:extLst>
-                <a:ext uri="{FF2B5EF4-FFF2-40B4-BE49-F238E27FC236}">
-                  <a16:creationId xmlns:a16="http://schemas.microsoft.com/office/drawing/2014/main" id="{5F367FEE-5BC8-8CCB-6AA6-CBB038A618D7}"/>
-                </a:ext>
-              </a:extLst>
-            </p:cNvPr>
-            <p:cNvPicPr>
-              <a:picLocks noChangeAspect="1" noChangeArrowheads="1"/>
-            </p:cNvPicPr>
-            <p:nvPr/>
-          </p:nvPicPr>
-          <p:blipFill>
-            <a:blip r:embed="rId4">
-              <a:extLst>
-                <a:ext uri="{28A0092B-C50C-407E-A947-70E740481C1C}">
-                  <a14:useLocalDpi xmlns:a14="http://schemas.microsoft.com/office/drawing/2010/main" val="0"/>
-                </a:ext>
-              </a:extLst>
-            </a:blip>
-            <a:srcRect/>
-            <a:stretch>
-              <a:fillRect/>
-            </a:stretch>
-          </p:blipFill>
-          <p:spPr bwMode="auto">
-            <a:xfrm>
-              <a:off x="4746719" y="1147482"/>
-              <a:ext cx="1774825" cy="3165475"/>
-            </a:xfrm>
-            <a:prstGeom prst="rect">
-              <a:avLst/>
-            </a:prstGeom>
-            <a:noFill/>
-            <a:extLst>
-              <a:ext uri="{909E8E84-426E-40DD-AFC4-6F175D3DCCD1}">
-                <a14:hiddenFill xmlns:a14="http://schemas.microsoft.com/office/drawing/2010/main">
-                  <a:solidFill>
-                    <a:srgbClr val="FFFFFF"/>
-                  </a:solidFill>
-                </a14:hiddenFill>
-              </a:ext>
-            </a:extLst>
-          </p:spPr>
-        </p:pic>
-      </p:grpSp>
       <p:sp>
         <p:nvSpPr>
           <p:cNvPr id="7" name="Rectangle 4">
@@ -5035,10 +4972,1368 @@
           </a:p>
         </p:txBody>
       </p:sp>
+      <p:sp>
+        <p:nvSpPr>
+          <p:cNvPr id="3" name="TextBox 2">
+            <a:extLst>
+              <a:ext uri="{FF2B5EF4-FFF2-40B4-BE49-F238E27FC236}">
+                <a16:creationId xmlns:a16="http://schemas.microsoft.com/office/drawing/2014/main" id="{55B9523E-6A6D-A1B3-BBE7-EF1D9B7BCABA}"/>
+              </a:ext>
+            </a:extLst>
+          </p:cNvPr>
+          <p:cNvSpPr txBox="1"/>
+          <p:nvPr/>
+        </p:nvSpPr>
+        <p:spPr>
+          <a:xfrm>
+            <a:off x="439947" y="1231409"/>
+            <a:ext cx="5907643" cy="646331"/>
+          </a:xfrm>
+          <a:prstGeom prst="rect">
+            <a:avLst/>
+          </a:prstGeom>
+          <a:noFill/>
+        </p:spPr>
+        <p:txBody>
+          <a:bodyPr wrap="none" rtlCol="0">
+            <a:spAutoFit/>
+          </a:bodyPr>
+          <a:lstStyle/>
+          <a:p>
+            <a:r>
+              <a:rPr lang="ko-KR" altLang="en-US" b="1" dirty="0"/>
+              <a:t>현재 당신이 처한 상황을 구체적으로 입력하세요</a:t>
+            </a:r>
+            <a:r>
+              <a:rPr lang="en-US" altLang="ko-KR" b="1" dirty="0"/>
+              <a:t>.</a:t>
+            </a:r>
+          </a:p>
+          <a:p>
+            <a:r>
+              <a:rPr lang="en-US" altLang="ko-KR" b="1" dirty="0"/>
+              <a:t>Legal.AI</a:t>
+            </a:r>
+            <a:r>
+              <a:rPr lang="ko-KR" altLang="en-US" b="1" dirty="0"/>
+              <a:t>가 당신의 글을 읽고 유사한 판례를 찾아드립니다</a:t>
+            </a:r>
+            <a:r>
+              <a:rPr lang="en-US" altLang="ko-KR" b="1" dirty="0"/>
+              <a:t>.</a:t>
+            </a:r>
+            <a:endParaRPr lang="ko-KR" altLang="en-US" b="1" dirty="0"/>
+          </a:p>
+        </p:txBody>
+      </p:sp>
+      <p:sp>
+        <p:nvSpPr>
+          <p:cNvPr id="5" name="직사각형 4">
+            <a:extLst>
+              <a:ext uri="{FF2B5EF4-FFF2-40B4-BE49-F238E27FC236}">
+                <a16:creationId xmlns:a16="http://schemas.microsoft.com/office/drawing/2014/main" id="{194945B2-8BC7-F52B-6F25-FC85E8D21229}"/>
+              </a:ext>
+            </a:extLst>
+          </p:cNvPr>
+          <p:cNvSpPr/>
+          <p:nvPr/>
+        </p:nvSpPr>
+        <p:spPr>
+          <a:xfrm>
+            <a:off x="493396" y="2152767"/>
+            <a:ext cx="8174459" cy="1788459"/>
+          </a:xfrm>
+          <a:prstGeom prst="rect">
+            <a:avLst/>
+          </a:prstGeom>
+          <a:solidFill>
+            <a:schemeClr val="bg1"/>
+          </a:solidFill>
+          <a:ln>
+            <a:solidFill>
+              <a:schemeClr val="tx1"/>
+            </a:solidFill>
+          </a:ln>
+          <a:effectLst>
+            <a:innerShdw blurRad="63500" dist="50800" dir="13500000">
+              <a:prstClr val="black">
+                <a:alpha val="50000"/>
+              </a:prstClr>
+            </a:innerShdw>
+          </a:effectLst>
+        </p:spPr>
+        <p:style>
+          <a:lnRef idx="2">
+            <a:schemeClr val="accent1">
+              <a:shade val="50000"/>
+            </a:schemeClr>
+          </a:lnRef>
+          <a:fillRef idx="1">
+            <a:schemeClr val="accent1"/>
+          </a:fillRef>
+          <a:effectRef idx="0">
+            <a:schemeClr val="accent1"/>
+          </a:effectRef>
+          <a:fontRef idx="minor">
+            <a:schemeClr val="lt1"/>
+          </a:fontRef>
+        </p:style>
+        <p:txBody>
+          <a:bodyPr rtlCol="0" anchor="ctr"/>
+          <a:lstStyle/>
+          <a:p>
+            <a:r>
+              <a:rPr lang="ko-KR" altLang="en-US" dirty="0">
+                <a:solidFill>
+                  <a:srgbClr val="FF0000"/>
+                </a:solidFill>
+              </a:rPr>
+              <a:t>예</a:t>
+            </a:r>
+            <a:r>
+              <a:rPr lang="en-US" altLang="ko-KR" dirty="0">
+                <a:solidFill>
+                  <a:srgbClr val="FF0000"/>
+                </a:solidFill>
+              </a:rPr>
+              <a:t>) </a:t>
+            </a:r>
+            <a:r>
+              <a:rPr lang="ko-KR" altLang="en-US" dirty="0">
+                <a:solidFill>
+                  <a:srgbClr val="FF0000"/>
+                </a:solidFill>
+              </a:rPr>
+              <a:t>전세 보증금 </a:t>
+            </a:r>
+            <a:r>
+              <a:rPr lang="en-US" altLang="ko-KR" dirty="0">
+                <a:solidFill>
+                  <a:srgbClr val="FF0000"/>
+                </a:solidFill>
+              </a:rPr>
+              <a:t>2</a:t>
+            </a:r>
+            <a:r>
+              <a:rPr lang="ko-KR" altLang="en-US" dirty="0">
+                <a:solidFill>
+                  <a:srgbClr val="FF0000"/>
+                </a:solidFill>
+              </a:rPr>
+              <a:t>억원을 돌려받지 못한 채 경매가 진행되었습니다</a:t>
+            </a:r>
+            <a:r>
+              <a:rPr lang="en-US" altLang="ko-KR" dirty="0">
+                <a:solidFill>
+                  <a:srgbClr val="FF0000"/>
+                </a:solidFill>
+              </a:rPr>
+              <a:t>. </a:t>
+            </a:r>
+            <a:endParaRPr lang="ko-KR" altLang="en-US" dirty="0"/>
+          </a:p>
+        </p:txBody>
+      </p:sp>
+      <p:pic>
+        <p:nvPicPr>
+          <p:cNvPr id="12" name="그래픽 11" descr="돋보기 단색으로 채워진">
+            <a:extLst>
+              <a:ext uri="{FF2B5EF4-FFF2-40B4-BE49-F238E27FC236}">
+                <a16:creationId xmlns:a16="http://schemas.microsoft.com/office/drawing/2014/main" id="{0FA0D90B-EE78-7722-BD37-3144C8A6B9A1}"/>
+              </a:ext>
+            </a:extLst>
+          </p:cNvPr>
+          <p:cNvPicPr>
+            <a:picLocks noChangeAspect="1"/>
+          </p:cNvPicPr>
+          <p:nvPr/>
+        </p:nvPicPr>
+        <p:blipFill>
+          <a:blip r:embed="rId2">
+            <a:extLst>
+              <a:ext uri="{28A0092B-C50C-407E-A947-70E740481C1C}">
+                <a14:useLocalDpi xmlns:a14="http://schemas.microsoft.com/office/drawing/2010/main" val="0"/>
+              </a:ext>
+              <a:ext uri="{96DAC541-7B7A-43D3-8B79-37D633B846F1}">
+                <asvg:svgBlip xmlns:asvg="http://schemas.microsoft.com/office/drawing/2016/SVG/main" r:embed="rId3"/>
+              </a:ext>
+            </a:extLst>
+          </a:blip>
+          <a:stretch>
+            <a:fillRect/>
+          </a:stretch>
+        </p:blipFill>
+        <p:spPr>
+          <a:xfrm>
+            <a:off x="7494494" y="1097374"/>
+            <a:ext cx="914400" cy="914400"/>
+          </a:xfrm>
+          <a:prstGeom prst="rect">
+            <a:avLst/>
+          </a:prstGeom>
+        </p:spPr>
+      </p:pic>
+      <p:sp>
+        <p:nvSpPr>
+          <p:cNvPr id="14" name="사각형: 둥근 모서리 13">
+            <a:extLst>
+              <a:ext uri="{FF2B5EF4-FFF2-40B4-BE49-F238E27FC236}">
+                <a16:creationId xmlns:a16="http://schemas.microsoft.com/office/drawing/2014/main" id="{52D1EADC-2EFD-0A98-FB7A-3E1DEEDAF2E8}"/>
+              </a:ext>
+            </a:extLst>
+          </p:cNvPr>
+          <p:cNvSpPr/>
+          <p:nvPr/>
+        </p:nvSpPr>
+        <p:spPr>
+          <a:xfrm>
+            <a:off x="7753455" y="4216253"/>
+            <a:ext cx="914400" cy="460342"/>
+          </a:xfrm>
+          <a:prstGeom prst="roundRect">
+            <a:avLst/>
+          </a:prstGeom>
+          <a:solidFill>
+            <a:schemeClr val="accent1">
+              <a:alpha val="20000"/>
+            </a:schemeClr>
+          </a:solidFill>
+          <a:ln>
+            <a:noFill/>
+          </a:ln>
+        </p:spPr>
+        <p:style>
+          <a:lnRef idx="2">
+            <a:schemeClr val="accent1">
+              <a:shade val="50000"/>
+            </a:schemeClr>
+          </a:lnRef>
+          <a:fillRef idx="1">
+            <a:schemeClr val="accent1"/>
+          </a:fillRef>
+          <a:effectRef idx="0">
+            <a:schemeClr val="accent1"/>
+          </a:effectRef>
+          <a:fontRef idx="minor">
+            <a:schemeClr val="lt1"/>
+          </a:fontRef>
+        </p:style>
+        <p:txBody>
+          <a:bodyPr rtlCol="0" anchor="ctr"/>
+          <a:lstStyle/>
+          <a:p>
+            <a:pPr algn="ctr"/>
+            <a:r>
+              <a:rPr lang="ko-KR" altLang="en-US" dirty="0">
+                <a:solidFill>
+                  <a:srgbClr val="0070C0"/>
+                </a:solidFill>
+              </a:rPr>
+              <a:t>제출</a:t>
+            </a:r>
+          </a:p>
+        </p:txBody>
+      </p:sp>
+      <p:sp>
+        <p:nvSpPr>
+          <p:cNvPr id="15" name="말풍선: 사각형 14">
+            <a:extLst>
+              <a:ext uri="{FF2B5EF4-FFF2-40B4-BE49-F238E27FC236}">
+                <a16:creationId xmlns:a16="http://schemas.microsoft.com/office/drawing/2014/main" id="{D5305631-FC82-0ABD-0431-E1CE9C130C6A}"/>
+              </a:ext>
+            </a:extLst>
+          </p:cNvPr>
+          <p:cNvSpPr/>
+          <p:nvPr/>
+        </p:nvSpPr>
+        <p:spPr>
+          <a:xfrm>
+            <a:off x="6663906" y="5235388"/>
+            <a:ext cx="914400" cy="612648"/>
+          </a:xfrm>
+          <a:prstGeom prst="wedgeRectCallout">
+            <a:avLst>
+              <a:gd name="adj1" fmla="val 49755"/>
+              <a:gd name="adj2" fmla="val -129189"/>
+            </a:avLst>
+          </a:prstGeom>
+          <a:solidFill>
+            <a:schemeClr val="tx1"/>
+          </a:solidFill>
+          <a:ln>
+            <a:noFill/>
+          </a:ln>
+        </p:spPr>
+        <p:style>
+          <a:lnRef idx="2">
+            <a:schemeClr val="accent1">
+              <a:shade val="50000"/>
+            </a:schemeClr>
+          </a:lnRef>
+          <a:fillRef idx="1">
+            <a:schemeClr val="accent1"/>
+          </a:fillRef>
+          <a:effectRef idx="0">
+            <a:schemeClr val="accent1"/>
+          </a:effectRef>
+          <a:fontRef idx="minor">
+            <a:schemeClr val="lt1"/>
+          </a:fontRef>
+        </p:style>
+        <p:txBody>
+          <a:bodyPr rtlCol="0" anchor="ctr"/>
+          <a:lstStyle/>
+          <a:p>
+            <a:pPr algn="ctr"/>
+            <a:r>
+              <a:rPr lang="ko-KR" altLang="en-US" dirty="0"/>
+              <a:t>클릭</a:t>
+            </a:r>
+            <a:r>
+              <a:rPr lang="en-US" altLang="ko-KR" dirty="0"/>
+              <a:t>!!</a:t>
+            </a:r>
+            <a:endParaRPr lang="ko-KR" altLang="en-US" dirty="0"/>
+          </a:p>
+        </p:txBody>
+      </p:sp>
     </p:spTree>
     <p:extLst>
       <p:ext uri="{BB962C8B-B14F-4D97-AF65-F5344CB8AC3E}">
         <p14:creationId xmlns:p14="http://schemas.microsoft.com/office/powerpoint/2010/main" val="662905000"/>
+      </p:ext>
+    </p:extLst>
+  </p:cSld>
+  <p:clrMapOvr>
+    <a:masterClrMapping/>
+  </p:clrMapOvr>
+</p:sld>
+</file>
+
+<file path=ppt/slides/slide4.xml><?xml version="1.0" encoding="utf-8"?>
+<p:sld xmlns:a="http://schemas.openxmlformats.org/drawingml/2006/main" xmlns:r="http://schemas.openxmlformats.org/officeDocument/2006/relationships" xmlns:p="http://schemas.openxmlformats.org/presentationml/2006/main">
+  <p:cSld>
+    <p:spTree>
+      <p:nvGrpSpPr>
+        <p:cNvPr id="1" name=""/>
+        <p:cNvGrpSpPr/>
+        <p:nvPr/>
+      </p:nvGrpSpPr>
+      <p:grpSpPr>
+        <a:xfrm>
+          <a:off x="0" y="0"/>
+          <a:ext cx="0" cy="0"/>
+          <a:chOff x="0" y="0"/>
+          <a:chExt cx="0" cy="0"/>
+        </a:xfrm>
+      </p:grpSpPr>
+      <p:sp>
+        <p:nvSpPr>
+          <p:cNvPr id="4" name="슬라이드 번호 개체 틀 3">
+            <a:extLst>
+              <a:ext uri="{FF2B5EF4-FFF2-40B4-BE49-F238E27FC236}">
+                <a16:creationId xmlns:a16="http://schemas.microsoft.com/office/drawing/2014/main" id="{DA00C666-A924-79ED-DF59-446CB911EBCF}"/>
+              </a:ext>
+            </a:extLst>
+          </p:cNvPr>
+          <p:cNvSpPr>
+            <a:spLocks noGrp="1"/>
+          </p:cNvSpPr>
+          <p:nvPr>
+            <p:ph type="sldNum" sz="quarter" idx="12"/>
+          </p:nvPr>
+        </p:nvSpPr>
+        <p:spPr/>
+        <p:txBody>
+          <a:bodyPr/>
+          <a:lstStyle/>
+          <a:p>
+            <a:fld id="{2F00E46C-ED49-42AD-BB6D-7499E1F08A71}" type="slidenum">
+              <a:rPr lang="ko-KR" altLang="en-US" smtClean="0"/>
+              <a:t>4</a:t>
+            </a:fld>
+            <a:endParaRPr lang="ko-KR" altLang="en-US"/>
+          </a:p>
+        </p:txBody>
+      </p:sp>
+      <p:sp>
+        <p:nvSpPr>
+          <p:cNvPr id="5" name="제목 1">
+            <a:extLst>
+              <a:ext uri="{FF2B5EF4-FFF2-40B4-BE49-F238E27FC236}">
+                <a16:creationId xmlns:a16="http://schemas.microsoft.com/office/drawing/2014/main" id="{C8B0D00C-5B94-FCF9-D86D-E641D1D00EBD}"/>
+              </a:ext>
+            </a:extLst>
+          </p:cNvPr>
+          <p:cNvSpPr>
+            <a:spLocks noGrp="1"/>
+          </p:cNvSpPr>
+          <p:nvPr>
+            <p:ph type="title"/>
+          </p:nvPr>
+        </p:nvSpPr>
+        <p:spPr>
+          <a:xfrm>
+            <a:off x="439947" y="136524"/>
+            <a:ext cx="8281359" cy="735931"/>
+          </a:xfrm>
+        </p:spPr>
+        <p:txBody>
+          <a:bodyPr/>
+          <a:lstStyle/>
+          <a:p>
+            <a:r>
+              <a:rPr lang="ko-KR" altLang="en-US" dirty="0"/>
+              <a:t>개발 하는 제품의 개념도 작성</a:t>
+            </a:r>
+          </a:p>
+        </p:txBody>
+      </p:sp>
+      <p:sp>
+        <p:nvSpPr>
+          <p:cNvPr id="6" name="TextBox 5">
+            <a:extLst>
+              <a:ext uri="{FF2B5EF4-FFF2-40B4-BE49-F238E27FC236}">
+                <a16:creationId xmlns:a16="http://schemas.microsoft.com/office/drawing/2014/main" id="{A7521169-6D91-9BD6-A3BD-A6743ABF7525}"/>
+              </a:ext>
+            </a:extLst>
+          </p:cNvPr>
+          <p:cNvSpPr txBox="1"/>
+          <p:nvPr/>
+        </p:nvSpPr>
+        <p:spPr>
+          <a:xfrm>
+            <a:off x="439947" y="1231409"/>
+            <a:ext cx="3671454" cy="646331"/>
+          </a:xfrm>
+          <a:prstGeom prst="rect">
+            <a:avLst/>
+          </a:prstGeom>
+          <a:noFill/>
+        </p:spPr>
+        <p:txBody>
+          <a:bodyPr wrap="none" rtlCol="0">
+            <a:spAutoFit/>
+          </a:bodyPr>
+          <a:lstStyle/>
+          <a:p>
+            <a:r>
+              <a:rPr lang="en-US" altLang="ko-KR" b="1" dirty="0"/>
+              <a:t>Legal.AI</a:t>
+            </a:r>
+            <a:r>
+              <a:rPr lang="ko-KR" altLang="en-US" b="1" dirty="0"/>
+              <a:t>가 찾은 유사한 판례입니다</a:t>
+            </a:r>
+            <a:r>
+              <a:rPr lang="en-US" altLang="ko-KR" b="1" dirty="0"/>
+              <a:t>.</a:t>
+            </a:r>
+          </a:p>
+          <a:p>
+            <a:r>
+              <a:rPr lang="ko-KR" altLang="en-US" b="1" dirty="0">
+                <a:solidFill>
+                  <a:schemeClr val="bg1">
+                    <a:lumMod val="50000"/>
+                  </a:schemeClr>
+                </a:solidFill>
+              </a:rPr>
+              <a:t>총 </a:t>
+            </a:r>
+            <a:r>
+              <a:rPr lang="en-US" altLang="ko-KR" b="1" dirty="0">
+                <a:solidFill>
+                  <a:schemeClr val="bg1">
+                    <a:lumMod val="50000"/>
+                  </a:schemeClr>
+                </a:solidFill>
+              </a:rPr>
+              <a:t>12</a:t>
+            </a:r>
+            <a:r>
+              <a:rPr lang="ko-KR" altLang="en-US" b="1" dirty="0">
+                <a:solidFill>
+                  <a:schemeClr val="bg1">
+                    <a:lumMod val="50000"/>
+                  </a:schemeClr>
+                </a:solidFill>
+              </a:rPr>
+              <a:t>건의 검색 결과가 있습니다</a:t>
+            </a:r>
+            <a:r>
+              <a:rPr lang="en-US" altLang="ko-KR" b="1" dirty="0">
+                <a:solidFill>
+                  <a:schemeClr val="bg1">
+                    <a:lumMod val="50000"/>
+                  </a:schemeClr>
+                </a:solidFill>
+              </a:rPr>
+              <a:t>.</a:t>
+            </a:r>
+            <a:endParaRPr lang="ko-KR" altLang="en-US" b="1" dirty="0">
+              <a:solidFill>
+                <a:schemeClr val="bg1">
+                  <a:lumMod val="50000"/>
+                </a:schemeClr>
+              </a:solidFill>
+            </a:endParaRPr>
+          </a:p>
+        </p:txBody>
+      </p:sp>
+      <p:pic>
+        <p:nvPicPr>
+          <p:cNvPr id="8" name="그래픽 7" descr="아키텍처 단색으로 채워진">
+            <a:extLst>
+              <a:ext uri="{FF2B5EF4-FFF2-40B4-BE49-F238E27FC236}">
+                <a16:creationId xmlns:a16="http://schemas.microsoft.com/office/drawing/2014/main" id="{FC993EA1-03F1-96C0-5476-96F5BF704E16}"/>
+              </a:ext>
+            </a:extLst>
+          </p:cNvPr>
+          <p:cNvPicPr>
+            <a:picLocks noChangeAspect="1"/>
+          </p:cNvPicPr>
+          <p:nvPr/>
+        </p:nvPicPr>
+        <p:blipFill>
+          <a:blip r:embed="rId2">
+            <a:extLst>
+              <a:ext uri="{28A0092B-C50C-407E-A947-70E740481C1C}">
+                <a14:useLocalDpi xmlns:a14="http://schemas.microsoft.com/office/drawing/2010/main" val="0"/>
+              </a:ext>
+              <a:ext uri="{96DAC541-7B7A-43D3-8B79-37D633B846F1}">
+                <asvg:svgBlip xmlns:asvg="http://schemas.microsoft.com/office/drawing/2016/SVG/main" r:embed="rId3"/>
+              </a:ext>
+            </a:extLst>
+          </a:blip>
+          <a:stretch>
+            <a:fillRect/>
+          </a:stretch>
+        </p:blipFill>
+        <p:spPr>
+          <a:xfrm>
+            <a:off x="7494494" y="1097374"/>
+            <a:ext cx="914400" cy="914400"/>
+          </a:xfrm>
+          <a:prstGeom prst="rect">
+            <a:avLst/>
+          </a:prstGeom>
+        </p:spPr>
+      </p:pic>
+      <p:sp>
+        <p:nvSpPr>
+          <p:cNvPr id="11" name="사각형: 둥근 모서리 10">
+            <a:extLst>
+              <a:ext uri="{FF2B5EF4-FFF2-40B4-BE49-F238E27FC236}">
+                <a16:creationId xmlns:a16="http://schemas.microsoft.com/office/drawing/2014/main" id="{80C6D64E-293D-BF5F-2F83-8566070B12A5}"/>
+              </a:ext>
+            </a:extLst>
+          </p:cNvPr>
+          <p:cNvSpPr/>
+          <p:nvPr/>
+        </p:nvSpPr>
+        <p:spPr>
+          <a:xfrm>
+            <a:off x="448912" y="2236694"/>
+            <a:ext cx="7959982" cy="802341"/>
+          </a:xfrm>
+          <a:prstGeom prst="roundRect">
+            <a:avLst>
+              <a:gd name="adj" fmla="val 50000"/>
+            </a:avLst>
+          </a:prstGeom>
+          <a:solidFill>
+            <a:srgbClr val="FF0000">
+              <a:alpha val="20000"/>
+            </a:srgbClr>
+          </a:solidFill>
+          <a:ln>
+            <a:noFill/>
+          </a:ln>
+        </p:spPr>
+        <p:style>
+          <a:lnRef idx="2">
+            <a:schemeClr val="accent1">
+              <a:shade val="50000"/>
+            </a:schemeClr>
+          </a:lnRef>
+          <a:fillRef idx="1">
+            <a:schemeClr val="accent1"/>
+          </a:fillRef>
+          <a:effectRef idx="0">
+            <a:schemeClr val="accent1"/>
+          </a:effectRef>
+          <a:fontRef idx="minor">
+            <a:schemeClr val="lt1"/>
+          </a:fontRef>
+        </p:style>
+        <p:txBody>
+          <a:bodyPr rtlCol="0" anchor="ctr"/>
+          <a:lstStyle/>
+          <a:p>
+            <a:pPr algn="ctr"/>
+            <a:r>
+              <a:rPr lang="ko-KR" altLang="en-US" sz="1600" dirty="0">
+                <a:solidFill>
+                  <a:srgbClr val="FF0000"/>
+                </a:solidFill>
+              </a:rPr>
+              <a:t>대법원 </a:t>
+            </a:r>
+            <a:r>
+              <a:rPr lang="en-US" altLang="ko-KR" sz="1600" dirty="0">
+                <a:solidFill>
+                  <a:srgbClr val="FF0000"/>
+                </a:solidFill>
+              </a:rPr>
+              <a:t>1997. 6. 27. </a:t>
+            </a:r>
+            <a:r>
+              <a:rPr lang="ko-KR" altLang="en-US" sz="1600" dirty="0">
+                <a:solidFill>
+                  <a:srgbClr val="FF0000"/>
+                </a:solidFill>
+              </a:rPr>
+              <a:t>선고 </a:t>
+            </a:r>
+            <a:r>
+              <a:rPr lang="en-US" altLang="ko-KR" sz="1600" dirty="0">
+                <a:solidFill>
+                  <a:srgbClr val="FF0000"/>
+                </a:solidFill>
+              </a:rPr>
+              <a:t>95</a:t>
+            </a:r>
+            <a:r>
+              <a:rPr lang="ko-KR" altLang="en-US" sz="1600" dirty="0">
+                <a:solidFill>
+                  <a:srgbClr val="FF0000"/>
+                </a:solidFill>
+              </a:rPr>
+              <a:t>다</a:t>
+            </a:r>
+            <a:r>
+              <a:rPr lang="en-US" altLang="ko-KR" sz="1600" dirty="0">
+                <a:solidFill>
+                  <a:srgbClr val="FF0000"/>
+                </a:solidFill>
+              </a:rPr>
+              <a:t>40977 </a:t>
+            </a:r>
+            <a:r>
+              <a:rPr lang="ko-KR" altLang="en-US" sz="1600" dirty="0">
+                <a:solidFill>
+                  <a:srgbClr val="FF0000"/>
+                </a:solidFill>
+              </a:rPr>
+              <a:t>판결 </a:t>
+            </a:r>
+            <a:r>
+              <a:rPr lang="en-US" altLang="ko-KR" sz="1600" dirty="0">
+                <a:solidFill>
+                  <a:srgbClr val="FF0000"/>
+                </a:solidFill>
+              </a:rPr>
+              <a:t>[</a:t>
+            </a:r>
+            <a:r>
+              <a:rPr lang="ko-KR" altLang="en-US" sz="1600" dirty="0" err="1">
+                <a:solidFill>
+                  <a:srgbClr val="FF0000"/>
+                </a:solidFill>
+              </a:rPr>
+              <a:t>양수금ㆍ전부금</a:t>
+            </a:r>
+            <a:r>
+              <a:rPr lang="en-US" altLang="ko-KR" sz="1600" dirty="0">
+                <a:solidFill>
+                  <a:srgbClr val="FF0000"/>
+                </a:solidFill>
+              </a:rPr>
+              <a:t>][</a:t>
+            </a:r>
+            <a:r>
+              <a:rPr lang="ko-KR" altLang="en-US" sz="1600" dirty="0">
+                <a:solidFill>
+                  <a:srgbClr val="FF0000"/>
+                </a:solidFill>
+              </a:rPr>
+              <a:t>공</a:t>
+            </a:r>
+            <a:r>
+              <a:rPr lang="en-US" altLang="ko-KR" sz="1600" dirty="0">
+                <a:solidFill>
+                  <a:srgbClr val="FF0000"/>
+                </a:solidFill>
+              </a:rPr>
+              <a:t>1997.8.15.(40),2302]</a:t>
+            </a:r>
+          </a:p>
+          <a:p>
+            <a:pPr algn="ctr"/>
+            <a:r>
+              <a:rPr lang="ko-KR" altLang="en-US" sz="1600" dirty="0">
+                <a:solidFill>
+                  <a:srgbClr val="FF0000"/>
+                </a:solidFill>
+              </a:rPr>
+              <a:t>유사도 </a:t>
+            </a:r>
+            <a:r>
+              <a:rPr lang="en-US" altLang="ko-KR" sz="1600" dirty="0">
+                <a:solidFill>
+                  <a:srgbClr val="FF0000"/>
+                </a:solidFill>
+              </a:rPr>
+              <a:t>: 91%</a:t>
+            </a:r>
+            <a:endParaRPr lang="ko-KR" altLang="en-US" sz="1600" dirty="0">
+              <a:solidFill>
+                <a:srgbClr val="FF0000"/>
+              </a:solidFill>
+            </a:endParaRPr>
+          </a:p>
+        </p:txBody>
+      </p:sp>
+      <p:sp>
+        <p:nvSpPr>
+          <p:cNvPr id="14" name="사각형: 둥근 모서리 13">
+            <a:extLst>
+              <a:ext uri="{FF2B5EF4-FFF2-40B4-BE49-F238E27FC236}">
+                <a16:creationId xmlns:a16="http://schemas.microsoft.com/office/drawing/2014/main" id="{BB6CD2A3-5ADE-9188-545F-509E2272B280}"/>
+              </a:ext>
+            </a:extLst>
+          </p:cNvPr>
+          <p:cNvSpPr/>
+          <p:nvPr/>
+        </p:nvSpPr>
+        <p:spPr>
+          <a:xfrm>
+            <a:off x="448912" y="3142129"/>
+            <a:ext cx="7959982" cy="802341"/>
+          </a:xfrm>
+          <a:prstGeom prst="roundRect">
+            <a:avLst>
+              <a:gd name="adj" fmla="val 50000"/>
+            </a:avLst>
+          </a:prstGeom>
+          <a:solidFill>
+            <a:srgbClr val="FFFF00">
+              <a:alpha val="20000"/>
+            </a:srgbClr>
+          </a:solidFill>
+          <a:ln>
+            <a:noFill/>
+          </a:ln>
+        </p:spPr>
+        <p:style>
+          <a:lnRef idx="2">
+            <a:schemeClr val="accent1">
+              <a:shade val="50000"/>
+            </a:schemeClr>
+          </a:lnRef>
+          <a:fillRef idx="1">
+            <a:schemeClr val="accent1"/>
+          </a:fillRef>
+          <a:effectRef idx="0">
+            <a:schemeClr val="accent1"/>
+          </a:effectRef>
+          <a:fontRef idx="minor">
+            <a:schemeClr val="lt1"/>
+          </a:fontRef>
+        </p:style>
+        <p:txBody>
+          <a:bodyPr rtlCol="0" anchor="ctr"/>
+          <a:lstStyle/>
+          <a:p>
+            <a:pPr algn="ctr"/>
+            <a:r>
+              <a:rPr lang="ko-KR" altLang="en-US" sz="1600" dirty="0">
+                <a:solidFill>
+                  <a:schemeClr val="accent4">
+                    <a:lumMod val="50000"/>
+                  </a:schemeClr>
+                </a:solidFill>
+              </a:rPr>
+              <a:t>대법원 </a:t>
+            </a:r>
+            <a:r>
+              <a:rPr lang="en-US" altLang="ko-KR" sz="1600" dirty="0">
+                <a:solidFill>
+                  <a:schemeClr val="accent4">
+                    <a:lumMod val="50000"/>
+                  </a:schemeClr>
+                </a:solidFill>
+              </a:rPr>
+              <a:t>1984. 12. 26. </a:t>
+            </a:r>
+            <a:r>
+              <a:rPr lang="ko-KR" altLang="en-US" sz="1600" dirty="0">
+                <a:solidFill>
+                  <a:schemeClr val="accent4">
+                    <a:lumMod val="50000"/>
+                  </a:schemeClr>
+                </a:solidFill>
+              </a:rPr>
+              <a:t>선고 </a:t>
+            </a:r>
+            <a:r>
+              <a:rPr lang="en-US" altLang="ko-KR" sz="1600" dirty="0">
+                <a:solidFill>
+                  <a:schemeClr val="accent4">
+                    <a:lumMod val="50000"/>
+                  </a:schemeClr>
+                </a:solidFill>
+              </a:rPr>
+              <a:t>84</a:t>
+            </a:r>
+            <a:r>
+              <a:rPr lang="ko-KR" altLang="en-US" sz="1600" dirty="0">
+                <a:solidFill>
+                  <a:schemeClr val="accent4">
+                    <a:lumMod val="50000"/>
+                  </a:schemeClr>
+                </a:solidFill>
+              </a:rPr>
+              <a:t>다카</a:t>
+            </a:r>
+            <a:r>
+              <a:rPr lang="en-US" altLang="ko-KR" sz="1600" dirty="0">
+                <a:solidFill>
+                  <a:schemeClr val="accent4">
+                    <a:lumMod val="50000"/>
+                  </a:schemeClr>
+                </a:solidFill>
+              </a:rPr>
+              <a:t>1255 </a:t>
+            </a:r>
+            <a:r>
+              <a:rPr lang="ko-KR" altLang="en-US" sz="1600" dirty="0">
+                <a:solidFill>
+                  <a:schemeClr val="accent4">
+                    <a:lumMod val="50000"/>
+                  </a:schemeClr>
+                </a:solidFill>
+              </a:rPr>
+              <a:t>판결 </a:t>
+            </a:r>
+            <a:r>
+              <a:rPr lang="en-US" altLang="ko-KR" sz="1600" dirty="0">
+                <a:solidFill>
+                  <a:schemeClr val="accent4">
+                    <a:lumMod val="50000"/>
+                  </a:schemeClr>
+                </a:solidFill>
+              </a:rPr>
+              <a:t>[</a:t>
+            </a:r>
+            <a:r>
+              <a:rPr lang="ko-KR" altLang="en-US" sz="1600" dirty="0" err="1">
+                <a:solidFill>
+                  <a:schemeClr val="accent4">
+                    <a:lumMod val="50000"/>
+                  </a:schemeClr>
+                </a:solidFill>
+              </a:rPr>
+              <a:t>전부금</a:t>
+            </a:r>
+            <a:r>
+              <a:rPr lang="en-US" altLang="ko-KR" sz="1600" dirty="0">
+                <a:solidFill>
+                  <a:schemeClr val="accent4">
+                    <a:lumMod val="50000"/>
+                  </a:schemeClr>
+                </a:solidFill>
+              </a:rPr>
+              <a:t>][</a:t>
+            </a:r>
+            <a:r>
+              <a:rPr lang="ko-KR" altLang="en-US" sz="1600" dirty="0">
+                <a:solidFill>
+                  <a:schemeClr val="accent4">
+                    <a:lumMod val="50000"/>
+                  </a:schemeClr>
+                </a:solidFill>
+              </a:rPr>
+              <a:t>공</a:t>
+            </a:r>
+            <a:r>
+              <a:rPr lang="en-US" altLang="ko-KR" sz="1600" dirty="0">
+                <a:solidFill>
+                  <a:schemeClr val="accent4">
+                    <a:lumMod val="50000"/>
+                  </a:schemeClr>
+                </a:solidFill>
+              </a:rPr>
+              <a:t>1985.3.1.(747),243]</a:t>
+            </a:r>
+          </a:p>
+          <a:p>
+            <a:pPr algn="ctr"/>
+            <a:r>
+              <a:rPr lang="ko-KR" altLang="en-US" sz="1600" dirty="0">
+                <a:solidFill>
+                  <a:schemeClr val="accent4">
+                    <a:lumMod val="50000"/>
+                  </a:schemeClr>
+                </a:solidFill>
+              </a:rPr>
+              <a:t>유사도 </a:t>
+            </a:r>
+            <a:r>
+              <a:rPr lang="en-US" altLang="ko-KR" sz="1600" dirty="0">
+                <a:solidFill>
+                  <a:schemeClr val="accent4">
+                    <a:lumMod val="50000"/>
+                  </a:schemeClr>
+                </a:solidFill>
+              </a:rPr>
+              <a:t>: 70%</a:t>
+            </a:r>
+            <a:endParaRPr lang="ko-KR" altLang="en-US" sz="1600" dirty="0">
+              <a:solidFill>
+                <a:schemeClr val="accent4">
+                  <a:lumMod val="50000"/>
+                </a:schemeClr>
+              </a:solidFill>
+            </a:endParaRPr>
+          </a:p>
+        </p:txBody>
+      </p:sp>
+      <p:sp>
+        <p:nvSpPr>
+          <p:cNvPr id="15" name="사각형: 둥근 모서리 14">
+            <a:extLst>
+              <a:ext uri="{FF2B5EF4-FFF2-40B4-BE49-F238E27FC236}">
+                <a16:creationId xmlns:a16="http://schemas.microsoft.com/office/drawing/2014/main" id="{F48A340D-3A4D-D99E-787B-1681B856D79E}"/>
+              </a:ext>
+            </a:extLst>
+          </p:cNvPr>
+          <p:cNvSpPr/>
+          <p:nvPr/>
+        </p:nvSpPr>
+        <p:spPr>
+          <a:xfrm>
+            <a:off x="448912" y="4047564"/>
+            <a:ext cx="7959982" cy="802341"/>
+          </a:xfrm>
+          <a:prstGeom prst="roundRect">
+            <a:avLst>
+              <a:gd name="adj" fmla="val 50000"/>
+            </a:avLst>
+          </a:prstGeom>
+          <a:solidFill>
+            <a:srgbClr val="FFFF00">
+              <a:alpha val="20000"/>
+            </a:srgbClr>
+          </a:solidFill>
+          <a:ln>
+            <a:noFill/>
+          </a:ln>
+        </p:spPr>
+        <p:style>
+          <a:lnRef idx="2">
+            <a:schemeClr val="accent1">
+              <a:shade val="50000"/>
+            </a:schemeClr>
+          </a:lnRef>
+          <a:fillRef idx="1">
+            <a:schemeClr val="accent1"/>
+          </a:fillRef>
+          <a:effectRef idx="0">
+            <a:schemeClr val="accent1"/>
+          </a:effectRef>
+          <a:fontRef idx="minor">
+            <a:schemeClr val="lt1"/>
+          </a:fontRef>
+        </p:style>
+        <p:txBody>
+          <a:bodyPr rtlCol="0" anchor="ctr"/>
+          <a:lstStyle/>
+          <a:p>
+            <a:pPr algn="ctr"/>
+            <a:r>
+              <a:rPr lang="ko-KR" altLang="en-US" sz="1600" dirty="0">
+                <a:solidFill>
+                  <a:schemeClr val="accent4">
+                    <a:lumMod val="50000"/>
+                  </a:schemeClr>
+                </a:solidFill>
+              </a:rPr>
+              <a:t>대법원 </a:t>
+            </a:r>
+            <a:r>
+              <a:rPr lang="en-US" altLang="ko-KR" sz="1600" dirty="0">
+                <a:solidFill>
+                  <a:schemeClr val="accent4">
+                    <a:lumMod val="50000"/>
+                  </a:schemeClr>
+                </a:solidFill>
+              </a:rPr>
+              <a:t>2016. 4. 29. </a:t>
+            </a:r>
+            <a:r>
+              <a:rPr lang="ko-KR" altLang="en-US" sz="1600" dirty="0">
+                <a:solidFill>
+                  <a:schemeClr val="accent4">
+                    <a:lumMod val="50000"/>
+                  </a:schemeClr>
+                </a:solidFill>
+              </a:rPr>
+              <a:t>선고 </a:t>
+            </a:r>
+            <a:r>
+              <a:rPr lang="en-US" altLang="ko-KR" sz="1600" dirty="0">
+                <a:solidFill>
+                  <a:schemeClr val="accent4">
+                    <a:lumMod val="50000"/>
+                  </a:schemeClr>
+                </a:solidFill>
+              </a:rPr>
+              <a:t>2015</a:t>
+            </a:r>
+            <a:r>
+              <a:rPr lang="ko-KR" altLang="en-US" sz="1600" dirty="0">
+                <a:solidFill>
+                  <a:schemeClr val="accent4">
+                    <a:lumMod val="50000"/>
+                  </a:schemeClr>
+                </a:solidFill>
+              </a:rPr>
+              <a:t>도</a:t>
+            </a:r>
+            <a:r>
+              <a:rPr lang="en-US" altLang="ko-KR" sz="1600" dirty="0">
+                <a:solidFill>
+                  <a:schemeClr val="accent4">
+                    <a:lumMod val="50000"/>
+                  </a:schemeClr>
+                </a:solidFill>
+              </a:rPr>
+              <a:t>5665 </a:t>
+            </a:r>
+            <a:r>
+              <a:rPr lang="ko-KR" altLang="en-US" sz="1600" dirty="0">
+                <a:solidFill>
+                  <a:schemeClr val="accent4">
+                    <a:lumMod val="50000"/>
+                  </a:schemeClr>
+                </a:solidFill>
+              </a:rPr>
+              <a:t>판결 </a:t>
+            </a:r>
+            <a:r>
+              <a:rPr lang="en-US" altLang="ko-KR" sz="1600" dirty="0">
+                <a:solidFill>
+                  <a:schemeClr val="accent4">
+                    <a:lumMod val="50000"/>
+                  </a:schemeClr>
+                </a:solidFill>
+              </a:rPr>
+              <a:t>[</a:t>
+            </a:r>
+            <a:r>
+              <a:rPr lang="ko-KR" altLang="en-US" sz="1600" dirty="0">
+                <a:solidFill>
+                  <a:schemeClr val="accent4">
+                    <a:lumMod val="50000"/>
+                  </a:schemeClr>
+                </a:solidFill>
+              </a:rPr>
+              <a:t>배임</a:t>
+            </a:r>
+            <a:r>
+              <a:rPr lang="en-US" altLang="ko-KR" sz="1600" dirty="0">
+                <a:solidFill>
+                  <a:schemeClr val="accent4">
+                    <a:lumMod val="50000"/>
+                  </a:schemeClr>
+                </a:solidFill>
+              </a:rPr>
+              <a:t>][</a:t>
+            </a:r>
+            <a:r>
+              <a:rPr lang="ko-KR" altLang="en-US" sz="1600" dirty="0">
+                <a:solidFill>
+                  <a:schemeClr val="accent4">
+                    <a:lumMod val="50000"/>
+                  </a:schemeClr>
+                </a:solidFill>
+              </a:rPr>
+              <a:t>공</a:t>
+            </a:r>
+            <a:r>
+              <a:rPr lang="en-US" altLang="ko-KR" sz="1600" dirty="0">
+                <a:solidFill>
+                  <a:schemeClr val="accent4">
+                    <a:lumMod val="50000"/>
+                  </a:schemeClr>
+                </a:solidFill>
+              </a:rPr>
+              <a:t>2016</a:t>
+            </a:r>
+            <a:r>
+              <a:rPr lang="ko-KR" altLang="en-US" sz="1600" dirty="0">
+                <a:solidFill>
+                  <a:schemeClr val="accent4">
+                    <a:lumMod val="50000"/>
+                  </a:schemeClr>
+                </a:solidFill>
+              </a:rPr>
+              <a:t>상</a:t>
+            </a:r>
+            <a:r>
+              <a:rPr lang="en-US" altLang="ko-KR" sz="1600" dirty="0">
+                <a:solidFill>
+                  <a:schemeClr val="accent4">
+                    <a:lumMod val="50000"/>
+                  </a:schemeClr>
+                </a:solidFill>
+              </a:rPr>
+              <a:t>,718]</a:t>
+            </a:r>
+          </a:p>
+          <a:p>
+            <a:pPr algn="ctr"/>
+            <a:r>
+              <a:rPr lang="ko-KR" altLang="en-US" sz="1600" dirty="0">
+                <a:solidFill>
+                  <a:schemeClr val="accent4">
+                    <a:lumMod val="50000"/>
+                  </a:schemeClr>
+                </a:solidFill>
+              </a:rPr>
+              <a:t>유사도 </a:t>
+            </a:r>
+            <a:r>
+              <a:rPr lang="en-US" altLang="ko-KR" sz="1600" dirty="0">
+                <a:solidFill>
+                  <a:schemeClr val="accent4">
+                    <a:lumMod val="50000"/>
+                  </a:schemeClr>
+                </a:solidFill>
+              </a:rPr>
+              <a:t>: 66%</a:t>
+            </a:r>
+            <a:endParaRPr lang="ko-KR" altLang="en-US" sz="1600" dirty="0">
+              <a:solidFill>
+                <a:schemeClr val="accent4">
+                  <a:lumMod val="50000"/>
+                </a:schemeClr>
+              </a:solidFill>
+            </a:endParaRPr>
+          </a:p>
+        </p:txBody>
+      </p:sp>
+      <p:sp>
+        <p:nvSpPr>
+          <p:cNvPr id="16" name="사각형: 둥근 모서리 15">
+            <a:extLst>
+              <a:ext uri="{FF2B5EF4-FFF2-40B4-BE49-F238E27FC236}">
+                <a16:creationId xmlns:a16="http://schemas.microsoft.com/office/drawing/2014/main" id="{BAF07B9A-EC35-9B12-EDEC-5122B28DCFCB}"/>
+              </a:ext>
+            </a:extLst>
+          </p:cNvPr>
+          <p:cNvSpPr/>
+          <p:nvPr/>
+        </p:nvSpPr>
+        <p:spPr>
+          <a:xfrm>
+            <a:off x="448912" y="4958285"/>
+            <a:ext cx="7959982" cy="802341"/>
+          </a:xfrm>
+          <a:prstGeom prst="roundRect">
+            <a:avLst>
+              <a:gd name="adj" fmla="val 50000"/>
+            </a:avLst>
+          </a:prstGeom>
+          <a:solidFill>
+            <a:srgbClr val="FFFF00">
+              <a:alpha val="20000"/>
+            </a:srgbClr>
+          </a:solidFill>
+          <a:ln>
+            <a:noFill/>
+          </a:ln>
+        </p:spPr>
+        <p:style>
+          <a:lnRef idx="2">
+            <a:schemeClr val="accent1">
+              <a:shade val="50000"/>
+            </a:schemeClr>
+          </a:lnRef>
+          <a:fillRef idx="1">
+            <a:schemeClr val="accent1"/>
+          </a:fillRef>
+          <a:effectRef idx="0">
+            <a:schemeClr val="accent1"/>
+          </a:effectRef>
+          <a:fontRef idx="minor">
+            <a:schemeClr val="lt1"/>
+          </a:fontRef>
+        </p:style>
+        <p:txBody>
+          <a:bodyPr rtlCol="0" anchor="ctr"/>
+          <a:lstStyle/>
+          <a:p>
+            <a:pPr algn="ctr"/>
+            <a:r>
+              <a:rPr lang="ko-KR" altLang="en-US" sz="1600" dirty="0">
+                <a:solidFill>
+                  <a:schemeClr val="accent4">
+                    <a:lumMod val="50000"/>
+                  </a:schemeClr>
+                </a:solidFill>
+              </a:rPr>
+              <a:t>대법원 </a:t>
+            </a:r>
+            <a:r>
+              <a:rPr lang="en-US" altLang="ko-KR" sz="1600" dirty="0">
+                <a:solidFill>
+                  <a:schemeClr val="accent4">
+                    <a:lumMod val="50000"/>
+                  </a:schemeClr>
+                </a:solidFill>
+              </a:rPr>
+              <a:t>1995. 8. 11. </a:t>
+            </a:r>
+            <a:r>
+              <a:rPr lang="ko-KR" altLang="en-US" sz="1600" dirty="0">
+                <a:solidFill>
+                  <a:schemeClr val="accent4">
+                    <a:lumMod val="50000"/>
+                  </a:schemeClr>
+                </a:solidFill>
+              </a:rPr>
+              <a:t>선고 </a:t>
+            </a:r>
+            <a:r>
+              <a:rPr lang="en-US" altLang="ko-KR" sz="1600" dirty="0">
+                <a:solidFill>
+                  <a:schemeClr val="accent4">
+                    <a:lumMod val="50000"/>
+                  </a:schemeClr>
+                </a:solidFill>
+              </a:rPr>
+              <a:t>94</a:t>
+            </a:r>
+            <a:r>
+              <a:rPr lang="ko-KR" altLang="en-US" sz="1600" dirty="0">
+                <a:solidFill>
+                  <a:schemeClr val="accent4">
+                    <a:lumMod val="50000"/>
+                  </a:schemeClr>
+                </a:solidFill>
+              </a:rPr>
+              <a:t>다</a:t>
+            </a:r>
+            <a:r>
+              <a:rPr lang="en-US" altLang="ko-KR" sz="1600" dirty="0">
+                <a:solidFill>
+                  <a:schemeClr val="accent4">
+                    <a:lumMod val="50000"/>
+                  </a:schemeClr>
+                </a:solidFill>
+              </a:rPr>
+              <a:t>58599 </a:t>
+            </a:r>
+            <a:r>
+              <a:rPr lang="ko-KR" altLang="en-US" sz="1600" dirty="0">
+                <a:solidFill>
+                  <a:schemeClr val="accent4">
+                    <a:lumMod val="50000"/>
+                  </a:schemeClr>
+                </a:solidFill>
+              </a:rPr>
+              <a:t>판결 </a:t>
+            </a:r>
+            <a:r>
+              <a:rPr lang="en-US" altLang="ko-KR" sz="1600" dirty="0">
+                <a:solidFill>
+                  <a:schemeClr val="accent4">
+                    <a:lumMod val="50000"/>
+                  </a:schemeClr>
+                </a:solidFill>
+              </a:rPr>
+              <a:t>[</a:t>
+            </a:r>
+            <a:r>
+              <a:rPr lang="ko-KR" altLang="en-US" sz="1600" dirty="0">
+                <a:solidFill>
+                  <a:schemeClr val="accent4">
+                    <a:lumMod val="50000"/>
+                  </a:schemeClr>
+                </a:solidFill>
+              </a:rPr>
+              <a:t>소유권이전등기</a:t>
+            </a:r>
+            <a:r>
+              <a:rPr lang="en-US" altLang="ko-KR" sz="1600" dirty="0">
+                <a:solidFill>
+                  <a:schemeClr val="accent4">
+                    <a:lumMod val="50000"/>
+                  </a:schemeClr>
+                </a:solidFill>
+              </a:rPr>
+              <a:t>][</a:t>
+            </a:r>
+            <a:r>
+              <a:rPr lang="ko-KR" altLang="en-US" sz="1600" dirty="0">
+                <a:solidFill>
+                  <a:schemeClr val="accent4">
+                    <a:lumMod val="50000"/>
+                  </a:schemeClr>
+                </a:solidFill>
+              </a:rPr>
+              <a:t>공</a:t>
+            </a:r>
+            <a:r>
+              <a:rPr lang="en-US" altLang="ko-KR" sz="1600" dirty="0">
+                <a:solidFill>
+                  <a:schemeClr val="accent4">
+                    <a:lumMod val="50000"/>
+                  </a:schemeClr>
+                </a:solidFill>
+              </a:rPr>
+              <a:t>1995.9.15.(1000),3124]</a:t>
+            </a:r>
+          </a:p>
+          <a:p>
+            <a:pPr algn="ctr"/>
+            <a:r>
+              <a:rPr lang="ko-KR" altLang="en-US" sz="1600" dirty="0">
+                <a:solidFill>
+                  <a:schemeClr val="accent4">
+                    <a:lumMod val="50000"/>
+                  </a:schemeClr>
+                </a:solidFill>
+              </a:rPr>
+              <a:t>유사도 </a:t>
+            </a:r>
+            <a:r>
+              <a:rPr lang="en-US" altLang="ko-KR" sz="1600" dirty="0">
+                <a:solidFill>
+                  <a:schemeClr val="accent4">
+                    <a:lumMod val="50000"/>
+                  </a:schemeClr>
+                </a:solidFill>
+              </a:rPr>
+              <a:t>: 40%</a:t>
+            </a:r>
+            <a:endParaRPr lang="ko-KR" altLang="en-US" sz="1600" dirty="0">
+              <a:solidFill>
+                <a:schemeClr val="accent4">
+                  <a:lumMod val="50000"/>
+                </a:schemeClr>
+              </a:solidFill>
+            </a:endParaRPr>
+          </a:p>
+        </p:txBody>
+      </p:sp>
+    </p:spTree>
+    <p:extLst>
+      <p:ext uri="{BB962C8B-B14F-4D97-AF65-F5344CB8AC3E}">
+        <p14:creationId xmlns:p14="http://schemas.microsoft.com/office/powerpoint/2010/main" val="66935032"/>
       </p:ext>
     </p:extLst>
   </p:cSld>

--- a/2022-2-PreCapstoneDesign-최종보고서.pptx
+++ b/2022-2-PreCapstoneDesign-최종보고서.pptx
@@ -1,44 +1,21 @@
 
 <file path=ppt/presentation.xml><?xml version="1.0" encoding="utf-8"?>
-<p:presentation xmlns:a="http://schemas.openxmlformats.org/drawingml/2006/main" xmlns:r="http://schemas.openxmlformats.org/officeDocument/2006/relationships" xmlns:p="http://schemas.openxmlformats.org/presentationml/2006/main" embedTrueTypeFonts="1" saveSubsetFonts="1">
+<p:presentation xmlns:a="http://schemas.openxmlformats.org/drawingml/2006/main" xmlns:r="http://schemas.openxmlformats.org/officeDocument/2006/relationships" xmlns:p="http://schemas.openxmlformats.org/presentationml/2006/main" saveSubsetFonts="1">
   <p:sldMasterIdLst>
     <p:sldMasterId id="2147483660" r:id="rId1"/>
   </p:sldMasterIdLst>
   <p:notesMasterIdLst>
-    <p:notesMasterId r:id="rId6"/>
+    <p:notesMasterId r:id="rId7"/>
   </p:notesMasterIdLst>
   <p:sldIdLst>
     <p:sldId id="256" r:id="rId2"/>
     <p:sldId id="348" r:id="rId3"/>
     <p:sldId id="346" r:id="rId4"/>
     <p:sldId id="349" r:id="rId5"/>
+    <p:sldId id="350" r:id="rId6"/>
   </p:sldIdLst>
   <p:sldSz cx="9144000" cy="6858000" type="screen4x3"/>
   <p:notesSz cx="6858000" cy="9144000"/>
-  <p:embeddedFontLst>
-    <p:embeddedFont>
-      <p:font typeface="맑은 고딕" panose="020B0503020000020004" pitchFamily="50" charset="-127"/>
-      <p:regular r:id="rId7"/>
-      <p:bold r:id="rId8"/>
-    </p:embeddedFont>
-    <p:embeddedFont>
-      <p:font typeface="한컴산뜻돋움" panose="02000000000000000000" pitchFamily="2" charset="-127"/>
-      <p:regular r:id="rId9"/>
-      <p:bold r:id="rId10"/>
-    </p:embeddedFont>
-    <p:embeddedFont>
-      <p:font typeface="함초롬바탕" panose="02030604000101010101" pitchFamily="18" charset="-127"/>
-      <p:regular r:id="rId11"/>
-      <p:bold r:id="rId12"/>
-    </p:embeddedFont>
-    <p:embeddedFont>
-      <p:font typeface="Calibri" panose="020F0502020204030204" pitchFamily="34" charset="0"/>
-      <p:regular r:id="rId13"/>
-      <p:bold r:id="rId14"/>
-      <p:italic r:id="rId15"/>
-      <p:boldItalic r:id="rId16"/>
-    </p:embeddedFont>
-  </p:embeddedFontLst>
   <p:defaultTextStyle>
     <a:defPPr>
       <a:defRPr lang="en-US"/>
@@ -512,7 +489,7 @@
           <a:p>
             <a:fld id="{E7F6F9A2-9DD7-4BFD-8560-ED9D186197C6}" type="datetimeFigureOut">
               <a:rPr lang="ko-KR" altLang="en-US" smtClean="0"/>
-              <a:t>2023-03-07</a:t>
+              <a:t>2023-03-20</a:t>
             </a:fld>
             <a:endParaRPr lang="ko-KR" altLang="en-US"/>
           </a:p>
@@ -4241,7 +4218,7 @@
                 <a:latin typeface="+mn-ea"/>
                 <a:ea typeface="+mn-ea"/>
               </a:rPr>
-              <a:t>-</a:t>
+              <a:t>- </a:t>
             </a:r>
             <a:r>
               <a:rPr lang="ko-KR" altLang="en-US" sz="2800" dirty="0">
@@ -4256,7 +4233,7 @@
                 <a:latin typeface="+mn-ea"/>
                 <a:ea typeface="+mn-ea"/>
               </a:rPr>
-              <a:t>비법조인을 위한 판결 예상 및 유사 사례 검색</a:t>
+              <a:t>시각장애인의 편의를 위한 음성 인식 메모 앱</a:t>
             </a:r>
             <a:r>
               <a:rPr lang="en-US" altLang="ko-KR" sz="2800" dirty="0">
@@ -4300,7 +4277,22 @@
                 <a:latin typeface="+mn-ea"/>
                 <a:ea typeface="+mn-ea"/>
               </a:rPr>
-              <a:t>- Ligal.AI</a:t>
+              <a:t>- </a:t>
+            </a:r>
+            <a:r>
+              <a:rPr lang="en-US" altLang="ko-KR" sz="3200" dirty="0" err="1">
+                <a:ln w="12700">
+                  <a:solidFill>
+                    <a:schemeClr val="tx1">
+                      <a:lumMod val="85000"/>
+                      <a:lumOff val="15000"/>
+                    </a:schemeClr>
+                  </a:solidFill>
+                </a:ln>
+                <a:latin typeface="+mn-ea"/>
+                <a:ea typeface="+mn-ea"/>
+              </a:rPr>
+              <a:t>ViProject</a:t>
             </a:r>
             <a:r>
               <a:rPr lang="ko-KR" altLang="en-US" sz="3200" dirty="0">
@@ -4453,7 +4445,7 @@
         <p:spPr/>
         <p:txBody>
           <a:bodyPr>
-            <a:normAutofit lnSpcReduction="10000"/>
+            <a:normAutofit/>
           </a:bodyPr>
           <a:lstStyle/>
           <a:p>
@@ -4466,46 +4458,31 @@
               <a:t>: </a:t>
             </a:r>
             <a:r>
-              <a:rPr lang="ko-KR" altLang="en-US" sz="2000" dirty="0">
-                <a:ln w="12700">
-                  <a:solidFill>
-                    <a:schemeClr val="tx1">
-                      <a:lumMod val="85000"/>
-                      <a:lumOff val="15000"/>
-                    </a:schemeClr>
-                  </a:solidFill>
-                </a:ln>
-                <a:latin typeface="+mn-ea"/>
-                <a:ea typeface="+mn-ea"/>
-              </a:rPr>
-              <a:t>비법조인을 위한 판결 예상 및 유사 사례 검색 </a:t>
-            </a:r>
-            <a:endParaRPr lang="en-US" altLang="ko-KR" sz="2000" dirty="0">
-              <a:ln w="12700">
-                <a:solidFill>
-                  <a:schemeClr val="tx1">
-                    <a:lumMod val="85000"/>
-                    <a:lumOff val="15000"/>
-                  </a:schemeClr>
-                </a:solidFill>
-              </a:ln>
-              <a:latin typeface="+mn-ea"/>
-              <a:ea typeface="+mn-ea"/>
-            </a:endParaRPr>
-          </a:p>
-          <a:p>
-            <a:endParaRPr lang="en-US" altLang="ko-KR" sz="100" dirty="0">
-              <a:ln w="12700">
-                <a:solidFill>
-                  <a:schemeClr val="tx1">
-                    <a:lumMod val="85000"/>
-                    <a:lumOff val="15000"/>
-                  </a:schemeClr>
-                </a:solidFill>
-              </a:ln>
-              <a:latin typeface="+mn-ea"/>
-              <a:ea typeface="+mn-ea"/>
-            </a:endParaRPr>
+              <a:rPr lang="ko-KR" altLang="en-US" dirty="0"/>
+              <a:t>시각장애인의 편의를 위한 음성 인식 메모 앱</a:t>
+            </a:r>
+            <a:r>
+              <a:rPr lang="en-US" altLang="ko-KR" dirty="0"/>
+              <a:t> </a:t>
+            </a:r>
+          </a:p>
+          <a:p>
+            <a:r>
+              <a:rPr lang="ko-KR" altLang="en-US" dirty="0"/>
+              <a:t>가제 </a:t>
+            </a:r>
+            <a:r>
+              <a:rPr lang="en-US" altLang="ko-KR" dirty="0"/>
+              <a:t>: Vi </a:t>
+            </a:r>
+            <a:r>
+              <a:rPr lang="ko-KR" altLang="en-US" dirty="0"/>
+              <a:t>메모</a:t>
+            </a:r>
+            <a:r>
+              <a:rPr lang="en-US" altLang="ko-KR" dirty="0"/>
+              <a:t> (MEMO for the Visually Impaired)</a:t>
+            </a:r>
           </a:p>
           <a:p>
             <a:r>
@@ -4518,7 +4495,15 @@
             </a:r>
             <a:r>
               <a:rPr lang="ko-KR" altLang="en-US" dirty="0"/>
-              <a:t>저희 조원은 부동산 투자와 민법</a:t>
+              <a:t>개발할 아이디어를 고민하던 중 저희 팀은 이런 의문이 들었습니다</a:t>
+            </a:r>
+            <a:r>
+              <a:rPr lang="en-US" altLang="ko-KR" dirty="0"/>
+              <a:t>. </a:t>
+            </a:r>
+            <a:r>
+              <a:rPr lang="ko-KR" altLang="en-US" dirty="0"/>
+              <a:t>시각장애인은 스마트폰을 어떻게 사용할까</a:t>
             </a:r>
             <a:r>
               <a:rPr lang="en-US" altLang="ko-KR" dirty="0"/>
@@ -4526,7 +4511,15 @@
             </a:r>
             <a:r>
               <a:rPr lang="ko-KR" altLang="en-US" dirty="0"/>
-              <a:t>공법 등 부동산 관련 법에 관심이 많은 편입니다</a:t>
+              <a:t>더 나아가 메모를 하는 습관은 바쁜 현대 사회에 있어서 필수적으로 필요한 기능이라고 할 수 있는데</a:t>
+            </a:r>
+            <a:r>
+              <a:rPr lang="en-US" altLang="ko-KR" dirty="0"/>
+              <a:t>, </a:t>
+            </a:r>
+            <a:r>
+              <a:rPr lang="ko-KR" altLang="en-US" dirty="0"/>
+              <a:t>앞을 보지 못하는 시각장애인을 위한 서비스가 없다고 판단되었습니다</a:t>
             </a:r>
             <a:r>
               <a:rPr lang="en-US" altLang="ko-KR" dirty="0"/>
@@ -4534,7 +4527,15 @@
             </a:r>
             <a:r>
               <a:rPr lang="ko-KR" altLang="en-US" dirty="0"/>
-              <a:t>실제로 공인중개사를 준비중이기도 합니다</a:t>
+              <a:t>시각장애인이라면 타자를 타이핑하는 것이 제한되기 때문에 음성으로 녹음하는 방식이 더 메모의 기능에 충실할 수 있지 않을까 생각이 되었고</a:t>
+            </a:r>
+            <a:r>
+              <a:rPr lang="en-US" altLang="ko-KR" dirty="0"/>
+              <a:t>, TTS </a:t>
+            </a:r>
+            <a:r>
+              <a:rPr lang="ko-KR" altLang="en-US" dirty="0"/>
+              <a:t>엔진을 활용한 음성 안내 서비스가 더 도움이 될 것이라고 생각했습니다</a:t>
             </a:r>
             <a:r>
               <a:rPr lang="en-US" altLang="ko-KR" dirty="0"/>
@@ -4542,84 +4543,7 @@
             </a:r>
             <a:r>
               <a:rPr lang="ko-KR" altLang="en-US" dirty="0"/>
-              <a:t>최근에 화제가 되고 있는 전세 사기 등 부동산 관련 판결에 대하여도 교재를 통해 학습할 수 있었는데</a:t>
-            </a:r>
-            <a:r>
-              <a:rPr lang="en-US" altLang="ko-KR" dirty="0"/>
-              <a:t>, </a:t>
-            </a:r>
-            <a:r>
-              <a:rPr lang="ko-KR" altLang="en-US" dirty="0"/>
-              <a:t>일반적으로 법조계에 종사하지 않는 민간인이 이러한 사건의 피해자가 되는 이유는 법에 대하여 잘 모르기 때문이 아닐까 합니다</a:t>
-            </a:r>
-            <a:r>
-              <a:rPr lang="en-US" altLang="ko-KR" dirty="0"/>
-              <a:t>. </a:t>
-            </a:r>
-            <a:r>
-              <a:rPr lang="ko-KR" altLang="en-US" dirty="0"/>
-              <a:t>법은 어렵기 때문에 법을 아는 전문직 종사자를 만나서 상담을 받는데</a:t>
-            </a:r>
-            <a:r>
-              <a:rPr lang="en-US" altLang="ko-KR" dirty="0"/>
-              <a:t>, </a:t>
-            </a:r>
-            <a:r>
-              <a:rPr lang="ko-KR" altLang="en-US" dirty="0"/>
-              <a:t>시작부터 상당한 비용이 들게 됩니다</a:t>
-            </a:r>
-            <a:r>
-              <a:rPr lang="en-US" altLang="ko-KR" dirty="0"/>
-              <a:t>. </a:t>
-            </a:r>
-            <a:r>
-              <a:rPr lang="ko-KR" altLang="en-US" dirty="0"/>
-              <a:t>하지만 시대는 바뀌고 있고</a:t>
-            </a:r>
-            <a:r>
-              <a:rPr lang="en-US" altLang="ko-KR" dirty="0"/>
-              <a:t>, </a:t>
-            </a:r>
-            <a:r>
-              <a:rPr lang="ko-KR" altLang="en-US" dirty="0"/>
-              <a:t>저희는 법에 관심이 많은 컴퓨터공학과 학생으로서 지금까지 대학에서 배운 지식을 바탕으로 리걸테크 서비스를 개발할 것입니다</a:t>
-            </a:r>
-            <a:r>
-              <a:rPr lang="en-US" altLang="ko-KR" dirty="0"/>
-              <a:t>. </a:t>
-            </a:r>
-          </a:p>
-          <a:p>
-            <a:endParaRPr lang="en-US" altLang="ko-KR" sz="100" dirty="0"/>
-          </a:p>
-          <a:p>
-            <a:r>
-              <a:rPr lang="ko-KR" altLang="en-US" dirty="0"/>
-              <a:t>프로젝트 아이디어</a:t>
-            </a:r>
-            <a:r>
-              <a:rPr lang="en-US" altLang="ko-KR" dirty="0"/>
-              <a:t> : </a:t>
-            </a:r>
-            <a:r>
-              <a:rPr lang="ko-KR" altLang="en-US" dirty="0"/>
-              <a:t>사용자가 현재 처한 상황을 구체적으로 입력하게 되면</a:t>
-            </a:r>
-            <a:r>
-              <a:rPr lang="en-US" altLang="ko-KR" dirty="0"/>
-              <a:t>, </a:t>
-            </a:r>
-            <a:r>
-              <a:rPr lang="ko-KR" altLang="en-US" dirty="0"/>
-              <a:t>프로그램이 문맥을 파악한 후 가장 유사한 순서대로 판례를 출력하고</a:t>
-            </a:r>
-            <a:r>
-              <a:rPr lang="en-US" altLang="ko-KR" dirty="0"/>
-              <a:t>, </a:t>
-            </a:r>
-            <a:r>
-              <a:rPr lang="ko-KR" altLang="en-US" dirty="0"/>
-              <a:t>예상하는 판결에 대하여 알려줍니다</a:t>
+              <a:t>이러한 차이점이 일반적인 메모장 앱에 비하여 더 시각장애인을 위한 서비스가 될 것이라고 확신했습니다</a:t>
             </a:r>
             <a:r>
               <a:rPr lang="en-US" altLang="ko-KR" dirty="0"/>
@@ -4972,174 +4896,309 @@
           </a:p>
         </p:txBody>
       </p:sp>
-      <p:sp>
-        <p:nvSpPr>
-          <p:cNvPr id="3" name="TextBox 2">
+      <p:pic>
+        <p:nvPicPr>
+          <p:cNvPr id="6" name="그림 5">
             <a:extLst>
               <a:ext uri="{FF2B5EF4-FFF2-40B4-BE49-F238E27FC236}">
-                <a16:creationId xmlns:a16="http://schemas.microsoft.com/office/drawing/2014/main" id="{55B9523E-6A6D-A1B3-BBE7-EF1D9B7BCABA}"/>
+                <a16:creationId xmlns:a16="http://schemas.microsoft.com/office/drawing/2014/main" id="{000D03ED-2BB5-6581-27B1-71A9594741C9}"/>
               </a:ext>
             </a:extLst>
           </p:cNvPr>
-          <p:cNvSpPr txBox="1"/>
+          <p:cNvPicPr>
+            <a:picLocks noChangeAspect="1"/>
+          </p:cNvPicPr>
           <p:nvPr/>
-        </p:nvSpPr>
+        </p:nvPicPr>
+        <p:blipFill rotWithShape="1">
+          <a:blip r:embed="rId2">
+            <a:extLst>
+              <a:ext uri="{28A0092B-C50C-407E-A947-70E740481C1C}">
+                <a14:useLocalDpi xmlns:a14="http://schemas.microsoft.com/office/drawing/2010/main" val="0"/>
+              </a:ext>
+            </a:extLst>
+          </a:blip>
+          <a:srcRect t="5386" r="2194" b="2260"/>
+          <a:stretch/>
+        </p:blipFill>
         <p:spPr>
           <a:xfrm>
-            <a:off x="439947" y="1231409"/>
-            <a:ext cx="5907643" cy="646331"/>
+            <a:off x="439947" y="1805255"/>
+            <a:ext cx="1636027" cy="1623746"/>
           </a:xfrm>
           <a:prstGeom prst="rect">
             <a:avLst/>
           </a:prstGeom>
-          <a:noFill/>
         </p:spPr>
-        <p:txBody>
-          <a:bodyPr wrap="none" rtlCol="0">
-            <a:spAutoFit/>
-          </a:bodyPr>
-          <a:lstStyle/>
-          <a:p>
-            <a:r>
-              <a:rPr lang="ko-KR" altLang="en-US" b="1" dirty="0"/>
-              <a:t>현재 당신이 처한 상황을 구체적으로 입력하세요</a:t>
-            </a:r>
-            <a:r>
-              <a:rPr lang="en-US" altLang="ko-KR" b="1" dirty="0"/>
-              <a:t>.</a:t>
-            </a:r>
-          </a:p>
-          <a:p>
-            <a:r>
-              <a:rPr lang="en-US" altLang="ko-KR" b="1" dirty="0"/>
-              <a:t>Legal.AI</a:t>
-            </a:r>
-            <a:r>
-              <a:rPr lang="ko-KR" altLang="en-US" b="1" dirty="0"/>
-              <a:t>가 당신의 글을 읽고 유사한 판례를 찾아드립니다</a:t>
-            </a:r>
-            <a:r>
-              <a:rPr lang="en-US" altLang="ko-KR" b="1" dirty="0"/>
-              <a:t>.</a:t>
-            </a:r>
-            <a:endParaRPr lang="ko-KR" altLang="en-US" b="1" dirty="0"/>
-          </a:p>
-        </p:txBody>
-      </p:sp>
-      <p:sp>
-        <p:nvSpPr>
-          <p:cNvPr id="5" name="직사각형 4">
+      </p:pic>
+      <p:sp>
+        <p:nvSpPr>
+          <p:cNvPr id="11" name="내용 개체 틀 2">
             <a:extLst>
               <a:ext uri="{FF2B5EF4-FFF2-40B4-BE49-F238E27FC236}">
-                <a16:creationId xmlns:a16="http://schemas.microsoft.com/office/drawing/2014/main" id="{194945B2-8BC7-F52B-6F25-FC85E8D21229}"/>
+                <a16:creationId xmlns:a16="http://schemas.microsoft.com/office/drawing/2014/main" id="{297B34B0-EA43-0283-ED77-D79E4F9EF807}"/>
               </a:ext>
             </a:extLst>
           </p:cNvPr>
-          <p:cNvSpPr/>
-          <p:nvPr/>
+          <p:cNvSpPr>
+            <a:spLocks noGrp="1"/>
+          </p:cNvSpPr>
+          <p:nvPr>
+            <p:ph idx="1"/>
+          </p:nvPr>
         </p:nvSpPr>
         <p:spPr>
           <a:xfrm>
-            <a:off x="493396" y="2152767"/>
-            <a:ext cx="8174459" cy="1788459"/>
+            <a:off x="439947" y="1426213"/>
+            <a:ext cx="1632693" cy="344694"/>
+          </a:xfrm>
+        </p:spPr>
+        <p:txBody>
+          <a:bodyPr>
+            <a:normAutofit fontScale="85000" lnSpcReduction="10000"/>
+          </a:bodyPr>
+          <a:lstStyle/>
+          <a:p>
+            <a:r>
+              <a:rPr lang="ko-KR" altLang="en-US"/>
+              <a:t>앱 아이콘</a:t>
+            </a:r>
+            <a:endParaRPr lang="en-US" altLang="ko-KR" dirty="0"/>
+          </a:p>
+        </p:txBody>
+      </p:sp>
+      <p:sp>
+        <p:nvSpPr>
+          <p:cNvPr id="13" name="내용 개체 틀 2">
+            <a:extLst>
+              <a:ext uri="{FF2B5EF4-FFF2-40B4-BE49-F238E27FC236}">
+                <a16:creationId xmlns:a16="http://schemas.microsoft.com/office/drawing/2014/main" id="{6699CF20-21D6-AD7A-B006-432D0518B00A}"/>
+              </a:ext>
+            </a:extLst>
+          </p:cNvPr>
+          <p:cNvSpPr txBox="1">
+            <a:spLocks/>
+          </p:cNvSpPr>
+          <p:nvPr/>
+        </p:nvSpPr>
+        <p:spPr>
+          <a:xfrm>
+            <a:off x="2143760" y="1426213"/>
+            <a:ext cx="2191493" cy="344694"/>
           </a:xfrm>
           <a:prstGeom prst="rect">
             <a:avLst/>
           </a:prstGeom>
-          <a:solidFill>
-            <a:schemeClr val="bg1"/>
-          </a:solidFill>
-          <a:ln>
-            <a:solidFill>
-              <a:schemeClr val="tx1"/>
-            </a:solidFill>
-          </a:ln>
-          <a:effectLst>
-            <a:innerShdw blurRad="63500" dist="50800" dir="13500000">
-              <a:prstClr val="black">
-                <a:alpha val="50000"/>
-              </a:prstClr>
-            </a:innerShdw>
-          </a:effectLst>
         </p:spPr>
-        <p:style>
-          <a:lnRef idx="2">
-            <a:schemeClr val="accent1">
-              <a:shade val="50000"/>
-            </a:schemeClr>
-          </a:lnRef>
-          <a:fillRef idx="1">
-            <a:schemeClr val="accent1"/>
-          </a:fillRef>
-          <a:effectRef idx="0">
-            <a:schemeClr val="accent1"/>
-          </a:effectRef>
-          <a:fontRef idx="minor">
-            <a:schemeClr val="lt1"/>
-          </a:fontRef>
-        </p:style>
-        <p:txBody>
-          <a:bodyPr rtlCol="0" anchor="ctr"/>
-          <a:lstStyle/>
-          <a:p>
-            <a:r>
-              <a:rPr lang="ko-KR" altLang="en-US" dirty="0">
+        <p:txBody>
+          <a:bodyPr vert="horz" lIns="91440" tIns="45720" rIns="91440" bIns="45720" rtlCol="0">
+            <a:normAutofit fontScale="85000" lnSpcReduction="10000"/>
+          </a:bodyPr>
+          <a:lstStyle>
+            <a:lvl1pPr marL="228600" indent="-228600" algn="l" defTabSz="914400" rtl="0" eaLnBrk="1" latinLnBrk="1" hangingPunct="1">
+              <a:lnSpc>
+                <a:spcPct val="90000"/>
+              </a:lnSpc>
+              <a:spcBef>
+                <a:spcPts val="1000"/>
+              </a:spcBef>
+              <a:buClr>
+                <a:schemeClr val="accent4"/>
+              </a:buClr>
+              <a:buFont typeface="Wingdings" panose="05000000000000000000" pitchFamily="2" charset="2"/>
+              <a:buChar char="§"/>
+              <a:defRPr sz="2400" kern="1200">
                 <a:solidFill>
-                  <a:srgbClr val="FF0000"/>
+                  <a:schemeClr val="tx1">
+                    <a:lumMod val="75000"/>
+                    <a:lumOff val="25000"/>
+                  </a:schemeClr>
                 </a:solidFill>
-              </a:rPr>
-              <a:t>예</a:t>
-            </a:r>
-            <a:r>
-              <a:rPr lang="en-US" altLang="ko-KR" dirty="0">
+                <a:latin typeface="한컴산뜻돋움" panose="02000000000000000000" pitchFamily="2" charset="-127"/>
+                <a:ea typeface="한컴산뜻돋움" panose="02000000000000000000" pitchFamily="2" charset="-127"/>
+                <a:cs typeface="+mn-cs"/>
+              </a:defRPr>
+            </a:lvl1pPr>
+            <a:lvl2pPr marL="449263" indent="-228600" algn="l" defTabSz="914400" rtl="0" eaLnBrk="1" latinLnBrk="1" hangingPunct="1">
+              <a:lnSpc>
+                <a:spcPct val="90000"/>
+              </a:lnSpc>
+              <a:spcBef>
+                <a:spcPts val="500"/>
+              </a:spcBef>
+              <a:buClr>
+                <a:srgbClr val="00B0F0"/>
+              </a:buClr>
+              <a:buFont typeface="Wingdings" panose="05000000000000000000" pitchFamily="2" charset="2"/>
+              <a:buChar char="§"/>
+              <a:defRPr sz="2000" kern="1200">
                 <a:solidFill>
-                  <a:srgbClr val="FF0000"/>
+                  <a:schemeClr val="tx1">
+                    <a:lumMod val="75000"/>
+                    <a:lumOff val="25000"/>
+                  </a:schemeClr>
                 </a:solidFill>
-              </a:rPr>
-              <a:t>) </a:t>
-            </a:r>
-            <a:r>
-              <a:rPr lang="ko-KR" altLang="en-US" dirty="0">
+                <a:latin typeface="한컴산뜻돋움" panose="02000000000000000000" pitchFamily="2" charset="-127"/>
+                <a:ea typeface="한컴산뜻돋움" panose="02000000000000000000" pitchFamily="2" charset="-127"/>
+                <a:cs typeface="+mn-cs"/>
+              </a:defRPr>
+            </a:lvl2pPr>
+            <a:lvl3pPr marL="715963" indent="-228600" algn="l" defTabSz="914400" rtl="0" eaLnBrk="1" latinLnBrk="1" hangingPunct="1">
+              <a:lnSpc>
+                <a:spcPct val="90000"/>
+              </a:lnSpc>
+              <a:spcBef>
+                <a:spcPts val="500"/>
+              </a:spcBef>
+              <a:buClr>
+                <a:schemeClr val="accent2">
+                  <a:lumMod val="75000"/>
+                </a:schemeClr>
+              </a:buClr>
+              <a:buFont typeface="Wingdings" panose="05000000000000000000" pitchFamily="2" charset="2"/>
+              <a:buChar char="§"/>
+              <a:defRPr sz="1800" kern="1200">
                 <a:solidFill>
-                  <a:srgbClr val="FF0000"/>
+                  <a:schemeClr val="tx1">
+                    <a:lumMod val="75000"/>
+                    <a:lumOff val="25000"/>
+                  </a:schemeClr>
                 </a:solidFill>
-              </a:rPr>
-              <a:t>전세 보증금 </a:t>
-            </a:r>
-            <a:r>
-              <a:rPr lang="en-US" altLang="ko-KR" dirty="0">
+                <a:latin typeface="한컴산뜻돋움" panose="02000000000000000000" pitchFamily="2" charset="-127"/>
+                <a:ea typeface="한컴산뜻돋움" panose="02000000000000000000" pitchFamily="2" charset="-127"/>
+                <a:cs typeface="+mn-cs"/>
+              </a:defRPr>
+            </a:lvl3pPr>
+            <a:lvl4pPr marL="982663" indent="-228600" algn="l" defTabSz="914400" rtl="0" eaLnBrk="1" latinLnBrk="1" hangingPunct="1">
+              <a:lnSpc>
+                <a:spcPct val="90000"/>
+              </a:lnSpc>
+              <a:spcBef>
+                <a:spcPts val="500"/>
+              </a:spcBef>
+              <a:buFont typeface="Wingdings" panose="05000000000000000000" pitchFamily="2" charset="2"/>
+              <a:buChar char="§"/>
+              <a:defRPr sz="1600" kern="1200">
                 <a:solidFill>
-                  <a:srgbClr val="FF0000"/>
+                  <a:schemeClr val="tx1">
+                    <a:lumMod val="75000"/>
+                    <a:lumOff val="25000"/>
+                  </a:schemeClr>
                 </a:solidFill>
-              </a:rPr>
-              <a:t>2</a:t>
-            </a:r>
-            <a:r>
-              <a:rPr lang="ko-KR" altLang="en-US" dirty="0">
+                <a:latin typeface="한컴산뜻돋움" panose="02000000000000000000" pitchFamily="2" charset="-127"/>
+                <a:ea typeface="한컴산뜻돋움" panose="02000000000000000000" pitchFamily="2" charset="-127"/>
+                <a:cs typeface="+mn-cs"/>
+              </a:defRPr>
+            </a:lvl4pPr>
+            <a:lvl5pPr marL="1258888" indent="-228600" algn="l" defTabSz="914400" rtl="0" eaLnBrk="1" latinLnBrk="1" hangingPunct="1">
+              <a:lnSpc>
+                <a:spcPct val="90000"/>
+              </a:lnSpc>
+              <a:spcBef>
+                <a:spcPts val="500"/>
+              </a:spcBef>
+              <a:buFont typeface="Wingdings" panose="05000000000000000000" pitchFamily="2" charset="2"/>
+              <a:buChar char="§"/>
+              <a:defRPr sz="1600" kern="1200">
                 <a:solidFill>
-                  <a:srgbClr val="FF0000"/>
+                  <a:schemeClr val="tx1">
+                    <a:lumMod val="75000"/>
+                    <a:lumOff val="25000"/>
+                  </a:schemeClr>
                 </a:solidFill>
-              </a:rPr>
-              <a:t>억원을 돌려받지 못한 채 경매가 진행되었습니다</a:t>
-            </a:r>
-            <a:r>
-              <a:rPr lang="en-US" altLang="ko-KR" dirty="0">
+                <a:latin typeface="한컴산뜻돋움" panose="02000000000000000000" pitchFamily="2" charset="-127"/>
+                <a:ea typeface="한컴산뜻돋움" panose="02000000000000000000" pitchFamily="2" charset="-127"/>
+                <a:cs typeface="+mn-cs"/>
+              </a:defRPr>
+            </a:lvl5pPr>
+            <a:lvl6pPr marL="2514600" indent="-228600" algn="l" defTabSz="914400" rtl="0" eaLnBrk="1" latinLnBrk="1" hangingPunct="1">
+              <a:lnSpc>
+                <a:spcPct val="90000"/>
+              </a:lnSpc>
+              <a:spcBef>
+                <a:spcPts val="500"/>
+              </a:spcBef>
+              <a:buFont typeface="Arial" panose="020B0604020202020204" pitchFamily="34" charset="0"/>
+              <a:buChar char="•"/>
+              <a:defRPr sz="1800" kern="1200">
                 <a:solidFill>
-                  <a:srgbClr val="FF0000"/>
+                  <a:schemeClr val="tx1"/>
                 </a:solidFill>
-              </a:rPr>
-              <a:t>. </a:t>
-            </a:r>
-            <a:endParaRPr lang="ko-KR" altLang="en-US" dirty="0"/>
+                <a:latin typeface="+mn-lt"/>
+                <a:ea typeface="+mn-ea"/>
+                <a:cs typeface="+mn-cs"/>
+              </a:defRPr>
+            </a:lvl6pPr>
+            <a:lvl7pPr marL="2971800" indent="-228600" algn="l" defTabSz="914400" rtl="0" eaLnBrk="1" latinLnBrk="1" hangingPunct="1">
+              <a:lnSpc>
+                <a:spcPct val="90000"/>
+              </a:lnSpc>
+              <a:spcBef>
+                <a:spcPts val="500"/>
+              </a:spcBef>
+              <a:buFont typeface="Arial" panose="020B0604020202020204" pitchFamily="34" charset="0"/>
+              <a:buChar char="•"/>
+              <a:defRPr sz="1800" kern="1200">
+                <a:solidFill>
+                  <a:schemeClr val="tx1"/>
+                </a:solidFill>
+                <a:latin typeface="+mn-lt"/>
+                <a:ea typeface="+mn-ea"/>
+                <a:cs typeface="+mn-cs"/>
+              </a:defRPr>
+            </a:lvl7pPr>
+            <a:lvl8pPr marL="3429000" indent="-228600" algn="l" defTabSz="914400" rtl="0" eaLnBrk="1" latinLnBrk="1" hangingPunct="1">
+              <a:lnSpc>
+                <a:spcPct val="90000"/>
+              </a:lnSpc>
+              <a:spcBef>
+                <a:spcPts val="500"/>
+              </a:spcBef>
+              <a:buFont typeface="Arial" panose="020B0604020202020204" pitchFamily="34" charset="0"/>
+              <a:buChar char="•"/>
+              <a:defRPr sz="1800" kern="1200">
+                <a:solidFill>
+                  <a:schemeClr val="tx1"/>
+                </a:solidFill>
+                <a:latin typeface="+mn-lt"/>
+                <a:ea typeface="+mn-ea"/>
+                <a:cs typeface="+mn-cs"/>
+              </a:defRPr>
+            </a:lvl8pPr>
+            <a:lvl9pPr marL="3886200" indent="-228600" algn="l" defTabSz="914400" rtl="0" eaLnBrk="1" latinLnBrk="1" hangingPunct="1">
+              <a:lnSpc>
+                <a:spcPct val="90000"/>
+              </a:lnSpc>
+              <a:spcBef>
+                <a:spcPts val="500"/>
+              </a:spcBef>
+              <a:buFont typeface="Arial" panose="020B0604020202020204" pitchFamily="34" charset="0"/>
+              <a:buChar char="•"/>
+              <a:defRPr sz="1800" kern="1200">
+                <a:solidFill>
+                  <a:schemeClr val="tx1"/>
+                </a:solidFill>
+                <a:latin typeface="+mn-lt"/>
+                <a:ea typeface="+mn-ea"/>
+                <a:cs typeface="+mn-cs"/>
+              </a:defRPr>
+            </a:lvl9pPr>
+          </a:lstStyle>
+          <a:p>
+            <a:r>
+              <a:rPr lang="ko-KR" altLang="en-US" dirty="0"/>
+              <a:t>앱 실행화면</a:t>
+            </a:r>
+            <a:endParaRPr lang="en-US" altLang="ko-KR" dirty="0"/>
           </a:p>
         </p:txBody>
       </p:sp>
       <p:pic>
         <p:nvPicPr>
-          <p:cNvPr id="12" name="그래픽 11" descr="돋보기 단색으로 채워진">
+          <p:cNvPr id="14" name="그림 13" descr="텍스트, 전자제품, 모니터, 디스플레이이(가) 표시된 사진&#10;&#10;자동 생성된 설명">
             <a:extLst>
               <a:ext uri="{FF2B5EF4-FFF2-40B4-BE49-F238E27FC236}">
-                <a16:creationId xmlns:a16="http://schemas.microsoft.com/office/drawing/2014/main" id="{0FA0D90B-EE78-7722-BD37-3144C8A6B9A1}"/>
+                <a16:creationId xmlns:a16="http://schemas.microsoft.com/office/drawing/2014/main" id="{3942FF69-6E34-62F5-95EF-C9174BE05E44}"/>
               </a:ext>
             </a:extLst>
           </p:cNvPr>
@@ -5149,13 +5208,10 @@
           <p:nvPr/>
         </p:nvPicPr>
         <p:blipFill>
-          <a:blip r:embed="rId2">
+          <a:blip r:embed="rId3">
             <a:extLst>
               <a:ext uri="{28A0092B-C50C-407E-A947-70E740481C1C}">
                 <a14:useLocalDpi xmlns:a14="http://schemas.microsoft.com/office/drawing/2010/main" val="0"/>
-              </a:ext>
-              <a:ext uri="{96DAC541-7B7A-43D3-8B79-37D633B846F1}">
-                <asvg:svgBlip xmlns:asvg="http://schemas.microsoft.com/office/drawing/2016/SVG/main" r:embed="rId3"/>
               </a:ext>
             </a:extLst>
           </a:blip>
@@ -5165,20 +5221,91 @@
         </p:blipFill>
         <p:spPr>
           <a:xfrm>
-            <a:off x="7494494" y="1097374"/>
-            <a:ext cx="914400" cy="914400"/>
+            <a:off x="2182195" y="1790519"/>
+            <a:ext cx="2407058" cy="4978661"/>
           </a:xfrm>
           <a:prstGeom prst="rect">
             <a:avLst/>
           </a:prstGeom>
         </p:spPr>
       </p:pic>
-      <p:sp>
-        <p:nvSpPr>
-          <p:cNvPr id="14" name="사각형: 둥근 모서리 13">
+      <p:pic>
+        <p:nvPicPr>
+          <p:cNvPr id="15" name="그림 14" descr="텍스트, 전자제품, 모니터, 디스플레이이(가) 표시된 사진&#10;&#10;자동 생성된 설명">
             <a:extLst>
               <a:ext uri="{FF2B5EF4-FFF2-40B4-BE49-F238E27FC236}">
-                <a16:creationId xmlns:a16="http://schemas.microsoft.com/office/drawing/2014/main" id="{52D1EADC-2EFD-0A98-FB7A-3E1DEEDAF2E8}"/>
+                <a16:creationId xmlns:a16="http://schemas.microsoft.com/office/drawing/2014/main" id="{513B115E-95CB-8359-D927-02FC04BF3352}"/>
+              </a:ext>
+            </a:extLst>
+          </p:cNvPr>
+          <p:cNvPicPr>
+            <a:picLocks noChangeAspect="1"/>
+          </p:cNvPicPr>
+          <p:nvPr/>
+        </p:nvPicPr>
+        <p:blipFill>
+          <a:blip r:embed="rId3">
+            <a:extLst>
+              <a:ext uri="{28A0092B-C50C-407E-A947-70E740481C1C}">
+                <a14:useLocalDpi xmlns:a14="http://schemas.microsoft.com/office/drawing/2010/main" val="0"/>
+              </a:ext>
+            </a:extLst>
+          </a:blip>
+          <a:stretch>
+            <a:fillRect/>
+          </a:stretch>
+        </p:blipFill>
+        <p:spPr>
+          <a:xfrm>
+            <a:off x="4769837" y="1790519"/>
+            <a:ext cx="2407058" cy="4978661"/>
+          </a:xfrm>
+          <a:prstGeom prst="rect">
+            <a:avLst/>
+          </a:prstGeom>
+        </p:spPr>
+      </p:pic>
+      <p:pic>
+        <p:nvPicPr>
+          <p:cNvPr id="17" name="그림 16">
+            <a:extLst>
+              <a:ext uri="{FF2B5EF4-FFF2-40B4-BE49-F238E27FC236}">
+                <a16:creationId xmlns:a16="http://schemas.microsoft.com/office/drawing/2014/main" id="{D4984C17-2186-6ED1-D8C3-E0AD21396477}"/>
+              </a:ext>
+            </a:extLst>
+          </p:cNvPr>
+          <p:cNvPicPr>
+            <a:picLocks noChangeAspect="1"/>
+          </p:cNvPicPr>
+          <p:nvPr/>
+        </p:nvPicPr>
+        <p:blipFill rotWithShape="1">
+          <a:blip r:embed="rId4" cstate="email">
+            <a:extLst>
+              <a:ext uri="{28A0092B-C50C-407E-A947-70E740481C1C}">
+                <a14:useLocalDpi xmlns:a14="http://schemas.microsoft.com/office/drawing/2010/main"/>
+              </a:ext>
+            </a:extLst>
+          </a:blip>
+          <a:srcRect l="30000" t="24503" r="29889" b="17499"/>
+          <a:stretch/>
+        </p:blipFill>
+        <p:spPr>
+          <a:xfrm>
+            <a:off x="2577573" y="3525520"/>
+            <a:ext cx="1619350" cy="1188720"/>
+          </a:xfrm>
+          <a:prstGeom prst="rect">
+            <a:avLst/>
+          </a:prstGeom>
+        </p:spPr>
+      </p:pic>
+      <p:sp>
+        <p:nvSpPr>
+          <p:cNvPr id="18" name="사각형: 둥근 모서리 17">
+            <a:extLst>
+              <a:ext uri="{FF2B5EF4-FFF2-40B4-BE49-F238E27FC236}">
+                <a16:creationId xmlns:a16="http://schemas.microsoft.com/office/drawing/2014/main" id="{371CFCEB-AC74-C1A1-181D-7186FFD5E02F}"/>
               </a:ext>
             </a:extLst>
           </p:cNvPr>
@@ -5187,16 +5314,16 @@
         </p:nvSpPr>
         <p:spPr>
           <a:xfrm>
-            <a:off x="7753455" y="4216253"/>
-            <a:ext cx="914400" cy="460342"/>
+            <a:off x="4991824" y="2438400"/>
+            <a:ext cx="1963084" cy="406400"/>
           </a:xfrm>
           <a:prstGeom prst="roundRect">
-            <a:avLst/>
+            <a:avLst>
+              <a:gd name="adj" fmla="val 42982"/>
+            </a:avLst>
           </a:prstGeom>
           <a:solidFill>
-            <a:schemeClr val="accent1">
-              <a:alpha val="20000"/>
-            </a:schemeClr>
+            <a:srgbClr val="5A5D9D"/>
           </a:solidFill>
           <a:ln>
             <a:noFill/>
@@ -5226,20 +5353,20 @@
             <a:r>
               <a:rPr lang="ko-KR" altLang="en-US" dirty="0">
                 <a:solidFill>
-                  <a:srgbClr val="0070C0"/>
+                  <a:schemeClr val="bg2"/>
                 </a:solidFill>
               </a:rPr>
-              <a:t>제출</a:t>
-            </a:r>
-          </a:p>
-        </p:txBody>
-      </p:sp>
-      <p:sp>
-        <p:nvSpPr>
-          <p:cNvPr id="15" name="말풍선: 사각형 14">
+              <a:t>음성 메모</a:t>
+            </a:r>
+          </a:p>
+        </p:txBody>
+      </p:sp>
+      <p:sp>
+        <p:nvSpPr>
+          <p:cNvPr id="20" name="사각형: 둥근 모서리 19">
             <a:extLst>
               <a:ext uri="{FF2B5EF4-FFF2-40B4-BE49-F238E27FC236}">
-                <a16:creationId xmlns:a16="http://schemas.microsoft.com/office/drawing/2014/main" id="{D5305631-FC82-0ABD-0431-E1CE9C130C6A}"/>
+                <a16:creationId xmlns:a16="http://schemas.microsoft.com/office/drawing/2014/main" id="{2ED1EDD3-E57E-34B9-DFE7-72625AFBDC65}"/>
               </a:ext>
             </a:extLst>
           </p:cNvPr>
@@ -5248,13 +5375,430 @@
         </p:nvSpPr>
         <p:spPr>
           <a:xfrm>
-            <a:off x="6663906" y="5235388"/>
-            <a:ext cx="914400" cy="612648"/>
+            <a:off x="4991824" y="2903870"/>
+            <a:ext cx="1963084" cy="406400"/>
+          </a:xfrm>
+          <a:prstGeom prst="roundRect">
+            <a:avLst>
+              <a:gd name="adj" fmla="val 42982"/>
+            </a:avLst>
+          </a:prstGeom>
+          <a:solidFill>
+            <a:srgbClr val="002060"/>
+          </a:solidFill>
+          <a:ln>
+            <a:noFill/>
+          </a:ln>
+        </p:spPr>
+        <p:style>
+          <a:lnRef idx="2">
+            <a:schemeClr val="accent1">
+              <a:shade val="50000"/>
+            </a:schemeClr>
+          </a:lnRef>
+          <a:fillRef idx="1">
+            <a:schemeClr val="accent1"/>
+          </a:fillRef>
+          <a:effectRef idx="0">
+            <a:schemeClr val="accent1"/>
+          </a:effectRef>
+          <a:fontRef idx="minor">
+            <a:schemeClr val="lt1"/>
+          </a:fontRef>
+        </p:style>
+        <p:txBody>
+          <a:bodyPr rtlCol="0" anchor="ctr"/>
+          <a:lstStyle/>
+          <a:p>
+            <a:pPr algn="ctr"/>
+            <a:r>
+              <a:rPr lang="ko-KR" altLang="en-US">
+                <a:solidFill>
+                  <a:schemeClr val="bg2"/>
+                </a:solidFill>
+              </a:rPr>
+              <a:t>폴더 관리</a:t>
+            </a:r>
+            <a:endParaRPr lang="ko-KR" altLang="en-US" dirty="0">
+              <a:solidFill>
+                <a:schemeClr val="bg2"/>
+              </a:solidFill>
+            </a:endParaRPr>
+          </a:p>
+        </p:txBody>
+      </p:sp>
+      <p:sp>
+        <p:nvSpPr>
+          <p:cNvPr id="21" name="사각형: 둥근 모서리 20">
+            <a:extLst>
+              <a:ext uri="{FF2B5EF4-FFF2-40B4-BE49-F238E27FC236}">
+                <a16:creationId xmlns:a16="http://schemas.microsoft.com/office/drawing/2014/main" id="{BD7B8ABF-F87D-B2A3-D73B-F36D1648CA47}"/>
+              </a:ext>
+            </a:extLst>
+          </p:cNvPr>
+          <p:cNvSpPr/>
+          <p:nvPr/>
+        </p:nvSpPr>
+        <p:spPr>
+          <a:xfrm>
+            <a:off x="4991824" y="3369340"/>
+            <a:ext cx="1963084" cy="406400"/>
+          </a:xfrm>
+          <a:prstGeom prst="roundRect">
+            <a:avLst>
+              <a:gd name="adj" fmla="val 42982"/>
+            </a:avLst>
+          </a:prstGeom>
+          <a:solidFill>
+            <a:srgbClr val="5A5D9D"/>
+          </a:solidFill>
+          <a:ln>
+            <a:noFill/>
+          </a:ln>
+        </p:spPr>
+        <p:style>
+          <a:lnRef idx="2">
+            <a:schemeClr val="accent1">
+              <a:shade val="50000"/>
+            </a:schemeClr>
+          </a:lnRef>
+          <a:fillRef idx="1">
+            <a:schemeClr val="accent1"/>
+          </a:fillRef>
+          <a:effectRef idx="0">
+            <a:schemeClr val="accent1"/>
+          </a:effectRef>
+          <a:fontRef idx="minor">
+            <a:schemeClr val="lt1"/>
+          </a:fontRef>
+        </p:style>
+        <p:txBody>
+          <a:bodyPr rtlCol="0" anchor="ctr"/>
+          <a:lstStyle/>
+          <a:p>
+            <a:pPr algn="ctr"/>
+            <a:r>
+              <a:rPr lang="ko-KR" altLang="en-US">
+                <a:solidFill>
+                  <a:schemeClr val="bg2"/>
+                </a:solidFill>
+              </a:rPr>
+              <a:t>메모 찾기</a:t>
+            </a:r>
+            <a:endParaRPr lang="ko-KR" altLang="en-US" dirty="0">
+              <a:solidFill>
+                <a:schemeClr val="bg2"/>
+              </a:solidFill>
+            </a:endParaRPr>
+          </a:p>
+        </p:txBody>
+      </p:sp>
+      <p:sp>
+        <p:nvSpPr>
+          <p:cNvPr id="22" name="사각형: 둥근 모서리 21">
+            <a:extLst>
+              <a:ext uri="{FF2B5EF4-FFF2-40B4-BE49-F238E27FC236}">
+                <a16:creationId xmlns:a16="http://schemas.microsoft.com/office/drawing/2014/main" id="{EC0BDAA3-BC99-A692-DED4-6C8BCF5C10DD}"/>
+              </a:ext>
+            </a:extLst>
+          </p:cNvPr>
+          <p:cNvSpPr/>
+          <p:nvPr/>
+        </p:nvSpPr>
+        <p:spPr>
+          <a:xfrm>
+            <a:off x="4991824" y="3834810"/>
+            <a:ext cx="1963084" cy="406400"/>
+          </a:xfrm>
+          <a:prstGeom prst="roundRect">
+            <a:avLst>
+              <a:gd name="adj" fmla="val 42982"/>
+            </a:avLst>
+          </a:prstGeom>
+          <a:solidFill>
+            <a:srgbClr val="5A5D9D"/>
+          </a:solidFill>
+          <a:ln>
+            <a:noFill/>
+          </a:ln>
+        </p:spPr>
+        <p:style>
+          <a:lnRef idx="2">
+            <a:schemeClr val="accent1">
+              <a:shade val="50000"/>
+            </a:schemeClr>
+          </a:lnRef>
+          <a:fillRef idx="1">
+            <a:schemeClr val="accent1"/>
+          </a:fillRef>
+          <a:effectRef idx="0">
+            <a:schemeClr val="accent1"/>
+          </a:effectRef>
+          <a:fontRef idx="minor">
+            <a:schemeClr val="lt1"/>
+          </a:fontRef>
+        </p:style>
+        <p:txBody>
+          <a:bodyPr rtlCol="0" anchor="ctr"/>
+          <a:lstStyle/>
+          <a:p>
+            <a:pPr algn="ctr"/>
+            <a:r>
+              <a:rPr lang="ko-KR" altLang="en-US" dirty="0">
+                <a:solidFill>
+                  <a:schemeClr val="bg2"/>
+                </a:solidFill>
+              </a:rPr>
+              <a:t>최근 파일 재생</a:t>
+            </a:r>
+          </a:p>
+        </p:txBody>
+      </p:sp>
+      <p:sp>
+        <p:nvSpPr>
+          <p:cNvPr id="23" name="사각형: 둥근 모서리 22">
+            <a:extLst>
+              <a:ext uri="{FF2B5EF4-FFF2-40B4-BE49-F238E27FC236}">
+                <a16:creationId xmlns:a16="http://schemas.microsoft.com/office/drawing/2014/main" id="{7D67F587-3D83-BBD9-DBC1-9242F1F973D8}"/>
+              </a:ext>
+            </a:extLst>
+          </p:cNvPr>
+          <p:cNvSpPr/>
+          <p:nvPr/>
+        </p:nvSpPr>
+        <p:spPr>
+          <a:xfrm>
+            <a:off x="4991824" y="4300280"/>
+            <a:ext cx="1963084" cy="406400"/>
+          </a:xfrm>
+          <a:prstGeom prst="roundRect">
+            <a:avLst>
+              <a:gd name="adj" fmla="val 42982"/>
+            </a:avLst>
+          </a:prstGeom>
+          <a:solidFill>
+            <a:srgbClr val="5A5D9D"/>
+          </a:solidFill>
+          <a:ln>
+            <a:noFill/>
+          </a:ln>
+        </p:spPr>
+        <p:style>
+          <a:lnRef idx="2">
+            <a:schemeClr val="accent1">
+              <a:shade val="50000"/>
+            </a:schemeClr>
+          </a:lnRef>
+          <a:fillRef idx="1">
+            <a:schemeClr val="accent1"/>
+          </a:fillRef>
+          <a:effectRef idx="0">
+            <a:schemeClr val="accent1"/>
+          </a:effectRef>
+          <a:fontRef idx="minor">
+            <a:schemeClr val="lt1"/>
+          </a:fontRef>
+        </p:style>
+        <p:txBody>
+          <a:bodyPr rtlCol="0" anchor="ctr"/>
+          <a:lstStyle/>
+          <a:p>
+            <a:pPr algn="ctr"/>
+            <a:r>
+              <a:rPr lang="ko-KR" altLang="en-US" dirty="0">
+                <a:solidFill>
+                  <a:schemeClr val="bg2"/>
+                </a:solidFill>
+              </a:rPr>
+              <a:t>앱 종료</a:t>
+            </a:r>
+          </a:p>
+        </p:txBody>
+      </p:sp>
+      <p:sp>
+        <p:nvSpPr>
+          <p:cNvPr id="3" name="타원 2">
+            <a:extLst>
+              <a:ext uri="{FF2B5EF4-FFF2-40B4-BE49-F238E27FC236}">
+                <a16:creationId xmlns:a16="http://schemas.microsoft.com/office/drawing/2014/main" id="{80FCA573-A152-6A7E-7D63-2C6B2D6DC38D}"/>
+              </a:ext>
+            </a:extLst>
+          </p:cNvPr>
+          <p:cNvSpPr/>
+          <p:nvPr/>
+        </p:nvSpPr>
+        <p:spPr>
+          <a:xfrm>
+            <a:off x="5307106" y="5003519"/>
+            <a:ext cx="914400" cy="914400"/>
+          </a:xfrm>
+          <a:prstGeom prst="ellipse">
+            <a:avLst/>
+          </a:prstGeom>
+          <a:gradFill flip="none" rotWithShape="1">
+            <a:gsLst>
+              <a:gs pos="0">
+                <a:schemeClr val="accent3">
+                  <a:lumMod val="0"/>
+                  <a:lumOff val="100000"/>
+                </a:schemeClr>
+              </a:gs>
+              <a:gs pos="35000">
+                <a:schemeClr val="accent3">
+                  <a:lumMod val="0"/>
+                  <a:lumOff val="100000"/>
+                </a:schemeClr>
+              </a:gs>
+              <a:gs pos="100000">
+                <a:schemeClr val="accent3">
+                  <a:lumMod val="100000"/>
+                </a:schemeClr>
+              </a:gs>
+            </a:gsLst>
+            <a:path path="shape">
+              <a:fillToRect l="50000" t="50000" r="50000" b="50000"/>
+            </a:path>
+            <a:tileRect/>
+          </a:gradFill>
+          <a:ln>
+            <a:noFill/>
+          </a:ln>
+        </p:spPr>
+        <p:style>
+          <a:lnRef idx="2">
+            <a:schemeClr val="accent1">
+              <a:shade val="50000"/>
+            </a:schemeClr>
+          </a:lnRef>
+          <a:fillRef idx="1">
+            <a:schemeClr val="accent1"/>
+          </a:fillRef>
+          <a:effectRef idx="0">
+            <a:schemeClr val="accent1"/>
+          </a:effectRef>
+          <a:fontRef idx="minor">
+            <a:schemeClr val="lt1"/>
+          </a:fontRef>
+        </p:style>
+        <p:txBody>
+          <a:bodyPr rtlCol="0" anchor="ctr"/>
+          <a:lstStyle/>
+          <a:p>
+            <a:pPr algn="ctr"/>
+            <a:endParaRPr lang="ko-KR" altLang="en-US"/>
+          </a:p>
+        </p:txBody>
+      </p:sp>
+      <p:sp>
+        <p:nvSpPr>
+          <p:cNvPr id="5" name="타원 4">
+            <a:extLst>
+              <a:ext uri="{FF2B5EF4-FFF2-40B4-BE49-F238E27FC236}">
+                <a16:creationId xmlns:a16="http://schemas.microsoft.com/office/drawing/2014/main" id="{230D3122-06C8-E8ED-D1BD-C02CC84D70F8}"/>
+              </a:ext>
+            </a:extLst>
+          </p:cNvPr>
+          <p:cNvSpPr/>
+          <p:nvPr/>
+        </p:nvSpPr>
+        <p:spPr>
+          <a:xfrm>
+            <a:off x="5553636" y="5441576"/>
+            <a:ext cx="413024" cy="413024"/>
+          </a:xfrm>
+          <a:prstGeom prst="ellipse">
+            <a:avLst/>
+          </a:prstGeom>
+          <a:solidFill>
+            <a:srgbClr val="FF0000">
+              <a:alpha val="50000"/>
+            </a:srgbClr>
+          </a:solidFill>
+          <a:ln>
+            <a:noFill/>
+          </a:ln>
+        </p:spPr>
+        <p:style>
+          <a:lnRef idx="2">
+            <a:schemeClr val="accent1">
+              <a:shade val="50000"/>
+            </a:schemeClr>
+          </a:lnRef>
+          <a:fillRef idx="1">
+            <a:schemeClr val="accent1"/>
+          </a:fillRef>
+          <a:effectRef idx="0">
+            <a:schemeClr val="accent1"/>
+          </a:effectRef>
+          <a:fontRef idx="minor">
+            <a:schemeClr val="lt1"/>
+          </a:fontRef>
+        </p:style>
+        <p:txBody>
+          <a:bodyPr rtlCol="0" anchor="ctr"/>
+          <a:lstStyle/>
+          <a:p>
+            <a:pPr algn="ctr"/>
+            <a:endParaRPr lang="ko-KR" altLang="en-US"/>
+          </a:p>
+        </p:txBody>
+      </p:sp>
+      <p:pic>
+        <p:nvPicPr>
+          <p:cNvPr id="10" name="그림 9" descr="사람, 손, 장갑, 가까이이(가) 표시된 사진&#10;&#10;자동 생성된 설명">
+            <a:extLst>
+              <a:ext uri="{FF2B5EF4-FFF2-40B4-BE49-F238E27FC236}">
+                <a16:creationId xmlns:a16="http://schemas.microsoft.com/office/drawing/2014/main" id="{960B4023-45E6-E084-541E-A1C43A32F82B}"/>
+              </a:ext>
+            </a:extLst>
+          </p:cNvPr>
+          <p:cNvPicPr>
+            <a:picLocks noChangeAspect="1"/>
+          </p:cNvPicPr>
+          <p:nvPr/>
+        </p:nvPicPr>
+        <p:blipFill rotWithShape="1">
+          <a:blip r:embed="rId5">
+            <a:extLst>
+              <a:ext uri="{28A0092B-C50C-407E-A947-70E740481C1C}">
+                <a14:useLocalDpi xmlns:a14="http://schemas.microsoft.com/office/drawing/2010/main" val="0"/>
+              </a:ext>
+            </a:extLst>
+          </a:blip>
+          <a:srcRect b="56471"/>
+          <a:stretch/>
+        </p:blipFill>
+        <p:spPr>
+          <a:xfrm>
+            <a:off x="5480719" y="5507985"/>
+            <a:ext cx="1449247" cy="1350015"/>
+          </a:xfrm>
+          <a:prstGeom prst="rect">
+            <a:avLst/>
+          </a:prstGeom>
+        </p:spPr>
+      </p:pic>
+      <p:sp>
+        <p:nvSpPr>
+          <p:cNvPr id="12" name="말풍선: 사각형 11">
+            <a:extLst>
+              <a:ext uri="{FF2B5EF4-FFF2-40B4-BE49-F238E27FC236}">
+                <a16:creationId xmlns:a16="http://schemas.microsoft.com/office/drawing/2014/main" id="{93940F7F-2DCE-D3A6-8A9C-7AB8B6D52B87}"/>
+              </a:ext>
+            </a:extLst>
+          </p:cNvPr>
+          <p:cNvSpPr/>
+          <p:nvPr/>
+        </p:nvSpPr>
+        <p:spPr>
+          <a:xfrm>
+            <a:off x="7620000" y="2856850"/>
+            <a:ext cx="1246094" cy="1337340"/>
           </a:xfrm>
           <a:prstGeom prst="wedgeRectCallout">
             <a:avLst>
-              <a:gd name="adj1" fmla="val 49755"/>
-              <a:gd name="adj2" fmla="val -129189"/>
+              <a:gd name="adj1" fmla="val -94264"/>
+              <a:gd name="adj2" fmla="val -31935"/>
             </a:avLst>
           </a:prstGeom>
           <a:solidFill>
@@ -5286,14 +5830,126 @@
           <a:p>
             <a:pPr algn="ctr"/>
             <a:r>
-              <a:rPr lang="ko-KR" altLang="en-US" dirty="0"/>
-              <a:t>클릭</a:t>
-            </a:r>
-            <a:r>
-              <a:rPr lang="en-US" altLang="ko-KR" dirty="0"/>
-              <a:t>!!</a:t>
-            </a:r>
-            <a:endParaRPr lang="ko-KR" altLang="en-US" dirty="0"/>
+              <a:rPr lang="ko-KR" altLang="en-US" b="1" dirty="0"/>
+              <a:t>음성</a:t>
+            </a:r>
+            <a:r>
+              <a:rPr lang="ko-KR" altLang="en-US" b="1" dirty="0">
+                <a:solidFill>
+                  <a:srgbClr val="FF0000"/>
+                </a:solidFill>
+              </a:rPr>
+              <a:t> </a:t>
+            </a:r>
+            <a:r>
+              <a:rPr lang="en-US" altLang="ko-KR" b="1" dirty="0">
+                <a:solidFill>
+                  <a:srgbClr val="FF0000"/>
+                </a:solidFill>
+              </a:rPr>
+              <a:t>TTS</a:t>
+            </a:r>
+          </a:p>
+          <a:p>
+            <a:pPr algn="ctr"/>
+            <a:r>
+              <a:rPr lang="ko-KR" altLang="en-US" b="1" dirty="0"/>
+              <a:t>엔진으로</a:t>
+            </a:r>
+            <a:endParaRPr lang="en-US" altLang="ko-KR" b="1" dirty="0"/>
+          </a:p>
+          <a:p>
+            <a:pPr algn="ctr"/>
+            <a:r>
+              <a:rPr lang="ko-KR" altLang="en-US" b="1" dirty="0" err="1"/>
+              <a:t>읽어줌</a:t>
+            </a:r>
+            <a:r>
+              <a:rPr lang="en-US" altLang="ko-KR" b="1" dirty="0"/>
+              <a:t>.</a:t>
+            </a:r>
+          </a:p>
+        </p:txBody>
+      </p:sp>
+      <p:sp>
+        <p:nvSpPr>
+          <p:cNvPr id="16" name="말풍선: 사각형 15">
+            <a:extLst>
+              <a:ext uri="{FF2B5EF4-FFF2-40B4-BE49-F238E27FC236}">
+                <a16:creationId xmlns:a16="http://schemas.microsoft.com/office/drawing/2014/main" id="{2F69437B-BE85-6141-633A-754B859B54BE}"/>
+              </a:ext>
+            </a:extLst>
+          </p:cNvPr>
+          <p:cNvSpPr/>
+          <p:nvPr/>
+        </p:nvSpPr>
+        <p:spPr>
+          <a:xfrm>
+            <a:off x="7620000" y="4998186"/>
+            <a:ext cx="1246094" cy="1337340"/>
+          </a:xfrm>
+          <a:prstGeom prst="wedgeRectCallout">
+            <a:avLst>
+              <a:gd name="adj1" fmla="val -161171"/>
+              <a:gd name="adj2" fmla="val -32605"/>
+            </a:avLst>
+          </a:prstGeom>
+          <a:solidFill>
+            <a:schemeClr val="tx1"/>
+          </a:solidFill>
+          <a:ln>
+            <a:noFill/>
+          </a:ln>
+        </p:spPr>
+        <p:style>
+          <a:lnRef idx="2">
+            <a:schemeClr val="accent1">
+              <a:shade val="50000"/>
+            </a:schemeClr>
+          </a:lnRef>
+          <a:fillRef idx="1">
+            <a:schemeClr val="accent1"/>
+          </a:fillRef>
+          <a:effectRef idx="0">
+            <a:schemeClr val="accent1"/>
+          </a:effectRef>
+          <a:fontRef idx="minor">
+            <a:schemeClr val="lt1"/>
+          </a:fontRef>
+        </p:style>
+        <p:txBody>
+          <a:bodyPr rtlCol="0" anchor="ctr"/>
+          <a:lstStyle/>
+          <a:p>
+            <a:pPr algn="ctr"/>
+            <a:r>
+              <a:rPr lang="ko-KR" altLang="en-US" b="1" dirty="0"/>
+              <a:t>빈 공간 터치하면</a:t>
+            </a:r>
+            <a:endParaRPr lang="en-US" altLang="ko-KR" b="1" dirty="0"/>
+          </a:p>
+          <a:p>
+            <a:pPr algn="ctr"/>
+            <a:r>
+              <a:rPr lang="ko-KR" altLang="en-US" b="1" dirty="0" err="1">
+                <a:solidFill>
+                  <a:srgbClr val="FF0000"/>
+                </a:solidFill>
+              </a:rPr>
+              <a:t>조이패드</a:t>
+            </a:r>
+            <a:r>
+              <a:rPr lang="ko-KR" altLang="en-US" b="1" dirty="0" err="1"/>
+              <a:t>가</a:t>
+            </a:r>
+            <a:r>
+              <a:rPr lang="ko-KR" altLang="en-US" b="1" dirty="0"/>
+              <a:t> 생김</a:t>
+            </a:r>
+            <a:r>
+              <a:rPr lang="en-US" altLang="ko-KR" b="1" dirty="0"/>
+              <a:t>.</a:t>
+            </a:r>
           </a:p>
         </p:txBody>
       </p:sp>
@@ -5329,10 +5985,38 @@
       </p:grpSpPr>
       <p:sp>
         <p:nvSpPr>
+          <p:cNvPr id="2" name="제목 1">
+            <a:extLst>
+              <a:ext uri="{FF2B5EF4-FFF2-40B4-BE49-F238E27FC236}">
+                <a16:creationId xmlns:a16="http://schemas.microsoft.com/office/drawing/2014/main" id="{822112DE-70CB-464F-F712-1AF50348D75E}"/>
+              </a:ext>
+            </a:extLst>
+          </p:cNvPr>
+          <p:cNvSpPr>
+            <a:spLocks noGrp="1"/>
+          </p:cNvSpPr>
+          <p:nvPr>
+            <p:ph type="title"/>
+          </p:nvPr>
+        </p:nvSpPr>
+        <p:spPr/>
+        <p:txBody>
+          <a:bodyPr/>
+          <a:lstStyle/>
+          <a:p>
+            <a:r>
+              <a:rPr lang="ko-KR" altLang="en-US" dirty="0"/>
+              <a:t>시스템 구성도</a:t>
+            </a:r>
+          </a:p>
+        </p:txBody>
+      </p:sp>
+      <p:sp>
+        <p:nvSpPr>
           <p:cNvPr id="4" name="슬라이드 번호 개체 틀 3">
             <a:extLst>
               <a:ext uri="{FF2B5EF4-FFF2-40B4-BE49-F238E27FC236}">
-                <a16:creationId xmlns:a16="http://schemas.microsoft.com/office/drawing/2014/main" id="{DA00C666-A924-79ED-DF59-446CB911EBCF}"/>
+                <a16:creationId xmlns:a16="http://schemas.microsoft.com/office/drawing/2014/main" id="{B35065F2-DF6F-384A-D854-02BB65A287AB}"/>
               </a:ext>
             </a:extLst>
           </p:cNvPr>
@@ -5356,15 +6040,638 @@
           </a:p>
         </p:txBody>
       </p:sp>
-      <p:sp>
-        <p:nvSpPr>
-          <p:cNvPr id="5" name="제목 1">
+      <p:grpSp>
+        <p:nvGrpSpPr>
+          <p:cNvPr id="14" name="그룹 13">
             <a:extLst>
               <a:ext uri="{FF2B5EF4-FFF2-40B4-BE49-F238E27FC236}">
-                <a16:creationId xmlns:a16="http://schemas.microsoft.com/office/drawing/2014/main" id="{C8B0D00C-5B94-FCF9-D86D-E641D1D00EBD}"/>
+                <a16:creationId xmlns:a16="http://schemas.microsoft.com/office/drawing/2014/main" id="{2868AAFC-58D2-A3B7-6F6C-300BEA6CB92B}"/>
               </a:ext>
             </a:extLst>
           </p:cNvPr>
+          <p:cNvGrpSpPr/>
+          <p:nvPr/>
+        </p:nvGrpSpPr>
+        <p:grpSpPr>
+          <a:xfrm>
+            <a:off x="2679689" y="304574"/>
+            <a:ext cx="3784622" cy="6416899"/>
+            <a:chOff x="4203689" y="220550"/>
+            <a:chExt cx="3784622" cy="6416899"/>
+          </a:xfrm>
+        </p:grpSpPr>
+        <p:sp>
+          <p:nvSpPr>
+            <p:cNvPr id="5" name="사각형: 둥근 모서리 4">
+              <a:extLst>
+                <a:ext uri="{FF2B5EF4-FFF2-40B4-BE49-F238E27FC236}">
+                  <a16:creationId xmlns:a16="http://schemas.microsoft.com/office/drawing/2014/main" id="{34B7F545-8777-4E17-315B-806122640DB6}"/>
+                </a:ext>
+              </a:extLst>
+            </p:cNvPr>
+            <p:cNvSpPr/>
+            <p:nvPr/>
+          </p:nvSpPr>
+          <p:spPr>
+            <a:xfrm>
+              <a:off x="4203689" y="620660"/>
+              <a:ext cx="3784622" cy="6016789"/>
+            </a:xfrm>
+            <a:prstGeom prst="roundRect">
+              <a:avLst>
+                <a:gd name="adj" fmla="val 9546"/>
+              </a:avLst>
+            </a:prstGeom>
+            <a:solidFill>
+              <a:schemeClr val="accent4">
+                <a:lumMod val="20000"/>
+                <a:lumOff val="80000"/>
+              </a:schemeClr>
+            </a:solidFill>
+            <a:ln w="38100">
+              <a:solidFill>
+                <a:schemeClr val="accent4"/>
+              </a:solidFill>
+            </a:ln>
+          </p:spPr>
+          <p:style>
+            <a:lnRef idx="0">
+              <a:schemeClr val="accent3"/>
+            </a:lnRef>
+            <a:fillRef idx="3">
+              <a:schemeClr val="accent3"/>
+            </a:fillRef>
+            <a:effectRef idx="3">
+              <a:schemeClr val="accent3"/>
+            </a:effectRef>
+            <a:fontRef idx="minor">
+              <a:schemeClr val="lt1"/>
+            </a:fontRef>
+          </p:style>
+          <p:txBody>
+            <a:bodyPr rtlCol="0" anchor="ctr"/>
+            <a:lstStyle/>
+            <a:p>
+              <a:pPr algn="ctr"/>
+              <a:endParaRPr lang="ko-KR" altLang="en-US">
+                <a:solidFill>
+                  <a:schemeClr val="tx1"/>
+                </a:solidFill>
+              </a:endParaRPr>
+            </a:p>
+          </p:txBody>
+        </p:sp>
+        <p:sp>
+          <p:nvSpPr>
+            <p:cNvPr id="6" name="TextBox 5">
+              <a:extLst>
+                <a:ext uri="{FF2B5EF4-FFF2-40B4-BE49-F238E27FC236}">
+                  <a16:creationId xmlns:a16="http://schemas.microsoft.com/office/drawing/2014/main" id="{BFA10464-4330-BE8E-FA92-5E788C1D8AFD}"/>
+                </a:ext>
+              </a:extLst>
+            </p:cNvPr>
+            <p:cNvSpPr txBox="1"/>
+            <p:nvPr/>
+          </p:nvSpPr>
+          <p:spPr>
+            <a:xfrm>
+              <a:off x="5001619" y="220550"/>
+              <a:ext cx="2188761" cy="400110"/>
+            </a:xfrm>
+            <a:prstGeom prst="rect">
+              <a:avLst/>
+            </a:prstGeom>
+            <a:noFill/>
+          </p:spPr>
+          <p:txBody>
+            <a:bodyPr wrap="square" rtlCol="0">
+              <a:spAutoFit/>
+            </a:bodyPr>
+            <a:lstStyle/>
+            <a:p>
+              <a:pPr algn="ctr"/>
+              <a:r>
+                <a:rPr lang="ko-KR" altLang="en-US" sz="2000" dirty="0"/>
+                <a:t>스마트폰</a:t>
+              </a:r>
+            </a:p>
+          </p:txBody>
+        </p:sp>
+        <p:sp>
+          <p:nvSpPr>
+            <p:cNvPr id="7" name="사각형: 둥근 모서리 6">
+              <a:extLst>
+                <a:ext uri="{FF2B5EF4-FFF2-40B4-BE49-F238E27FC236}">
+                  <a16:creationId xmlns:a16="http://schemas.microsoft.com/office/drawing/2014/main" id="{61E900C1-C34A-657A-88C5-64E05856646F}"/>
+                </a:ext>
+              </a:extLst>
+            </p:cNvPr>
+            <p:cNvSpPr/>
+            <p:nvPr/>
+          </p:nvSpPr>
+          <p:spPr>
+            <a:xfrm>
+              <a:off x="4390949" y="5711594"/>
+              <a:ext cx="3410100" cy="763292"/>
+            </a:xfrm>
+            <a:prstGeom prst="roundRect">
+              <a:avLst/>
+            </a:prstGeom>
+            <a:solidFill>
+              <a:schemeClr val="accent1">
+                <a:lumMod val="20000"/>
+                <a:lumOff val="80000"/>
+              </a:schemeClr>
+            </a:solidFill>
+            <a:ln w="38100">
+              <a:solidFill>
+                <a:schemeClr val="accent1"/>
+              </a:solidFill>
+            </a:ln>
+          </p:spPr>
+          <p:style>
+            <a:lnRef idx="0">
+              <a:schemeClr val="accent6"/>
+            </a:lnRef>
+            <a:fillRef idx="3">
+              <a:schemeClr val="accent6"/>
+            </a:fillRef>
+            <a:effectRef idx="3">
+              <a:schemeClr val="accent6"/>
+            </a:effectRef>
+            <a:fontRef idx="minor">
+              <a:schemeClr val="lt1"/>
+            </a:fontRef>
+          </p:style>
+          <p:txBody>
+            <a:bodyPr rtlCol="0" anchor="ctr"/>
+            <a:lstStyle/>
+            <a:p>
+              <a:pPr algn="ctr"/>
+              <a:r>
+                <a:rPr lang="ko-KR" altLang="en-US" dirty="0">
+                  <a:solidFill>
+                    <a:schemeClr val="tx1"/>
+                  </a:solidFill>
+                </a:rPr>
+                <a:t>로컬</a:t>
+              </a:r>
+              <a:r>
+                <a:rPr lang="en-US" altLang="ko-KR" dirty="0">
+                  <a:solidFill>
+                    <a:schemeClr val="tx1"/>
+                  </a:solidFill>
+                </a:rPr>
+                <a:t>DB</a:t>
+              </a:r>
+              <a:endParaRPr lang="ko-KR" altLang="en-US" dirty="0">
+                <a:solidFill>
+                  <a:schemeClr val="tx1"/>
+                </a:solidFill>
+              </a:endParaRPr>
+            </a:p>
+          </p:txBody>
+        </p:sp>
+        <p:sp>
+          <p:nvSpPr>
+            <p:cNvPr id="8" name="사각형: 둥근 모서리 7">
+              <a:extLst>
+                <a:ext uri="{FF2B5EF4-FFF2-40B4-BE49-F238E27FC236}">
+                  <a16:creationId xmlns:a16="http://schemas.microsoft.com/office/drawing/2014/main" id="{D06F79D1-A0C5-4D92-080C-710E6ACE14CF}"/>
+                </a:ext>
+              </a:extLst>
+            </p:cNvPr>
+            <p:cNvSpPr/>
+            <p:nvPr/>
+          </p:nvSpPr>
+          <p:spPr>
+            <a:xfrm>
+              <a:off x="4390949" y="826337"/>
+              <a:ext cx="3410100" cy="3758087"/>
+            </a:xfrm>
+            <a:prstGeom prst="roundRect">
+              <a:avLst>
+                <a:gd name="adj" fmla="val 7635"/>
+              </a:avLst>
+            </a:prstGeom>
+            <a:solidFill>
+              <a:schemeClr val="accent6">
+                <a:lumMod val="20000"/>
+                <a:lumOff val="80000"/>
+              </a:schemeClr>
+            </a:solidFill>
+            <a:ln w="38100">
+              <a:solidFill>
+                <a:srgbClr val="92D050"/>
+              </a:solidFill>
+            </a:ln>
+          </p:spPr>
+          <p:style>
+            <a:lnRef idx="0">
+              <a:schemeClr val="accent5"/>
+            </a:lnRef>
+            <a:fillRef idx="3">
+              <a:schemeClr val="accent5"/>
+            </a:fillRef>
+            <a:effectRef idx="3">
+              <a:schemeClr val="accent5"/>
+            </a:effectRef>
+            <a:fontRef idx="minor">
+              <a:schemeClr val="lt1"/>
+            </a:fontRef>
+          </p:style>
+          <p:txBody>
+            <a:bodyPr rtlCol="0" anchor="t" anchorCtr="0"/>
+            <a:lstStyle/>
+            <a:p>
+              <a:pPr algn="ctr"/>
+              <a:r>
+                <a:rPr lang="ko-KR" altLang="en-US" dirty="0">
+                  <a:solidFill>
+                    <a:schemeClr val="tx1"/>
+                  </a:solidFill>
+                </a:rPr>
+                <a:t>스마트폰 </a:t>
+              </a:r>
+              <a:r>
+                <a:rPr lang="en-US" altLang="ko-KR" dirty="0">
+                  <a:solidFill>
+                    <a:schemeClr val="tx1"/>
+                  </a:solidFill>
+                </a:rPr>
+                <a:t>App</a:t>
+              </a:r>
+              <a:endParaRPr lang="ko-KR" altLang="en-US" dirty="0">
+                <a:solidFill>
+                  <a:schemeClr val="tx1"/>
+                </a:solidFill>
+              </a:endParaRPr>
+            </a:p>
+          </p:txBody>
+        </p:sp>
+        <p:sp>
+          <p:nvSpPr>
+            <p:cNvPr id="9" name="사각형: 둥근 모서리 8">
+              <a:extLst>
+                <a:ext uri="{FF2B5EF4-FFF2-40B4-BE49-F238E27FC236}">
+                  <a16:creationId xmlns:a16="http://schemas.microsoft.com/office/drawing/2014/main" id="{789896DC-44B1-91A5-6B9F-79DDECBC496A}"/>
+                </a:ext>
+              </a:extLst>
+            </p:cNvPr>
+            <p:cNvSpPr/>
+            <p:nvPr/>
+          </p:nvSpPr>
+          <p:spPr>
+            <a:xfrm>
+              <a:off x="4618947" y="2164222"/>
+              <a:ext cx="2918512" cy="671226"/>
+            </a:xfrm>
+            <a:prstGeom prst="roundRect">
+              <a:avLst/>
+            </a:prstGeom>
+            <a:noFill/>
+            <a:ln w="38100">
+              <a:solidFill>
+                <a:schemeClr val="accent6">
+                  <a:lumMod val="50000"/>
+                </a:schemeClr>
+              </a:solidFill>
+            </a:ln>
+          </p:spPr>
+          <p:style>
+            <a:lnRef idx="2">
+              <a:schemeClr val="accent5">
+                <a:shade val="50000"/>
+              </a:schemeClr>
+            </a:lnRef>
+            <a:fillRef idx="1">
+              <a:schemeClr val="accent5"/>
+            </a:fillRef>
+            <a:effectRef idx="0">
+              <a:schemeClr val="accent5"/>
+            </a:effectRef>
+            <a:fontRef idx="minor">
+              <a:schemeClr val="lt1"/>
+            </a:fontRef>
+          </p:style>
+          <p:txBody>
+            <a:bodyPr rtlCol="0" anchor="ctr"/>
+            <a:lstStyle/>
+            <a:p>
+              <a:pPr algn="ctr"/>
+              <a:r>
+                <a:rPr lang="ko-KR" altLang="en-US" dirty="0">
+                  <a:solidFill>
+                    <a:schemeClr val="tx1"/>
+                  </a:solidFill>
+                </a:rPr>
+                <a:t>음성파일 목록</a:t>
+              </a:r>
+              <a:endParaRPr lang="en-US" altLang="ko-KR" dirty="0">
+                <a:solidFill>
+                  <a:schemeClr val="tx1"/>
+                </a:solidFill>
+              </a:endParaRPr>
+            </a:p>
+          </p:txBody>
+        </p:sp>
+        <p:sp>
+          <p:nvSpPr>
+            <p:cNvPr id="10" name="사각형: 둥근 모서리 9">
+              <a:extLst>
+                <a:ext uri="{FF2B5EF4-FFF2-40B4-BE49-F238E27FC236}">
+                  <a16:creationId xmlns:a16="http://schemas.microsoft.com/office/drawing/2014/main" id="{0EC2304C-6937-133A-3722-1E4B2123C567}"/>
+                </a:ext>
+              </a:extLst>
+            </p:cNvPr>
+            <p:cNvSpPr/>
+            <p:nvPr/>
+          </p:nvSpPr>
+          <p:spPr>
+            <a:xfrm>
+              <a:off x="4618947" y="2920496"/>
+              <a:ext cx="2918512" cy="671226"/>
+            </a:xfrm>
+            <a:prstGeom prst="roundRect">
+              <a:avLst/>
+            </a:prstGeom>
+            <a:noFill/>
+            <a:ln w="38100">
+              <a:solidFill>
+                <a:schemeClr val="accent6">
+                  <a:lumMod val="50000"/>
+                </a:schemeClr>
+              </a:solidFill>
+            </a:ln>
+          </p:spPr>
+          <p:style>
+            <a:lnRef idx="2">
+              <a:schemeClr val="accent5">
+                <a:shade val="50000"/>
+              </a:schemeClr>
+            </a:lnRef>
+            <a:fillRef idx="1">
+              <a:schemeClr val="accent5"/>
+            </a:fillRef>
+            <a:effectRef idx="0">
+              <a:schemeClr val="accent5"/>
+            </a:effectRef>
+            <a:fontRef idx="minor">
+              <a:schemeClr val="lt1"/>
+            </a:fontRef>
+          </p:style>
+          <p:txBody>
+            <a:bodyPr rtlCol="0" anchor="ctr"/>
+            <a:lstStyle/>
+            <a:p>
+              <a:pPr algn="ctr"/>
+              <a:r>
+                <a:rPr lang="ko-KR" altLang="en-US" dirty="0">
+                  <a:solidFill>
+                    <a:schemeClr val="tx1"/>
+                  </a:solidFill>
+                </a:rPr>
+                <a:t>디렉터리 목록</a:t>
+              </a:r>
+              <a:endParaRPr lang="en-US" altLang="ko-KR" dirty="0">
+                <a:solidFill>
+                  <a:schemeClr val="tx1"/>
+                </a:solidFill>
+              </a:endParaRPr>
+            </a:p>
+          </p:txBody>
+        </p:sp>
+        <p:sp>
+          <p:nvSpPr>
+            <p:cNvPr id="11" name="사각형: 둥근 모서리 10">
+              <a:extLst>
+                <a:ext uri="{FF2B5EF4-FFF2-40B4-BE49-F238E27FC236}">
+                  <a16:creationId xmlns:a16="http://schemas.microsoft.com/office/drawing/2014/main" id="{DFA506F3-EC52-E9C0-9155-30845C0DCCD0}"/>
+                </a:ext>
+              </a:extLst>
+            </p:cNvPr>
+            <p:cNvSpPr/>
+            <p:nvPr/>
+          </p:nvSpPr>
+          <p:spPr>
+            <a:xfrm>
+              <a:off x="4618947" y="3676770"/>
+              <a:ext cx="2918512" cy="671226"/>
+            </a:xfrm>
+            <a:prstGeom prst="roundRect">
+              <a:avLst/>
+            </a:prstGeom>
+            <a:noFill/>
+            <a:ln w="38100">
+              <a:solidFill>
+                <a:schemeClr val="accent6">
+                  <a:lumMod val="50000"/>
+                </a:schemeClr>
+              </a:solidFill>
+            </a:ln>
+          </p:spPr>
+          <p:style>
+            <a:lnRef idx="2">
+              <a:schemeClr val="accent5">
+                <a:shade val="50000"/>
+              </a:schemeClr>
+            </a:lnRef>
+            <a:fillRef idx="1">
+              <a:schemeClr val="accent5"/>
+            </a:fillRef>
+            <a:effectRef idx="0">
+              <a:schemeClr val="accent5"/>
+            </a:effectRef>
+            <a:fontRef idx="minor">
+              <a:schemeClr val="lt1"/>
+            </a:fontRef>
+          </p:style>
+          <p:txBody>
+            <a:bodyPr rtlCol="0" anchor="ctr"/>
+            <a:lstStyle/>
+            <a:p>
+              <a:pPr algn="ctr"/>
+              <a:r>
+                <a:rPr lang="ko-KR" altLang="en-US" dirty="0">
+                  <a:solidFill>
+                    <a:schemeClr val="tx1"/>
+                  </a:solidFill>
+                </a:rPr>
+                <a:t>디렉터리 관리</a:t>
+              </a:r>
+              <a:endParaRPr lang="en-US" altLang="ko-KR" dirty="0">
+                <a:solidFill>
+                  <a:schemeClr val="tx1"/>
+                </a:solidFill>
+              </a:endParaRPr>
+            </a:p>
+          </p:txBody>
+        </p:sp>
+        <p:sp>
+          <p:nvSpPr>
+            <p:cNvPr id="12" name="사각형: 둥근 모서리 11">
+              <a:extLst>
+                <a:ext uri="{FF2B5EF4-FFF2-40B4-BE49-F238E27FC236}">
+                  <a16:creationId xmlns:a16="http://schemas.microsoft.com/office/drawing/2014/main" id="{B037FA51-AA20-7F6C-5EFB-18CF22886CD9}"/>
+                </a:ext>
+              </a:extLst>
+            </p:cNvPr>
+            <p:cNvSpPr/>
+            <p:nvPr/>
+          </p:nvSpPr>
+          <p:spPr>
+            <a:xfrm>
+              <a:off x="4618947" y="1407948"/>
+              <a:ext cx="2918512" cy="671226"/>
+            </a:xfrm>
+            <a:prstGeom prst="roundRect">
+              <a:avLst/>
+            </a:prstGeom>
+            <a:noFill/>
+            <a:ln w="38100">
+              <a:solidFill>
+                <a:schemeClr val="accent6">
+                  <a:lumMod val="50000"/>
+                </a:schemeClr>
+              </a:solidFill>
+            </a:ln>
+          </p:spPr>
+          <p:style>
+            <a:lnRef idx="2">
+              <a:schemeClr val="accent5">
+                <a:shade val="50000"/>
+              </a:schemeClr>
+            </a:lnRef>
+            <a:fillRef idx="1">
+              <a:schemeClr val="accent5"/>
+            </a:fillRef>
+            <a:effectRef idx="0">
+              <a:schemeClr val="accent5"/>
+            </a:effectRef>
+            <a:fontRef idx="minor">
+              <a:schemeClr val="lt1"/>
+            </a:fontRef>
+          </p:style>
+          <p:txBody>
+            <a:bodyPr rtlCol="0" anchor="ctr"/>
+            <a:lstStyle/>
+            <a:p>
+              <a:pPr algn="ctr"/>
+              <a:r>
+                <a:rPr lang="ko-KR" altLang="en-US" dirty="0">
+                  <a:solidFill>
+                    <a:schemeClr val="tx1"/>
+                  </a:solidFill>
+                </a:rPr>
+                <a:t>음성 녹음</a:t>
+              </a:r>
+              <a:endParaRPr lang="en-US" altLang="ko-KR" dirty="0">
+                <a:solidFill>
+                  <a:schemeClr val="tx1"/>
+                </a:solidFill>
+              </a:endParaRPr>
+            </a:p>
+          </p:txBody>
+        </p:sp>
+        <p:sp>
+          <p:nvSpPr>
+            <p:cNvPr id="13" name="화살표: 위쪽/아래쪽 12">
+              <a:extLst>
+                <a:ext uri="{FF2B5EF4-FFF2-40B4-BE49-F238E27FC236}">
+                  <a16:creationId xmlns:a16="http://schemas.microsoft.com/office/drawing/2014/main" id="{91BBBD44-323D-4D61-07C9-1AD71EB6766A}"/>
+                </a:ext>
+              </a:extLst>
+            </p:cNvPr>
+            <p:cNvSpPr/>
+            <p:nvPr/>
+          </p:nvSpPr>
+          <p:spPr>
+            <a:xfrm>
+              <a:off x="5853683" y="4790101"/>
+              <a:ext cx="484632" cy="763292"/>
+            </a:xfrm>
+            <a:prstGeom prst="upDownArrow">
+              <a:avLst/>
+            </a:prstGeom>
+            <a:solidFill>
+              <a:srgbClr val="0000FF"/>
+            </a:solidFill>
+            <a:ln>
+              <a:noFill/>
+            </a:ln>
+            <a:effectLst>
+              <a:outerShdw blurRad="63500" sx="102000" sy="102000" algn="ctr" rotWithShape="0">
+                <a:prstClr val="black">
+                  <a:alpha val="40000"/>
+                </a:prstClr>
+              </a:outerShdw>
+            </a:effectLst>
+          </p:spPr>
+          <p:style>
+            <a:lnRef idx="2">
+              <a:schemeClr val="accent1">
+                <a:shade val="50000"/>
+              </a:schemeClr>
+            </a:lnRef>
+            <a:fillRef idx="1">
+              <a:schemeClr val="accent1"/>
+            </a:fillRef>
+            <a:effectRef idx="0">
+              <a:schemeClr val="accent1"/>
+            </a:effectRef>
+            <a:fontRef idx="minor">
+              <a:schemeClr val="lt1"/>
+            </a:fontRef>
+          </p:style>
+          <p:txBody>
+            <a:bodyPr rtlCol="0" anchor="ctr"/>
+            <a:lstStyle/>
+            <a:p>
+              <a:pPr algn="ctr"/>
+              <a:endParaRPr lang="ko-KR" altLang="en-US"/>
+            </a:p>
+          </p:txBody>
+        </p:sp>
+      </p:grpSp>
+    </p:spTree>
+    <p:extLst>
+      <p:ext uri="{BB962C8B-B14F-4D97-AF65-F5344CB8AC3E}">
+        <p14:creationId xmlns:p14="http://schemas.microsoft.com/office/powerpoint/2010/main" val="3851533353"/>
+      </p:ext>
+    </p:extLst>
+  </p:cSld>
+  <p:clrMapOvr>
+    <a:masterClrMapping/>
+  </p:clrMapOvr>
+</p:sld>
+</file>
+
+<file path=ppt/slides/slide5.xml><?xml version="1.0" encoding="utf-8"?>
+<p:sld xmlns:a="http://schemas.openxmlformats.org/drawingml/2006/main" xmlns:r="http://schemas.openxmlformats.org/officeDocument/2006/relationships" xmlns:p="http://schemas.openxmlformats.org/presentationml/2006/main">
+  <p:cSld>
+    <p:spTree>
+      <p:nvGrpSpPr>
+        <p:cNvPr id="1" name=""/>
+        <p:cNvGrpSpPr/>
+        <p:nvPr/>
+      </p:nvGrpSpPr>
+      <p:grpSpPr>
+        <a:xfrm>
+          <a:off x="0" y="0"/>
+          <a:ext cx="0" cy="0"/>
+          <a:chOff x="0" y="0"/>
+          <a:chExt cx="0" cy="0"/>
+        </a:xfrm>
+      </p:grpSpPr>
+      <p:sp>
+        <p:nvSpPr>
+          <p:cNvPr id="2" name="제목 1">
+            <a:extLst>
+              <a:ext uri="{FF2B5EF4-FFF2-40B4-BE49-F238E27FC236}">
+                <a16:creationId xmlns:a16="http://schemas.microsoft.com/office/drawing/2014/main" id="{932501CE-D12F-8911-C3C0-EE6EF94E24AC}"/>
+              </a:ext>
+            </a:extLst>
+          </p:cNvPr>
           <p:cNvSpPr>
             <a:spLocks noGrp="1"/>
           </p:cNvSpPr>
@@ -5372,968 +6679,871 @@
             <p:ph type="title"/>
           </p:nvPr>
         </p:nvSpPr>
-        <p:spPr>
-          <a:xfrm>
-            <a:off x="439947" y="136524"/>
-            <a:ext cx="8281359" cy="735931"/>
-          </a:xfrm>
-        </p:spPr>
+        <p:spPr/>
         <p:txBody>
           <a:bodyPr/>
           <a:lstStyle/>
           <a:p>
             <a:r>
-              <a:rPr lang="ko-KR" altLang="en-US" dirty="0"/>
-              <a:t>개발 하는 제품의 개념도 작성</a:t>
-            </a:r>
-          </a:p>
-        </p:txBody>
-      </p:sp>
-      <p:sp>
-        <p:nvSpPr>
-          <p:cNvPr id="6" name="TextBox 5">
+              <a:rPr lang="ko-KR" altLang="en-US" sz="2800" dirty="0"/>
+              <a:t>블록</a:t>
+            </a:r>
+            <a:r>
+              <a:rPr lang="en-US" altLang="ko-KR" sz="2800" dirty="0"/>
+              <a:t> </a:t>
+            </a:r>
+            <a:r>
+              <a:rPr lang="ko-KR" altLang="en-US" sz="2800" dirty="0"/>
+              <a:t>다이어그램 </a:t>
+            </a:r>
+            <a:endParaRPr lang="ko-KR" altLang="en-US" dirty="0"/>
+          </a:p>
+        </p:txBody>
+      </p:sp>
+      <p:sp>
+        <p:nvSpPr>
+          <p:cNvPr id="4" name="슬라이드 번호 개체 틀 3">
             <a:extLst>
               <a:ext uri="{FF2B5EF4-FFF2-40B4-BE49-F238E27FC236}">
-                <a16:creationId xmlns:a16="http://schemas.microsoft.com/office/drawing/2014/main" id="{A7521169-6D91-9BD6-A3BD-A6743ABF7525}"/>
+                <a16:creationId xmlns:a16="http://schemas.microsoft.com/office/drawing/2014/main" id="{CCBE7CF2-024D-97B5-714A-E3D3ECAF81F2}"/>
               </a:ext>
             </a:extLst>
           </p:cNvPr>
-          <p:cNvSpPr txBox="1"/>
-          <p:nvPr/>
-        </p:nvSpPr>
-        <p:spPr>
-          <a:xfrm>
-            <a:off x="439947" y="1231409"/>
-            <a:ext cx="3671454" cy="646331"/>
-          </a:xfrm>
-          <a:prstGeom prst="rect">
-            <a:avLst/>
-          </a:prstGeom>
-          <a:noFill/>
-        </p:spPr>
-        <p:txBody>
-          <a:bodyPr wrap="none" rtlCol="0">
-            <a:spAutoFit/>
-          </a:bodyPr>
+          <p:cNvSpPr>
+            <a:spLocks noGrp="1"/>
+          </p:cNvSpPr>
+          <p:nvPr>
+            <p:ph type="sldNum" sz="quarter" idx="12"/>
+          </p:nvPr>
+        </p:nvSpPr>
+        <p:spPr/>
+        <p:txBody>
+          <a:bodyPr/>
           <a:lstStyle/>
           <a:p>
-            <a:r>
-              <a:rPr lang="en-US" altLang="ko-KR" b="1" dirty="0"/>
-              <a:t>Legal.AI</a:t>
-            </a:r>
-            <a:r>
-              <a:rPr lang="ko-KR" altLang="en-US" b="1" dirty="0"/>
-              <a:t>가 찾은 유사한 판례입니다</a:t>
-            </a:r>
-            <a:r>
-              <a:rPr lang="en-US" altLang="ko-KR" b="1" dirty="0"/>
-              <a:t>.</a:t>
-            </a:r>
-          </a:p>
-          <a:p>
-            <a:r>
-              <a:rPr lang="ko-KR" altLang="en-US" b="1" dirty="0">
-                <a:solidFill>
-                  <a:schemeClr val="bg1">
-                    <a:lumMod val="50000"/>
-                  </a:schemeClr>
-                </a:solidFill>
-              </a:rPr>
-              <a:t>총 </a:t>
-            </a:r>
-            <a:r>
-              <a:rPr lang="en-US" altLang="ko-KR" b="1" dirty="0">
-                <a:solidFill>
-                  <a:schemeClr val="bg1">
-                    <a:lumMod val="50000"/>
-                  </a:schemeClr>
-                </a:solidFill>
-              </a:rPr>
-              <a:t>12</a:t>
-            </a:r>
-            <a:r>
-              <a:rPr lang="ko-KR" altLang="en-US" b="1" dirty="0">
-                <a:solidFill>
-                  <a:schemeClr val="bg1">
-                    <a:lumMod val="50000"/>
-                  </a:schemeClr>
-                </a:solidFill>
-              </a:rPr>
-              <a:t>건의 검색 결과가 있습니다</a:t>
-            </a:r>
-            <a:r>
-              <a:rPr lang="en-US" altLang="ko-KR" b="1" dirty="0">
-                <a:solidFill>
-                  <a:schemeClr val="bg1">
-                    <a:lumMod val="50000"/>
-                  </a:schemeClr>
-                </a:solidFill>
-              </a:rPr>
-              <a:t>.</a:t>
-            </a:r>
-            <a:endParaRPr lang="ko-KR" altLang="en-US" b="1" dirty="0">
-              <a:solidFill>
-                <a:schemeClr val="bg1">
-                  <a:lumMod val="50000"/>
-                </a:schemeClr>
-              </a:solidFill>
-            </a:endParaRPr>
-          </a:p>
-        </p:txBody>
-      </p:sp>
-      <p:pic>
-        <p:nvPicPr>
-          <p:cNvPr id="8" name="그래픽 7" descr="아키텍처 단색으로 채워진">
+            <a:fld id="{2F00E46C-ED49-42AD-BB6D-7499E1F08A71}" type="slidenum">
+              <a:rPr lang="ko-KR" altLang="en-US" smtClean="0"/>
+              <a:t>5</a:t>
+            </a:fld>
+            <a:endParaRPr lang="ko-KR" altLang="en-US"/>
+          </a:p>
+        </p:txBody>
+      </p:sp>
+      <p:grpSp>
+        <p:nvGrpSpPr>
+          <p:cNvPr id="6" name="그룹 5">
             <a:extLst>
               <a:ext uri="{FF2B5EF4-FFF2-40B4-BE49-F238E27FC236}">
-                <a16:creationId xmlns:a16="http://schemas.microsoft.com/office/drawing/2014/main" id="{FC993EA1-03F1-96C0-5476-96F5BF704E16}"/>
+                <a16:creationId xmlns:a16="http://schemas.microsoft.com/office/drawing/2014/main" id="{9B323A66-8AB5-A67B-3DC7-CC2B4B2E167E}"/>
               </a:ext>
             </a:extLst>
           </p:cNvPr>
-          <p:cNvPicPr>
-            <a:picLocks noChangeAspect="1"/>
-          </p:cNvPicPr>
+          <p:cNvGrpSpPr/>
           <p:nvPr/>
-        </p:nvPicPr>
-        <p:blipFill>
-          <a:blip r:embed="rId2">
-            <a:extLst>
-              <a:ext uri="{28A0092B-C50C-407E-A947-70E740481C1C}">
-                <a14:useLocalDpi xmlns:a14="http://schemas.microsoft.com/office/drawing/2010/main" val="0"/>
-              </a:ext>
-              <a:ext uri="{96DAC541-7B7A-43D3-8B79-37D633B846F1}">
-                <asvg:svgBlip xmlns:asvg="http://schemas.microsoft.com/office/drawing/2016/SVG/main" r:embed="rId3"/>
-              </a:ext>
-            </a:extLst>
-          </a:blip>
-          <a:stretch>
-            <a:fillRect/>
-          </a:stretch>
-        </p:blipFill>
-        <p:spPr>
+        </p:nvGrpSpPr>
+        <p:grpSpPr>
           <a:xfrm>
-            <a:off x="7494494" y="1097374"/>
-            <a:ext cx="914400" cy="914400"/>
+            <a:off x="1346537" y="1196078"/>
+            <a:ext cx="6468177" cy="5661922"/>
+            <a:chOff x="2396689" y="495038"/>
+            <a:chExt cx="6468177" cy="5661922"/>
           </a:xfrm>
-          <a:prstGeom prst="rect">
-            <a:avLst/>
-          </a:prstGeom>
-        </p:spPr>
-      </p:pic>
-      <p:sp>
-        <p:nvSpPr>
-          <p:cNvPr id="11" name="사각형: 둥근 모서리 10">
-            <a:extLst>
-              <a:ext uri="{FF2B5EF4-FFF2-40B4-BE49-F238E27FC236}">
-                <a16:creationId xmlns:a16="http://schemas.microsoft.com/office/drawing/2014/main" id="{80C6D64E-293D-BF5F-2F83-8566070B12A5}"/>
-              </a:ext>
-            </a:extLst>
-          </p:cNvPr>
-          <p:cNvSpPr/>
-          <p:nvPr/>
-        </p:nvSpPr>
-        <p:spPr>
-          <a:xfrm>
-            <a:off x="448912" y="2236694"/>
-            <a:ext cx="7959982" cy="802341"/>
-          </a:xfrm>
-          <a:prstGeom prst="roundRect">
-            <a:avLst>
-              <a:gd name="adj" fmla="val 50000"/>
-            </a:avLst>
-          </a:prstGeom>
-          <a:solidFill>
-            <a:srgbClr val="FF0000">
-              <a:alpha val="20000"/>
-            </a:srgbClr>
-          </a:solidFill>
-          <a:ln>
+        </p:grpSpPr>
+        <p:sp>
+          <p:nvSpPr>
+            <p:cNvPr id="7" name="직사각형 6">
+              <a:extLst>
+                <a:ext uri="{FF2B5EF4-FFF2-40B4-BE49-F238E27FC236}">
+                  <a16:creationId xmlns:a16="http://schemas.microsoft.com/office/drawing/2014/main" id="{C3B04011-5AC4-72E7-42A1-D644D1C0E527}"/>
+                </a:ext>
+              </a:extLst>
+            </p:cNvPr>
+            <p:cNvSpPr/>
+            <p:nvPr/>
+          </p:nvSpPr>
+          <p:spPr>
+            <a:xfrm>
+              <a:off x="2396689" y="895149"/>
+              <a:ext cx="2338939" cy="5261811"/>
+            </a:xfrm>
+            <a:prstGeom prst="rect">
+              <a:avLst/>
+            </a:prstGeom>
+            <a:solidFill>
+              <a:schemeClr val="bg1"/>
+            </a:solidFill>
+            <a:ln>
+              <a:solidFill>
+                <a:schemeClr val="tx1"/>
+              </a:solidFill>
+            </a:ln>
+            <a:effectLst>
+              <a:outerShdw blurRad="50800" dist="38100" dir="5400000" algn="t" rotWithShape="0">
+                <a:prstClr val="black">
+                  <a:alpha val="40000"/>
+                </a:prstClr>
+              </a:outerShdw>
+            </a:effectLst>
+          </p:spPr>
+          <p:style>
+            <a:lnRef idx="2">
+              <a:schemeClr val="accent1">
+                <a:shade val="50000"/>
+              </a:schemeClr>
+            </a:lnRef>
+            <a:fillRef idx="1">
+              <a:schemeClr val="accent1"/>
+            </a:fillRef>
+            <a:effectRef idx="0">
+              <a:schemeClr val="accent1"/>
+            </a:effectRef>
+            <a:fontRef idx="minor">
+              <a:schemeClr val="lt1"/>
+            </a:fontRef>
+          </p:style>
+          <p:txBody>
+            <a:bodyPr rtlCol="0" anchor="ctr"/>
+            <a:lstStyle/>
+            <a:p>
+              <a:pPr algn="ctr"/>
+              <a:endParaRPr lang="ko-KR" altLang="en-US"/>
+            </a:p>
+          </p:txBody>
+        </p:sp>
+        <p:sp>
+          <p:nvSpPr>
+            <p:cNvPr id="8" name="직사각형 7">
+              <a:extLst>
+                <a:ext uri="{FF2B5EF4-FFF2-40B4-BE49-F238E27FC236}">
+                  <a16:creationId xmlns:a16="http://schemas.microsoft.com/office/drawing/2014/main" id="{FB9DC4AA-74E0-2279-55F3-53AC7A712EB4}"/>
+                </a:ext>
+              </a:extLst>
+            </p:cNvPr>
+            <p:cNvSpPr/>
+            <p:nvPr/>
+          </p:nvSpPr>
+          <p:spPr>
+            <a:xfrm>
+              <a:off x="6525927" y="895149"/>
+              <a:ext cx="2338939" cy="1451811"/>
+            </a:xfrm>
+            <a:prstGeom prst="rect">
+              <a:avLst/>
+            </a:prstGeom>
+            <a:solidFill>
+              <a:schemeClr val="bg1"/>
+            </a:solidFill>
+            <a:ln>
+              <a:solidFill>
+                <a:schemeClr val="tx1"/>
+              </a:solidFill>
+            </a:ln>
+            <a:effectLst>
+              <a:outerShdw blurRad="50800" dist="38100" dir="5400000" algn="t" rotWithShape="0">
+                <a:prstClr val="black">
+                  <a:alpha val="40000"/>
+                </a:prstClr>
+              </a:outerShdw>
+            </a:effectLst>
+          </p:spPr>
+          <p:style>
+            <a:lnRef idx="2">
+              <a:schemeClr val="accent1">
+                <a:shade val="50000"/>
+              </a:schemeClr>
+            </a:lnRef>
+            <a:fillRef idx="1">
+              <a:schemeClr val="accent1"/>
+            </a:fillRef>
+            <a:effectRef idx="0">
+              <a:schemeClr val="accent1"/>
+            </a:effectRef>
+            <a:fontRef idx="minor">
+              <a:schemeClr val="lt1"/>
+            </a:fontRef>
+          </p:style>
+          <p:txBody>
+            <a:bodyPr rtlCol="0" anchor="ctr"/>
+            <a:lstStyle/>
+            <a:p>
+              <a:pPr algn="ctr"/>
+              <a:endParaRPr lang="ko-KR" altLang="en-US"/>
+            </a:p>
+          </p:txBody>
+        </p:sp>
+        <p:sp>
+          <p:nvSpPr>
+            <p:cNvPr id="9" name="TextBox 8">
+              <a:extLst>
+                <a:ext uri="{FF2B5EF4-FFF2-40B4-BE49-F238E27FC236}">
+                  <a16:creationId xmlns:a16="http://schemas.microsoft.com/office/drawing/2014/main" id="{30F3A785-BEB1-CDDB-7484-12A67127AE26}"/>
+                </a:ext>
+              </a:extLst>
+            </p:cNvPr>
+            <p:cNvSpPr txBox="1"/>
+            <p:nvPr/>
+          </p:nvSpPr>
+          <p:spPr>
+            <a:xfrm>
+              <a:off x="2471777" y="495038"/>
+              <a:ext cx="2188761" cy="400110"/>
+            </a:xfrm>
+            <a:prstGeom prst="rect">
+              <a:avLst/>
+            </a:prstGeom>
             <a:noFill/>
-          </a:ln>
-        </p:spPr>
-        <p:style>
-          <a:lnRef idx="2">
-            <a:schemeClr val="accent1">
-              <a:shade val="50000"/>
-            </a:schemeClr>
-          </a:lnRef>
-          <a:fillRef idx="1">
-            <a:schemeClr val="accent1"/>
-          </a:fillRef>
-          <a:effectRef idx="0">
-            <a:schemeClr val="accent1"/>
-          </a:effectRef>
-          <a:fontRef idx="minor">
-            <a:schemeClr val="lt1"/>
-          </a:fontRef>
-        </p:style>
-        <p:txBody>
-          <a:bodyPr rtlCol="0" anchor="ctr"/>
-          <a:lstStyle/>
-          <a:p>
-            <a:pPr algn="ctr"/>
-            <a:r>
-              <a:rPr lang="ko-KR" altLang="en-US" sz="1600" dirty="0">
+          </p:spPr>
+          <p:txBody>
+            <a:bodyPr wrap="square" rtlCol="0">
+              <a:spAutoFit/>
+            </a:bodyPr>
+            <a:lstStyle/>
+            <a:p>
+              <a:pPr algn="ctr"/>
+              <a:r>
+                <a:rPr lang="en-US" altLang="ko-KR" sz="2000" dirty="0"/>
+                <a:t>User</a:t>
+              </a:r>
+              <a:endParaRPr lang="ko-KR" altLang="en-US" sz="2000" dirty="0"/>
+            </a:p>
+          </p:txBody>
+        </p:sp>
+        <p:sp>
+          <p:nvSpPr>
+            <p:cNvPr id="10" name="TextBox 9">
+              <a:extLst>
+                <a:ext uri="{FF2B5EF4-FFF2-40B4-BE49-F238E27FC236}">
+                  <a16:creationId xmlns:a16="http://schemas.microsoft.com/office/drawing/2014/main" id="{6B841447-1882-5FE3-1484-0AFDB14ACD77}"/>
+                </a:ext>
+              </a:extLst>
+            </p:cNvPr>
+            <p:cNvSpPr txBox="1"/>
+            <p:nvPr/>
+          </p:nvSpPr>
+          <p:spPr>
+            <a:xfrm>
+              <a:off x="6601015" y="495038"/>
+              <a:ext cx="2188761" cy="400110"/>
+            </a:xfrm>
+            <a:prstGeom prst="rect">
+              <a:avLst/>
+            </a:prstGeom>
+            <a:noFill/>
+          </p:spPr>
+          <p:txBody>
+            <a:bodyPr wrap="square" rtlCol="0">
+              <a:spAutoFit/>
+            </a:bodyPr>
+            <a:lstStyle/>
+            <a:p>
+              <a:pPr algn="ctr"/>
+              <a:r>
+                <a:rPr lang="ko-KR" altLang="en-US" sz="2000" dirty="0"/>
+                <a:t>로컬 </a:t>
+              </a:r>
+              <a:r>
+                <a:rPr lang="en-US" altLang="ko-KR" sz="2000" dirty="0"/>
+                <a:t>DB</a:t>
+              </a:r>
+              <a:endParaRPr lang="ko-KR" altLang="en-US" sz="2000" dirty="0"/>
+            </a:p>
+          </p:txBody>
+        </p:sp>
+        <p:sp>
+          <p:nvSpPr>
+            <p:cNvPr id="11" name="사각형: 둥근 모서리 10">
+              <a:extLst>
+                <a:ext uri="{FF2B5EF4-FFF2-40B4-BE49-F238E27FC236}">
+                  <a16:creationId xmlns:a16="http://schemas.microsoft.com/office/drawing/2014/main" id="{D843AE52-3018-D8A4-FF5E-B96C257E350F}"/>
+                </a:ext>
+              </a:extLst>
+            </p:cNvPr>
+            <p:cNvSpPr/>
+            <p:nvPr/>
+          </p:nvSpPr>
+          <p:spPr>
+            <a:xfrm>
+              <a:off x="2619472" y="1151410"/>
+              <a:ext cx="1876928" cy="914400"/>
+            </a:xfrm>
+            <a:prstGeom prst="roundRect">
+              <a:avLst/>
+            </a:prstGeom>
+            <a:solidFill>
+              <a:schemeClr val="bg1"/>
+            </a:solidFill>
+            <a:ln>
+              <a:solidFill>
+                <a:schemeClr val="tx1"/>
+              </a:solidFill>
+            </a:ln>
+          </p:spPr>
+          <p:style>
+            <a:lnRef idx="2">
+              <a:schemeClr val="accent1">
+                <a:shade val="50000"/>
+              </a:schemeClr>
+            </a:lnRef>
+            <a:fillRef idx="1">
+              <a:schemeClr val="accent1"/>
+            </a:fillRef>
+            <a:effectRef idx="0">
+              <a:schemeClr val="accent1"/>
+            </a:effectRef>
+            <a:fontRef idx="minor">
+              <a:schemeClr val="lt1"/>
+            </a:fontRef>
+          </p:style>
+          <p:txBody>
+            <a:bodyPr rtlCol="0" anchor="ctr"/>
+            <a:lstStyle/>
+            <a:p>
+              <a:pPr algn="ctr"/>
+              <a:r>
+                <a:rPr lang="en-US" altLang="ko-KR" dirty="0" err="1">
+                  <a:solidFill>
+                    <a:schemeClr val="tx1"/>
+                  </a:solidFill>
+                </a:rPr>
+                <a:t>MemoRecorder</a:t>
+              </a:r>
+              <a:endParaRPr lang="en-US" altLang="ko-KR" dirty="0">
                 <a:solidFill>
-                  <a:srgbClr val="FF0000"/>
+                  <a:schemeClr val="tx1"/>
                 </a:solidFill>
-              </a:rPr>
-              <a:t>대법원 </a:t>
-            </a:r>
-            <a:r>
-              <a:rPr lang="en-US" altLang="ko-KR" sz="1600" dirty="0">
+              </a:endParaRPr>
+            </a:p>
+            <a:p>
+              <a:pPr algn="ctr"/>
+              <a:r>
+                <a:rPr lang="ko-KR" altLang="en-US" sz="1600" dirty="0">
+                  <a:solidFill>
+                    <a:schemeClr val="tx1"/>
+                  </a:solidFill>
+                </a:rPr>
+                <a:t>음성 녹음을 시작</a:t>
+              </a:r>
+              <a:endParaRPr lang="ko-KR" altLang="en-US" dirty="0">
                 <a:solidFill>
-                  <a:srgbClr val="FF0000"/>
+                  <a:schemeClr val="tx1"/>
                 </a:solidFill>
-              </a:rPr>
-              <a:t>1997. 6. 27. </a:t>
-            </a:r>
-            <a:r>
-              <a:rPr lang="ko-KR" altLang="en-US" sz="1600" dirty="0">
+              </a:endParaRPr>
+            </a:p>
+          </p:txBody>
+        </p:sp>
+        <p:sp>
+          <p:nvSpPr>
+            <p:cNvPr id="12" name="사각형: 둥근 모서리 11">
+              <a:extLst>
+                <a:ext uri="{FF2B5EF4-FFF2-40B4-BE49-F238E27FC236}">
+                  <a16:creationId xmlns:a16="http://schemas.microsoft.com/office/drawing/2014/main" id="{21418427-C2DB-1297-9A85-854D85447E99}"/>
+                </a:ext>
+              </a:extLst>
+            </p:cNvPr>
+            <p:cNvSpPr/>
+            <p:nvPr/>
+          </p:nvSpPr>
+          <p:spPr>
+            <a:xfrm>
+              <a:off x="2619472" y="2429706"/>
+              <a:ext cx="1876928" cy="914400"/>
+            </a:xfrm>
+            <a:prstGeom prst="roundRect">
+              <a:avLst/>
+            </a:prstGeom>
+            <a:solidFill>
+              <a:schemeClr val="bg1"/>
+            </a:solidFill>
+            <a:ln>
+              <a:solidFill>
+                <a:schemeClr val="tx1"/>
+              </a:solidFill>
+            </a:ln>
+          </p:spPr>
+          <p:style>
+            <a:lnRef idx="2">
+              <a:schemeClr val="accent1">
+                <a:shade val="50000"/>
+              </a:schemeClr>
+            </a:lnRef>
+            <a:fillRef idx="1">
+              <a:schemeClr val="accent1"/>
+            </a:fillRef>
+            <a:effectRef idx="0">
+              <a:schemeClr val="accent1"/>
+            </a:effectRef>
+            <a:fontRef idx="minor">
+              <a:schemeClr val="lt1"/>
+            </a:fontRef>
+          </p:style>
+          <p:txBody>
+            <a:bodyPr rtlCol="0" anchor="ctr"/>
+            <a:lstStyle/>
+            <a:p>
+              <a:pPr algn="ctr"/>
+              <a:r>
+                <a:rPr lang="en-US" altLang="ko-KR" dirty="0" err="1">
+                  <a:solidFill>
+                    <a:schemeClr val="tx1"/>
+                  </a:solidFill>
+                </a:rPr>
+                <a:t>MemoSaver</a:t>
+              </a:r>
+              <a:endParaRPr lang="en-US" altLang="ko-KR" dirty="0">
                 <a:solidFill>
-                  <a:srgbClr val="FF0000"/>
+                  <a:schemeClr val="tx1"/>
                 </a:solidFill>
-              </a:rPr>
-              <a:t>선고 </a:t>
-            </a:r>
-            <a:r>
-              <a:rPr lang="en-US" altLang="ko-KR" sz="1600" dirty="0">
+              </a:endParaRPr>
+            </a:p>
+            <a:p>
+              <a:pPr algn="ctr"/>
+              <a:r>
+                <a:rPr lang="ko-KR" altLang="en-US" sz="1600" dirty="0">
+                  <a:solidFill>
+                    <a:schemeClr val="tx1"/>
+                  </a:solidFill>
+                </a:rPr>
+                <a:t>녹음 파일을 저장</a:t>
+              </a:r>
+              <a:endParaRPr lang="ko-KR" altLang="en-US" dirty="0">
                 <a:solidFill>
-                  <a:srgbClr val="FF0000"/>
+                  <a:schemeClr val="tx1"/>
                 </a:solidFill>
-              </a:rPr>
-              <a:t>95</a:t>
-            </a:r>
-            <a:r>
-              <a:rPr lang="ko-KR" altLang="en-US" sz="1600" dirty="0">
+              </a:endParaRPr>
+            </a:p>
+          </p:txBody>
+        </p:sp>
+        <p:sp>
+          <p:nvSpPr>
+            <p:cNvPr id="13" name="사각형: 둥근 모서리 12">
+              <a:extLst>
+                <a:ext uri="{FF2B5EF4-FFF2-40B4-BE49-F238E27FC236}">
+                  <a16:creationId xmlns:a16="http://schemas.microsoft.com/office/drawing/2014/main" id="{3C6B7C5D-A67E-25C6-2BB9-8C3FD0D34310}"/>
+                </a:ext>
+              </a:extLst>
+            </p:cNvPr>
+            <p:cNvSpPr/>
+            <p:nvPr/>
+          </p:nvSpPr>
+          <p:spPr>
+            <a:xfrm>
+              <a:off x="2619472" y="3708002"/>
+              <a:ext cx="1876928" cy="914400"/>
+            </a:xfrm>
+            <a:prstGeom prst="roundRect">
+              <a:avLst/>
+            </a:prstGeom>
+            <a:solidFill>
+              <a:schemeClr val="bg1"/>
+            </a:solidFill>
+            <a:ln>
+              <a:solidFill>
+                <a:schemeClr val="tx1"/>
+              </a:solidFill>
+            </a:ln>
+          </p:spPr>
+          <p:style>
+            <a:lnRef idx="2">
+              <a:schemeClr val="accent1">
+                <a:shade val="50000"/>
+              </a:schemeClr>
+            </a:lnRef>
+            <a:fillRef idx="1">
+              <a:schemeClr val="accent1"/>
+            </a:fillRef>
+            <a:effectRef idx="0">
+              <a:schemeClr val="accent1"/>
+            </a:effectRef>
+            <a:fontRef idx="minor">
+              <a:schemeClr val="lt1"/>
+            </a:fontRef>
+          </p:style>
+          <p:txBody>
+            <a:bodyPr rtlCol="0" anchor="ctr"/>
+            <a:lstStyle/>
+            <a:p>
+              <a:pPr algn="ctr"/>
+              <a:r>
+                <a:rPr lang="en-US" altLang="ko-KR" dirty="0" err="1">
+                  <a:solidFill>
+                    <a:schemeClr val="tx1"/>
+                  </a:solidFill>
+                </a:rPr>
+                <a:t>FileList</a:t>
+              </a:r>
+              <a:endParaRPr lang="en-US" altLang="ko-KR" dirty="0">
                 <a:solidFill>
-                  <a:srgbClr val="FF0000"/>
+                  <a:schemeClr val="tx1"/>
                 </a:solidFill>
-              </a:rPr>
-              <a:t>다</a:t>
-            </a:r>
-            <a:r>
-              <a:rPr lang="en-US" altLang="ko-KR" sz="1600" dirty="0">
+              </a:endParaRPr>
+            </a:p>
+            <a:p>
+              <a:pPr algn="ctr"/>
+              <a:r>
+                <a:rPr lang="ko-KR" altLang="en-US" sz="1600" dirty="0">
+                  <a:solidFill>
+                    <a:schemeClr val="tx1"/>
+                  </a:solidFill>
+                </a:rPr>
+                <a:t>메모 파일 목록</a:t>
+              </a:r>
+              <a:endParaRPr lang="ko-KR" altLang="en-US" dirty="0">
                 <a:solidFill>
-                  <a:srgbClr val="FF0000"/>
+                  <a:schemeClr val="tx1"/>
                 </a:solidFill>
-              </a:rPr>
-              <a:t>40977 </a:t>
-            </a:r>
-            <a:r>
-              <a:rPr lang="ko-KR" altLang="en-US" sz="1600" dirty="0">
+              </a:endParaRPr>
+            </a:p>
+          </p:txBody>
+        </p:sp>
+        <p:sp>
+          <p:nvSpPr>
+            <p:cNvPr id="14" name="사각형: 둥근 모서리 13">
+              <a:extLst>
+                <a:ext uri="{FF2B5EF4-FFF2-40B4-BE49-F238E27FC236}">
+                  <a16:creationId xmlns:a16="http://schemas.microsoft.com/office/drawing/2014/main" id="{6B146C09-8358-5389-AEA9-7F69D1C8366D}"/>
+                </a:ext>
+              </a:extLst>
+            </p:cNvPr>
+            <p:cNvSpPr/>
+            <p:nvPr/>
+          </p:nvSpPr>
+          <p:spPr>
+            <a:xfrm>
+              <a:off x="2619472" y="4986298"/>
+              <a:ext cx="1876928" cy="914400"/>
+            </a:xfrm>
+            <a:prstGeom prst="roundRect">
+              <a:avLst/>
+            </a:prstGeom>
+            <a:solidFill>
+              <a:schemeClr val="bg1"/>
+            </a:solidFill>
+            <a:ln>
+              <a:solidFill>
+                <a:schemeClr val="tx1"/>
+              </a:solidFill>
+            </a:ln>
+          </p:spPr>
+          <p:style>
+            <a:lnRef idx="2">
+              <a:schemeClr val="accent1">
+                <a:shade val="50000"/>
+              </a:schemeClr>
+            </a:lnRef>
+            <a:fillRef idx="1">
+              <a:schemeClr val="accent1"/>
+            </a:fillRef>
+            <a:effectRef idx="0">
+              <a:schemeClr val="accent1"/>
+            </a:effectRef>
+            <a:fontRef idx="minor">
+              <a:schemeClr val="lt1"/>
+            </a:fontRef>
+          </p:style>
+          <p:txBody>
+            <a:bodyPr rtlCol="0" anchor="ctr"/>
+            <a:lstStyle/>
+            <a:p>
+              <a:pPr algn="ctr"/>
+              <a:r>
+                <a:rPr lang="en-US" altLang="ko-KR" dirty="0" err="1">
+                  <a:solidFill>
+                    <a:schemeClr val="tx1"/>
+                  </a:solidFill>
+                </a:rPr>
+                <a:t>MemoPlayer</a:t>
+              </a:r>
+              <a:endParaRPr lang="en-US" altLang="ko-KR" dirty="0">
                 <a:solidFill>
-                  <a:srgbClr val="FF0000"/>
+                  <a:schemeClr val="tx1"/>
                 </a:solidFill>
-              </a:rPr>
-              <a:t>판결 </a:t>
-            </a:r>
-            <a:r>
-              <a:rPr lang="en-US" altLang="ko-KR" sz="1600" dirty="0">
+              </a:endParaRPr>
+            </a:p>
+            <a:p>
+              <a:pPr algn="ctr"/>
+              <a:r>
+                <a:rPr lang="ko-KR" altLang="en-US" sz="1600" dirty="0">
+                  <a:solidFill>
+                    <a:schemeClr val="tx1"/>
+                  </a:solidFill>
+                </a:rPr>
+                <a:t>음성 메모를 재생</a:t>
+              </a:r>
+              <a:endParaRPr lang="ko-KR" altLang="en-US" dirty="0">
                 <a:solidFill>
-                  <a:srgbClr val="FF0000"/>
+                  <a:schemeClr val="tx1"/>
                 </a:solidFill>
-              </a:rPr>
-              <a:t>[</a:t>
-            </a:r>
-            <a:r>
-              <a:rPr lang="ko-KR" altLang="en-US" sz="1600" dirty="0" err="1">
+              </a:endParaRPr>
+            </a:p>
+          </p:txBody>
+        </p:sp>
+        <p:sp>
+          <p:nvSpPr>
+            <p:cNvPr id="15" name="사각형: 둥근 모서리 14">
+              <a:extLst>
+                <a:ext uri="{FF2B5EF4-FFF2-40B4-BE49-F238E27FC236}">
+                  <a16:creationId xmlns:a16="http://schemas.microsoft.com/office/drawing/2014/main" id="{DBE34118-B76E-D8F1-3216-BD4B09243ACE}"/>
+                </a:ext>
+              </a:extLst>
+            </p:cNvPr>
+            <p:cNvSpPr/>
+            <p:nvPr/>
+          </p:nvSpPr>
+          <p:spPr>
+            <a:xfrm>
+              <a:off x="6756931" y="1165718"/>
+              <a:ext cx="1876928" cy="914400"/>
+            </a:xfrm>
+            <a:prstGeom prst="roundRect">
+              <a:avLst/>
+            </a:prstGeom>
+            <a:solidFill>
+              <a:schemeClr val="bg1"/>
+            </a:solidFill>
+            <a:ln>
+              <a:solidFill>
+                <a:schemeClr val="tx1"/>
+              </a:solidFill>
+            </a:ln>
+          </p:spPr>
+          <p:style>
+            <a:lnRef idx="2">
+              <a:schemeClr val="accent1">
+                <a:shade val="50000"/>
+              </a:schemeClr>
+            </a:lnRef>
+            <a:fillRef idx="1">
+              <a:schemeClr val="accent1"/>
+            </a:fillRef>
+            <a:effectRef idx="0">
+              <a:schemeClr val="accent1"/>
+            </a:effectRef>
+            <a:fontRef idx="minor">
+              <a:schemeClr val="lt1"/>
+            </a:fontRef>
+          </p:style>
+          <p:txBody>
+            <a:bodyPr rtlCol="0" anchor="ctr"/>
+            <a:lstStyle/>
+            <a:p>
+              <a:pPr algn="ctr"/>
+              <a:r>
+                <a:rPr lang="en-US" altLang="ko-KR" dirty="0" err="1">
+                  <a:solidFill>
+                    <a:schemeClr val="tx1"/>
+                  </a:solidFill>
+                </a:rPr>
+                <a:t>FileManager</a:t>
+              </a:r>
+              <a:endParaRPr lang="en-US" altLang="ko-KR" dirty="0">
                 <a:solidFill>
-                  <a:srgbClr val="FF0000"/>
+                  <a:schemeClr val="tx1"/>
                 </a:solidFill>
-              </a:rPr>
-              <a:t>양수금ㆍ전부금</a:t>
-            </a:r>
-            <a:r>
-              <a:rPr lang="en-US" altLang="ko-KR" sz="1600" dirty="0">
+              </a:endParaRPr>
+            </a:p>
+            <a:p>
+              <a:pPr algn="ctr"/>
+              <a:r>
+                <a:rPr lang="ko-KR" altLang="en-US" sz="1600" dirty="0">
+                  <a:solidFill>
+                    <a:schemeClr val="tx1"/>
+                  </a:solidFill>
+                </a:rPr>
+                <a:t>음성 파일을 관리</a:t>
+              </a:r>
+              <a:endParaRPr lang="ko-KR" altLang="en-US" dirty="0">
                 <a:solidFill>
-                  <a:srgbClr val="FF0000"/>
+                  <a:schemeClr val="tx1"/>
                 </a:solidFill>
-              </a:rPr>
-              <a:t>][</a:t>
-            </a:r>
-            <a:r>
-              <a:rPr lang="ko-KR" altLang="en-US" sz="1600" dirty="0">
-                <a:solidFill>
-                  <a:srgbClr val="FF0000"/>
-                </a:solidFill>
-              </a:rPr>
-              <a:t>공</a:t>
-            </a:r>
-            <a:r>
-              <a:rPr lang="en-US" altLang="ko-KR" sz="1600" dirty="0">
-                <a:solidFill>
-                  <a:srgbClr val="FF0000"/>
-                </a:solidFill>
-              </a:rPr>
-              <a:t>1997.8.15.(40),2302]</a:t>
-            </a:r>
-          </a:p>
-          <a:p>
-            <a:pPr algn="ctr"/>
-            <a:r>
-              <a:rPr lang="ko-KR" altLang="en-US" sz="1600" dirty="0">
-                <a:solidFill>
-                  <a:srgbClr val="FF0000"/>
-                </a:solidFill>
-              </a:rPr>
-              <a:t>유사도 </a:t>
-            </a:r>
-            <a:r>
-              <a:rPr lang="en-US" altLang="ko-KR" sz="1600" dirty="0">
-                <a:solidFill>
-                  <a:srgbClr val="FF0000"/>
-                </a:solidFill>
-              </a:rPr>
-              <a:t>: 91%</a:t>
-            </a:r>
-            <a:endParaRPr lang="ko-KR" altLang="en-US" sz="1600" dirty="0">
+              </a:endParaRPr>
+            </a:p>
+          </p:txBody>
+        </p:sp>
+        <p:cxnSp>
+          <p:nvCxnSpPr>
+            <p:cNvPr id="16" name="직선 화살표 연결선 15">
+              <a:extLst>
+                <a:ext uri="{FF2B5EF4-FFF2-40B4-BE49-F238E27FC236}">
+                  <a16:creationId xmlns:a16="http://schemas.microsoft.com/office/drawing/2014/main" id="{D25A71D2-CF1C-BE2B-D2F9-A8F3475DA4A3}"/>
+                </a:ext>
+              </a:extLst>
+            </p:cNvPr>
+            <p:cNvCxnSpPr>
+              <a:stCxn id="11" idx="2"/>
+              <a:endCxn id="12" idx="0"/>
+            </p:cNvCxnSpPr>
+            <p:nvPr/>
+          </p:nvCxnSpPr>
+          <p:spPr>
+            <a:xfrm>
+              <a:off x="3557936" y="2065810"/>
+              <a:ext cx="0" cy="363896"/>
+            </a:xfrm>
+            <a:prstGeom prst="straightConnector1">
+              <a:avLst/>
+            </a:prstGeom>
+            <a:ln w="25400">
               <a:solidFill>
                 <a:srgbClr val="FF0000"/>
               </a:solidFill>
-            </a:endParaRPr>
-          </a:p>
-        </p:txBody>
-      </p:sp>
-      <p:sp>
-        <p:nvSpPr>
-          <p:cNvPr id="14" name="사각형: 둥근 모서리 13">
-            <a:extLst>
-              <a:ext uri="{FF2B5EF4-FFF2-40B4-BE49-F238E27FC236}">
-                <a16:creationId xmlns:a16="http://schemas.microsoft.com/office/drawing/2014/main" id="{BB6CD2A3-5ADE-9188-545F-509E2272B280}"/>
-              </a:ext>
-            </a:extLst>
-          </p:cNvPr>
-          <p:cNvSpPr/>
-          <p:nvPr/>
-        </p:nvSpPr>
-        <p:spPr>
-          <a:xfrm>
-            <a:off x="448912" y="3142129"/>
-            <a:ext cx="7959982" cy="802341"/>
-          </a:xfrm>
-          <a:prstGeom prst="roundRect">
-            <a:avLst>
-              <a:gd name="adj" fmla="val 50000"/>
-            </a:avLst>
-          </a:prstGeom>
-          <a:solidFill>
-            <a:srgbClr val="FFFF00">
-              <a:alpha val="20000"/>
-            </a:srgbClr>
-          </a:solidFill>
-          <a:ln>
-            <a:noFill/>
-          </a:ln>
-        </p:spPr>
-        <p:style>
-          <a:lnRef idx="2">
-            <a:schemeClr val="accent1">
-              <a:shade val="50000"/>
-            </a:schemeClr>
-          </a:lnRef>
-          <a:fillRef idx="1">
-            <a:schemeClr val="accent1"/>
-          </a:fillRef>
-          <a:effectRef idx="0">
-            <a:schemeClr val="accent1"/>
-          </a:effectRef>
-          <a:fontRef idx="minor">
-            <a:schemeClr val="lt1"/>
-          </a:fontRef>
-        </p:style>
-        <p:txBody>
-          <a:bodyPr rtlCol="0" anchor="ctr"/>
-          <a:lstStyle/>
-          <a:p>
-            <a:pPr algn="ctr"/>
-            <a:r>
-              <a:rPr lang="ko-KR" altLang="en-US" sz="1600" dirty="0">
-                <a:solidFill>
-                  <a:schemeClr val="accent4">
-                    <a:lumMod val="50000"/>
-                  </a:schemeClr>
-                </a:solidFill>
-              </a:rPr>
-              <a:t>대법원 </a:t>
-            </a:r>
-            <a:r>
-              <a:rPr lang="en-US" altLang="ko-KR" sz="1600" dirty="0">
-                <a:solidFill>
-                  <a:schemeClr val="accent4">
-                    <a:lumMod val="50000"/>
-                  </a:schemeClr>
-                </a:solidFill>
-              </a:rPr>
-              <a:t>1984. 12. 26. </a:t>
-            </a:r>
-            <a:r>
-              <a:rPr lang="ko-KR" altLang="en-US" sz="1600" dirty="0">
-                <a:solidFill>
-                  <a:schemeClr val="accent4">
-                    <a:lumMod val="50000"/>
-                  </a:schemeClr>
-                </a:solidFill>
-              </a:rPr>
-              <a:t>선고 </a:t>
-            </a:r>
-            <a:r>
-              <a:rPr lang="en-US" altLang="ko-KR" sz="1600" dirty="0">
-                <a:solidFill>
-                  <a:schemeClr val="accent4">
-                    <a:lumMod val="50000"/>
-                  </a:schemeClr>
-                </a:solidFill>
-              </a:rPr>
-              <a:t>84</a:t>
-            </a:r>
-            <a:r>
-              <a:rPr lang="ko-KR" altLang="en-US" sz="1600" dirty="0">
-                <a:solidFill>
-                  <a:schemeClr val="accent4">
-                    <a:lumMod val="50000"/>
-                  </a:schemeClr>
-                </a:solidFill>
-              </a:rPr>
-              <a:t>다카</a:t>
-            </a:r>
-            <a:r>
-              <a:rPr lang="en-US" altLang="ko-KR" sz="1600" dirty="0">
-                <a:solidFill>
-                  <a:schemeClr val="accent4">
-                    <a:lumMod val="50000"/>
-                  </a:schemeClr>
-                </a:solidFill>
-              </a:rPr>
-              <a:t>1255 </a:t>
-            </a:r>
-            <a:r>
-              <a:rPr lang="ko-KR" altLang="en-US" sz="1600" dirty="0">
-                <a:solidFill>
-                  <a:schemeClr val="accent4">
-                    <a:lumMod val="50000"/>
-                  </a:schemeClr>
-                </a:solidFill>
-              </a:rPr>
-              <a:t>판결 </a:t>
-            </a:r>
-            <a:r>
-              <a:rPr lang="en-US" altLang="ko-KR" sz="1600" dirty="0">
-                <a:solidFill>
-                  <a:schemeClr val="accent4">
-                    <a:lumMod val="50000"/>
-                  </a:schemeClr>
-                </a:solidFill>
-              </a:rPr>
-              <a:t>[</a:t>
-            </a:r>
-            <a:r>
-              <a:rPr lang="ko-KR" altLang="en-US" sz="1600" dirty="0" err="1">
-                <a:solidFill>
-                  <a:schemeClr val="accent4">
-                    <a:lumMod val="50000"/>
-                  </a:schemeClr>
-                </a:solidFill>
-              </a:rPr>
-              <a:t>전부금</a:t>
-            </a:r>
-            <a:r>
-              <a:rPr lang="en-US" altLang="ko-KR" sz="1600" dirty="0">
-                <a:solidFill>
-                  <a:schemeClr val="accent4">
-                    <a:lumMod val="50000"/>
-                  </a:schemeClr>
-                </a:solidFill>
-              </a:rPr>
-              <a:t>][</a:t>
-            </a:r>
-            <a:r>
-              <a:rPr lang="ko-KR" altLang="en-US" sz="1600" dirty="0">
-                <a:solidFill>
-                  <a:schemeClr val="accent4">
-                    <a:lumMod val="50000"/>
-                  </a:schemeClr>
-                </a:solidFill>
-              </a:rPr>
-              <a:t>공</a:t>
-            </a:r>
-            <a:r>
-              <a:rPr lang="en-US" altLang="ko-KR" sz="1600" dirty="0">
-                <a:solidFill>
-                  <a:schemeClr val="accent4">
-                    <a:lumMod val="50000"/>
-                  </a:schemeClr>
-                </a:solidFill>
-              </a:rPr>
-              <a:t>1985.3.1.(747),243]</a:t>
-            </a:r>
-          </a:p>
-          <a:p>
-            <a:pPr algn="ctr"/>
-            <a:r>
-              <a:rPr lang="ko-KR" altLang="en-US" sz="1600" dirty="0">
-                <a:solidFill>
-                  <a:schemeClr val="accent4">
-                    <a:lumMod val="50000"/>
-                  </a:schemeClr>
-                </a:solidFill>
-              </a:rPr>
-              <a:t>유사도 </a:t>
-            </a:r>
-            <a:r>
-              <a:rPr lang="en-US" altLang="ko-KR" sz="1600" dirty="0">
-                <a:solidFill>
-                  <a:schemeClr val="accent4">
-                    <a:lumMod val="50000"/>
-                  </a:schemeClr>
-                </a:solidFill>
-              </a:rPr>
-              <a:t>: 70%</a:t>
-            </a:r>
-            <a:endParaRPr lang="ko-KR" altLang="en-US" sz="1600" dirty="0">
+              <a:tailEnd type="triangle"/>
+            </a:ln>
+          </p:spPr>
+          <p:style>
+            <a:lnRef idx="1">
+              <a:schemeClr val="accent1"/>
+            </a:lnRef>
+            <a:fillRef idx="0">
+              <a:schemeClr val="accent1"/>
+            </a:fillRef>
+            <a:effectRef idx="0">
+              <a:schemeClr val="accent1"/>
+            </a:effectRef>
+            <a:fontRef idx="minor">
+              <a:schemeClr val="tx1"/>
+            </a:fontRef>
+          </p:style>
+        </p:cxnSp>
+        <p:cxnSp>
+          <p:nvCxnSpPr>
+            <p:cNvPr id="17" name="연결선: 꺾임 16">
+              <a:extLst>
+                <a:ext uri="{FF2B5EF4-FFF2-40B4-BE49-F238E27FC236}">
+                  <a16:creationId xmlns:a16="http://schemas.microsoft.com/office/drawing/2014/main" id="{F9D4E6C9-D873-26A8-A316-435300530C12}"/>
+                </a:ext>
+              </a:extLst>
+            </p:cNvPr>
+            <p:cNvCxnSpPr>
+              <a:stCxn id="12" idx="3"/>
+              <a:endCxn id="15" idx="1"/>
+            </p:cNvCxnSpPr>
+            <p:nvPr/>
+          </p:nvCxnSpPr>
+          <p:spPr>
+            <a:xfrm flipV="1">
+              <a:off x="4496400" y="1622918"/>
+              <a:ext cx="2260531" cy="1263988"/>
+            </a:xfrm>
+            <a:prstGeom prst="bentConnector3">
+              <a:avLst/>
+            </a:prstGeom>
+            <a:ln w="25400">
               <a:solidFill>
-                <a:schemeClr val="accent4">
-                  <a:lumMod val="50000"/>
-                </a:schemeClr>
+                <a:srgbClr val="FF0000"/>
               </a:solidFill>
-            </a:endParaRPr>
-          </a:p>
-        </p:txBody>
-      </p:sp>
-      <p:sp>
-        <p:nvSpPr>
-          <p:cNvPr id="15" name="사각형: 둥근 모서리 14">
-            <a:extLst>
-              <a:ext uri="{FF2B5EF4-FFF2-40B4-BE49-F238E27FC236}">
-                <a16:creationId xmlns:a16="http://schemas.microsoft.com/office/drawing/2014/main" id="{F48A340D-3A4D-D99E-787B-1681B856D79E}"/>
-              </a:ext>
-            </a:extLst>
-          </p:cNvPr>
-          <p:cNvSpPr/>
-          <p:nvPr/>
-        </p:nvSpPr>
-        <p:spPr>
-          <a:xfrm>
-            <a:off x="448912" y="4047564"/>
-            <a:ext cx="7959982" cy="802341"/>
-          </a:xfrm>
-          <a:prstGeom prst="roundRect">
-            <a:avLst>
-              <a:gd name="adj" fmla="val 50000"/>
-            </a:avLst>
-          </a:prstGeom>
-          <a:solidFill>
-            <a:srgbClr val="FFFF00">
-              <a:alpha val="20000"/>
-            </a:srgbClr>
-          </a:solidFill>
-          <a:ln>
-            <a:noFill/>
-          </a:ln>
-        </p:spPr>
-        <p:style>
-          <a:lnRef idx="2">
-            <a:schemeClr val="accent1">
-              <a:shade val="50000"/>
-            </a:schemeClr>
-          </a:lnRef>
-          <a:fillRef idx="1">
-            <a:schemeClr val="accent1"/>
-          </a:fillRef>
-          <a:effectRef idx="0">
-            <a:schemeClr val="accent1"/>
-          </a:effectRef>
-          <a:fontRef idx="minor">
-            <a:schemeClr val="lt1"/>
-          </a:fontRef>
-        </p:style>
-        <p:txBody>
-          <a:bodyPr rtlCol="0" anchor="ctr"/>
-          <a:lstStyle/>
-          <a:p>
-            <a:pPr algn="ctr"/>
-            <a:r>
-              <a:rPr lang="ko-KR" altLang="en-US" sz="1600" dirty="0">
-                <a:solidFill>
-                  <a:schemeClr val="accent4">
-                    <a:lumMod val="50000"/>
-                  </a:schemeClr>
-                </a:solidFill>
-              </a:rPr>
-              <a:t>대법원 </a:t>
-            </a:r>
-            <a:r>
-              <a:rPr lang="en-US" altLang="ko-KR" sz="1600" dirty="0">
-                <a:solidFill>
-                  <a:schemeClr val="accent4">
-                    <a:lumMod val="50000"/>
-                  </a:schemeClr>
-                </a:solidFill>
-              </a:rPr>
-              <a:t>2016. 4. 29. </a:t>
-            </a:r>
-            <a:r>
-              <a:rPr lang="ko-KR" altLang="en-US" sz="1600" dirty="0">
-                <a:solidFill>
-                  <a:schemeClr val="accent4">
-                    <a:lumMod val="50000"/>
-                  </a:schemeClr>
-                </a:solidFill>
-              </a:rPr>
-              <a:t>선고 </a:t>
-            </a:r>
-            <a:r>
-              <a:rPr lang="en-US" altLang="ko-KR" sz="1600" dirty="0">
-                <a:solidFill>
-                  <a:schemeClr val="accent4">
-                    <a:lumMod val="50000"/>
-                  </a:schemeClr>
-                </a:solidFill>
-              </a:rPr>
-              <a:t>2015</a:t>
-            </a:r>
-            <a:r>
-              <a:rPr lang="ko-KR" altLang="en-US" sz="1600" dirty="0">
-                <a:solidFill>
-                  <a:schemeClr val="accent4">
-                    <a:lumMod val="50000"/>
-                  </a:schemeClr>
-                </a:solidFill>
-              </a:rPr>
-              <a:t>도</a:t>
-            </a:r>
-            <a:r>
-              <a:rPr lang="en-US" altLang="ko-KR" sz="1600" dirty="0">
-                <a:solidFill>
-                  <a:schemeClr val="accent4">
-                    <a:lumMod val="50000"/>
-                  </a:schemeClr>
-                </a:solidFill>
-              </a:rPr>
-              <a:t>5665 </a:t>
-            </a:r>
-            <a:r>
-              <a:rPr lang="ko-KR" altLang="en-US" sz="1600" dirty="0">
-                <a:solidFill>
-                  <a:schemeClr val="accent4">
-                    <a:lumMod val="50000"/>
-                  </a:schemeClr>
-                </a:solidFill>
-              </a:rPr>
-              <a:t>판결 </a:t>
-            </a:r>
-            <a:r>
-              <a:rPr lang="en-US" altLang="ko-KR" sz="1600" dirty="0">
-                <a:solidFill>
-                  <a:schemeClr val="accent4">
-                    <a:lumMod val="50000"/>
-                  </a:schemeClr>
-                </a:solidFill>
-              </a:rPr>
-              <a:t>[</a:t>
-            </a:r>
-            <a:r>
-              <a:rPr lang="ko-KR" altLang="en-US" sz="1600" dirty="0">
-                <a:solidFill>
-                  <a:schemeClr val="accent4">
-                    <a:lumMod val="50000"/>
-                  </a:schemeClr>
-                </a:solidFill>
-              </a:rPr>
-              <a:t>배임</a:t>
-            </a:r>
-            <a:r>
-              <a:rPr lang="en-US" altLang="ko-KR" sz="1600" dirty="0">
-                <a:solidFill>
-                  <a:schemeClr val="accent4">
-                    <a:lumMod val="50000"/>
-                  </a:schemeClr>
-                </a:solidFill>
-              </a:rPr>
-              <a:t>][</a:t>
-            </a:r>
-            <a:r>
-              <a:rPr lang="ko-KR" altLang="en-US" sz="1600" dirty="0">
-                <a:solidFill>
-                  <a:schemeClr val="accent4">
-                    <a:lumMod val="50000"/>
-                  </a:schemeClr>
-                </a:solidFill>
-              </a:rPr>
-              <a:t>공</a:t>
-            </a:r>
-            <a:r>
-              <a:rPr lang="en-US" altLang="ko-KR" sz="1600" dirty="0">
-                <a:solidFill>
-                  <a:schemeClr val="accent4">
-                    <a:lumMod val="50000"/>
-                  </a:schemeClr>
-                </a:solidFill>
-              </a:rPr>
-              <a:t>2016</a:t>
-            </a:r>
-            <a:r>
-              <a:rPr lang="ko-KR" altLang="en-US" sz="1600" dirty="0">
-                <a:solidFill>
-                  <a:schemeClr val="accent4">
-                    <a:lumMod val="50000"/>
-                  </a:schemeClr>
-                </a:solidFill>
-              </a:rPr>
-              <a:t>상</a:t>
-            </a:r>
-            <a:r>
-              <a:rPr lang="en-US" altLang="ko-KR" sz="1600" dirty="0">
-                <a:solidFill>
-                  <a:schemeClr val="accent4">
-                    <a:lumMod val="50000"/>
-                  </a:schemeClr>
-                </a:solidFill>
-              </a:rPr>
-              <a:t>,718]</a:t>
-            </a:r>
-          </a:p>
-          <a:p>
-            <a:pPr algn="ctr"/>
-            <a:r>
-              <a:rPr lang="ko-KR" altLang="en-US" sz="1600" dirty="0">
-                <a:solidFill>
-                  <a:schemeClr val="accent4">
-                    <a:lumMod val="50000"/>
-                  </a:schemeClr>
-                </a:solidFill>
-              </a:rPr>
-              <a:t>유사도 </a:t>
-            </a:r>
-            <a:r>
-              <a:rPr lang="en-US" altLang="ko-KR" sz="1600" dirty="0">
-                <a:solidFill>
-                  <a:schemeClr val="accent4">
-                    <a:lumMod val="50000"/>
-                  </a:schemeClr>
-                </a:solidFill>
-              </a:rPr>
-              <a:t>: 66%</a:t>
-            </a:r>
-            <a:endParaRPr lang="ko-KR" altLang="en-US" sz="1600" dirty="0">
+              <a:tailEnd type="triangle"/>
+            </a:ln>
+          </p:spPr>
+          <p:style>
+            <a:lnRef idx="1">
+              <a:schemeClr val="accent1"/>
+            </a:lnRef>
+            <a:fillRef idx="0">
+              <a:schemeClr val="accent1"/>
+            </a:fillRef>
+            <a:effectRef idx="0">
+              <a:schemeClr val="accent1"/>
+            </a:effectRef>
+            <a:fontRef idx="minor">
+              <a:schemeClr val="tx1"/>
+            </a:fontRef>
+          </p:style>
+        </p:cxnSp>
+        <p:cxnSp>
+          <p:nvCxnSpPr>
+            <p:cNvPr id="18" name="연결선: 꺾임 17">
+              <a:extLst>
+                <a:ext uri="{FF2B5EF4-FFF2-40B4-BE49-F238E27FC236}">
+                  <a16:creationId xmlns:a16="http://schemas.microsoft.com/office/drawing/2014/main" id="{778EC304-BFEC-A2C6-F463-C5B69162EE33}"/>
+                </a:ext>
+              </a:extLst>
+            </p:cNvPr>
+            <p:cNvCxnSpPr>
+              <a:stCxn id="15" idx="2"/>
+              <a:endCxn id="13" idx="3"/>
+            </p:cNvCxnSpPr>
+            <p:nvPr/>
+          </p:nvCxnSpPr>
+          <p:spPr>
+            <a:xfrm rot="5400000">
+              <a:off x="5053356" y="1523163"/>
+              <a:ext cx="2085084" cy="3198995"/>
+            </a:xfrm>
+            <a:prstGeom prst="bentConnector2">
+              <a:avLst/>
+            </a:prstGeom>
+            <a:ln w="25400">
               <a:solidFill>
-                <a:schemeClr val="accent4">
-                  <a:lumMod val="50000"/>
-                </a:schemeClr>
+                <a:srgbClr val="FF0000"/>
               </a:solidFill>
-            </a:endParaRPr>
-          </a:p>
-        </p:txBody>
-      </p:sp>
-      <p:sp>
-        <p:nvSpPr>
-          <p:cNvPr id="16" name="사각형: 둥근 모서리 15">
-            <a:extLst>
-              <a:ext uri="{FF2B5EF4-FFF2-40B4-BE49-F238E27FC236}">
-                <a16:creationId xmlns:a16="http://schemas.microsoft.com/office/drawing/2014/main" id="{BAF07B9A-EC35-9B12-EDEC-5122B28DCFCB}"/>
-              </a:ext>
-            </a:extLst>
-          </p:cNvPr>
-          <p:cNvSpPr/>
-          <p:nvPr/>
-        </p:nvSpPr>
-        <p:spPr>
-          <a:xfrm>
-            <a:off x="448912" y="4958285"/>
-            <a:ext cx="7959982" cy="802341"/>
-          </a:xfrm>
-          <a:prstGeom prst="roundRect">
-            <a:avLst>
-              <a:gd name="adj" fmla="val 50000"/>
-            </a:avLst>
-          </a:prstGeom>
-          <a:solidFill>
-            <a:srgbClr val="FFFF00">
-              <a:alpha val="20000"/>
-            </a:srgbClr>
-          </a:solidFill>
-          <a:ln>
-            <a:noFill/>
-          </a:ln>
-        </p:spPr>
-        <p:style>
-          <a:lnRef idx="2">
-            <a:schemeClr val="accent1">
-              <a:shade val="50000"/>
-            </a:schemeClr>
-          </a:lnRef>
-          <a:fillRef idx="1">
-            <a:schemeClr val="accent1"/>
-          </a:fillRef>
-          <a:effectRef idx="0">
-            <a:schemeClr val="accent1"/>
-          </a:effectRef>
-          <a:fontRef idx="minor">
-            <a:schemeClr val="lt1"/>
-          </a:fontRef>
-        </p:style>
-        <p:txBody>
-          <a:bodyPr rtlCol="0" anchor="ctr"/>
-          <a:lstStyle/>
-          <a:p>
-            <a:pPr algn="ctr"/>
-            <a:r>
-              <a:rPr lang="ko-KR" altLang="en-US" sz="1600" dirty="0">
-                <a:solidFill>
-                  <a:schemeClr val="accent4">
-                    <a:lumMod val="50000"/>
-                  </a:schemeClr>
-                </a:solidFill>
-              </a:rPr>
-              <a:t>대법원 </a:t>
-            </a:r>
-            <a:r>
-              <a:rPr lang="en-US" altLang="ko-KR" sz="1600" dirty="0">
-                <a:solidFill>
-                  <a:schemeClr val="accent4">
-                    <a:lumMod val="50000"/>
-                  </a:schemeClr>
-                </a:solidFill>
-              </a:rPr>
-              <a:t>1995. 8. 11. </a:t>
-            </a:r>
-            <a:r>
-              <a:rPr lang="ko-KR" altLang="en-US" sz="1600" dirty="0">
-                <a:solidFill>
-                  <a:schemeClr val="accent4">
-                    <a:lumMod val="50000"/>
-                  </a:schemeClr>
-                </a:solidFill>
-              </a:rPr>
-              <a:t>선고 </a:t>
-            </a:r>
-            <a:r>
-              <a:rPr lang="en-US" altLang="ko-KR" sz="1600" dirty="0">
-                <a:solidFill>
-                  <a:schemeClr val="accent4">
-                    <a:lumMod val="50000"/>
-                  </a:schemeClr>
-                </a:solidFill>
-              </a:rPr>
-              <a:t>94</a:t>
-            </a:r>
-            <a:r>
-              <a:rPr lang="ko-KR" altLang="en-US" sz="1600" dirty="0">
-                <a:solidFill>
-                  <a:schemeClr val="accent4">
-                    <a:lumMod val="50000"/>
-                  </a:schemeClr>
-                </a:solidFill>
-              </a:rPr>
-              <a:t>다</a:t>
-            </a:r>
-            <a:r>
-              <a:rPr lang="en-US" altLang="ko-KR" sz="1600" dirty="0">
-                <a:solidFill>
-                  <a:schemeClr val="accent4">
-                    <a:lumMod val="50000"/>
-                  </a:schemeClr>
-                </a:solidFill>
-              </a:rPr>
-              <a:t>58599 </a:t>
-            </a:r>
-            <a:r>
-              <a:rPr lang="ko-KR" altLang="en-US" sz="1600" dirty="0">
-                <a:solidFill>
-                  <a:schemeClr val="accent4">
-                    <a:lumMod val="50000"/>
-                  </a:schemeClr>
-                </a:solidFill>
-              </a:rPr>
-              <a:t>판결 </a:t>
-            </a:r>
-            <a:r>
-              <a:rPr lang="en-US" altLang="ko-KR" sz="1600" dirty="0">
-                <a:solidFill>
-                  <a:schemeClr val="accent4">
-                    <a:lumMod val="50000"/>
-                  </a:schemeClr>
-                </a:solidFill>
-              </a:rPr>
-              <a:t>[</a:t>
-            </a:r>
-            <a:r>
-              <a:rPr lang="ko-KR" altLang="en-US" sz="1600" dirty="0">
-                <a:solidFill>
-                  <a:schemeClr val="accent4">
-                    <a:lumMod val="50000"/>
-                  </a:schemeClr>
-                </a:solidFill>
-              </a:rPr>
-              <a:t>소유권이전등기</a:t>
-            </a:r>
-            <a:r>
-              <a:rPr lang="en-US" altLang="ko-KR" sz="1600" dirty="0">
-                <a:solidFill>
-                  <a:schemeClr val="accent4">
-                    <a:lumMod val="50000"/>
-                  </a:schemeClr>
-                </a:solidFill>
-              </a:rPr>
-              <a:t>][</a:t>
-            </a:r>
-            <a:r>
-              <a:rPr lang="ko-KR" altLang="en-US" sz="1600" dirty="0">
-                <a:solidFill>
-                  <a:schemeClr val="accent4">
-                    <a:lumMod val="50000"/>
-                  </a:schemeClr>
-                </a:solidFill>
-              </a:rPr>
-              <a:t>공</a:t>
-            </a:r>
-            <a:r>
-              <a:rPr lang="en-US" altLang="ko-KR" sz="1600" dirty="0">
-                <a:solidFill>
-                  <a:schemeClr val="accent4">
-                    <a:lumMod val="50000"/>
-                  </a:schemeClr>
-                </a:solidFill>
-              </a:rPr>
-              <a:t>1995.9.15.(1000),3124]</a:t>
-            </a:r>
-          </a:p>
-          <a:p>
-            <a:pPr algn="ctr"/>
-            <a:r>
-              <a:rPr lang="ko-KR" altLang="en-US" sz="1600" dirty="0">
-                <a:solidFill>
-                  <a:schemeClr val="accent4">
-                    <a:lumMod val="50000"/>
-                  </a:schemeClr>
-                </a:solidFill>
-              </a:rPr>
-              <a:t>유사도 </a:t>
-            </a:r>
-            <a:r>
-              <a:rPr lang="en-US" altLang="ko-KR" sz="1600" dirty="0">
-                <a:solidFill>
-                  <a:schemeClr val="accent4">
-                    <a:lumMod val="50000"/>
-                  </a:schemeClr>
-                </a:solidFill>
-              </a:rPr>
-              <a:t>: 40%</a:t>
-            </a:r>
-            <a:endParaRPr lang="ko-KR" altLang="en-US" sz="1600" dirty="0">
+              <a:tailEnd type="triangle"/>
+            </a:ln>
+          </p:spPr>
+          <p:style>
+            <a:lnRef idx="1">
+              <a:schemeClr val="accent1"/>
+            </a:lnRef>
+            <a:fillRef idx="0">
+              <a:schemeClr val="accent1"/>
+            </a:fillRef>
+            <a:effectRef idx="0">
+              <a:schemeClr val="accent1"/>
+            </a:effectRef>
+            <a:fontRef idx="minor">
+              <a:schemeClr val="tx1"/>
+            </a:fontRef>
+          </p:style>
+        </p:cxnSp>
+        <p:cxnSp>
+          <p:nvCxnSpPr>
+            <p:cNvPr id="19" name="직선 화살표 연결선 18">
+              <a:extLst>
+                <a:ext uri="{FF2B5EF4-FFF2-40B4-BE49-F238E27FC236}">
+                  <a16:creationId xmlns:a16="http://schemas.microsoft.com/office/drawing/2014/main" id="{0FE9B5D8-1E68-7F0B-7604-735935C88287}"/>
+                </a:ext>
+              </a:extLst>
+            </p:cNvPr>
+            <p:cNvCxnSpPr>
+              <a:stCxn id="13" idx="2"/>
+              <a:endCxn id="14" idx="0"/>
+            </p:cNvCxnSpPr>
+            <p:nvPr/>
+          </p:nvCxnSpPr>
+          <p:spPr>
+            <a:xfrm>
+              <a:off x="3557936" y="4622402"/>
+              <a:ext cx="0" cy="363896"/>
+            </a:xfrm>
+            <a:prstGeom prst="straightConnector1">
+              <a:avLst/>
+            </a:prstGeom>
+            <a:ln w="25400">
               <a:solidFill>
-                <a:schemeClr val="accent4">
-                  <a:lumMod val="50000"/>
-                </a:schemeClr>
+                <a:srgbClr val="FF0000"/>
               </a:solidFill>
-            </a:endParaRPr>
-          </a:p>
-        </p:txBody>
-      </p:sp>
+              <a:tailEnd type="triangle"/>
+            </a:ln>
+          </p:spPr>
+          <p:style>
+            <a:lnRef idx="1">
+              <a:schemeClr val="accent1"/>
+            </a:lnRef>
+            <a:fillRef idx="0">
+              <a:schemeClr val="accent1"/>
+            </a:fillRef>
+            <a:effectRef idx="0">
+              <a:schemeClr val="accent1"/>
+            </a:effectRef>
+            <a:fontRef idx="minor">
+              <a:schemeClr val="tx1"/>
+            </a:fontRef>
+          </p:style>
+        </p:cxnSp>
+      </p:grpSp>
     </p:spTree>
     <p:extLst>
       <p:ext uri="{BB962C8B-B14F-4D97-AF65-F5344CB8AC3E}">
-        <p14:creationId xmlns:p14="http://schemas.microsoft.com/office/powerpoint/2010/main" val="66935032"/>
+        <p14:creationId xmlns:p14="http://schemas.microsoft.com/office/powerpoint/2010/main" val="3455297731"/>
       </p:ext>
     </p:extLst>
   </p:cSld>

--- a/2022-2-PreCapstoneDesign-최종보고서.pptx
+++ b/2022-2-PreCapstoneDesign-최종보고서.pptx
@@ -5,14 +5,22 @@
     <p:sldMasterId id="2147483660" r:id="rId1"/>
   </p:sldMasterIdLst>
   <p:notesMasterIdLst>
-    <p:notesMasterId r:id="rId7"/>
+    <p:notesMasterId r:id="rId15"/>
   </p:notesMasterIdLst>
   <p:sldIdLst>
     <p:sldId id="256" r:id="rId2"/>
     <p:sldId id="348" r:id="rId3"/>
     <p:sldId id="346" r:id="rId4"/>
-    <p:sldId id="349" r:id="rId5"/>
-    <p:sldId id="350" r:id="rId6"/>
+    <p:sldId id="351" r:id="rId5"/>
+    <p:sldId id="353" r:id="rId6"/>
+    <p:sldId id="352" r:id="rId7"/>
+    <p:sldId id="354" r:id="rId8"/>
+    <p:sldId id="355" r:id="rId9"/>
+    <p:sldId id="356" r:id="rId10"/>
+    <p:sldId id="357" r:id="rId11"/>
+    <p:sldId id="358" r:id="rId12"/>
+    <p:sldId id="359" r:id="rId13"/>
+    <p:sldId id="360" r:id="rId14"/>
   </p:sldIdLst>
   <p:sldSz cx="9144000" cy="6858000" type="screen4x3"/>
   <p:notesSz cx="6858000" cy="9144000"/>
@@ -489,7 +497,7 @@
           <a:p>
             <a:fld id="{E7F6F9A2-9DD7-4BFD-8560-ED9D186197C6}" type="datetimeFigureOut">
               <a:rPr lang="ko-KR" altLang="en-US" smtClean="0"/>
-              <a:t>2023-03-20</a:t>
+              <a:t>2023-04-05</a:t>
             </a:fld>
             <a:endParaRPr lang="ko-KR" altLang="en-US"/>
           </a:p>
@@ -4221,7 +4229,7 @@
               <a:t>- </a:t>
             </a:r>
             <a:r>
-              <a:rPr lang="ko-KR" altLang="en-US" sz="2800" dirty="0">
+              <a:rPr lang="ko-KR" altLang="en-US" sz="2400" dirty="0" err="1">
                 <a:ln w="12700">
                   <a:solidFill>
                     <a:schemeClr val="tx1">
@@ -4233,10 +4241,10 @@
                 <a:latin typeface="+mn-ea"/>
                 <a:ea typeface="+mn-ea"/>
               </a:rPr>
-              <a:t>시각장애인의 편의를 위한 음성 인식 메모 앱</a:t>
-            </a:r>
-            <a:r>
-              <a:rPr lang="en-US" altLang="ko-KR" sz="2800" dirty="0">
+              <a:t>저시력자</a:t>
+            </a:r>
+            <a:r>
+              <a:rPr lang="ko-KR" altLang="en-US" sz="2400" dirty="0">
                 <a:ln w="12700">
                   <a:solidFill>
                     <a:schemeClr val="tx1">
@@ -4248,7 +4256,7 @@
                 <a:latin typeface="+mn-ea"/>
                 <a:ea typeface="+mn-ea"/>
               </a:rPr>
-              <a:t>-</a:t>
+              <a:t> 및 시각장애인을 위한 키보드가 없는 메모장</a:t>
             </a:r>
             <a:br>
               <a:rPr lang="en-US" altLang="ko-KR" sz="3200" dirty="0">
@@ -4372,6 +4380,2302 @@
     <p:extLst>
       <p:ext uri="{BB962C8B-B14F-4D97-AF65-F5344CB8AC3E}">
         <p14:creationId xmlns:p14="http://schemas.microsoft.com/office/powerpoint/2010/main" val="270456694"/>
+      </p:ext>
+    </p:extLst>
+  </p:cSld>
+  <p:clrMapOvr>
+    <a:masterClrMapping/>
+  </p:clrMapOvr>
+</p:sld>
+</file>
+
+<file path=ppt/slides/slide10.xml><?xml version="1.0" encoding="utf-8"?>
+<p:sld xmlns:a="http://schemas.openxmlformats.org/drawingml/2006/main" xmlns:r="http://schemas.openxmlformats.org/officeDocument/2006/relationships" xmlns:p="http://schemas.openxmlformats.org/presentationml/2006/main">
+  <p:cSld>
+    <p:spTree>
+      <p:nvGrpSpPr>
+        <p:cNvPr id="1" name=""/>
+        <p:cNvGrpSpPr/>
+        <p:nvPr/>
+      </p:nvGrpSpPr>
+      <p:grpSpPr>
+        <a:xfrm>
+          <a:off x="0" y="0"/>
+          <a:ext cx="0" cy="0"/>
+          <a:chOff x="0" y="0"/>
+          <a:chExt cx="0" cy="0"/>
+        </a:xfrm>
+      </p:grpSpPr>
+      <p:sp>
+        <p:nvSpPr>
+          <p:cNvPr id="2" name="제목 1">
+            <a:extLst>
+              <a:ext uri="{FF2B5EF4-FFF2-40B4-BE49-F238E27FC236}">
+                <a16:creationId xmlns:a16="http://schemas.microsoft.com/office/drawing/2014/main" id="{84608098-9710-2FE1-77B3-C607CC95D111}"/>
+              </a:ext>
+            </a:extLst>
+          </p:cNvPr>
+          <p:cNvSpPr>
+            <a:spLocks noGrp="1"/>
+          </p:cNvSpPr>
+          <p:nvPr>
+            <p:ph type="title"/>
+          </p:nvPr>
+        </p:nvSpPr>
+        <p:spPr/>
+        <p:txBody>
+          <a:bodyPr/>
+          <a:lstStyle/>
+          <a:p>
+            <a:r>
+              <a:rPr lang="ko-KR" altLang="en-US" dirty="0"/>
+              <a:t>장점 분석</a:t>
+            </a:r>
+          </a:p>
+        </p:txBody>
+      </p:sp>
+      <p:sp>
+        <p:nvSpPr>
+          <p:cNvPr id="3" name="내용 개체 틀 2">
+            <a:extLst>
+              <a:ext uri="{FF2B5EF4-FFF2-40B4-BE49-F238E27FC236}">
+                <a16:creationId xmlns:a16="http://schemas.microsoft.com/office/drawing/2014/main" id="{7468426A-9869-B3C4-3EA1-3C398FAEB264}"/>
+              </a:ext>
+            </a:extLst>
+          </p:cNvPr>
+          <p:cNvSpPr>
+            <a:spLocks noGrp="1"/>
+          </p:cNvSpPr>
+          <p:nvPr>
+            <p:ph idx="1"/>
+          </p:nvPr>
+        </p:nvSpPr>
+        <p:spPr>
+          <a:xfrm>
+            <a:off x="439947" y="1199626"/>
+            <a:ext cx="8281359" cy="5389433"/>
+          </a:xfrm>
+        </p:spPr>
+        <p:txBody>
+          <a:bodyPr>
+            <a:normAutofit fontScale="92500" lnSpcReduction="10000"/>
+          </a:bodyPr>
+          <a:lstStyle/>
+          <a:p>
+            <a:r>
+              <a:rPr lang="ko-KR" altLang="en-US" dirty="0"/>
+              <a:t>음성으로 메모를 작성할 수 있습니다</a:t>
+            </a:r>
+            <a:r>
+              <a:rPr lang="en-US" altLang="ko-KR" dirty="0"/>
+              <a:t>. </a:t>
+            </a:r>
+            <a:r>
+              <a:rPr lang="ko-KR" altLang="en-US" dirty="0"/>
+              <a:t>시각장애인은 키보드를 사용하기 어려울 수 있기 때문에 음성으로 메모를 작성하는 것이 편리합니다</a:t>
+            </a:r>
+            <a:r>
+              <a:rPr lang="en-US" altLang="ko-KR" dirty="0"/>
+              <a:t>. </a:t>
+            </a:r>
+            <a:r>
+              <a:rPr lang="ko-KR" altLang="en-US" dirty="0"/>
+              <a:t>또한</a:t>
+            </a:r>
+            <a:r>
+              <a:rPr lang="en-US" altLang="ko-KR" dirty="0"/>
+              <a:t>, </a:t>
+            </a:r>
+            <a:r>
+              <a:rPr lang="ko-KR" altLang="en-US" dirty="0"/>
+              <a:t>음성으로 메모의 제목과 내용을 구분하고</a:t>
+            </a:r>
+            <a:r>
+              <a:rPr lang="en-US" altLang="ko-KR" dirty="0"/>
+              <a:t>, </a:t>
+            </a:r>
+            <a:r>
+              <a:rPr lang="ko-KR" altLang="en-US" dirty="0"/>
+              <a:t>수정하고</a:t>
+            </a:r>
+            <a:r>
+              <a:rPr lang="en-US" altLang="ko-KR" dirty="0"/>
+              <a:t>, </a:t>
+            </a:r>
+            <a:r>
+              <a:rPr lang="ko-KR" altLang="en-US" dirty="0"/>
+              <a:t>삭제할 수 있습니다</a:t>
+            </a:r>
+            <a:r>
+              <a:rPr lang="en-US" altLang="ko-KR" dirty="0"/>
+              <a:t>.</a:t>
+            </a:r>
+          </a:p>
+          <a:p>
+            <a:r>
+              <a:rPr lang="ko-KR" altLang="en-US" dirty="0"/>
+              <a:t>메모를 저장하고 관리할 수 있습니다</a:t>
+            </a:r>
+            <a:r>
+              <a:rPr lang="en-US" altLang="ko-KR" dirty="0"/>
+              <a:t>. </a:t>
+            </a:r>
+            <a:r>
+              <a:rPr lang="ko-KR" altLang="en-US" dirty="0"/>
+              <a:t>시각장애인은 화면을 보기 어려울 수 있기 때문에 음성으로 메모를 저장하고 관리하는 것이 편리합니다</a:t>
+            </a:r>
+            <a:r>
+              <a:rPr lang="en-US" altLang="ko-KR" dirty="0"/>
+              <a:t>. </a:t>
+            </a:r>
+            <a:r>
+              <a:rPr lang="ko-KR" altLang="en-US" dirty="0"/>
+              <a:t>또한</a:t>
+            </a:r>
+            <a:r>
+              <a:rPr lang="en-US" altLang="ko-KR" dirty="0"/>
+              <a:t>, </a:t>
+            </a:r>
+            <a:r>
+              <a:rPr lang="ko-KR" altLang="en-US" dirty="0"/>
+              <a:t>폴더별로 메모를 관리하고</a:t>
+            </a:r>
+            <a:r>
+              <a:rPr lang="en-US" altLang="ko-KR" dirty="0"/>
+              <a:t>, </a:t>
+            </a:r>
+            <a:r>
+              <a:rPr lang="ko-KR" altLang="en-US" dirty="0"/>
+              <a:t>검색하여 내용을 다시 확인하거나 인식되는 기능을 수행합니다</a:t>
+            </a:r>
+            <a:r>
+              <a:rPr lang="en-US" altLang="ko-KR" dirty="0"/>
+              <a:t>. </a:t>
+            </a:r>
+            <a:r>
+              <a:rPr lang="ko-KR" altLang="en-US" dirty="0"/>
+              <a:t>음성으로 된 메모는 카카오톡이나 기타 메시지로 보내거나</a:t>
+            </a:r>
+            <a:r>
+              <a:rPr lang="en-US" altLang="ko-KR" dirty="0"/>
+              <a:t>, SNS</a:t>
+            </a:r>
+            <a:r>
+              <a:rPr lang="ko-KR" altLang="en-US" dirty="0"/>
+              <a:t>에 게시할 수도 있습니다</a:t>
+            </a:r>
+            <a:r>
+              <a:rPr lang="en-US" altLang="ko-KR" dirty="0"/>
+              <a:t>.</a:t>
+            </a:r>
+          </a:p>
+          <a:p>
+            <a:r>
+              <a:rPr lang="ko-KR" altLang="en-US" dirty="0"/>
+              <a:t>앱 내 캘린더와 알람 기능은 음성으로 일정의 제목</a:t>
+            </a:r>
+            <a:r>
+              <a:rPr lang="en-US" altLang="ko-KR" dirty="0"/>
+              <a:t>, </a:t>
+            </a:r>
+            <a:r>
+              <a:rPr lang="ko-KR" altLang="en-US" dirty="0"/>
+              <a:t>위치</a:t>
+            </a:r>
+            <a:r>
+              <a:rPr lang="en-US" altLang="ko-KR" dirty="0"/>
+              <a:t>, </a:t>
+            </a:r>
+            <a:r>
+              <a:rPr lang="ko-KR" altLang="en-US" dirty="0"/>
+              <a:t>날짜</a:t>
+            </a:r>
+            <a:r>
+              <a:rPr lang="en-US" altLang="ko-KR" dirty="0"/>
+              <a:t>, </a:t>
+            </a:r>
+            <a:r>
+              <a:rPr lang="ko-KR" altLang="en-US" dirty="0"/>
+              <a:t>시간</a:t>
+            </a:r>
+            <a:r>
+              <a:rPr lang="en-US" altLang="ko-KR" dirty="0"/>
+              <a:t>, </a:t>
+            </a:r>
+            <a:r>
+              <a:rPr lang="ko-KR" altLang="en-US" dirty="0" err="1"/>
+              <a:t>해야할</a:t>
+            </a:r>
+            <a:r>
+              <a:rPr lang="ko-KR" altLang="en-US" dirty="0"/>
+              <a:t> 일</a:t>
+            </a:r>
+            <a:r>
+              <a:rPr lang="en-US" altLang="ko-KR" dirty="0"/>
+              <a:t>, </a:t>
+            </a:r>
+            <a:r>
+              <a:rPr lang="ko-KR" altLang="en-US" dirty="0"/>
+              <a:t>만나야 할 사람</a:t>
+            </a:r>
+            <a:r>
+              <a:rPr lang="en-US" altLang="ko-KR" dirty="0"/>
+              <a:t> </a:t>
+            </a:r>
+            <a:r>
+              <a:rPr lang="ko-KR" altLang="en-US" dirty="0"/>
+              <a:t>등을 기록한 상태에서 알림을 받을 수 있습니다</a:t>
+            </a:r>
+            <a:r>
+              <a:rPr lang="en-US" altLang="ko-KR" dirty="0"/>
+              <a:t>. </a:t>
+            </a:r>
+            <a:r>
+              <a:rPr lang="ko-KR" altLang="en-US" dirty="0"/>
+              <a:t>이러한 기능은 스마트폰 자체 음성비서 서비스에 비해 더 구체적이고 사용자에게 친화적입니다</a:t>
+            </a:r>
+            <a:r>
+              <a:rPr lang="en-US" altLang="ko-KR" dirty="0"/>
+              <a:t>.</a:t>
+            </a:r>
+          </a:p>
+          <a:p>
+            <a:r>
+              <a:rPr lang="ko-KR" altLang="en-US" dirty="0"/>
+              <a:t>그 밖에도 메모에서 전화번호나 이메일 주소 등을 자동으로 인식하고 연락처에 추가할 지를 묻거나</a:t>
+            </a:r>
+            <a:r>
+              <a:rPr lang="en-US" altLang="ko-KR" dirty="0"/>
+              <a:t>,</a:t>
+            </a:r>
+            <a:r>
+              <a:rPr lang="ko-KR" altLang="en-US" dirty="0"/>
+              <a:t> </a:t>
+            </a:r>
+            <a:r>
+              <a:rPr lang="ko-KR" altLang="en-US" b="0" i="0" dirty="0">
+                <a:solidFill>
+                  <a:srgbClr val="111111"/>
+                </a:solidFill>
+                <a:effectLst/>
+                <a:latin typeface="-apple-system"/>
+              </a:rPr>
+              <a:t>주소를 인식하여 지도를 열어서 음성으로 길 안내를 할 지를 묻는 등을 지원하며</a:t>
+            </a:r>
+            <a:r>
+              <a:rPr lang="en-US" altLang="ko-KR" b="0" i="0" dirty="0">
+                <a:solidFill>
+                  <a:srgbClr val="111111"/>
+                </a:solidFill>
+                <a:effectLst/>
+                <a:latin typeface="-apple-system"/>
+              </a:rPr>
+              <a:t>, </a:t>
+            </a:r>
+            <a:r>
+              <a:rPr lang="ko-KR" altLang="en-US" dirty="0">
+                <a:solidFill>
+                  <a:srgbClr val="111111"/>
+                </a:solidFill>
+                <a:latin typeface="-apple-system"/>
+              </a:rPr>
+              <a:t>이에 </a:t>
+            </a:r>
+            <a:r>
+              <a:rPr lang="ko-KR" altLang="en-US" b="0" i="0" dirty="0">
+                <a:solidFill>
+                  <a:srgbClr val="111111"/>
+                </a:solidFill>
+                <a:effectLst/>
+                <a:latin typeface="-apple-system"/>
+              </a:rPr>
+              <a:t>따라 사용자의 의존도가 높아지면서 향후 업데이트를 통해 더 많은 기능을 추가할 수 있습니다</a:t>
+            </a:r>
+            <a:r>
+              <a:rPr lang="en-US" altLang="ko-KR" b="0" i="0" dirty="0">
+                <a:solidFill>
+                  <a:srgbClr val="111111"/>
+                </a:solidFill>
+                <a:effectLst/>
+                <a:latin typeface="-apple-system"/>
+              </a:rPr>
+              <a:t>.</a:t>
+            </a:r>
+            <a:endParaRPr lang="en-US" altLang="ko-KR" dirty="0"/>
+          </a:p>
+        </p:txBody>
+      </p:sp>
+      <p:sp>
+        <p:nvSpPr>
+          <p:cNvPr id="4" name="슬라이드 번호 개체 틀 3">
+            <a:extLst>
+              <a:ext uri="{FF2B5EF4-FFF2-40B4-BE49-F238E27FC236}">
+                <a16:creationId xmlns:a16="http://schemas.microsoft.com/office/drawing/2014/main" id="{5CD09EEB-402F-C85C-FD0F-F577A16FF05E}"/>
+              </a:ext>
+            </a:extLst>
+          </p:cNvPr>
+          <p:cNvSpPr>
+            <a:spLocks noGrp="1"/>
+          </p:cNvSpPr>
+          <p:nvPr>
+            <p:ph type="sldNum" sz="quarter" idx="12"/>
+          </p:nvPr>
+        </p:nvSpPr>
+        <p:spPr/>
+        <p:txBody>
+          <a:bodyPr/>
+          <a:lstStyle/>
+          <a:p>
+            <a:fld id="{2F00E46C-ED49-42AD-BB6D-7499E1F08A71}" type="slidenum">
+              <a:rPr lang="ko-KR" altLang="en-US" smtClean="0"/>
+              <a:t>10</a:t>
+            </a:fld>
+            <a:endParaRPr lang="ko-KR" altLang="en-US"/>
+          </a:p>
+        </p:txBody>
+      </p:sp>
+    </p:spTree>
+    <p:extLst>
+      <p:ext uri="{BB962C8B-B14F-4D97-AF65-F5344CB8AC3E}">
+        <p14:creationId xmlns:p14="http://schemas.microsoft.com/office/powerpoint/2010/main" val="516328828"/>
+      </p:ext>
+    </p:extLst>
+  </p:cSld>
+  <p:clrMapOvr>
+    <a:masterClrMapping/>
+  </p:clrMapOvr>
+</p:sld>
+</file>
+
+<file path=ppt/slides/slide11.xml><?xml version="1.0" encoding="utf-8"?>
+<p:sld xmlns:a="http://schemas.openxmlformats.org/drawingml/2006/main" xmlns:r="http://schemas.openxmlformats.org/officeDocument/2006/relationships" xmlns:p="http://schemas.openxmlformats.org/presentationml/2006/main">
+  <p:cSld>
+    <p:spTree>
+      <p:nvGrpSpPr>
+        <p:cNvPr id="1" name=""/>
+        <p:cNvGrpSpPr/>
+        <p:nvPr/>
+      </p:nvGrpSpPr>
+      <p:grpSpPr>
+        <a:xfrm>
+          <a:off x="0" y="0"/>
+          <a:ext cx="0" cy="0"/>
+          <a:chOff x="0" y="0"/>
+          <a:chExt cx="0" cy="0"/>
+        </a:xfrm>
+      </p:grpSpPr>
+      <p:sp>
+        <p:nvSpPr>
+          <p:cNvPr id="2" name="제목 1">
+            <a:extLst>
+              <a:ext uri="{FF2B5EF4-FFF2-40B4-BE49-F238E27FC236}">
+                <a16:creationId xmlns:a16="http://schemas.microsoft.com/office/drawing/2014/main" id="{10CE78C1-FE3B-5F6A-5117-77AFD9BCEED0}"/>
+              </a:ext>
+            </a:extLst>
+          </p:cNvPr>
+          <p:cNvSpPr>
+            <a:spLocks noGrp="1"/>
+          </p:cNvSpPr>
+          <p:nvPr>
+            <p:ph type="title"/>
+          </p:nvPr>
+        </p:nvSpPr>
+        <p:spPr/>
+        <p:txBody>
+          <a:bodyPr/>
+          <a:lstStyle/>
+          <a:p>
+            <a:r>
+              <a:rPr lang="ko-KR" altLang="en-US" dirty="0"/>
+              <a:t>취약점 분석</a:t>
+            </a:r>
+          </a:p>
+        </p:txBody>
+      </p:sp>
+      <p:sp>
+        <p:nvSpPr>
+          <p:cNvPr id="3" name="내용 개체 틀 2">
+            <a:extLst>
+              <a:ext uri="{FF2B5EF4-FFF2-40B4-BE49-F238E27FC236}">
+                <a16:creationId xmlns:a16="http://schemas.microsoft.com/office/drawing/2014/main" id="{9B94B080-B56E-C8E8-CE78-12D5033DC963}"/>
+              </a:ext>
+            </a:extLst>
+          </p:cNvPr>
+          <p:cNvSpPr>
+            <a:spLocks noGrp="1"/>
+          </p:cNvSpPr>
+          <p:nvPr>
+            <p:ph idx="1"/>
+          </p:nvPr>
+        </p:nvSpPr>
+        <p:spPr/>
+        <p:txBody>
+          <a:bodyPr/>
+          <a:lstStyle/>
+          <a:p>
+            <a:r>
+              <a:rPr lang="ko-KR" altLang="en-US" dirty="0"/>
+              <a:t>음성 인식의 정확도와 속도는 사용자가 음성으로 메모를 작성하고 관리할 때 매우 중요한 요소입니다</a:t>
+            </a:r>
+            <a:r>
+              <a:rPr lang="en-US" altLang="ko-KR" dirty="0"/>
+              <a:t>. </a:t>
+            </a:r>
+            <a:r>
+              <a:rPr lang="ko-KR" altLang="en-US" dirty="0"/>
+              <a:t>사용자가 말한 내용을 정확하게 텍스트로 변환하고</a:t>
+            </a:r>
+            <a:r>
+              <a:rPr lang="en-US" altLang="ko-KR" dirty="0"/>
+              <a:t>, </a:t>
+            </a:r>
+            <a:r>
+              <a:rPr lang="ko-KR" altLang="en-US" dirty="0"/>
+              <a:t>빠르게 저장하고 검색할 수 있어야 합니다</a:t>
+            </a:r>
+            <a:r>
+              <a:rPr lang="en-US" altLang="ko-KR" dirty="0"/>
+              <a:t>. </a:t>
+            </a:r>
+            <a:r>
+              <a:rPr lang="ko-KR" altLang="en-US" dirty="0"/>
+              <a:t>음성 인식의 오류나 지연이 발생하면 사용자의 만족도가 떨어질 수 있습니다</a:t>
+            </a:r>
+            <a:r>
+              <a:rPr lang="en-US" altLang="ko-KR" dirty="0"/>
+              <a:t>. </a:t>
+            </a:r>
+          </a:p>
+          <a:p>
+            <a:r>
+              <a:rPr lang="ko-KR" altLang="en-US" dirty="0"/>
+              <a:t>특히 사투리</a:t>
+            </a:r>
+            <a:r>
+              <a:rPr lang="en-US" altLang="ko-KR" dirty="0"/>
+              <a:t>(</a:t>
+            </a:r>
+            <a:r>
+              <a:rPr lang="ko-KR" altLang="en-US" dirty="0"/>
+              <a:t>방언</a:t>
+            </a:r>
+            <a:r>
+              <a:rPr lang="en-US" altLang="ko-KR" dirty="0"/>
+              <a:t>), </a:t>
+            </a:r>
+            <a:r>
+              <a:rPr lang="ko-KR" altLang="en-US" dirty="0"/>
+              <a:t>외국어와 같이 지원하지 않는 용어를 사용하게 될 경우 메모의 인식 기능이 원활하게 작동하지 않을 수 있으므로 이에 대한 예외처리가 준비되어 있어야 합니다</a:t>
+            </a:r>
+            <a:r>
+              <a:rPr lang="en-US" altLang="ko-KR" dirty="0"/>
+              <a:t>.</a:t>
+            </a:r>
+            <a:endParaRPr lang="ko-KR" altLang="en-US" dirty="0"/>
+          </a:p>
+        </p:txBody>
+      </p:sp>
+      <p:sp>
+        <p:nvSpPr>
+          <p:cNvPr id="4" name="슬라이드 번호 개체 틀 3">
+            <a:extLst>
+              <a:ext uri="{FF2B5EF4-FFF2-40B4-BE49-F238E27FC236}">
+                <a16:creationId xmlns:a16="http://schemas.microsoft.com/office/drawing/2014/main" id="{1819A0F6-89A5-561D-75D9-6E98470F5B8F}"/>
+              </a:ext>
+            </a:extLst>
+          </p:cNvPr>
+          <p:cNvSpPr>
+            <a:spLocks noGrp="1"/>
+          </p:cNvSpPr>
+          <p:nvPr>
+            <p:ph type="sldNum" sz="quarter" idx="12"/>
+          </p:nvPr>
+        </p:nvSpPr>
+        <p:spPr/>
+        <p:txBody>
+          <a:bodyPr/>
+          <a:lstStyle/>
+          <a:p>
+            <a:fld id="{2F00E46C-ED49-42AD-BB6D-7499E1F08A71}" type="slidenum">
+              <a:rPr lang="ko-KR" altLang="en-US" smtClean="0"/>
+              <a:t>11</a:t>
+            </a:fld>
+            <a:endParaRPr lang="ko-KR" altLang="en-US"/>
+          </a:p>
+        </p:txBody>
+      </p:sp>
+    </p:spTree>
+    <p:extLst>
+      <p:ext uri="{BB962C8B-B14F-4D97-AF65-F5344CB8AC3E}">
+        <p14:creationId xmlns:p14="http://schemas.microsoft.com/office/powerpoint/2010/main" val="2435760319"/>
+      </p:ext>
+    </p:extLst>
+  </p:cSld>
+  <p:clrMapOvr>
+    <a:masterClrMapping/>
+  </p:clrMapOvr>
+</p:sld>
+</file>
+
+<file path=ppt/slides/slide12.xml><?xml version="1.0" encoding="utf-8"?>
+<p:sld xmlns:a="http://schemas.openxmlformats.org/drawingml/2006/main" xmlns:r="http://schemas.openxmlformats.org/officeDocument/2006/relationships" xmlns:p="http://schemas.openxmlformats.org/presentationml/2006/main">
+  <p:cSld>
+    <p:spTree>
+      <p:nvGrpSpPr>
+        <p:cNvPr id="1" name=""/>
+        <p:cNvGrpSpPr/>
+        <p:nvPr/>
+      </p:nvGrpSpPr>
+      <p:grpSpPr>
+        <a:xfrm>
+          <a:off x="0" y="0"/>
+          <a:ext cx="0" cy="0"/>
+          <a:chOff x="0" y="0"/>
+          <a:chExt cx="0" cy="0"/>
+        </a:xfrm>
+      </p:grpSpPr>
+      <p:sp>
+        <p:nvSpPr>
+          <p:cNvPr id="2" name="제목 1">
+            <a:extLst>
+              <a:ext uri="{FF2B5EF4-FFF2-40B4-BE49-F238E27FC236}">
+                <a16:creationId xmlns:a16="http://schemas.microsoft.com/office/drawing/2014/main" id="{7CD8E1AC-1751-6043-F8C8-B467C92C17E0}"/>
+              </a:ext>
+            </a:extLst>
+          </p:cNvPr>
+          <p:cNvSpPr>
+            <a:spLocks noGrp="1"/>
+          </p:cNvSpPr>
+          <p:nvPr>
+            <p:ph type="title"/>
+          </p:nvPr>
+        </p:nvSpPr>
+        <p:spPr/>
+        <p:txBody>
+          <a:bodyPr/>
+          <a:lstStyle/>
+          <a:p>
+            <a:r>
+              <a:rPr lang="ko-KR" altLang="en-US" dirty="0"/>
+              <a:t>해결방안</a:t>
+            </a:r>
+          </a:p>
+        </p:txBody>
+      </p:sp>
+      <p:sp>
+        <p:nvSpPr>
+          <p:cNvPr id="3" name="내용 개체 틀 2">
+            <a:extLst>
+              <a:ext uri="{FF2B5EF4-FFF2-40B4-BE49-F238E27FC236}">
+                <a16:creationId xmlns:a16="http://schemas.microsoft.com/office/drawing/2014/main" id="{C59E81B0-843C-16FB-6729-371AD053D7D4}"/>
+              </a:ext>
+            </a:extLst>
+          </p:cNvPr>
+          <p:cNvSpPr>
+            <a:spLocks noGrp="1"/>
+          </p:cNvSpPr>
+          <p:nvPr>
+            <p:ph idx="1"/>
+          </p:nvPr>
+        </p:nvSpPr>
+        <p:spPr/>
+        <p:txBody>
+          <a:bodyPr>
+            <a:normAutofit/>
+          </a:bodyPr>
+          <a:lstStyle/>
+          <a:p>
+            <a:r>
+              <a:rPr lang="ko-KR" altLang="en-US" dirty="0"/>
+              <a:t>네이버 </a:t>
+            </a:r>
+            <a:r>
+              <a:rPr lang="ko-KR" altLang="en-US" dirty="0" err="1"/>
+              <a:t>클로바</a:t>
+            </a:r>
+            <a:r>
+              <a:rPr lang="ko-KR" altLang="en-US" dirty="0"/>
+              <a:t> </a:t>
+            </a:r>
+            <a:r>
+              <a:rPr lang="en-US" altLang="ko-KR" dirty="0" err="1"/>
+              <a:t>api</a:t>
+            </a:r>
+            <a:r>
+              <a:rPr lang="ko-KR" altLang="en-US" dirty="0"/>
+              <a:t>는 음성 인식에 대해 다양한 기능과 서비스를 제공하는 인공지능 </a:t>
+            </a:r>
+            <a:r>
+              <a:rPr lang="en-US" altLang="ko-KR" dirty="0" err="1"/>
+              <a:t>api</a:t>
+            </a:r>
+            <a:r>
+              <a:rPr lang="ko-KR" altLang="en-US" dirty="0"/>
+              <a:t>입니다</a:t>
+            </a:r>
+            <a:r>
+              <a:rPr lang="en-US" altLang="ko-KR" dirty="0"/>
+              <a:t>. </a:t>
+            </a:r>
+            <a:r>
+              <a:rPr lang="ko-KR" altLang="en-US" dirty="0"/>
+              <a:t>음성 명령 인식</a:t>
+            </a:r>
+            <a:r>
+              <a:rPr lang="en-US" altLang="ko-KR" dirty="0"/>
+              <a:t>, </a:t>
+            </a:r>
+            <a:r>
+              <a:rPr lang="ko-KR" altLang="en-US" dirty="0" err="1"/>
+              <a:t>딕테이션</a:t>
+            </a:r>
+            <a:r>
+              <a:rPr lang="en-US" altLang="ko-KR" dirty="0"/>
+              <a:t>(STT/TTS </a:t>
+            </a:r>
+            <a:r>
+              <a:rPr lang="ko-KR" altLang="en-US" dirty="0"/>
+              <a:t>엔진</a:t>
+            </a:r>
+            <a:r>
+              <a:rPr lang="en-US" altLang="ko-KR" dirty="0"/>
+              <a:t>), </a:t>
+            </a:r>
+            <a:r>
+              <a:rPr lang="ko-KR" altLang="en-US" dirty="0"/>
+              <a:t>화자 인식 등의 기술을 활용할 수 있습니다</a:t>
+            </a:r>
+            <a:r>
+              <a:rPr lang="en-US" altLang="ko-KR" dirty="0"/>
+              <a:t>.</a:t>
+            </a:r>
+          </a:p>
+          <a:p>
+            <a:r>
+              <a:rPr lang="ko-KR" altLang="en-US" b="0" i="0" dirty="0" err="1">
+                <a:solidFill>
+                  <a:srgbClr val="111111"/>
+                </a:solidFill>
+                <a:effectLst/>
+                <a:latin typeface="-apple-system"/>
+              </a:rPr>
+              <a:t>클로바는</a:t>
+            </a:r>
+            <a:r>
+              <a:rPr lang="ko-KR" altLang="en-US" b="0" i="0" dirty="0">
+                <a:solidFill>
+                  <a:srgbClr val="111111"/>
+                </a:solidFill>
+                <a:effectLst/>
+                <a:latin typeface="-apple-system"/>
+              </a:rPr>
+              <a:t> 네이버와 라인의 방대한 데이터를 기반으로 인하여</a:t>
+            </a:r>
+            <a:r>
+              <a:rPr lang="en-US" altLang="ko-KR" b="0" i="0" dirty="0">
+                <a:solidFill>
+                  <a:srgbClr val="111111"/>
+                </a:solidFill>
+                <a:effectLst/>
+                <a:latin typeface="-apple-system"/>
+              </a:rPr>
+              <a:t>, </a:t>
+            </a:r>
+            <a:r>
+              <a:rPr lang="ko-KR" altLang="en-US" b="0" i="0" dirty="0">
+                <a:solidFill>
+                  <a:srgbClr val="111111"/>
+                </a:solidFill>
+                <a:effectLst/>
+                <a:latin typeface="-apple-system"/>
+              </a:rPr>
+              <a:t>구글에 비해 더 정확하고 다양한 한국어 음성을 인식할 수 있습니다</a:t>
+            </a:r>
+            <a:r>
+              <a:rPr lang="en-US" altLang="ko-KR" b="0" i="0" dirty="0">
+                <a:solidFill>
+                  <a:srgbClr val="111111"/>
+                </a:solidFill>
+                <a:effectLst/>
+                <a:latin typeface="-apple-system"/>
+              </a:rPr>
+              <a:t>. </a:t>
+            </a:r>
+            <a:r>
+              <a:rPr lang="ko-KR" altLang="en-US" b="0" i="0" dirty="0">
+                <a:solidFill>
+                  <a:srgbClr val="111111"/>
+                </a:solidFill>
+                <a:effectLst/>
+                <a:latin typeface="-apple-system"/>
+              </a:rPr>
+              <a:t>또한 </a:t>
+            </a:r>
+            <a:r>
+              <a:rPr lang="ko-KR" altLang="en-US" b="0" i="0" dirty="0" err="1">
+                <a:solidFill>
+                  <a:srgbClr val="111111"/>
+                </a:solidFill>
+                <a:effectLst/>
+                <a:latin typeface="-apple-system"/>
+              </a:rPr>
+              <a:t>클로바는</a:t>
+            </a:r>
+            <a:r>
+              <a:rPr lang="ko-KR" altLang="en-US" b="0" i="0" dirty="0">
+                <a:solidFill>
+                  <a:srgbClr val="111111"/>
+                </a:solidFill>
+                <a:effectLst/>
+                <a:latin typeface="-apple-system"/>
+              </a:rPr>
+              <a:t> 다양한 말하기 스타일과 감정을 지원하며</a:t>
+            </a:r>
+            <a:r>
+              <a:rPr lang="en-US" altLang="ko-KR" b="0" i="0" dirty="0">
+                <a:solidFill>
+                  <a:srgbClr val="111111"/>
+                </a:solidFill>
+                <a:effectLst/>
+                <a:latin typeface="-apple-system"/>
+              </a:rPr>
+              <a:t>, </a:t>
+            </a:r>
+            <a:r>
+              <a:rPr lang="ko-KR" altLang="en-US" b="0" i="0" dirty="0">
+                <a:solidFill>
+                  <a:srgbClr val="111111"/>
+                </a:solidFill>
+                <a:effectLst/>
+                <a:latin typeface="-apple-system"/>
+              </a:rPr>
+              <a:t>자연스럽고 현실적인 음성을 생성할 수 있습니다</a:t>
+            </a:r>
+            <a:r>
+              <a:rPr lang="en-US" altLang="ko-KR" b="0" i="0" dirty="0">
+                <a:solidFill>
+                  <a:srgbClr val="111111"/>
+                </a:solidFill>
+                <a:effectLst/>
+                <a:latin typeface="-apple-system"/>
+              </a:rPr>
+              <a:t>. </a:t>
+            </a:r>
+          </a:p>
+          <a:p>
+            <a:r>
+              <a:rPr lang="ko-KR" altLang="en-US" dirty="0"/>
+              <a:t>또한 한국어와 더불어 일본어</a:t>
+            </a:r>
+            <a:r>
+              <a:rPr lang="en-US" altLang="ko-KR" dirty="0"/>
+              <a:t>,</a:t>
+            </a:r>
+            <a:r>
+              <a:rPr lang="ko-KR" altLang="en-US" dirty="0"/>
+              <a:t> 영어</a:t>
+            </a:r>
+            <a:r>
+              <a:rPr lang="en-US" altLang="ko-KR" dirty="0"/>
+              <a:t>, </a:t>
+            </a:r>
+            <a:r>
+              <a:rPr lang="ko-KR" altLang="en-US" dirty="0"/>
+              <a:t>중국어</a:t>
+            </a:r>
+            <a:r>
+              <a:rPr lang="en-US" altLang="ko-KR" dirty="0"/>
+              <a:t> </a:t>
+            </a:r>
+            <a:r>
+              <a:rPr lang="ko-KR" altLang="en-US" dirty="0"/>
+              <a:t>등 다양한 언어를 지원합니다</a:t>
+            </a:r>
+            <a:r>
+              <a:rPr lang="en-US" altLang="ko-KR" dirty="0"/>
+              <a:t>. </a:t>
+            </a:r>
+            <a:r>
+              <a:rPr lang="ko-KR" altLang="en-US" dirty="0"/>
+              <a:t>따라서 외국어와 방언에 대한 예외처리에 대한 문제점 역시 충족시킬 수 있습니다</a:t>
+            </a:r>
+            <a:r>
+              <a:rPr lang="en-US" altLang="ko-KR" dirty="0"/>
+              <a:t>.</a:t>
+            </a:r>
+          </a:p>
+          <a:p>
+            <a:r>
+              <a:rPr lang="ko-KR" altLang="en-US" b="0" i="0" dirty="0">
+                <a:solidFill>
+                  <a:srgbClr val="111111"/>
+                </a:solidFill>
+                <a:effectLst/>
+                <a:latin typeface="-apple-system"/>
+              </a:rPr>
+              <a:t>출처 </a:t>
+            </a:r>
+            <a:r>
+              <a:rPr lang="en-US" altLang="ko-KR" b="0" i="0" dirty="0">
+                <a:solidFill>
+                  <a:srgbClr val="111111"/>
+                </a:solidFill>
+                <a:effectLst/>
+                <a:latin typeface="-apple-system"/>
+              </a:rPr>
+              <a:t>: </a:t>
+            </a:r>
+            <a:r>
+              <a:rPr lang="ko-KR" altLang="en-US" dirty="0">
+                <a:hlinkClick r:id="rId2"/>
+              </a:rPr>
+              <a:t>네이버 </a:t>
+            </a:r>
+            <a:r>
+              <a:rPr lang="ko-KR" altLang="en-US" dirty="0" err="1">
+                <a:hlinkClick r:id="rId2"/>
+              </a:rPr>
+              <a:t>클로바</a:t>
+            </a:r>
+            <a:r>
+              <a:rPr lang="ko-KR" altLang="en-US" dirty="0">
+                <a:hlinkClick r:id="rId2"/>
+              </a:rPr>
+              <a:t> 음성 인식</a:t>
+            </a:r>
+            <a:r>
+              <a:rPr lang="en-US" altLang="ko-KR" dirty="0">
+                <a:hlinkClick r:id="rId2"/>
+              </a:rPr>
+              <a:t>(</a:t>
+            </a:r>
+            <a:r>
+              <a:rPr lang="en-US" altLang="ko-KR" dirty="0" err="1">
+                <a:hlinkClick r:id="rId2"/>
+              </a:rPr>
+              <a:t>Clova</a:t>
+            </a:r>
+            <a:r>
+              <a:rPr lang="en-US" altLang="ko-KR" dirty="0">
+                <a:hlinkClick r:id="rId2"/>
+              </a:rPr>
+              <a:t> CSR) </a:t>
+            </a:r>
+            <a:r>
+              <a:rPr lang="ko-KR" altLang="en-US" dirty="0">
+                <a:hlinkClick r:id="rId2"/>
+              </a:rPr>
+              <a:t>인공지능 </a:t>
+            </a:r>
+            <a:r>
+              <a:rPr lang="en-US" altLang="ko-KR" dirty="0">
+                <a:hlinkClick r:id="rId2"/>
+              </a:rPr>
+              <a:t>API</a:t>
+            </a:r>
+            <a:r>
+              <a:rPr lang="ko-KR" altLang="en-US" dirty="0">
+                <a:hlinkClick r:id="rId2"/>
+              </a:rPr>
+              <a:t>를 이용해보자 </a:t>
+            </a:r>
+            <a:r>
+              <a:rPr lang="en-US" altLang="ko-KR" dirty="0">
+                <a:hlinkClick r:id="rId2"/>
+              </a:rPr>
+              <a:t>: </a:t>
+            </a:r>
+            <a:r>
+              <a:rPr lang="ko-KR" altLang="en-US" dirty="0">
+                <a:hlinkClick r:id="rId2"/>
+              </a:rPr>
+              <a:t>네이버 블로그 </a:t>
+            </a:r>
+            <a:r>
+              <a:rPr lang="en-US" altLang="ko-KR" dirty="0">
+                <a:hlinkClick r:id="rId2"/>
+              </a:rPr>
+              <a:t>(naver.com)</a:t>
+            </a:r>
+            <a:endParaRPr lang="ko-KR" altLang="en-US" dirty="0"/>
+          </a:p>
+        </p:txBody>
+      </p:sp>
+      <p:sp>
+        <p:nvSpPr>
+          <p:cNvPr id="4" name="슬라이드 번호 개체 틀 3">
+            <a:extLst>
+              <a:ext uri="{FF2B5EF4-FFF2-40B4-BE49-F238E27FC236}">
+                <a16:creationId xmlns:a16="http://schemas.microsoft.com/office/drawing/2014/main" id="{957E6111-CC21-0E43-3D36-B670F79B5DEA}"/>
+              </a:ext>
+            </a:extLst>
+          </p:cNvPr>
+          <p:cNvSpPr>
+            <a:spLocks noGrp="1"/>
+          </p:cNvSpPr>
+          <p:nvPr>
+            <p:ph type="sldNum" sz="quarter" idx="12"/>
+          </p:nvPr>
+        </p:nvSpPr>
+        <p:spPr/>
+        <p:txBody>
+          <a:bodyPr/>
+          <a:lstStyle/>
+          <a:p>
+            <a:fld id="{2F00E46C-ED49-42AD-BB6D-7499E1F08A71}" type="slidenum">
+              <a:rPr lang="ko-KR" altLang="en-US" smtClean="0"/>
+              <a:t>12</a:t>
+            </a:fld>
+            <a:endParaRPr lang="ko-KR" altLang="en-US"/>
+          </a:p>
+        </p:txBody>
+      </p:sp>
+    </p:spTree>
+    <p:extLst>
+      <p:ext uri="{BB962C8B-B14F-4D97-AF65-F5344CB8AC3E}">
+        <p14:creationId xmlns:p14="http://schemas.microsoft.com/office/powerpoint/2010/main" val="12581872"/>
+      </p:ext>
+    </p:extLst>
+  </p:cSld>
+  <p:clrMapOvr>
+    <a:masterClrMapping/>
+  </p:clrMapOvr>
+</p:sld>
+</file>
+
+<file path=ppt/slides/slide13.xml><?xml version="1.0" encoding="utf-8"?>
+<p:sld xmlns:a="http://schemas.openxmlformats.org/drawingml/2006/main" xmlns:r="http://schemas.openxmlformats.org/officeDocument/2006/relationships" xmlns:p="http://schemas.openxmlformats.org/presentationml/2006/main">
+  <p:cSld>
+    <p:spTree>
+      <p:nvGrpSpPr>
+        <p:cNvPr id="1" name=""/>
+        <p:cNvGrpSpPr/>
+        <p:nvPr/>
+      </p:nvGrpSpPr>
+      <p:grpSpPr>
+        <a:xfrm>
+          <a:off x="0" y="0"/>
+          <a:ext cx="0" cy="0"/>
+          <a:chOff x="0" y="0"/>
+          <a:chExt cx="0" cy="0"/>
+        </a:xfrm>
+      </p:grpSpPr>
+      <p:sp>
+        <p:nvSpPr>
+          <p:cNvPr id="2" name="제목 1">
+            <a:extLst>
+              <a:ext uri="{FF2B5EF4-FFF2-40B4-BE49-F238E27FC236}">
+                <a16:creationId xmlns:a16="http://schemas.microsoft.com/office/drawing/2014/main" id="{602480D4-3F66-118D-AA47-92602635A244}"/>
+              </a:ext>
+            </a:extLst>
+          </p:cNvPr>
+          <p:cNvSpPr>
+            <a:spLocks noGrp="1"/>
+          </p:cNvSpPr>
+          <p:nvPr>
+            <p:ph type="title"/>
+          </p:nvPr>
+        </p:nvSpPr>
+        <p:spPr/>
+        <p:txBody>
+          <a:bodyPr/>
+          <a:lstStyle/>
+          <a:p>
+            <a:r>
+              <a:rPr lang="ko-KR" altLang="en-US" dirty="0"/>
+              <a:t>시스템 구성도</a:t>
+            </a:r>
+          </a:p>
+        </p:txBody>
+      </p:sp>
+      <p:sp>
+        <p:nvSpPr>
+          <p:cNvPr id="4" name="슬라이드 번호 개체 틀 3">
+            <a:extLst>
+              <a:ext uri="{FF2B5EF4-FFF2-40B4-BE49-F238E27FC236}">
+                <a16:creationId xmlns:a16="http://schemas.microsoft.com/office/drawing/2014/main" id="{92FCB9DE-6C83-2B8B-231B-D97911F60794}"/>
+              </a:ext>
+            </a:extLst>
+          </p:cNvPr>
+          <p:cNvSpPr>
+            <a:spLocks noGrp="1"/>
+          </p:cNvSpPr>
+          <p:nvPr>
+            <p:ph type="sldNum" sz="quarter" idx="12"/>
+          </p:nvPr>
+        </p:nvSpPr>
+        <p:spPr/>
+        <p:txBody>
+          <a:bodyPr/>
+          <a:lstStyle/>
+          <a:p>
+            <a:fld id="{2F00E46C-ED49-42AD-BB6D-7499E1F08A71}" type="slidenum">
+              <a:rPr lang="ko-KR" altLang="en-US" smtClean="0"/>
+              <a:t>13</a:t>
+            </a:fld>
+            <a:endParaRPr lang="ko-KR" altLang="en-US"/>
+          </a:p>
+        </p:txBody>
+      </p:sp>
+      <p:sp>
+        <p:nvSpPr>
+          <p:cNvPr id="5" name="사각형: 둥근 모서리 4">
+            <a:extLst>
+              <a:ext uri="{FF2B5EF4-FFF2-40B4-BE49-F238E27FC236}">
+                <a16:creationId xmlns:a16="http://schemas.microsoft.com/office/drawing/2014/main" id="{6E23D145-7890-DFC3-6407-7F3F763EFBB6}"/>
+              </a:ext>
+            </a:extLst>
+          </p:cNvPr>
+          <p:cNvSpPr/>
+          <p:nvPr/>
+        </p:nvSpPr>
+        <p:spPr>
+          <a:xfrm>
+            <a:off x="308470" y="2561547"/>
+            <a:ext cx="1470212" cy="735931"/>
+          </a:xfrm>
+          <a:prstGeom prst="roundRect">
+            <a:avLst/>
+          </a:prstGeom>
+        </p:spPr>
+        <p:style>
+          <a:lnRef idx="2">
+            <a:schemeClr val="accent1">
+              <a:shade val="50000"/>
+            </a:schemeClr>
+          </a:lnRef>
+          <a:fillRef idx="1">
+            <a:schemeClr val="accent1"/>
+          </a:fillRef>
+          <a:effectRef idx="0">
+            <a:schemeClr val="accent1"/>
+          </a:effectRef>
+          <a:fontRef idx="minor">
+            <a:schemeClr val="lt1"/>
+          </a:fontRef>
+        </p:style>
+        <p:txBody>
+          <a:bodyPr rtlCol="0" anchor="ctr"/>
+          <a:lstStyle/>
+          <a:p>
+            <a:pPr algn="ctr"/>
+            <a:r>
+              <a:rPr lang="ko-KR" altLang="en-US" dirty="0"/>
+              <a:t>홈</a:t>
+            </a:r>
+          </a:p>
+        </p:txBody>
+      </p:sp>
+      <p:sp>
+        <p:nvSpPr>
+          <p:cNvPr id="7" name="화살표: 아래쪽 6">
+            <a:extLst>
+              <a:ext uri="{FF2B5EF4-FFF2-40B4-BE49-F238E27FC236}">
+                <a16:creationId xmlns:a16="http://schemas.microsoft.com/office/drawing/2014/main" id="{EE8E4910-09C0-7A59-6936-76AECDDEEEC6}"/>
+              </a:ext>
+            </a:extLst>
+          </p:cNvPr>
+          <p:cNvSpPr/>
+          <p:nvPr/>
+        </p:nvSpPr>
+        <p:spPr>
+          <a:xfrm>
+            <a:off x="809886" y="2096845"/>
+            <a:ext cx="484632" cy="397187"/>
+          </a:xfrm>
+          <a:prstGeom prst="downArrow">
+            <a:avLst/>
+          </a:prstGeom>
+          <a:noFill/>
+          <a:ln>
+            <a:solidFill>
+              <a:srgbClr val="FF0000"/>
+            </a:solidFill>
+          </a:ln>
+        </p:spPr>
+        <p:style>
+          <a:lnRef idx="2">
+            <a:schemeClr val="accent1">
+              <a:shade val="50000"/>
+            </a:schemeClr>
+          </a:lnRef>
+          <a:fillRef idx="1">
+            <a:schemeClr val="accent1"/>
+          </a:fillRef>
+          <a:effectRef idx="0">
+            <a:schemeClr val="accent1"/>
+          </a:effectRef>
+          <a:fontRef idx="minor">
+            <a:schemeClr val="lt1"/>
+          </a:fontRef>
+        </p:style>
+        <p:txBody>
+          <a:bodyPr rtlCol="0" anchor="ctr"/>
+          <a:lstStyle/>
+          <a:p>
+            <a:pPr algn="ctr"/>
+            <a:endParaRPr lang="ko-KR" altLang="en-US"/>
+          </a:p>
+        </p:txBody>
+      </p:sp>
+      <p:sp>
+        <p:nvSpPr>
+          <p:cNvPr id="8" name="TextBox 7">
+            <a:extLst>
+              <a:ext uri="{FF2B5EF4-FFF2-40B4-BE49-F238E27FC236}">
+                <a16:creationId xmlns:a16="http://schemas.microsoft.com/office/drawing/2014/main" id="{B9B04F25-D193-675F-EE97-2D1A1AA0C61C}"/>
+              </a:ext>
+            </a:extLst>
+          </p:cNvPr>
+          <p:cNvSpPr txBox="1"/>
+          <p:nvPr/>
+        </p:nvSpPr>
+        <p:spPr>
+          <a:xfrm>
+            <a:off x="125506" y="1727513"/>
+            <a:ext cx="1853392" cy="369332"/>
+          </a:xfrm>
+          <a:prstGeom prst="rect">
+            <a:avLst/>
+          </a:prstGeom>
+          <a:noFill/>
+        </p:spPr>
+        <p:txBody>
+          <a:bodyPr wrap="none" rtlCol="0">
+            <a:spAutoFit/>
+          </a:bodyPr>
+          <a:lstStyle/>
+          <a:p>
+            <a:pPr algn="ctr"/>
+            <a:r>
+              <a:rPr lang="ko-KR" altLang="en-US" b="1" dirty="0">
+                <a:solidFill>
+                  <a:srgbClr val="FF0000"/>
+                </a:solidFill>
+              </a:rPr>
+              <a:t>음성비서로 실행</a:t>
+            </a:r>
+          </a:p>
+        </p:txBody>
+      </p:sp>
+      <p:sp>
+        <p:nvSpPr>
+          <p:cNvPr id="9" name="사각형: 둥근 모서리 8">
+            <a:extLst>
+              <a:ext uri="{FF2B5EF4-FFF2-40B4-BE49-F238E27FC236}">
+                <a16:creationId xmlns:a16="http://schemas.microsoft.com/office/drawing/2014/main" id="{CA5A2885-10A9-50F3-BBA6-493EDC274FEB}"/>
+              </a:ext>
+            </a:extLst>
+          </p:cNvPr>
+          <p:cNvSpPr/>
+          <p:nvPr/>
+        </p:nvSpPr>
+        <p:spPr>
+          <a:xfrm>
+            <a:off x="2433105" y="1559507"/>
+            <a:ext cx="1470212" cy="735931"/>
+          </a:xfrm>
+          <a:prstGeom prst="roundRect">
+            <a:avLst/>
+          </a:prstGeom>
+        </p:spPr>
+        <p:style>
+          <a:lnRef idx="2">
+            <a:schemeClr val="accent1">
+              <a:shade val="50000"/>
+            </a:schemeClr>
+          </a:lnRef>
+          <a:fillRef idx="1">
+            <a:schemeClr val="accent1"/>
+          </a:fillRef>
+          <a:effectRef idx="0">
+            <a:schemeClr val="accent1"/>
+          </a:effectRef>
+          <a:fontRef idx="minor">
+            <a:schemeClr val="lt1"/>
+          </a:fontRef>
+        </p:style>
+        <p:txBody>
+          <a:bodyPr rtlCol="0" anchor="ctr"/>
+          <a:lstStyle/>
+          <a:p>
+            <a:pPr algn="ctr"/>
+            <a:r>
+              <a:rPr lang="ko-KR" altLang="en-US" dirty="0"/>
+              <a:t>새 메모</a:t>
+            </a:r>
+          </a:p>
+        </p:txBody>
+      </p:sp>
+      <p:sp>
+        <p:nvSpPr>
+          <p:cNvPr id="10" name="순서도: 자기 디스크 9">
+            <a:extLst>
+              <a:ext uri="{FF2B5EF4-FFF2-40B4-BE49-F238E27FC236}">
+                <a16:creationId xmlns:a16="http://schemas.microsoft.com/office/drawing/2014/main" id="{E0622518-7465-525B-1191-D664C28F40C4}"/>
+              </a:ext>
+            </a:extLst>
+          </p:cNvPr>
+          <p:cNvSpPr/>
+          <p:nvPr/>
+        </p:nvSpPr>
+        <p:spPr>
+          <a:xfrm>
+            <a:off x="8104094" y="1621148"/>
+            <a:ext cx="914400" cy="612648"/>
+          </a:xfrm>
+          <a:prstGeom prst="flowChartMagneticDisk">
+            <a:avLst/>
+          </a:prstGeom>
+        </p:spPr>
+        <p:style>
+          <a:lnRef idx="2">
+            <a:schemeClr val="accent1">
+              <a:shade val="50000"/>
+            </a:schemeClr>
+          </a:lnRef>
+          <a:fillRef idx="1">
+            <a:schemeClr val="accent1"/>
+          </a:fillRef>
+          <a:effectRef idx="0">
+            <a:schemeClr val="accent1"/>
+          </a:effectRef>
+          <a:fontRef idx="minor">
+            <a:schemeClr val="lt1"/>
+          </a:fontRef>
+        </p:style>
+        <p:txBody>
+          <a:bodyPr rtlCol="0" anchor="ctr"/>
+          <a:lstStyle/>
+          <a:p>
+            <a:pPr algn="ctr"/>
+            <a:r>
+              <a:rPr lang="ko-KR" altLang="en-US" dirty="0"/>
+              <a:t>로컬</a:t>
+            </a:r>
+            <a:r>
+              <a:rPr lang="en-US" altLang="ko-KR" dirty="0"/>
+              <a:t>DB</a:t>
+            </a:r>
+            <a:endParaRPr lang="ko-KR" altLang="en-US" dirty="0"/>
+          </a:p>
+        </p:txBody>
+      </p:sp>
+      <p:cxnSp>
+        <p:nvCxnSpPr>
+          <p:cNvPr id="12" name="연결선: 꺾임 11">
+            <a:extLst>
+              <a:ext uri="{FF2B5EF4-FFF2-40B4-BE49-F238E27FC236}">
+                <a16:creationId xmlns:a16="http://schemas.microsoft.com/office/drawing/2014/main" id="{524128D5-760A-3F00-E81C-93961132FE32}"/>
+              </a:ext>
+            </a:extLst>
+          </p:cNvPr>
+          <p:cNvCxnSpPr>
+            <a:stCxn id="5" idx="3"/>
+            <a:endCxn id="9" idx="1"/>
+          </p:cNvCxnSpPr>
+          <p:nvPr/>
+        </p:nvCxnSpPr>
+        <p:spPr>
+          <a:xfrm flipV="1">
+            <a:off x="1778682" y="1927473"/>
+            <a:ext cx="654423" cy="1002040"/>
+          </a:xfrm>
+          <a:prstGeom prst="bentConnector3">
+            <a:avLst/>
+          </a:prstGeom>
+          <a:ln w="31750">
+            <a:solidFill>
+              <a:srgbClr val="FF0000"/>
+            </a:solidFill>
+            <a:tailEnd type="triangle"/>
+          </a:ln>
+        </p:spPr>
+        <p:style>
+          <a:lnRef idx="1">
+            <a:schemeClr val="accent1"/>
+          </a:lnRef>
+          <a:fillRef idx="0">
+            <a:schemeClr val="accent1"/>
+          </a:fillRef>
+          <a:effectRef idx="0">
+            <a:schemeClr val="accent1"/>
+          </a:effectRef>
+          <a:fontRef idx="minor">
+            <a:schemeClr val="tx1"/>
+          </a:fontRef>
+        </p:style>
+      </p:cxnSp>
+      <p:cxnSp>
+        <p:nvCxnSpPr>
+          <p:cNvPr id="14" name="직선 화살표 연결선 13">
+            <a:extLst>
+              <a:ext uri="{FF2B5EF4-FFF2-40B4-BE49-F238E27FC236}">
+                <a16:creationId xmlns:a16="http://schemas.microsoft.com/office/drawing/2014/main" id="{807D57D0-E2B4-A728-EC1A-7BA11918652F}"/>
+              </a:ext>
+            </a:extLst>
+          </p:cNvPr>
+          <p:cNvCxnSpPr>
+            <a:stCxn id="9" idx="3"/>
+            <a:endCxn id="10" idx="2"/>
+          </p:cNvCxnSpPr>
+          <p:nvPr/>
+        </p:nvCxnSpPr>
+        <p:spPr>
+          <a:xfrm flipV="1">
+            <a:off x="3903317" y="1927472"/>
+            <a:ext cx="4200777" cy="1"/>
+          </a:xfrm>
+          <a:prstGeom prst="straightConnector1">
+            <a:avLst/>
+          </a:prstGeom>
+          <a:ln w="31750">
+            <a:solidFill>
+              <a:srgbClr val="FF0000"/>
+            </a:solidFill>
+            <a:tailEnd type="triangle"/>
+          </a:ln>
+        </p:spPr>
+        <p:style>
+          <a:lnRef idx="1">
+            <a:schemeClr val="accent1"/>
+          </a:lnRef>
+          <a:fillRef idx="0">
+            <a:schemeClr val="accent1"/>
+          </a:fillRef>
+          <a:effectRef idx="0">
+            <a:schemeClr val="accent1"/>
+          </a:effectRef>
+          <a:fontRef idx="minor">
+            <a:schemeClr val="tx1"/>
+          </a:fontRef>
+        </p:style>
+      </p:cxnSp>
+      <p:sp>
+        <p:nvSpPr>
+          <p:cNvPr id="15" name="TextBox 14">
+            <a:extLst>
+              <a:ext uri="{FF2B5EF4-FFF2-40B4-BE49-F238E27FC236}">
+                <a16:creationId xmlns:a16="http://schemas.microsoft.com/office/drawing/2014/main" id="{5AFA7B51-A7CB-42F7-D94B-A3F7A66C35AB}"/>
+              </a:ext>
+            </a:extLst>
+          </p:cNvPr>
+          <p:cNvSpPr txBox="1"/>
+          <p:nvPr/>
+        </p:nvSpPr>
+        <p:spPr>
+          <a:xfrm>
+            <a:off x="4398248" y="1492012"/>
+            <a:ext cx="1959191" cy="369332"/>
+          </a:xfrm>
+          <a:prstGeom prst="rect">
+            <a:avLst/>
+          </a:prstGeom>
+          <a:noFill/>
+        </p:spPr>
+        <p:txBody>
+          <a:bodyPr wrap="none" rtlCol="0">
+            <a:spAutoFit/>
+          </a:bodyPr>
+          <a:lstStyle/>
+          <a:p>
+            <a:pPr algn="ctr"/>
+            <a:r>
+              <a:rPr lang="ko-KR" altLang="en-US" b="1" dirty="0">
+                <a:solidFill>
+                  <a:srgbClr val="FF0000"/>
+                </a:solidFill>
+              </a:rPr>
+              <a:t>녹음 후 메모 저장</a:t>
+            </a:r>
+          </a:p>
+        </p:txBody>
+      </p:sp>
+      <p:sp>
+        <p:nvSpPr>
+          <p:cNvPr id="18" name="사각형: 둥근 모서리 17">
+            <a:extLst>
+              <a:ext uri="{FF2B5EF4-FFF2-40B4-BE49-F238E27FC236}">
+                <a16:creationId xmlns:a16="http://schemas.microsoft.com/office/drawing/2014/main" id="{A0D3E4AB-CC8C-4337-0AA7-2D786BB71B9A}"/>
+              </a:ext>
+            </a:extLst>
+          </p:cNvPr>
+          <p:cNvSpPr/>
+          <p:nvPr/>
+        </p:nvSpPr>
+        <p:spPr>
+          <a:xfrm>
+            <a:off x="2433105" y="2561547"/>
+            <a:ext cx="1470212" cy="735931"/>
+          </a:xfrm>
+          <a:prstGeom prst="roundRect">
+            <a:avLst/>
+          </a:prstGeom>
+        </p:spPr>
+        <p:style>
+          <a:lnRef idx="2">
+            <a:schemeClr val="accent1">
+              <a:shade val="50000"/>
+            </a:schemeClr>
+          </a:lnRef>
+          <a:fillRef idx="1">
+            <a:schemeClr val="accent1"/>
+          </a:fillRef>
+          <a:effectRef idx="0">
+            <a:schemeClr val="accent1"/>
+          </a:effectRef>
+          <a:fontRef idx="minor">
+            <a:schemeClr val="lt1"/>
+          </a:fontRef>
+        </p:style>
+        <p:txBody>
+          <a:bodyPr rtlCol="0" anchor="ctr"/>
+          <a:lstStyle/>
+          <a:p>
+            <a:pPr algn="ctr"/>
+            <a:r>
+              <a:rPr lang="ko-KR" altLang="en-US" dirty="0"/>
+              <a:t>나의 메모</a:t>
+            </a:r>
+          </a:p>
+        </p:txBody>
+      </p:sp>
+      <p:sp>
+        <p:nvSpPr>
+          <p:cNvPr id="19" name="사각형: 둥근 모서리 18">
+            <a:extLst>
+              <a:ext uri="{FF2B5EF4-FFF2-40B4-BE49-F238E27FC236}">
+                <a16:creationId xmlns:a16="http://schemas.microsoft.com/office/drawing/2014/main" id="{D45F4603-16CA-BB04-73B4-2A628841815A}"/>
+              </a:ext>
+            </a:extLst>
+          </p:cNvPr>
+          <p:cNvSpPr/>
+          <p:nvPr/>
+        </p:nvSpPr>
+        <p:spPr>
+          <a:xfrm>
+            <a:off x="4266185" y="2561547"/>
+            <a:ext cx="1470212" cy="735931"/>
+          </a:xfrm>
+          <a:prstGeom prst="roundRect">
+            <a:avLst/>
+          </a:prstGeom>
+        </p:spPr>
+        <p:style>
+          <a:lnRef idx="2">
+            <a:schemeClr val="accent1">
+              <a:shade val="50000"/>
+            </a:schemeClr>
+          </a:lnRef>
+          <a:fillRef idx="1">
+            <a:schemeClr val="accent1"/>
+          </a:fillRef>
+          <a:effectRef idx="0">
+            <a:schemeClr val="accent1"/>
+          </a:effectRef>
+          <a:fontRef idx="minor">
+            <a:schemeClr val="lt1"/>
+          </a:fontRef>
+        </p:style>
+        <p:txBody>
+          <a:bodyPr rtlCol="0" anchor="ctr"/>
+          <a:lstStyle/>
+          <a:p>
+            <a:pPr algn="ctr"/>
+            <a:r>
+              <a:rPr lang="ko-KR" altLang="en-US" dirty="0"/>
+              <a:t>폴더 선택</a:t>
+            </a:r>
+          </a:p>
+        </p:txBody>
+      </p:sp>
+      <p:cxnSp>
+        <p:nvCxnSpPr>
+          <p:cNvPr id="21" name="연결선: 꺾임 20">
+            <a:extLst>
+              <a:ext uri="{FF2B5EF4-FFF2-40B4-BE49-F238E27FC236}">
+                <a16:creationId xmlns:a16="http://schemas.microsoft.com/office/drawing/2014/main" id="{4EFF7E93-927A-10E9-525C-B5E0998C7308}"/>
+              </a:ext>
+            </a:extLst>
+          </p:cNvPr>
+          <p:cNvCxnSpPr>
+            <a:stCxn id="5" idx="3"/>
+            <a:endCxn id="18" idx="1"/>
+          </p:cNvCxnSpPr>
+          <p:nvPr/>
+        </p:nvCxnSpPr>
+        <p:spPr>
+          <a:xfrm>
+            <a:off x="1778682" y="2929513"/>
+            <a:ext cx="654423" cy="12700"/>
+          </a:xfrm>
+          <a:prstGeom prst="bentConnector3">
+            <a:avLst/>
+          </a:prstGeom>
+          <a:ln w="31750">
+            <a:solidFill>
+              <a:srgbClr val="FF0000"/>
+            </a:solidFill>
+            <a:tailEnd type="triangle"/>
+          </a:ln>
+        </p:spPr>
+        <p:style>
+          <a:lnRef idx="1">
+            <a:schemeClr val="accent1"/>
+          </a:lnRef>
+          <a:fillRef idx="0">
+            <a:schemeClr val="accent1"/>
+          </a:fillRef>
+          <a:effectRef idx="0">
+            <a:schemeClr val="accent1"/>
+          </a:effectRef>
+          <a:fontRef idx="minor">
+            <a:schemeClr val="tx1"/>
+          </a:fontRef>
+        </p:style>
+      </p:cxnSp>
+      <p:cxnSp>
+        <p:nvCxnSpPr>
+          <p:cNvPr id="23" name="직선 화살표 연결선 22">
+            <a:extLst>
+              <a:ext uri="{FF2B5EF4-FFF2-40B4-BE49-F238E27FC236}">
+                <a16:creationId xmlns:a16="http://schemas.microsoft.com/office/drawing/2014/main" id="{1A06D988-D8B8-B09D-AADF-66C2ACB6F252}"/>
+              </a:ext>
+            </a:extLst>
+          </p:cNvPr>
+          <p:cNvCxnSpPr>
+            <a:stCxn id="18" idx="3"/>
+            <a:endCxn id="19" idx="1"/>
+          </p:cNvCxnSpPr>
+          <p:nvPr/>
+        </p:nvCxnSpPr>
+        <p:spPr>
+          <a:xfrm>
+            <a:off x="3903317" y="2929513"/>
+            <a:ext cx="362868" cy="0"/>
+          </a:xfrm>
+          <a:prstGeom prst="straightConnector1">
+            <a:avLst/>
+          </a:prstGeom>
+          <a:ln w="31750">
+            <a:solidFill>
+              <a:srgbClr val="FF0000"/>
+            </a:solidFill>
+            <a:tailEnd type="triangle"/>
+          </a:ln>
+        </p:spPr>
+        <p:style>
+          <a:lnRef idx="1">
+            <a:schemeClr val="accent1"/>
+          </a:lnRef>
+          <a:fillRef idx="0">
+            <a:schemeClr val="accent1"/>
+          </a:fillRef>
+          <a:effectRef idx="0">
+            <a:schemeClr val="accent1"/>
+          </a:effectRef>
+          <a:fontRef idx="minor">
+            <a:schemeClr val="tx1"/>
+          </a:fontRef>
+        </p:style>
+      </p:cxnSp>
+      <p:sp>
+        <p:nvSpPr>
+          <p:cNvPr id="37" name="사각형: 둥근 모서리 36">
+            <a:extLst>
+              <a:ext uri="{FF2B5EF4-FFF2-40B4-BE49-F238E27FC236}">
+                <a16:creationId xmlns:a16="http://schemas.microsoft.com/office/drawing/2014/main" id="{18CF8C22-D93C-E541-DA32-3BFE4D7F110C}"/>
+              </a:ext>
+            </a:extLst>
+          </p:cNvPr>
+          <p:cNvSpPr/>
+          <p:nvPr/>
+        </p:nvSpPr>
+        <p:spPr>
+          <a:xfrm>
+            <a:off x="6099265" y="2561547"/>
+            <a:ext cx="1470212" cy="735931"/>
+          </a:xfrm>
+          <a:prstGeom prst="roundRect">
+            <a:avLst/>
+          </a:prstGeom>
+        </p:spPr>
+        <p:style>
+          <a:lnRef idx="2">
+            <a:schemeClr val="accent1">
+              <a:shade val="50000"/>
+            </a:schemeClr>
+          </a:lnRef>
+          <a:fillRef idx="1">
+            <a:schemeClr val="accent1"/>
+          </a:fillRef>
+          <a:effectRef idx="0">
+            <a:schemeClr val="accent1"/>
+          </a:effectRef>
+          <a:fontRef idx="minor">
+            <a:schemeClr val="lt1"/>
+          </a:fontRef>
+        </p:style>
+        <p:txBody>
+          <a:bodyPr rtlCol="0" anchor="ctr"/>
+          <a:lstStyle/>
+          <a:p>
+            <a:pPr algn="ctr"/>
+            <a:r>
+              <a:rPr lang="ko-KR" altLang="en-US" dirty="0"/>
+              <a:t>메모 선택</a:t>
+            </a:r>
+          </a:p>
+        </p:txBody>
+      </p:sp>
+      <p:cxnSp>
+        <p:nvCxnSpPr>
+          <p:cNvPr id="39" name="직선 화살표 연결선 38">
+            <a:extLst>
+              <a:ext uri="{FF2B5EF4-FFF2-40B4-BE49-F238E27FC236}">
+                <a16:creationId xmlns:a16="http://schemas.microsoft.com/office/drawing/2014/main" id="{17F4E4D3-0E61-B3FC-4272-18AFD157C1E9}"/>
+              </a:ext>
+            </a:extLst>
+          </p:cNvPr>
+          <p:cNvCxnSpPr>
+            <a:stCxn id="19" idx="3"/>
+            <a:endCxn id="37" idx="1"/>
+          </p:cNvCxnSpPr>
+          <p:nvPr/>
+        </p:nvCxnSpPr>
+        <p:spPr>
+          <a:xfrm>
+            <a:off x="5736397" y="2929513"/>
+            <a:ext cx="362868" cy="0"/>
+          </a:xfrm>
+          <a:prstGeom prst="straightConnector1">
+            <a:avLst/>
+          </a:prstGeom>
+          <a:ln w="31750">
+            <a:solidFill>
+              <a:srgbClr val="FF0000"/>
+            </a:solidFill>
+            <a:tailEnd type="triangle"/>
+          </a:ln>
+        </p:spPr>
+        <p:style>
+          <a:lnRef idx="1">
+            <a:schemeClr val="accent1"/>
+          </a:lnRef>
+          <a:fillRef idx="0">
+            <a:schemeClr val="accent1"/>
+          </a:fillRef>
+          <a:effectRef idx="0">
+            <a:schemeClr val="accent1"/>
+          </a:effectRef>
+          <a:fontRef idx="minor">
+            <a:schemeClr val="tx1"/>
+          </a:fontRef>
+        </p:style>
+      </p:cxnSp>
+      <p:cxnSp>
+        <p:nvCxnSpPr>
+          <p:cNvPr id="56" name="연결선: 꺾임 55">
+            <a:extLst>
+              <a:ext uri="{FF2B5EF4-FFF2-40B4-BE49-F238E27FC236}">
+                <a16:creationId xmlns:a16="http://schemas.microsoft.com/office/drawing/2014/main" id="{32510C73-8401-5518-B6AF-D0FA433B7826}"/>
+              </a:ext>
+            </a:extLst>
+          </p:cNvPr>
+          <p:cNvCxnSpPr>
+            <a:stCxn id="37" idx="3"/>
+            <a:endCxn id="10" idx="3"/>
+          </p:cNvCxnSpPr>
+          <p:nvPr/>
+        </p:nvCxnSpPr>
+        <p:spPr>
+          <a:xfrm flipV="1">
+            <a:off x="7569477" y="2233796"/>
+            <a:ext cx="991817" cy="695717"/>
+          </a:xfrm>
+          <a:prstGeom prst="bentConnector2">
+            <a:avLst/>
+          </a:prstGeom>
+          <a:ln w="31750">
+            <a:solidFill>
+              <a:srgbClr val="FF0000"/>
+            </a:solidFill>
+            <a:headEnd type="triangle"/>
+            <a:tailEnd type="triangle"/>
+          </a:ln>
+        </p:spPr>
+        <p:style>
+          <a:lnRef idx="1">
+            <a:schemeClr val="accent1"/>
+          </a:lnRef>
+          <a:fillRef idx="0">
+            <a:schemeClr val="accent1"/>
+          </a:fillRef>
+          <a:effectRef idx="0">
+            <a:schemeClr val="accent1"/>
+          </a:effectRef>
+          <a:fontRef idx="minor">
+            <a:schemeClr val="tx1"/>
+          </a:fontRef>
+        </p:style>
+      </p:cxnSp>
+      <p:sp>
+        <p:nvSpPr>
+          <p:cNvPr id="63" name="사각형: 둥근 모서리 62">
+            <a:extLst>
+              <a:ext uri="{FF2B5EF4-FFF2-40B4-BE49-F238E27FC236}">
+                <a16:creationId xmlns:a16="http://schemas.microsoft.com/office/drawing/2014/main" id="{5997CE02-B43D-BFFB-9C63-0AD4E3D8C174}"/>
+              </a:ext>
+            </a:extLst>
+          </p:cNvPr>
+          <p:cNvSpPr/>
+          <p:nvPr/>
+        </p:nvSpPr>
+        <p:spPr>
+          <a:xfrm>
+            <a:off x="4207426" y="4351522"/>
+            <a:ext cx="1470212" cy="735931"/>
+          </a:xfrm>
+          <a:prstGeom prst="roundRect">
+            <a:avLst>
+              <a:gd name="adj" fmla="val 50000"/>
+            </a:avLst>
+          </a:prstGeom>
+          <a:noFill/>
+          <a:ln w="25400"/>
+        </p:spPr>
+        <p:style>
+          <a:lnRef idx="2">
+            <a:schemeClr val="accent1">
+              <a:shade val="50000"/>
+            </a:schemeClr>
+          </a:lnRef>
+          <a:fillRef idx="1">
+            <a:schemeClr val="accent1"/>
+          </a:fillRef>
+          <a:effectRef idx="0">
+            <a:schemeClr val="accent1"/>
+          </a:effectRef>
+          <a:fontRef idx="minor">
+            <a:schemeClr val="lt1"/>
+          </a:fontRef>
+        </p:style>
+        <p:txBody>
+          <a:bodyPr rtlCol="0" anchor="ctr"/>
+          <a:lstStyle/>
+          <a:p>
+            <a:pPr algn="ctr"/>
+            <a:r>
+              <a:rPr lang="ko-KR" altLang="en-US" dirty="0">
+                <a:solidFill>
+                  <a:schemeClr val="tx1"/>
+                </a:solidFill>
+              </a:rPr>
+              <a:t>전화 실행</a:t>
+            </a:r>
+          </a:p>
+        </p:txBody>
+      </p:sp>
+      <p:sp>
+        <p:nvSpPr>
+          <p:cNvPr id="64" name="사각형: 둥근 모서리 63">
+            <a:extLst>
+              <a:ext uri="{FF2B5EF4-FFF2-40B4-BE49-F238E27FC236}">
+                <a16:creationId xmlns:a16="http://schemas.microsoft.com/office/drawing/2014/main" id="{FA022C5E-BD3E-763C-6068-7ED45D3D726D}"/>
+              </a:ext>
+            </a:extLst>
+          </p:cNvPr>
+          <p:cNvSpPr/>
+          <p:nvPr/>
+        </p:nvSpPr>
+        <p:spPr>
+          <a:xfrm>
+            <a:off x="5877854" y="4351522"/>
+            <a:ext cx="1470212" cy="735931"/>
+          </a:xfrm>
+          <a:prstGeom prst="roundRect">
+            <a:avLst>
+              <a:gd name="adj" fmla="val 50000"/>
+            </a:avLst>
+          </a:prstGeom>
+          <a:noFill/>
+          <a:ln w="25400"/>
+        </p:spPr>
+        <p:style>
+          <a:lnRef idx="2">
+            <a:schemeClr val="accent1">
+              <a:shade val="50000"/>
+            </a:schemeClr>
+          </a:lnRef>
+          <a:fillRef idx="1">
+            <a:schemeClr val="accent1"/>
+          </a:fillRef>
+          <a:effectRef idx="0">
+            <a:schemeClr val="accent1"/>
+          </a:effectRef>
+          <a:fontRef idx="minor">
+            <a:schemeClr val="lt1"/>
+          </a:fontRef>
+        </p:style>
+        <p:txBody>
+          <a:bodyPr rtlCol="0" anchor="ctr"/>
+          <a:lstStyle/>
+          <a:p>
+            <a:pPr algn="ctr"/>
+            <a:r>
+              <a:rPr lang="ko-KR" altLang="en-US" dirty="0">
+                <a:solidFill>
+                  <a:schemeClr val="tx1"/>
+                </a:solidFill>
+              </a:rPr>
+              <a:t>이메일 실행</a:t>
+            </a:r>
+          </a:p>
+        </p:txBody>
+      </p:sp>
+      <p:sp>
+        <p:nvSpPr>
+          <p:cNvPr id="65" name="사각형: 둥근 모서리 64">
+            <a:extLst>
+              <a:ext uri="{FF2B5EF4-FFF2-40B4-BE49-F238E27FC236}">
+                <a16:creationId xmlns:a16="http://schemas.microsoft.com/office/drawing/2014/main" id="{DCACC5CE-399E-B1E5-6DEA-2ACAC53EBE83}"/>
+              </a:ext>
+            </a:extLst>
+          </p:cNvPr>
+          <p:cNvSpPr/>
+          <p:nvPr/>
+        </p:nvSpPr>
+        <p:spPr>
+          <a:xfrm>
+            <a:off x="7548282" y="4351522"/>
+            <a:ext cx="1470212" cy="735931"/>
+          </a:xfrm>
+          <a:prstGeom prst="roundRect">
+            <a:avLst>
+              <a:gd name="adj" fmla="val 50000"/>
+            </a:avLst>
+          </a:prstGeom>
+          <a:noFill/>
+          <a:ln w="25400"/>
+        </p:spPr>
+        <p:style>
+          <a:lnRef idx="2">
+            <a:schemeClr val="accent1">
+              <a:shade val="50000"/>
+            </a:schemeClr>
+          </a:lnRef>
+          <a:fillRef idx="1">
+            <a:schemeClr val="accent1"/>
+          </a:fillRef>
+          <a:effectRef idx="0">
+            <a:schemeClr val="accent1"/>
+          </a:effectRef>
+          <a:fontRef idx="minor">
+            <a:schemeClr val="lt1"/>
+          </a:fontRef>
+        </p:style>
+        <p:txBody>
+          <a:bodyPr rtlCol="0" anchor="ctr"/>
+          <a:lstStyle/>
+          <a:p>
+            <a:pPr algn="ctr"/>
+            <a:r>
+              <a:rPr lang="ko-KR" altLang="en-US">
+                <a:solidFill>
+                  <a:schemeClr val="tx1"/>
+                </a:solidFill>
+              </a:rPr>
+              <a:t>지도 실행</a:t>
+            </a:r>
+            <a:endParaRPr lang="ko-KR" altLang="en-US" dirty="0">
+              <a:solidFill>
+                <a:schemeClr val="tx1"/>
+              </a:solidFill>
+            </a:endParaRPr>
+          </a:p>
+        </p:txBody>
+      </p:sp>
+      <p:sp>
+        <p:nvSpPr>
+          <p:cNvPr id="69" name="사각형: 둥근 모서리 68">
+            <a:extLst>
+              <a:ext uri="{FF2B5EF4-FFF2-40B4-BE49-F238E27FC236}">
+                <a16:creationId xmlns:a16="http://schemas.microsoft.com/office/drawing/2014/main" id="{74F68417-7610-406A-B886-8A586BDBAECA}"/>
+              </a:ext>
+            </a:extLst>
+          </p:cNvPr>
+          <p:cNvSpPr/>
+          <p:nvPr/>
+        </p:nvSpPr>
+        <p:spPr>
+          <a:xfrm>
+            <a:off x="2433105" y="3665444"/>
+            <a:ext cx="1470212" cy="735931"/>
+          </a:xfrm>
+          <a:prstGeom prst="roundRect">
+            <a:avLst/>
+          </a:prstGeom>
+        </p:spPr>
+        <p:style>
+          <a:lnRef idx="2">
+            <a:schemeClr val="accent1">
+              <a:shade val="50000"/>
+            </a:schemeClr>
+          </a:lnRef>
+          <a:fillRef idx="1">
+            <a:schemeClr val="accent1"/>
+          </a:fillRef>
+          <a:effectRef idx="0">
+            <a:schemeClr val="accent1"/>
+          </a:effectRef>
+          <a:fontRef idx="minor">
+            <a:schemeClr val="lt1"/>
+          </a:fontRef>
+        </p:style>
+        <p:txBody>
+          <a:bodyPr rtlCol="0" anchor="ctr"/>
+          <a:lstStyle/>
+          <a:p>
+            <a:pPr algn="ctr"/>
+            <a:r>
+              <a:rPr lang="ko-KR" altLang="en-US" dirty="0"/>
+              <a:t>나의 일정</a:t>
+            </a:r>
+          </a:p>
+        </p:txBody>
+      </p:sp>
+      <p:cxnSp>
+        <p:nvCxnSpPr>
+          <p:cNvPr id="71" name="연결선: 꺾임 70">
+            <a:extLst>
+              <a:ext uri="{FF2B5EF4-FFF2-40B4-BE49-F238E27FC236}">
+                <a16:creationId xmlns:a16="http://schemas.microsoft.com/office/drawing/2014/main" id="{CFB8B42B-CF77-0409-9B28-84D0220A8457}"/>
+              </a:ext>
+            </a:extLst>
+          </p:cNvPr>
+          <p:cNvCxnSpPr>
+            <a:cxnSpLocks/>
+            <a:stCxn id="37" idx="2"/>
+            <a:endCxn id="63" idx="0"/>
+          </p:cNvCxnSpPr>
+          <p:nvPr/>
+        </p:nvCxnSpPr>
+        <p:spPr>
+          <a:xfrm rot="5400000">
+            <a:off x="5361430" y="2878581"/>
+            <a:ext cx="1054044" cy="1891839"/>
+          </a:xfrm>
+          <a:prstGeom prst="bentConnector3">
+            <a:avLst>
+              <a:gd name="adj1" fmla="val 50000"/>
+            </a:avLst>
+          </a:prstGeom>
+          <a:ln w="25400">
+            <a:solidFill>
+              <a:srgbClr val="FF0000"/>
+            </a:solidFill>
+            <a:tailEnd type="triangle"/>
+          </a:ln>
+        </p:spPr>
+        <p:style>
+          <a:lnRef idx="1">
+            <a:schemeClr val="accent1"/>
+          </a:lnRef>
+          <a:fillRef idx="0">
+            <a:schemeClr val="accent1"/>
+          </a:fillRef>
+          <a:effectRef idx="0">
+            <a:schemeClr val="accent1"/>
+          </a:effectRef>
+          <a:fontRef idx="minor">
+            <a:schemeClr val="tx1"/>
+          </a:fontRef>
+        </p:style>
+      </p:cxnSp>
+      <p:cxnSp>
+        <p:nvCxnSpPr>
+          <p:cNvPr id="75" name="연결선: 꺾임 74">
+            <a:extLst>
+              <a:ext uri="{FF2B5EF4-FFF2-40B4-BE49-F238E27FC236}">
+                <a16:creationId xmlns:a16="http://schemas.microsoft.com/office/drawing/2014/main" id="{E688662F-F6EF-4DD1-419B-800B7FD3DF9D}"/>
+              </a:ext>
+            </a:extLst>
+          </p:cNvPr>
+          <p:cNvCxnSpPr>
+            <a:stCxn id="37" idx="2"/>
+            <a:endCxn id="64" idx="0"/>
+          </p:cNvCxnSpPr>
+          <p:nvPr/>
+        </p:nvCxnSpPr>
+        <p:spPr>
+          <a:xfrm rot="5400000">
+            <a:off x="6196644" y="3713795"/>
+            <a:ext cx="1054044" cy="221411"/>
+          </a:xfrm>
+          <a:prstGeom prst="bentConnector3">
+            <a:avLst>
+              <a:gd name="adj1" fmla="val 50000"/>
+            </a:avLst>
+          </a:prstGeom>
+          <a:ln w="25400">
+            <a:solidFill>
+              <a:srgbClr val="FF0000"/>
+            </a:solidFill>
+            <a:tailEnd type="triangle"/>
+          </a:ln>
+        </p:spPr>
+        <p:style>
+          <a:lnRef idx="1">
+            <a:schemeClr val="accent1"/>
+          </a:lnRef>
+          <a:fillRef idx="0">
+            <a:schemeClr val="accent1"/>
+          </a:fillRef>
+          <a:effectRef idx="0">
+            <a:schemeClr val="accent1"/>
+          </a:effectRef>
+          <a:fontRef idx="minor">
+            <a:schemeClr val="tx1"/>
+          </a:fontRef>
+        </p:style>
+      </p:cxnSp>
+      <p:cxnSp>
+        <p:nvCxnSpPr>
+          <p:cNvPr id="79" name="연결선: 꺾임 78">
+            <a:extLst>
+              <a:ext uri="{FF2B5EF4-FFF2-40B4-BE49-F238E27FC236}">
+                <a16:creationId xmlns:a16="http://schemas.microsoft.com/office/drawing/2014/main" id="{2A33A549-1B3C-0D6D-96EC-6C1D703F5894}"/>
+              </a:ext>
+            </a:extLst>
+          </p:cNvPr>
+          <p:cNvCxnSpPr>
+            <a:stCxn id="37" idx="2"/>
+            <a:endCxn id="65" idx="0"/>
+          </p:cNvCxnSpPr>
+          <p:nvPr/>
+        </p:nvCxnSpPr>
+        <p:spPr>
+          <a:xfrm rot="16200000" flipH="1">
+            <a:off x="7031857" y="3099991"/>
+            <a:ext cx="1054044" cy="1449017"/>
+          </a:xfrm>
+          <a:prstGeom prst="bentConnector3">
+            <a:avLst>
+              <a:gd name="adj1" fmla="val 50000"/>
+            </a:avLst>
+          </a:prstGeom>
+          <a:ln w="25400">
+            <a:solidFill>
+              <a:srgbClr val="FF0000"/>
+            </a:solidFill>
+            <a:tailEnd type="triangle"/>
+          </a:ln>
+        </p:spPr>
+        <p:style>
+          <a:lnRef idx="1">
+            <a:schemeClr val="accent1"/>
+          </a:lnRef>
+          <a:fillRef idx="0">
+            <a:schemeClr val="accent1"/>
+          </a:fillRef>
+          <a:effectRef idx="0">
+            <a:schemeClr val="accent1"/>
+          </a:effectRef>
+          <a:fontRef idx="minor">
+            <a:schemeClr val="tx1"/>
+          </a:fontRef>
+        </p:style>
+      </p:cxnSp>
+      <p:cxnSp>
+        <p:nvCxnSpPr>
+          <p:cNvPr id="85" name="연결선: 꺾임 84">
+            <a:extLst>
+              <a:ext uri="{FF2B5EF4-FFF2-40B4-BE49-F238E27FC236}">
+                <a16:creationId xmlns:a16="http://schemas.microsoft.com/office/drawing/2014/main" id="{7875D4AB-5404-7C5D-8081-790D21142F85}"/>
+              </a:ext>
+            </a:extLst>
+          </p:cNvPr>
+          <p:cNvCxnSpPr>
+            <a:stCxn id="5" idx="3"/>
+            <a:endCxn id="69" idx="1"/>
+          </p:cNvCxnSpPr>
+          <p:nvPr/>
+        </p:nvCxnSpPr>
+        <p:spPr>
+          <a:xfrm>
+            <a:off x="1778682" y="2929513"/>
+            <a:ext cx="654423" cy="1103897"/>
+          </a:xfrm>
+          <a:prstGeom prst="bentConnector3">
+            <a:avLst/>
+          </a:prstGeom>
+          <a:ln w="25400">
+            <a:solidFill>
+              <a:srgbClr val="FF0000"/>
+            </a:solidFill>
+            <a:tailEnd type="triangle"/>
+          </a:ln>
+        </p:spPr>
+        <p:style>
+          <a:lnRef idx="1">
+            <a:schemeClr val="accent1"/>
+          </a:lnRef>
+          <a:fillRef idx="0">
+            <a:schemeClr val="accent1"/>
+          </a:fillRef>
+          <a:effectRef idx="0">
+            <a:schemeClr val="accent1"/>
+          </a:effectRef>
+          <a:fontRef idx="minor">
+            <a:schemeClr val="tx1"/>
+          </a:fontRef>
+        </p:style>
+      </p:cxnSp>
+      <p:sp>
+        <p:nvSpPr>
+          <p:cNvPr id="94" name="화살표: 아래쪽 93">
+            <a:extLst>
+              <a:ext uri="{FF2B5EF4-FFF2-40B4-BE49-F238E27FC236}">
+                <a16:creationId xmlns:a16="http://schemas.microsoft.com/office/drawing/2014/main" id="{96FDBDA9-312A-AABB-97B5-5D62B34DF7C0}"/>
+              </a:ext>
+            </a:extLst>
+          </p:cNvPr>
+          <p:cNvSpPr/>
+          <p:nvPr/>
+        </p:nvSpPr>
+        <p:spPr>
+          <a:xfrm>
+            <a:off x="809886" y="5262777"/>
+            <a:ext cx="484632" cy="397187"/>
+          </a:xfrm>
+          <a:prstGeom prst="downArrow">
+            <a:avLst/>
+          </a:prstGeom>
+          <a:noFill/>
+          <a:ln>
+            <a:solidFill>
+              <a:srgbClr val="FF0000"/>
+            </a:solidFill>
+          </a:ln>
+        </p:spPr>
+        <p:style>
+          <a:lnRef idx="2">
+            <a:schemeClr val="accent1">
+              <a:shade val="50000"/>
+            </a:schemeClr>
+          </a:lnRef>
+          <a:fillRef idx="1">
+            <a:schemeClr val="accent1"/>
+          </a:fillRef>
+          <a:effectRef idx="0">
+            <a:schemeClr val="accent1"/>
+          </a:effectRef>
+          <a:fontRef idx="minor">
+            <a:schemeClr val="lt1"/>
+          </a:fontRef>
+        </p:style>
+        <p:txBody>
+          <a:bodyPr rtlCol="0" anchor="ctr"/>
+          <a:lstStyle/>
+          <a:p>
+            <a:pPr algn="ctr"/>
+            <a:endParaRPr lang="ko-KR" altLang="en-US"/>
+          </a:p>
+        </p:txBody>
+      </p:sp>
+      <p:sp>
+        <p:nvSpPr>
+          <p:cNvPr id="95" name="TextBox 94">
+            <a:extLst>
+              <a:ext uri="{FF2B5EF4-FFF2-40B4-BE49-F238E27FC236}">
+                <a16:creationId xmlns:a16="http://schemas.microsoft.com/office/drawing/2014/main" id="{89507B37-1426-FD9C-5D4C-CF2D2B15401D}"/>
+              </a:ext>
+            </a:extLst>
+          </p:cNvPr>
+          <p:cNvSpPr txBox="1"/>
+          <p:nvPr/>
+        </p:nvSpPr>
+        <p:spPr>
+          <a:xfrm>
+            <a:off x="99059" y="4893445"/>
+            <a:ext cx="1906292" cy="369332"/>
+          </a:xfrm>
+          <a:prstGeom prst="rect">
+            <a:avLst/>
+          </a:prstGeom>
+          <a:noFill/>
+        </p:spPr>
+        <p:txBody>
+          <a:bodyPr wrap="none" rtlCol="0">
+            <a:spAutoFit/>
+          </a:bodyPr>
+          <a:lstStyle/>
+          <a:p>
+            <a:pPr algn="ctr"/>
+            <a:r>
+              <a:rPr lang="ko-KR" altLang="en-US" b="1" dirty="0">
+                <a:solidFill>
+                  <a:srgbClr val="FF0000"/>
+                </a:solidFill>
+              </a:rPr>
+              <a:t>일정이 시작될 때</a:t>
+            </a:r>
+          </a:p>
+        </p:txBody>
+      </p:sp>
+      <p:sp>
+        <p:nvSpPr>
+          <p:cNvPr id="99" name="사각형: 둥근 모서리 98">
+            <a:extLst>
+              <a:ext uri="{FF2B5EF4-FFF2-40B4-BE49-F238E27FC236}">
+                <a16:creationId xmlns:a16="http://schemas.microsoft.com/office/drawing/2014/main" id="{70E78F48-375E-D019-C111-8DBFD44B21D8}"/>
+              </a:ext>
+            </a:extLst>
+          </p:cNvPr>
+          <p:cNvSpPr/>
+          <p:nvPr/>
+        </p:nvSpPr>
+        <p:spPr>
+          <a:xfrm>
+            <a:off x="308470" y="5726112"/>
+            <a:ext cx="1470212" cy="735931"/>
+          </a:xfrm>
+          <a:prstGeom prst="roundRect">
+            <a:avLst/>
+          </a:prstGeom>
+        </p:spPr>
+        <p:style>
+          <a:lnRef idx="2">
+            <a:schemeClr val="accent1">
+              <a:shade val="50000"/>
+            </a:schemeClr>
+          </a:lnRef>
+          <a:fillRef idx="1">
+            <a:schemeClr val="accent1"/>
+          </a:fillRef>
+          <a:effectRef idx="0">
+            <a:schemeClr val="accent1"/>
+          </a:effectRef>
+          <a:fontRef idx="minor">
+            <a:schemeClr val="lt1"/>
+          </a:fontRef>
+        </p:style>
+        <p:txBody>
+          <a:bodyPr rtlCol="0" anchor="ctr"/>
+          <a:lstStyle/>
+          <a:p>
+            <a:pPr algn="ctr"/>
+            <a:r>
+              <a:rPr lang="ko-KR" altLang="en-US" dirty="0"/>
+              <a:t>알람</a:t>
+            </a:r>
+          </a:p>
+        </p:txBody>
+      </p:sp>
+    </p:spTree>
+    <p:extLst>
+      <p:ext uri="{BB962C8B-B14F-4D97-AF65-F5344CB8AC3E}">
+        <p14:creationId xmlns:p14="http://schemas.microsoft.com/office/powerpoint/2010/main" val="70404603"/>
       </p:ext>
     </p:extLst>
   </p:cSld>
@@ -4458,18 +6762,19 @@
               <a:t>: </a:t>
             </a:r>
             <a:r>
-              <a:rPr lang="ko-KR" altLang="en-US" dirty="0"/>
-              <a:t>시각장애인의 편의를 위한 음성 인식 메모 앱</a:t>
-            </a:r>
-            <a:r>
-              <a:rPr lang="en-US" altLang="ko-KR" dirty="0"/>
-              <a:t> </a:t>
-            </a:r>
-          </a:p>
-          <a:p>
-            <a:r>
-              <a:rPr lang="ko-KR" altLang="en-US" dirty="0"/>
-              <a:t>가제 </a:t>
+              <a:rPr lang="ko-KR" altLang="en-US" dirty="0" err="1"/>
+              <a:t>저시력자</a:t>
+            </a:r>
+            <a:r>
+              <a:rPr lang="ko-KR" altLang="en-US" dirty="0"/>
+              <a:t> 및 시각장애인을 위한 키보드가 없는 메모장</a:t>
+            </a:r>
+            <a:endParaRPr lang="en-US" altLang="ko-KR" dirty="0"/>
+          </a:p>
+          <a:p>
+            <a:r>
+              <a:rPr lang="ko-KR" altLang="en-US" dirty="0"/>
+              <a:t>앱 이름 </a:t>
             </a:r>
             <a:r>
               <a:rPr lang="en-US" altLang="ko-KR" dirty="0"/>
@@ -5356,7 +7661,7 @@
                   <a:schemeClr val="bg2"/>
                 </a:solidFill>
               </a:rPr>
-              <a:t>음성 메모</a:t>
+              <a:t>새 메모</a:t>
             </a:r>
           </a:p>
         </p:txBody>
@@ -5412,18 +7717,13 @@
           <a:p>
             <a:pPr algn="ctr"/>
             <a:r>
-              <a:rPr lang="ko-KR" altLang="en-US">
+              <a:rPr lang="ko-KR" altLang="en-US" dirty="0">
                 <a:solidFill>
                   <a:schemeClr val="bg2"/>
                 </a:solidFill>
               </a:rPr>
-              <a:t>폴더 관리</a:t>
-            </a:r>
-            <a:endParaRPr lang="ko-KR" altLang="en-US" dirty="0">
-              <a:solidFill>
-                <a:schemeClr val="bg2"/>
-              </a:solidFill>
-            </a:endParaRPr>
+              <a:t>나의 메모</a:t>
+            </a:r>
           </a:p>
         </p:txBody>
       </p:sp>
@@ -5478,18 +7778,13 @@
           <a:p>
             <a:pPr algn="ctr"/>
             <a:r>
-              <a:rPr lang="ko-KR" altLang="en-US">
+              <a:rPr lang="ko-KR" altLang="en-US" dirty="0">
                 <a:solidFill>
                   <a:schemeClr val="bg2"/>
                 </a:solidFill>
               </a:rPr>
-              <a:t>메모 찾기</a:t>
-            </a:r>
-            <a:endParaRPr lang="ko-KR" altLang="en-US" dirty="0">
-              <a:solidFill>
-                <a:schemeClr val="bg2"/>
-              </a:solidFill>
-            </a:endParaRPr>
+              <a:t>나의 일정</a:t>
+            </a:r>
           </a:p>
         </p:txBody>
       </p:sp>
@@ -5549,68 +7844,7 @@
                   <a:schemeClr val="bg2"/>
                 </a:solidFill>
               </a:rPr>
-              <a:t>최근 파일 재생</a:t>
-            </a:r>
-          </a:p>
-        </p:txBody>
-      </p:sp>
-      <p:sp>
-        <p:nvSpPr>
-          <p:cNvPr id="23" name="사각형: 둥근 모서리 22">
-            <a:extLst>
-              <a:ext uri="{FF2B5EF4-FFF2-40B4-BE49-F238E27FC236}">
-                <a16:creationId xmlns:a16="http://schemas.microsoft.com/office/drawing/2014/main" id="{7D67F587-3D83-BBD9-DBC1-9242F1F973D8}"/>
-              </a:ext>
-            </a:extLst>
-          </p:cNvPr>
-          <p:cNvSpPr/>
-          <p:nvPr/>
-        </p:nvSpPr>
-        <p:spPr>
-          <a:xfrm>
-            <a:off x="4991824" y="4300280"/>
-            <a:ext cx="1963084" cy="406400"/>
-          </a:xfrm>
-          <a:prstGeom prst="roundRect">
-            <a:avLst>
-              <a:gd name="adj" fmla="val 42982"/>
-            </a:avLst>
-          </a:prstGeom>
-          <a:solidFill>
-            <a:srgbClr val="5A5D9D"/>
-          </a:solidFill>
-          <a:ln>
-            <a:noFill/>
-          </a:ln>
-        </p:spPr>
-        <p:style>
-          <a:lnRef idx="2">
-            <a:schemeClr val="accent1">
-              <a:shade val="50000"/>
-            </a:schemeClr>
-          </a:lnRef>
-          <a:fillRef idx="1">
-            <a:schemeClr val="accent1"/>
-          </a:fillRef>
-          <a:effectRef idx="0">
-            <a:schemeClr val="accent1"/>
-          </a:effectRef>
-          <a:fontRef idx="minor">
-            <a:schemeClr val="lt1"/>
-          </a:fontRef>
-        </p:style>
-        <p:txBody>
-          <a:bodyPr rtlCol="0" anchor="ctr"/>
-          <a:lstStyle/>
-          <a:p>
-            <a:pPr algn="ctr"/>
-            <a:r>
-              <a:rPr lang="ko-KR" altLang="en-US" dirty="0">
-                <a:solidFill>
-                  <a:schemeClr val="bg2"/>
-                </a:solidFill>
-              </a:rPr>
-              <a:t>앱 종료</a:t>
+              <a:t>종료</a:t>
             </a:r>
           </a:p>
         </p:txBody>
@@ -5988,7 +8222,7 @@
           <p:cNvPr id="2" name="제목 1">
             <a:extLst>
               <a:ext uri="{FF2B5EF4-FFF2-40B4-BE49-F238E27FC236}">
-                <a16:creationId xmlns:a16="http://schemas.microsoft.com/office/drawing/2014/main" id="{822112DE-70CB-464F-F712-1AF50348D75E}"/>
+                <a16:creationId xmlns:a16="http://schemas.microsoft.com/office/drawing/2014/main" id="{86F8FFC5-3F6E-8D7E-D161-BF212110360C}"/>
               </a:ext>
             </a:extLst>
           </p:cNvPr>
@@ -6006,8 +8240,46 @@
           <a:p>
             <a:r>
               <a:rPr lang="ko-KR" altLang="en-US" dirty="0"/>
-              <a:t>시스템 구성도</a:t>
-            </a:r>
+              <a:t>주요 기능</a:t>
+            </a:r>
+            <a:r>
+              <a:rPr lang="en-US" altLang="ko-KR" dirty="0"/>
+              <a:t> </a:t>
+            </a:r>
+            <a:endParaRPr lang="ko-KR" altLang="en-US" dirty="0"/>
+          </a:p>
+        </p:txBody>
+      </p:sp>
+      <p:sp>
+        <p:nvSpPr>
+          <p:cNvPr id="3" name="내용 개체 틀 2">
+            <a:extLst>
+              <a:ext uri="{FF2B5EF4-FFF2-40B4-BE49-F238E27FC236}">
+                <a16:creationId xmlns:a16="http://schemas.microsoft.com/office/drawing/2014/main" id="{55357203-831F-40BF-A2A6-F812E0F170F5}"/>
+              </a:ext>
+            </a:extLst>
+          </p:cNvPr>
+          <p:cNvSpPr>
+            <a:spLocks noGrp="1"/>
+          </p:cNvSpPr>
+          <p:nvPr>
+            <p:ph idx="1"/>
+          </p:nvPr>
+        </p:nvSpPr>
+        <p:spPr/>
+        <p:txBody>
+          <a:bodyPr/>
+          <a:lstStyle/>
+          <a:p>
+            <a:r>
+              <a:rPr lang="ko-KR" altLang="en-US" dirty="0"/>
+              <a:t>주된 이용자가 시력이 낮은 노약자나 장애의 정도가 심하지 않은 시각장애인을 대상으로 하고 있기 때문에 인터페이스를 단순화하고 손가락 제스처 위주로 조작을 하도록 합니다</a:t>
+            </a:r>
+            <a:r>
+              <a:rPr lang="en-US" altLang="ko-KR" dirty="0"/>
+              <a:t>.</a:t>
+            </a:r>
+            <a:endParaRPr lang="ko-KR" altLang="en-US" dirty="0"/>
           </a:p>
         </p:txBody>
       </p:sp>
@@ -6016,7 +8288,7 @@
           <p:cNvPr id="4" name="슬라이드 번호 개체 틀 3">
             <a:extLst>
               <a:ext uri="{FF2B5EF4-FFF2-40B4-BE49-F238E27FC236}">
-                <a16:creationId xmlns:a16="http://schemas.microsoft.com/office/drawing/2014/main" id="{B35065F2-DF6F-384A-D854-02BB65A287AB}"/>
+                <a16:creationId xmlns:a16="http://schemas.microsoft.com/office/drawing/2014/main" id="{C6129F96-FE88-44AC-F9EB-51E22BA4E282}"/>
               </a:ext>
             </a:extLst>
           </p:cNvPr>
@@ -6040,603 +8312,71 @@
           </a:p>
         </p:txBody>
       </p:sp>
-      <p:grpSp>
-        <p:nvGrpSpPr>
-          <p:cNvPr id="14" name="그룹 13">
+      <p:pic>
+        <p:nvPicPr>
+          <p:cNvPr id="1026" name="Picture 2">
             <a:extLst>
               <a:ext uri="{FF2B5EF4-FFF2-40B4-BE49-F238E27FC236}">
-                <a16:creationId xmlns:a16="http://schemas.microsoft.com/office/drawing/2014/main" id="{2868AAFC-58D2-A3B7-6F6C-300BEA6CB92B}"/>
+                <a16:creationId xmlns:a16="http://schemas.microsoft.com/office/drawing/2014/main" id="{505E76BE-3637-DBFB-7AF8-5295A3F5D726}"/>
               </a:ext>
             </a:extLst>
           </p:cNvPr>
-          <p:cNvGrpSpPr/>
+          <p:cNvPicPr>
+            <a:picLocks noChangeAspect="1" noChangeArrowheads="1"/>
+          </p:cNvPicPr>
           <p:nvPr/>
-        </p:nvGrpSpPr>
-        <p:grpSpPr>
+        </p:nvPicPr>
+        <p:blipFill rotWithShape="1">
+          <a:blip r:embed="rId2">
+            <a:extLst>
+              <a:ext uri="{BEBA8EAE-BF5A-486C-A8C5-ECC9F3942E4B}">
+                <a14:imgProps xmlns:a14="http://schemas.microsoft.com/office/drawing/2010/main">
+                  <a14:imgLayer r:embed="rId3">
+                    <a14:imgEffect>
+                      <a14:backgroundRemoval t="10000" b="90000" l="10000" r="90000"/>
+                    </a14:imgEffect>
+                  </a14:imgLayer>
+                </a14:imgProps>
+              </a:ext>
+              <a:ext uri="{28A0092B-C50C-407E-A947-70E740481C1C}">
+                <a14:useLocalDpi xmlns:a14="http://schemas.microsoft.com/office/drawing/2010/main" val="0"/>
+              </a:ext>
+            </a:extLst>
+          </a:blip>
+          <a:srcRect l="14707" t="13164" r="16372" b="18662"/>
+          <a:stretch/>
+        </p:blipFill>
+        <p:spPr bwMode="auto">
           <a:xfrm>
-            <a:off x="2679689" y="304574"/>
-            <a:ext cx="3784622" cy="6416899"/>
-            <a:chOff x="4203689" y="220550"/>
-            <a:chExt cx="3784622" cy="6416899"/>
+            <a:off x="1429532" y="2968962"/>
+            <a:ext cx="6302188" cy="2689412"/>
           </a:xfrm>
-        </p:grpSpPr>
-        <p:sp>
-          <p:nvSpPr>
-            <p:cNvPr id="5" name="사각형: 둥근 모서리 4">
-              <a:extLst>
-                <a:ext uri="{FF2B5EF4-FFF2-40B4-BE49-F238E27FC236}">
-                  <a16:creationId xmlns:a16="http://schemas.microsoft.com/office/drawing/2014/main" id="{34B7F545-8777-4E17-315B-806122640DB6}"/>
-                </a:ext>
-              </a:extLst>
-            </p:cNvPr>
-            <p:cNvSpPr/>
-            <p:nvPr/>
-          </p:nvSpPr>
-          <p:spPr>
-            <a:xfrm>
-              <a:off x="4203689" y="620660"/>
-              <a:ext cx="3784622" cy="6016789"/>
-            </a:xfrm>
-            <a:prstGeom prst="roundRect">
-              <a:avLst>
-                <a:gd name="adj" fmla="val 9546"/>
-              </a:avLst>
-            </a:prstGeom>
-            <a:solidFill>
-              <a:schemeClr val="accent4">
-                <a:lumMod val="20000"/>
-                <a:lumOff val="80000"/>
-              </a:schemeClr>
-            </a:solidFill>
-            <a:ln w="38100">
-              <a:solidFill>
-                <a:schemeClr val="accent4"/>
-              </a:solidFill>
-            </a:ln>
-          </p:spPr>
-          <p:style>
-            <a:lnRef idx="0">
-              <a:schemeClr val="accent3"/>
-            </a:lnRef>
-            <a:fillRef idx="3">
-              <a:schemeClr val="accent3"/>
-            </a:fillRef>
-            <a:effectRef idx="3">
-              <a:schemeClr val="accent3"/>
-            </a:effectRef>
-            <a:fontRef idx="minor">
-              <a:schemeClr val="lt1"/>
-            </a:fontRef>
-          </p:style>
-          <p:txBody>
-            <a:bodyPr rtlCol="0" anchor="ctr"/>
-            <a:lstStyle/>
-            <a:p>
-              <a:pPr algn="ctr"/>
-              <a:endParaRPr lang="ko-KR" altLang="en-US">
+          <a:prstGeom prst="rect">
+            <a:avLst/>
+          </a:prstGeom>
+          <a:noFill/>
+          <a:effectLst>
+            <a:outerShdw blurRad="50800" dist="38100" dir="2700000" algn="tl" rotWithShape="0">
+              <a:prstClr val="black">
+                <a:alpha val="40000"/>
+              </a:prstClr>
+            </a:outerShdw>
+          </a:effectLst>
+          <a:extLst>
+            <a:ext uri="{909E8E84-426E-40DD-AFC4-6F175D3DCCD1}">
+              <a14:hiddenFill xmlns:a14="http://schemas.microsoft.com/office/drawing/2010/main">
                 <a:solidFill>
-                  <a:schemeClr val="tx1"/>
+                  <a:srgbClr val="FFFFFF"/>
                 </a:solidFill>
-              </a:endParaRPr>
-            </a:p>
-          </p:txBody>
-        </p:sp>
-        <p:sp>
-          <p:nvSpPr>
-            <p:cNvPr id="6" name="TextBox 5">
-              <a:extLst>
-                <a:ext uri="{FF2B5EF4-FFF2-40B4-BE49-F238E27FC236}">
-                  <a16:creationId xmlns:a16="http://schemas.microsoft.com/office/drawing/2014/main" id="{BFA10464-4330-BE8E-FA92-5E788C1D8AFD}"/>
-                </a:ext>
-              </a:extLst>
-            </p:cNvPr>
-            <p:cNvSpPr txBox="1"/>
-            <p:nvPr/>
-          </p:nvSpPr>
-          <p:spPr>
-            <a:xfrm>
-              <a:off x="5001619" y="220550"/>
-              <a:ext cx="2188761" cy="400110"/>
-            </a:xfrm>
-            <a:prstGeom prst="rect">
-              <a:avLst/>
-            </a:prstGeom>
-            <a:noFill/>
-          </p:spPr>
-          <p:txBody>
-            <a:bodyPr wrap="square" rtlCol="0">
-              <a:spAutoFit/>
-            </a:bodyPr>
-            <a:lstStyle/>
-            <a:p>
-              <a:pPr algn="ctr"/>
-              <a:r>
-                <a:rPr lang="ko-KR" altLang="en-US" sz="2000" dirty="0"/>
-                <a:t>스마트폰</a:t>
-              </a:r>
-            </a:p>
-          </p:txBody>
-        </p:sp>
-        <p:sp>
-          <p:nvSpPr>
-            <p:cNvPr id="7" name="사각형: 둥근 모서리 6">
-              <a:extLst>
-                <a:ext uri="{FF2B5EF4-FFF2-40B4-BE49-F238E27FC236}">
-                  <a16:creationId xmlns:a16="http://schemas.microsoft.com/office/drawing/2014/main" id="{61E900C1-C34A-657A-88C5-64E05856646F}"/>
-                </a:ext>
-              </a:extLst>
-            </p:cNvPr>
-            <p:cNvSpPr/>
-            <p:nvPr/>
-          </p:nvSpPr>
-          <p:spPr>
-            <a:xfrm>
-              <a:off x="4390949" y="5711594"/>
-              <a:ext cx="3410100" cy="763292"/>
-            </a:xfrm>
-            <a:prstGeom prst="roundRect">
-              <a:avLst/>
-            </a:prstGeom>
-            <a:solidFill>
-              <a:schemeClr val="accent1">
-                <a:lumMod val="20000"/>
-                <a:lumOff val="80000"/>
-              </a:schemeClr>
-            </a:solidFill>
-            <a:ln w="38100">
-              <a:solidFill>
-                <a:schemeClr val="accent1"/>
-              </a:solidFill>
-            </a:ln>
-          </p:spPr>
-          <p:style>
-            <a:lnRef idx="0">
-              <a:schemeClr val="accent6"/>
-            </a:lnRef>
-            <a:fillRef idx="3">
-              <a:schemeClr val="accent6"/>
-            </a:fillRef>
-            <a:effectRef idx="3">
-              <a:schemeClr val="accent6"/>
-            </a:effectRef>
-            <a:fontRef idx="minor">
-              <a:schemeClr val="lt1"/>
-            </a:fontRef>
-          </p:style>
-          <p:txBody>
-            <a:bodyPr rtlCol="0" anchor="ctr"/>
-            <a:lstStyle/>
-            <a:p>
-              <a:pPr algn="ctr"/>
-              <a:r>
-                <a:rPr lang="ko-KR" altLang="en-US" dirty="0">
-                  <a:solidFill>
-                    <a:schemeClr val="tx1"/>
-                  </a:solidFill>
-                </a:rPr>
-                <a:t>로컬</a:t>
-              </a:r>
-              <a:r>
-                <a:rPr lang="en-US" altLang="ko-KR" dirty="0">
-                  <a:solidFill>
-                    <a:schemeClr val="tx1"/>
-                  </a:solidFill>
-                </a:rPr>
-                <a:t>DB</a:t>
-              </a:r>
-              <a:endParaRPr lang="ko-KR" altLang="en-US" dirty="0">
-                <a:solidFill>
-                  <a:schemeClr val="tx1"/>
-                </a:solidFill>
-              </a:endParaRPr>
-            </a:p>
-          </p:txBody>
-        </p:sp>
-        <p:sp>
-          <p:nvSpPr>
-            <p:cNvPr id="8" name="사각형: 둥근 모서리 7">
-              <a:extLst>
-                <a:ext uri="{FF2B5EF4-FFF2-40B4-BE49-F238E27FC236}">
-                  <a16:creationId xmlns:a16="http://schemas.microsoft.com/office/drawing/2014/main" id="{D06F79D1-A0C5-4D92-080C-710E6ACE14CF}"/>
-                </a:ext>
-              </a:extLst>
-            </p:cNvPr>
-            <p:cNvSpPr/>
-            <p:nvPr/>
-          </p:nvSpPr>
-          <p:spPr>
-            <a:xfrm>
-              <a:off x="4390949" y="826337"/>
-              <a:ext cx="3410100" cy="3758087"/>
-            </a:xfrm>
-            <a:prstGeom prst="roundRect">
-              <a:avLst>
-                <a:gd name="adj" fmla="val 7635"/>
-              </a:avLst>
-            </a:prstGeom>
-            <a:solidFill>
-              <a:schemeClr val="accent6">
-                <a:lumMod val="20000"/>
-                <a:lumOff val="80000"/>
-              </a:schemeClr>
-            </a:solidFill>
-            <a:ln w="38100">
-              <a:solidFill>
-                <a:srgbClr val="92D050"/>
-              </a:solidFill>
-            </a:ln>
-          </p:spPr>
-          <p:style>
-            <a:lnRef idx="0">
-              <a:schemeClr val="accent5"/>
-            </a:lnRef>
-            <a:fillRef idx="3">
-              <a:schemeClr val="accent5"/>
-            </a:fillRef>
-            <a:effectRef idx="3">
-              <a:schemeClr val="accent5"/>
-            </a:effectRef>
-            <a:fontRef idx="minor">
-              <a:schemeClr val="lt1"/>
-            </a:fontRef>
-          </p:style>
-          <p:txBody>
-            <a:bodyPr rtlCol="0" anchor="t" anchorCtr="0"/>
-            <a:lstStyle/>
-            <a:p>
-              <a:pPr algn="ctr"/>
-              <a:r>
-                <a:rPr lang="ko-KR" altLang="en-US" dirty="0">
-                  <a:solidFill>
-                    <a:schemeClr val="tx1"/>
-                  </a:solidFill>
-                </a:rPr>
-                <a:t>스마트폰 </a:t>
-              </a:r>
-              <a:r>
-                <a:rPr lang="en-US" altLang="ko-KR" dirty="0">
-                  <a:solidFill>
-                    <a:schemeClr val="tx1"/>
-                  </a:solidFill>
-                </a:rPr>
-                <a:t>App</a:t>
-              </a:r>
-              <a:endParaRPr lang="ko-KR" altLang="en-US" dirty="0">
-                <a:solidFill>
-                  <a:schemeClr val="tx1"/>
-                </a:solidFill>
-              </a:endParaRPr>
-            </a:p>
-          </p:txBody>
-        </p:sp>
-        <p:sp>
-          <p:nvSpPr>
-            <p:cNvPr id="9" name="사각형: 둥근 모서리 8">
-              <a:extLst>
-                <a:ext uri="{FF2B5EF4-FFF2-40B4-BE49-F238E27FC236}">
-                  <a16:creationId xmlns:a16="http://schemas.microsoft.com/office/drawing/2014/main" id="{789896DC-44B1-91A5-6B9F-79DDECBC496A}"/>
-                </a:ext>
-              </a:extLst>
-            </p:cNvPr>
-            <p:cNvSpPr/>
-            <p:nvPr/>
-          </p:nvSpPr>
-          <p:spPr>
-            <a:xfrm>
-              <a:off x="4618947" y="2164222"/>
-              <a:ext cx="2918512" cy="671226"/>
-            </a:xfrm>
-            <a:prstGeom prst="roundRect">
-              <a:avLst/>
-            </a:prstGeom>
-            <a:noFill/>
-            <a:ln w="38100">
-              <a:solidFill>
-                <a:schemeClr val="accent6">
-                  <a:lumMod val="50000"/>
-                </a:schemeClr>
-              </a:solidFill>
-            </a:ln>
-          </p:spPr>
-          <p:style>
-            <a:lnRef idx="2">
-              <a:schemeClr val="accent5">
-                <a:shade val="50000"/>
-              </a:schemeClr>
-            </a:lnRef>
-            <a:fillRef idx="1">
-              <a:schemeClr val="accent5"/>
-            </a:fillRef>
-            <a:effectRef idx="0">
-              <a:schemeClr val="accent5"/>
-            </a:effectRef>
-            <a:fontRef idx="minor">
-              <a:schemeClr val="lt1"/>
-            </a:fontRef>
-          </p:style>
-          <p:txBody>
-            <a:bodyPr rtlCol="0" anchor="ctr"/>
-            <a:lstStyle/>
-            <a:p>
-              <a:pPr algn="ctr"/>
-              <a:r>
-                <a:rPr lang="ko-KR" altLang="en-US" dirty="0">
-                  <a:solidFill>
-                    <a:schemeClr val="tx1"/>
-                  </a:solidFill>
-                </a:rPr>
-                <a:t>음성파일 목록</a:t>
-              </a:r>
-              <a:endParaRPr lang="en-US" altLang="ko-KR" dirty="0">
-                <a:solidFill>
-                  <a:schemeClr val="tx1"/>
-                </a:solidFill>
-              </a:endParaRPr>
-            </a:p>
-          </p:txBody>
-        </p:sp>
-        <p:sp>
-          <p:nvSpPr>
-            <p:cNvPr id="10" name="사각형: 둥근 모서리 9">
-              <a:extLst>
-                <a:ext uri="{FF2B5EF4-FFF2-40B4-BE49-F238E27FC236}">
-                  <a16:creationId xmlns:a16="http://schemas.microsoft.com/office/drawing/2014/main" id="{0EC2304C-6937-133A-3722-1E4B2123C567}"/>
-                </a:ext>
-              </a:extLst>
-            </p:cNvPr>
-            <p:cNvSpPr/>
-            <p:nvPr/>
-          </p:nvSpPr>
-          <p:spPr>
-            <a:xfrm>
-              <a:off x="4618947" y="2920496"/>
-              <a:ext cx="2918512" cy="671226"/>
-            </a:xfrm>
-            <a:prstGeom prst="roundRect">
-              <a:avLst/>
-            </a:prstGeom>
-            <a:noFill/>
-            <a:ln w="38100">
-              <a:solidFill>
-                <a:schemeClr val="accent6">
-                  <a:lumMod val="50000"/>
-                </a:schemeClr>
-              </a:solidFill>
-            </a:ln>
-          </p:spPr>
-          <p:style>
-            <a:lnRef idx="2">
-              <a:schemeClr val="accent5">
-                <a:shade val="50000"/>
-              </a:schemeClr>
-            </a:lnRef>
-            <a:fillRef idx="1">
-              <a:schemeClr val="accent5"/>
-            </a:fillRef>
-            <a:effectRef idx="0">
-              <a:schemeClr val="accent5"/>
-            </a:effectRef>
-            <a:fontRef idx="minor">
-              <a:schemeClr val="lt1"/>
-            </a:fontRef>
-          </p:style>
-          <p:txBody>
-            <a:bodyPr rtlCol="0" anchor="ctr"/>
-            <a:lstStyle/>
-            <a:p>
-              <a:pPr algn="ctr"/>
-              <a:r>
-                <a:rPr lang="ko-KR" altLang="en-US" dirty="0">
-                  <a:solidFill>
-                    <a:schemeClr val="tx1"/>
-                  </a:solidFill>
-                </a:rPr>
-                <a:t>디렉터리 목록</a:t>
-              </a:r>
-              <a:endParaRPr lang="en-US" altLang="ko-KR" dirty="0">
-                <a:solidFill>
-                  <a:schemeClr val="tx1"/>
-                </a:solidFill>
-              </a:endParaRPr>
-            </a:p>
-          </p:txBody>
-        </p:sp>
-        <p:sp>
-          <p:nvSpPr>
-            <p:cNvPr id="11" name="사각형: 둥근 모서리 10">
-              <a:extLst>
-                <a:ext uri="{FF2B5EF4-FFF2-40B4-BE49-F238E27FC236}">
-                  <a16:creationId xmlns:a16="http://schemas.microsoft.com/office/drawing/2014/main" id="{DFA506F3-EC52-E9C0-9155-30845C0DCCD0}"/>
-                </a:ext>
-              </a:extLst>
-            </p:cNvPr>
-            <p:cNvSpPr/>
-            <p:nvPr/>
-          </p:nvSpPr>
-          <p:spPr>
-            <a:xfrm>
-              <a:off x="4618947" y="3676770"/>
-              <a:ext cx="2918512" cy="671226"/>
-            </a:xfrm>
-            <a:prstGeom prst="roundRect">
-              <a:avLst/>
-            </a:prstGeom>
-            <a:noFill/>
-            <a:ln w="38100">
-              <a:solidFill>
-                <a:schemeClr val="accent6">
-                  <a:lumMod val="50000"/>
-                </a:schemeClr>
-              </a:solidFill>
-            </a:ln>
-          </p:spPr>
-          <p:style>
-            <a:lnRef idx="2">
-              <a:schemeClr val="accent5">
-                <a:shade val="50000"/>
-              </a:schemeClr>
-            </a:lnRef>
-            <a:fillRef idx="1">
-              <a:schemeClr val="accent5"/>
-            </a:fillRef>
-            <a:effectRef idx="0">
-              <a:schemeClr val="accent5"/>
-            </a:effectRef>
-            <a:fontRef idx="minor">
-              <a:schemeClr val="lt1"/>
-            </a:fontRef>
-          </p:style>
-          <p:txBody>
-            <a:bodyPr rtlCol="0" anchor="ctr"/>
-            <a:lstStyle/>
-            <a:p>
-              <a:pPr algn="ctr"/>
-              <a:r>
-                <a:rPr lang="ko-KR" altLang="en-US" dirty="0">
-                  <a:solidFill>
-                    <a:schemeClr val="tx1"/>
-                  </a:solidFill>
-                </a:rPr>
-                <a:t>디렉터리 관리</a:t>
-              </a:r>
-              <a:endParaRPr lang="en-US" altLang="ko-KR" dirty="0">
-                <a:solidFill>
-                  <a:schemeClr val="tx1"/>
-                </a:solidFill>
-              </a:endParaRPr>
-            </a:p>
-          </p:txBody>
-        </p:sp>
-        <p:sp>
-          <p:nvSpPr>
-            <p:cNvPr id="12" name="사각형: 둥근 모서리 11">
-              <a:extLst>
-                <a:ext uri="{FF2B5EF4-FFF2-40B4-BE49-F238E27FC236}">
-                  <a16:creationId xmlns:a16="http://schemas.microsoft.com/office/drawing/2014/main" id="{B037FA51-AA20-7F6C-5EFB-18CF22886CD9}"/>
-                </a:ext>
-              </a:extLst>
-            </p:cNvPr>
-            <p:cNvSpPr/>
-            <p:nvPr/>
-          </p:nvSpPr>
-          <p:spPr>
-            <a:xfrm>
-              <a:off x="4618947" y="1407948"/>
-              <a:ext cx="2918512" cy="671226"/>
-            </a:xfrm>
-            <a:prstGeom prst="roundRect">
-              <a:avLst/>
-            </a:prstGeom>
-            <a:noFill/>
-            <a:ln w="38100">
-              <a:solidFill>
-                <a:schemeClr val="accent6">
-                  <a:lumMod val="50000"/>
-                </a:schemeClr>
-              </a:solidFill>
-            </a:ln>
-          </p:spPr>
-          <p:style>
-            <a:lnRef idx="2">
-              <a:schemeClr val="accent5">
-                <a:shade val="50000"/>
-              </a:schemeClr>
-            </a:lnRef>
-            <a:fillRef idx="1">
-              <a:schemeClr val="accent5"/>
-            </a:fillRef>
-            <a:effectRef idx="0">
-              <a:schemeClr val="accent5"/>
-            </a:effectRef>
-            <a:fontRef idx="minor">
-              <a:schemeClr val="lt1"/>
-            </a:fontRef>
-          </p:style>
-          <p:txBody>
-            <a:bodyPr rtlCol="0" anchor="ctr"/>
-            <a:lstStyle/>
-            <a:p>
-              <a:pPr algn="ctr"/>
-              <a:r>
-                <a:rPr lang="ko-KR" altLang="en-US" dirty="0">
-                  <a:solidFill>
-                    <a:schemeClr val="tx1"/>
-                  </a:solidFill>
-                </a:rPr>
-                <a:t>음성 녹음</a:t>
-              </a:r>
-              <a:endParaRPr lang="en-US" altLang="ko-KR" dirty="0">
-                <a:solidFill>
-                  <a:schemeClr val="tx1"/>
-                </a:solidFill>
-              </a:endParaRPr>
-            </a:p>
-          </p:txBody>
-        </p:sp>
-        <p:sp>
-          <p:nvSpPr>
-            <p:cNvPr id="13" name="화살표: 위쪽/아래쪽 12">
-              <a:extLst>
-                <a:ext uri="{FF2B5EF4-FFF2-40B4-BE49-F238E27FC236}">
-                  <a16:creationId xmlns:a16="http://schemas.microsoft.com/office/drawing/2014/main" id="{91BBBD44-323D-4D61-07C9-1AD71EB6766A}"/>
-                </a:ext>
-              </a:extLst>
-            </p:cNvPr>
-            <p:cNvSpPr/>
-            <p:nvPr/>
-          </p:nvSpPr>
-          <p:spPr>
-            <a:xfrm>
-              <a:off x="5853683" y="4790101"/>
-              <a:ext cx="484632" cy="763292"/>
-            </a:xfrm>
-            <a:prstGeom prst="upDownArrow">
-              <a:avLst/>
-            </a:prstGeom>
-            <a:solidFill>
-              <a:srgbClr val="0000FF"/>
-            </a:solidFill>
-            <a:ln>
-              <a:noFill/>
-            </a:ln>
-            <a:effectLst>
-              <a:outerShdw blurRad="63500" sx="102000" sy="102000" algn="ctr" rotWithShape="0">
-                <a:prstClr val="black">
-                  <a:alpha val="40000"/>
-                </a:prstClr>
-              </a:outerShdw>
-            </a:effectLst>
-          </p:spPr>
-          <p:style>
-            <a:lnRef idx="2">
-              <a:schemeClr val="accent1">
-                <a:shade val="50000"/>
-              </a:schemeClr>
-            </a:lnRef>
-            <a:fillRef idx="1">
-              <a:schemeClr val="accent1"/>
-            </a:fillRef>
-            <a:effectRef idx="0">
-              <a:schemeClr val="accent1"/>
-            </a:effectRef>
-            <a:fontRef idx="minor">
-              <a:schemeClr val="lt1"/>
-            </a:fontRef>
-          </p:style>
-          <p:txBody>
-            <a:bodyPr rtlCol="0" anchor="ctr"/>
-            <a:lstStyle/>
-            <a:p>
-              <a:pPr algn="ctr"/>
-              <a:endParaRPr lang="ko-KR" altLang="en-US"/>
-            </a:p>
-          </p:txBody>
-        </p:sp>
-      </p:grpSp>
+              </a14:hiddenFill>
+            </a:ext>
+          </a:extLst>
+        </p:spPr>
+      </p:pic>
     </p:spTree>
     <p:extLst>
       <p:ext uri="{BB962C8B-B14F-4D97-AF65-F5344CB8AC3E}">
-        <p14:creationId xmlns:p14="http://schemas.microsoft.com/office/powerpoint/2010/main" val="3851533353"/>
+        <p14:creationId xmlns:p14="http://schemas.microsoft.com/office/powerpoint/2010/main" val="1339304880"/>
       </p:ext>
     </p:extLst>
   </p:cSld>
@@ -6668,7 +8408,7 @@
           <p:cNvPr id="2" name="제목 1">
             <a:extLst>
               <a:ext uri="{FF2B5EF4-FFF2-40B4-BE49-F238E27FC236}">
-                <a16:creationId xmlns:a16="http://schemas.microsoft.com/office/drawing/2014/main" id="{932501CE-D12F-8911-C3C0-EE6EF94E24AC}"/>
+                <a16:creationId xmlns:a16="http://schemas.microsoft.com/office/drawing/2014/main" id="{52821BB7-8D7C-1D03-7A8F-76BCEE98F169}"/>
               </a:ext>
             </a:extLst>
           </p:cNvPr>
@@ -6685,27 +8425,63 @@
           <a:lstStyle/>
           <a:p>
             <a:r>
-              <a:rPr lang="ko-KR" altLang="en-US" sz="2800" dirty="0"/>
-              <a:t>블록</a:t>
-            </a:r>
-            <a:r>
-              <a:rPr lang="en-US" altLang="ko-KR" sz="2800" dirty="0"/>
+              <a:rPr lang="ko-KR" altLang="en-US" dirty="0"/>
+              <a:t>주요 기능</a:t>
+            </a:r>
+            <a:r>
+              <a:rPr lang="en-US" altLang="ko-KR" dirty="0"/>
               <a:t> </a:t>
             </a:r>
-            <a:r>
-              <a:rPr lang="ko-KR" altLang="en-US" sz="2800" dirty="0"/>
-              <a:t>다이어그램 </a:t>
-            </a:r>
             <a:endParaRPr lang="ko-KR" altLang="en-US" dirty="0"/>
           </a:p>
         </p:txBody>
       </p:sp>
       <p:sp>
         <p:nvSpPr>
+          <p:cNvPr id="3" name="내용 개체 틀 2">
+            <a:extLst>
+              <a:ext uri="{FF2B5EF4-FFF2-40B4-BE49-F238E27FC236}">
+                <a16:creationId xmlns:a16="http://schemas.microsoft.com/office/drawing/2014/main" id="{3310D84D-F072-3B2B-EB2C-B9526D62183E}"/>
+              </a:ext>
+            </a:extLst>
+          </p:cNvPr>
+          <p:cNvSpPr>
+            <a:spLocks noGrp="1"/>
+          </p:cNvSpPr>
+          <p:nvPr>
+            <p:ph idx="1"/>
+          </p:nvPr>
+        </p:nvSpPr>
+        <p:spPr/>
+        <p:txBody>
+          <a:bodyPr/>
+          <a:lstStyle/>
+          <a:p>
+            <a:r>
+              <a:rPr lang="ko-KR" altLang="en-US" dirty="0"/>
+              <a:t>스마트폰에 내장되어 있는 음성 비서 서비스로 앱 실행 가능</a:t>
+            </a:r>
+            <a:r>
+              <a:rPr lang="en-US" altLang="ko-KR" dirty="0"/>
+              <a:t>, </a:t>
+            </a:r>
+            <a:r>
+              <a:rPr lang="ko-KR" altLang="en-US" dirty="0"/>
+              <a:t>그 밖에도 시각이 제한되는 사람들이 더 쉽게 앱을 실행할 수 있도록 기능을 구현합니다</a:t>
+            </a:r>
+            <a:r>
+              <a:rPr lang="en-US" altLang="ko-KR" dirty="0"/>
+              <a:t>.</a:t>
+            </a:r>
+          </a:p>
+        </p:txBody>
+      </p:sp>
+      <p:sp>
+        <p:nvSpPr>
           <p:cNvPr id="4" name="슬라이드 번호 개체 틀 3">
             <a:extLst>
               <a:ext uri="{FF2B5EF4-FFF2-40B4-BE49-F238E27FC236}">
-                <a16:creationId xmlns:a16="http://schemas.microsoft.com/office/drawing/2014/main" id="{CCBE7CF2-024D-97B5-714A-E3D3ECAF81F2}"/>
+                <a16:creationId xmlns:a16="http://schemas.microsoft.com/office/drawing/2014/main" id="{00CF6292-33F1-EC24-0919-7610704B9CA3}"/>
               </a:ext>
             </a:extLst>
           </p:cNvPr>
@@ -6729,821 +8505,1125 @@
           </a:p>
         </p:txBody>
       </p:sp>
-      <p:grpSp>
-        <p:nvGrpSpPr>
-          <p:cNvPr id="6" name="그룹 5">
+    </p:spTree>
+    <p:extLst>
+      <p:ext uri="{BB962C8B-B14F-4D97-AF65-F5344CB8AC3E}">
+        <p14:creationId xmlns:p14="http://schemas.microsoft.com/office/powerpoint/2010/main" val="3310025904"/>
+      </p:ext>
+    </p:extLst>
+  </p:cSld>
+  <p:clrMapOvr>
+    <a:masterClrMapping/>
+  </p:clrMapOvr>
+</p:sld>
+</file>
+
+<file path=ppt/slides/slide6.xml><?xml version="1.0" encoding="utf-8"?>
+<p:sld xmlns:a="http://schemas.openxmlformats.org/drawingml/2006/main" xmlns:r="http://schemas.openxmlformats.org/officeDocument/2006/relationships" xmlns:p="http://schemas.openxmlformats.org/presentationml/2006/main">
+  <p:cSld>
+    <p:spTree>
+      <p:nvGrpSpPr>
+        <p:cNvPr id="1" name=""/>
+        <p:cNvGrpSpPr/>
+        <p:nvPr/>
+      </p:nvGrpSpPr>
+      <p:grpSpPr>
+        <a:xfrm>
+          <a:off x="0" y="0"/>
+          <a:ext cx="0" cy="0"/>
+          <a:chOff x="0" y="0"/>
+          <a:chExt cx="0" cy="0"/>
+        </a:xfrm>
+      </p:grpSpPr>
+      <p:sp>
+        <p:nvSpPr>
+          <p:cNvPr id="2" name="제목 1">
             <a:extLst>
               <a:ext uri="{FF2B5EF4-FFF2-40B4-BE49-F238E27FC236}">
-                <a16:creationId xmlns:a16="http://schemas.microsoft.com/office/drawing/2014/main" id="{9B323A66-8AB5-A67B-3DC7-CC2B4B2E167E}"/>
+                <a16:creationId xmlns:a16="http://schemas.microsoft.com/office/drawing/2014/main" id="{899307D8-6E8D-EF30-29D4-F04AF4DD9107}"/>
               </a:ext>
             </a:extLst>
           </p:cNvPr>
-          <p:cNvGrpSpPr/>
+          <p:cNvSpPr>
+            <a:spLocks noGrp="1"/>
+          </p:cNvSpPr>
+          <p:nvPr>
+            <p:ph type="title"/>
+          </p:nvPr>
+        </p:nvSpPr>
+        <p:spPr/>
+        <p:txBody>
+          <a:bodyPr/>
+          <a:lstStyle/>
+          <a:p>
+            <a:r>
+              <a:rPr lang="ko-KR" altLang="en-US" dirty="0"/>
+              <a:t>주요 기능</a:t>
+            </a:r>
+            <a:r>
+              <a:rPr lang="en-US" altLang="ko-KR" dirty="0"/>
+              <a:t> </a:t>
+            </a:r>
+            <a:endParaRPr lang="ko-KR" altLang="en-US" dirty="0"/>
+          </a:p>
+        </p:txBody>
+      </p:sp>
+      <p:sp>
+        <p:nvSpPr>
+          <p:cNvPr id="3" name="내용 개체 틀 2">
+            <a:extLst>
+              <a:ext uri="{FF2B5EF4-FFF2-40B4-BE49-F238E27FC236}">
+                <a16:creationId xmlns:a16="http://schemas.microsoft.com/office/drawing/2014/main" id="{00B777E5-DF02-D973-58C4-C30EC1816915}"/>
+              </a:ext>
+            </a:extLst>
+          </p:cNvPr>
+          <p:cNvSpPr>
+            <a:spLocks noGrp="1"/>
+          </p:cNvSpPr>
+          <p:nvPr>
+            <p:ph idx="1"/>
+          </p:nvPr>
+        </p:nvSpPr>
+        <p:spPr/>
+        <p:txBody>
+          <a:bodyPr/>
+          <a:lstStyle/>
+          <a:p>
+            <a:r>
+              <a:rPr lang="ko-KR" altLang="en-US" dirty="0" err="1"/>
+              <a:t>저시력자나</a:t>
+            </a:r>
+            <a:r>
+              <a:rPr lang="ko-KR" altLang="en-US" dirty="0"/>
+              <a:t> 장애의 정도가 심하지 않은 시각장애인이 자신이 기록한 내용을 직접 읽어볼 수 있도록 글자 크기를 키우는 기능이 있으며</a:t>
+            </a:r>
+            <a:r>
+              <a:rPr lang="en-US" altLang="ko-KR" dirty="0"/>
+              <a:t>,</a:t>
+            </a:r>
+            <a:r>
+              <a:rPr lang="ko-KR" altLang="en-US" dirty="0"/>
+              <a:t> </a:t>
+            </a:r>
+            <a:r>
+              <a:rPr lang="en-US" altLang="ko-KR" dirty="0"/>
+              <a:t>TTS </a:t>
+            </a:r>
+            <a:r>
+              <a:rPr lang="ko-KR" altLang="en-US" dirty="0"/>
+              <a:t>음성으로 내용을 대신 읽어줄 수도 있습니다</a:t>
+            </a:r>
+            <a:r>
+              <a:rPr lang="en-US" altLang="ko-KR" dirty="0"/>
+              <a:t>.</a:t>
+            </a:r>
+            <a:endParaRPr lang="ko-KR" altLang="en-US" dirty="0"/>
+          </a:p>
+        </p:txBody>
+      </p:sp>
+      <p:sp>
+        <p:nvSpPr>
+          <p:cNvPr id="4" name="슬라이드 번호 개체 틀 3">
+            <a:extLst>
+              <a:ext uri="{FF2B5EF4-FFF2-40B4-BE49-F238E27FC236}">
+                <a16:creationId xmlns:a16="http://schemas.microsoft.com/office/drawing/2014/main" id="{0574AAC7-585D-E043-DA6C-77A9A780D090}"/>
+              </a:ext>
+            </a:extLst>
+          </p:cNvPr>
+          <p:cNvSpPr>
+            <a:spLocks noGrp="1"/>
+          </p:cNvSpPr>
+          <p:nvPr>
+            <p:ph type="sldNum" sz="quarter" idx="12"/>
+          </p:nvPr>
+        </p:nvSpPr>
+        <p:spPr/>
+        <p:txBody>
+          <a:bodyPr/>
+          <a:lstStyle/>
+          <a:p>
+            <a:fld id="{2F00E46C-ED49-42AD-BB6D-7499E1F08A71}" type="slidenum">
+              <a:rPr lang="ko-KR" altLang="en-US" smtClean="0"/>
+              <a:t>6</a:t>
+            </a:fld>
+            <a:endParaRPr lang="ko-KR" altLang="en-US"/>
+          </a:p>
+        </p:txBody>
+      </p:sp>
+      <p:pic>
+        <p:nvPicPr>
+          <p:cNvPr id="5" name="그림 4" descr="텍스트, 전자제품, 모니터, 디스플레이이(가) 표시된 사진&#10;&#10;자동 생성된 설명">
+            <a:extLst>
+              <a:ext uri="{FF2B5EF4-FFF2-40B4-BE49-F238E27FC236}">
+                <a16:creationId xmlns:a16="http://schemas.microsoft.com/office/drawing/2014/main" id="{941FAA0D-744F-9F43-AF6F-27408C8D8AE5}"/>
+              </a:ext>
+            </a:extLst>
+          </p:cNvPr>
+          <p:cNvPicPr>
+            <a:picLocks noChangeAspect="1"/>
+          </p:cNvPicPr>
           <p:nvPr/>
-        </p:nvGrpSpPr>
-        <p:grpSpPr>
+        </p:nvPicPr>
+        <p:blipFill>
+          <a:blip r:embed="rId2">
+            <a:extLst>
+              <a:ext uri="{28A0092B-C50C-407E-A947-70E740481C1C}">
+                <a14:useLocalDpi xmlns:a14="http://schemas.microsoft.com/office/drawing/2010/main" val="0"/>
+              </a:ext>
+            </a:extLst>
+          </a:blip>
+          <a:stretch>
+            <a:fillRect/>
+          </a:stretch>
+        </p:blipFill>
+        <p:spPr>
           <a:xfrm>
-            <a:off x="1346537" y="1196078"/>
-            <a:ext cx="6468177" cy="5661922"/>
-            <a:chOff x="2396689" y="495038"/>
-            <a:chExt cx="6468177" cy="5661922"/>
+            <a:off x="553993" y="2417313"/>
+            <a:ext cx="2158445" cy="4464440"/>
           </a:xfrm>
-        </p:grpSpPr>
-        <p:sp>
-          <p:nvSpPr>
-            <p:cNvPr id="7" name="직사각형 6">
-              <a:extLst>
-                <a:ext uri="{FF2B5EF4-FFF2-40B4-BE49-F238E27FC236}">
-                  <a16:creationId xmlns:a16="http://schemas.microsoft.com/office/drawing/2014/main" id="{C3B04011-5AC4-72E7-42A1-D644D1C0E527}"/>
-                </a:ext>
-              </a:extLst>
-            </p:cNvPr>
-            <p:cNvSpPr/>
-            <p:nvPr/>
-          </p:nvSpPr>
-          <p:spPr>
-            <a:xfrm>
-              <a:off x="2396689" y="895149"/>
-              <a:ext cx="2338939" cy="5261811"/>
-            </a:xfrm>
-            <a:prstGeom prst="rect">
-              <a:avLst/>
-            </a:prstGeom>
+          <a:prstGeom prst="rect">
+            <a:avLst/>
+          </a:prstGeom>
+        </p:spPr>
+      </p:pic>
+      <p:sp>
+        <p:nvSpPr>
+          <p:cNvPr id="6" name="직사각형 5">
+            <a:extLst>
+              <a:ext uri="{FF2B5EF4-FFF2-40B4-BE49-F238E27FC236}">
+                <a16:creationId xmlns:a16="http://schemas.microsoft.com/office/drawing/2014/main" id="{BAD4357F-D61B-507A-A422-2D51FD697DAB}"/>
+              </a:ext>
+            </a:extLst>
+          </p:cNvPr>
+          <p:cNvSpPr/>
+          <p:nvPr/>
+        </p:nvSpPr>
+        <p:spPr>
+          <a:xfrm>
+            <a:off x="815787" y="3039035"/>
+            <a:ext cx="1631577" cy="1206690"/>
+          </a:xfrm>
+          <a:prstGeom prst="rect">
+            <a:avLst/>
+          </a:prstGeom>
+          <a:solidFill>
+            <a:srgbClr val="5A5D9D"/>
+          </a:solidFill>
+          <a:ln>
+            <a:noFill/>
+          </a:ln>
+          <a:effectLst>
+            <a:innerShdw blurRad="114300">
+              <a:prstClr val="black"/>
+            </a:innerShdw>
+          </a:effectLst>
+        </p:spPr>
+        <p:style>
+          <a:lnRef idx="2">
+            <a:schemeClr val="accent1">
+              <a:shade val="50000"/>
+            </a:schemeClr>
+          </a:lnRef>
+          <a:fillRef idx="1">
+            <a:schemeClr val="accent1"/>
+          </a:fillRef>
+          <a:effectRef idx="0">
+            <a:schemeClr val="accent1"/>
+          </a:effectRef>
+          <a:fontRef idx="minor">
+            <a:schemeClr val="lt1"/>
+          </a:fontRef>
+        </p:style>
+        <p:txBody>
+          <a:bodyPr rtlCol="0" anchor="ctr"/>
+          <a:lstStyle/>
+          <a:p>
+            <a:r>
+              <a:rPr lang="ko-KR" altLang="en-US" sz="2000"/>
+              <a:t>예시</a:t>
+            </a:r>
+            <a:r>
+              <a:rPr lang="en-US" altLang="ko-KR" sz="2000" dirty="0"/>
+              <a:t>) </a:t>
+            </a:r>
+            <a:r>
+              <a:rPr lang="ko-KR" altLang="en-US" sz="2000" dirty="0"/>
+              <a:t>한국교통대 </a:t>
+            </a:r>
+            <a:r>
+              <a:rPr lang="ko-KR" altLang="en-US" sz="2000" dirty="0" err="1"/>
+              <a:t>화이팅</a:t>
+            </a:r>
+            <a:endParaRPr lang="ko-KR" altLang="en-US" sz="2000" dirty="0"/>
+          </a:p>
+        </p:txBody>
+      </p:sp>
+      <p:sp>
+        <p:nvSpPr>
+          <p:cNvPr id="14" name="사각형: 둥근 모서리 13">
+            <a:extLst>
+              <a:ext uri="{FF2B5EF4-FFF2-40B4-BE49-F238E27FC236}">
+                <a16:creationId xmlns:a16="http://schemas.microsoft.com/office/drawing/2014/main" id="{881859C3-A4C5-A59C-57C1-27F0786A902E}"/>
+              </a:ext>
+            </a:extLst>
+          </p:cNvPr>
+          <p:cNvSpPr/>
+          <p:nvPr/>
+        </p:nvSpPr>
+        <p:spPr>
+          <a:xfrm>
+            <a:off x="815787" y="4649533"/>
+            <a:ext cx="1631577" cy="406400"/>
+          </a:xfrm>
+          <a:prstGeom prst="roundRect">
+            <a:avLst>
+              <a:gd name="adj" fmla="val 42982"/>
+            </a:avLst>
+          </a:prstGeom>
+          <a:solidFill>
+            <a:srgbClr val="002060"/>
+          </a:solidFill>
+          <a:ln>
+            <a:noFill/>
+          </a:ln>
+        </p:spPr>
+        <p:style>
+          <a:lnRef idx="2">
+            <a:schemeClr val="accent1">
+              <a:shade val="50000"/>
+            </a:schemeClr>
+          </a:lnRef>
+          <a:fillRef idx="1">
+            <a:schemeClr val="accent1"/>
+          </a:fillRef>
+          <a:effectRef idx="0">
+            <a:schemeClr val="accent1"/>
+          </a:effectRef>
+          <a:fontRef idx="minor">
+            <a:schemeClr val="lt1"/>
+          </a:fontRef>
+        </p:style>
+        <p:txBody>
+          <a:bodyPr rtlCol="0" anchor="ctr"/>
+          <a:lstStyle/>
+          <a:p>
+            <a:pPr algn="ctr"/>
+            <a:r>
+              <a:rPr lang="ko-KR" altLang="en-US" dirty="0">
+                <a:solidFill>
+                  <a:schemeClr val="bg2"/>
+                </a:solidFill>
+              </a:rPr>
+              <a:t>메모 읽기</a:t>
+            </a:r>
+          </a:p>
+        </p:txBody>
+      </p:sp>
+      <p:sp>
+        <p:nvSpPr>
+          <p:cNvPr id="15" name="사각형: 둥근 모서리 14">
+            <a:extLst>
+              <a:ext uri="{FF2B5EF4-FFF2-40B4-BE49-F238E27FC236}">
+                <a16:creationId xmlns:a16="http://schemas.microsoft.com/office/drawing/2014/main" id="{E8BE49EF-50BC-325E-28E8-7F634C28250A}"/>
+              </a:ext>
+            </a:extLst>
+          </p:cNvPr>
+          <p:cNvSpPr/>
+          <p:nvPr/>
+        </p:nvSpPr>
+        <p:spPr>
+          <a:xfrm>
+            <a:off x="815787" y="5129024"/>
+            <a:ext cx="1631577" cy="406400"/>
+          </a:xfrm>
+          <a:prstGeom prst="roundRect">
+            <a:avLst>
+              <a:gd name="adj" fmla="val 42982"/>
+            </a:avLst>
+          </a:prstGeom>
+          <a:solidFill>
+            <a:srgbClr val="5A5D9D"/>
+          </a:solidFill>
+          <a:ln>
+            <a:noFill/>
+          </a:ln>
+        </p:spPr>
+        <p:style>
+          <a:lnRef idx="2">
+            <a:schemeClr val="accent1">
+              <a:shade val="50000"/>
+            </a:schemeClr>
+          </a:lnRef>
+          <a:fillRef idx="1">
+            <a:schemeClr val="accent1"/>
+          </a:fillRef>
+          <a:effectRef idx="0">
+            <a:schemeClr val="accent1"/>
+          </a:effectRef>
+          <a:fontRef idx="minor">
+            <a:schemeClr val="lt1"/>
+          </a:fontRef>
+        </p:style>
+        <p:txBody>
+          <a:bodyPr rtlCol="0" anchor="ctr"/>
+          <a:lstStyle/>
+          <a:p>
+            <a:pPr algn="ctr"/>
+            <a:r>
+              <a:rPr lang="ko-KR" altLang="en-US" dirty="0">
+                <a:solidFill>
+                  <a:schemeClr val="bg2"/>
+                </a:solidFill>
+              </a:rPr>
+              <a:t>뒤로 가기</a:t>
+            </a:r>
+          </a:p>
+        </p:txBody>
+      </p:sp>
+      <p:cxnSp>
+        <p:nvCxnSpPr>
+          <p:cNvPr id="17" name="직선 화살표 연결선 16">
+            <a:extLst>
+              <a:ext uri="{FF2B5EF4-FFF2-40B4-BE49-F238E27FC236}">
+                <a16:creationId xmlns:a16="http://schemas.microsoft.com/office/drawing/2014/main" id="{2455B574-CAFA-C335-8A5B-03FC36FB9F49}"/>
+              </a:ext>
+            </a:extLst>
+          </p:cNvPr>
+          <p:cNvCxnSpPr>
+            <a:cxnSpLocks/>
+            <a:stCxn id="6" idx="3"/>
+          </p:cNvCxnSpPr>
+          <p:nvPr/>
+        </p:nvCxnSpPr>
+        <p:spPr>
+          <a:xfrm flipV="1">
+            <a:off x="2447364" y="3536576"/>
+            <a:ext cx="1927412" cy="105804"/>
+          </a:xfrm>
+          <a:prstGeom prst="straightConnector1">
+            <a:avLst/>
+          </a:prstGeom>
+          <a:ln w="25400">
             <a:solidFill>
-              <a:schemeClr val="bg1"/>
+              <a:srgbClr val="FF0000"/>
             </a:solidFill>
-            <a:ln>
-              <a:solidFill>
-                <a:schemeClr val="tx1"/>
-              </a:solidFill>
-            </a:ln>
-            <a:effectLst>
-              <a:outerShdw blurRad="50800" dist="38100" dir="5400000" algn="t" rotWithShape="0">
-                <a:prstClr val="black">
-                  <a:alpha val="40000"/>
-                </a:prstClr>
-              </a:outerShdw>
-            </a:effectLst>
-          </p:spPr>
-          <p:style>
-            <a:lnRef idx="2">
-              <a:schemeClr val="accent1">
-                <a:shade val="50000"/>
-              </a:schemeClr>
-            </a:lnRef>
-            <a:fillRef idx="1">
-              <a:schemeClr val="accent1"/>
-            </a:fillRef>
-            <a:effectRef idx="0">
-              <a:schemeClr val="accent1"/>
-            </a:effectRef>
-            <a:fontRef idx="minor">
-              <a:schemeClr val="lt1"/>
-            </a:fontRef>
-          </p:style>
-          <p:txBody>
-            <a:bodyPr rtlCol="0" anchor="ctr"/>
-            <a:lstStyle/>
-            <a:p>
-              <a:pPr algn="ctr"/>
-              <a:endParaRPr lang="ko-KR" altLang="en-US"/>
-            </a:p>
-          </p:txBody>
-        </p:sp>
-        <p:sp>
-          <p:nvSpPr>
-            <p:cNvPr id="8" name="직사각형 7">
-              <a:extLst>
-                <a:ext uri="{FF2B5EF4-FFF2-40B4-BE49-F238E27FC236}">
-                  <a16:creationId xmlns:a16="http://schemas.microsoft.com/office/drawing/2014/main" id="{FB9DC4AA-74E0-2279-55F3-53AC7A712EB4}"/>
-                </a:ext>
-              </a:extLst>
-            </p:cNvPr>
-            <p:cNvSpPr/>
-            <p:nvPr/>
-          </p:nvSpPr>
-          <p:spPr>
-            <a:xfrm>
-              <a:off x="6525927" y="895149"/>
-              <a:ext cx="2338939" cy="1451811"/>
-            </a:xfrm>
-            <a:prstGeom prst="rect">
-              <a:avLst/>
-            </a:prstGeom>
-            <a:solidFill>
-              <a:schemeClr val="bg1"/>
-            </a:solidFill>
-            <a:ln>
-              <a:solidFill>
-                <a:schemeClr val="tx1"/>
-              </a:solidFill>
-            </a:ln>
-            <a:effectLst>
-              <a:outerShdw blurRad="50800" dist="38100" dir="5400000" algn="t" rotWithShape="0">
-                <a:prstClr val="black">
-                  <a:alpha val="40000"/>
-                </a:prstClr>
-              </a:outerShdw>
-            </a:effectLst>
-          </p:spPr>
-          <p:style>
-            <a:lnRef idx="2">
-              <a:schemeClr val="accent1">
-                <a:shade val="50000"/>
-              </a:schemeClr>
-            </a:lnRef>
-            <a:fillRef idx="1">
-              <a:schemeClr val="accent1"/>
-            </a:fillRef>
-            <a:effectRef idx="0">
-              <a:schemeClr val="accent1"/>
-            </a:effectRef>
-            <a:fontRef idx="minor">
-              <a:schemeClr val="lt1"/>
-            </a:fontRef>
-          </p:style>
-          <p:txBody>
-            <a:bodyPr rtlCol="0" anchor="ctr"/>
-            <a:lstStyle/>
-            <a:p>
-              <a:pPr algn="ctr"/>
-              <a:endParaRPr lang="ko-KR" altLang="en-US"/>
-            </a:p>
-          </p:txBody>
-        </p:sp>
-        <p:sp>
-          <p:nvSpPr>
-            <p:cNvPr id="9" name="TextBox 8">
-              <a:extLst>
-                <a:ext uri="{FF2B5EF4-FFF2-40B4-BE49-F238E27FC236}">
-                  <a16:creationId xmlns:a16="http://schemas.microsoft.com/office/drawing/2014/main" id="{30F3A785-BEB1-CDDB-7484-12A67127AE26}"/>
-                </a:ext>
-              </a:extLst>
-            </p:cNvPr>
-            <p:cNvSpPr txBox="1"/>
-            <p:nvPr/>
-          </p:nvSpPr>
-          <p:spPr>
-            <a:xfrm>
-              <a:off x="2471777" y="495038"/>
-              <a:ext cx="2188761" cy="400110"/>
-            </a:xfrm>
-            <a:prstGeom prst="rect">
-              <a:avLst/>
-            </a:prstGeom>
-            <a:noFill/>
-          </p:spPr>
-          <p:txBody>
-            <a:bodyPr wrap="square" rtlCol="0">
-              <a:spAutoFit/>
-            </a:bodyPr>
-            <a:lstStyle/>
-            <a:p>
-              <a:pPr algn="ctr"/>
-              <a:r>
-                <a:rPr lang="en-US" altLang="ko-KR" sz="2000" dirty="0"/>
-                <a:t>User</a:t>
-              </a:r>
-              <a:endParaRPr lang="ko-KR" altLang="en-US" sz="2000" dirty="0"/>
-            </a:p>
-          </p:txBody>
-        </p:sp>
-        <p:sp>
-          <p:nvSpPr>
-            <p:cNvPr id="10" name="TextBox 9">
-              <a:extLst>
-                <a:ext uri="{FF2B5EF4-FFF2-40B4-BE49-F238E27FC236}">
-                  <a16:creationId xmlns:a16="http://schemas.microsoft.com/office/drawing/2014/main" id="{6B841447-1882-5FE3-1484-0AFDB14ACD77}"/>
-                </a:ext>
-              </a:extLst>
-            </p:cNvPr>
-            <p:cNvSpPr txBox="1"/>
-            <p:nvPr/>
-          </p:nvSpPr>
-          <p:spPr>
-            <a:xfrm>
-              <a:off x="6601015" y="495038"/>
-              <a:ext cx="2188761" cy="400110"/>
-            </a:xfrm>
-            <a:prstGeom prst="rect">
-              <a:avLst/>
-            </a:prstGeom>
-            <a:noFill/>
-          </p:spPr>
-          <p:txBody>
-            <a:bodyPr wrap="square" rtlCol="0">
-              <a:spAutoFit/>
-            </a:bodyPr>
-            <a:lstStyle/>
-            <a:p>
-              <a:pPr algn="ctr"/>
-              <a:r>
-                <a:rPr lang="ko-KR" altLang="en-US" sz="2000" dirty="0"/>
-                <a:t>로컬 </a:t>
-              </a:r>
-              <a:r>
-                <a:rPr lang="en-US" altLang="ko-KR" sz="2000" dirty="0"/>
-                <a:t>DB</a:t>
-              </a:r>
-              <a:endParaRPr lang="ko-KR" altLang="en-US" sz="2000" dirty="0"/>
-            </a:p>
-          </p:txBody>
-        </p:sp>
-        <p:sp>
-          <p:nvSpPr>
-            <p:cNvPr id="11" name="사각형: 둥근 모서리 10">
-              <a:extLst>
-                <a:ext uri="{FF2B5EF4-FFF2-40B4-BE49-F238E27FC236}">
-                  <a16:creationId xmlns:a16="http://schemas.microsoft.com/office/drawing/2014/main" id="{D843AE52-3018-D8A4-FF5E-B96C257E350F}"/>
-                </a:ext>
-              </a:extLst>
-            </p:cNvPr>
-            <p:cNvSpPr/>
-            <p:nvPr/>
-          </p:nvSpPr>
-          <p:spPr>
-            <a:xfrm>
-              <a:off x="2619472" y="1151410"/>
-              <a:ext cx="1876928" cy="914400"/>
-            </a:xfrm>
-            <a:prstGeom prst="roundRect">
-              <a:avLst/>
-            </a:prstGeom>
-            <a:solidFill>
-              <a:schemeClr val="bg1"/>
-            </a:solidFill>
-            <a:ln>
-              <a:solidFill>
-                <a:schemeClr val="tx1"/>
-              </a:solidFill>
-            </a:ln>
-          </p:spPr>
-          <p:style>
-            <a:lnRef idx="2">
-              <a:schemeClr val="accent1">
-                <a:shade val="50000"/>
-              </a:schemeClr>
-            </a:lnRef>
-            <a:fillRef idx="1">
-              <a:schemeClr val="accent1"/>
-            </a:fillRef>
-            <a:effectRef idx="0">
-              <a:schemeClr val="accent1"/>
-            </a:effectRef>
-            <a:fontRef idx="minor">
-              <a:schemeClr val="lt1"/>
-            </a:fontRef>
-          </p:style>
-          <p:txBody>
-            <a:bodyPr rtlCol="0" anchor="ctr"/>
-            <a:lstStyle/>
-            <a:p>
-              <a:pPr algn="ctr"/>
-              <a:r>
-                <a:rPr lang="en-US" altLang="ko-KR" dirty="0" err="1">
-                  <a:solidFill>
-                    <a:schemeClr val="tx1"/>
-                  </a:solidFill>
-                </a:rPr>
-                <a:t>MemoRecorder</a:t>
-              </a:r>
-              <a:endParaRPr lang="en-US" altLang="ko-KR" dirty="0">
+            <a:tailEnd type="triangle"/>
+          </a:ln>
+        </p:spPr>
+        <p:style>
+          <a:lnRef idx="1">
+            <a:schemeClr val="accent1"/>
+          </a:lnRef>
+          <a:fillRef idx="0">
+            <a:schemeClr val="accent1"/>
+          </a:fillRef>
+          <a:effectRef idx="0">
+            <a:schemeClr val="accent1"/>
+          </a:effectRef>
+          <a:fontRef idx="minor">
+            <a:schemeClr val="tx1"/>
+          </a:fontRef>
+        </p:style>
+      </p:cxnSp>
+      <p:sp>
+        <p:nvSpPr>
+          <p:cNvPr id="18" name="TextBox 17">
+            <a:extLst>
+              <a:ext uri="{FF2B5EF4-FFF2-40B4-BE49-F238E27FC236}">
+                <a16:creationId xmlns:a16="http://schemas.microsoft.com/office/drawing/2014/main" id="{169FB6A0-623E-50D3-1505-B76C0B2F83EB}"/>
+              </a:ext>
+            </a:extLst>
+          </p:cNvPr>
+          <p:cNvSpPr txBox="1"/>
+          <p:nvPr/>
+        </p:nvSpPr>
+        <p:spPr>
+          <a:xfrm>
+            <a:off x="4374776" y="3351910"/>
+            <a:ext cx="2882520" cy="369332"/>
+          </a:xfrm>
+          <a:prstGeom prst="rect">
+            <a:avLst/>
+          </a:prstGeom>
+          <a:noFill/>
+        </p:spPr>
+        <p:txBody>
+          <a:bodyPr wrap="none" rtlCol="0">
+            <a:spAutoFit/>
+          </a:bodyPr>
+          <a:lstStyle/>
+          <a:p>
+            <a:r>
+              <a:rPr lang="ko-KR" altLang="en-US" b="1" dirty="0">
                 <a:solidFill>
-                  <a:schemeClr val="tx1"/>
+                  <a:srgbClr val="FF0000"/>
                 </a:solidFill>
-              </a:endParaRPr>
-            </a:p>
-            <a:p>
-              <a:pPr algn="ctr"/>
-              <a:r>
-                <a:rPr lang="ko-KR" altLang="en-US" sz="1600" dirty="0">
-                  <a:solidFill>
-                    <a:schemeClr val="tx1"/>
-                  </a:solidFill>
-                </a:rPr>
-                <a:t>음성 녹음을 시작</a:t>
-              </a:r>
-              <a:endParaRPr lang="ko-KR" altLang="en-US" dirty="0">
-                <a:solidFill>
-                  <a:schemeClr val="tx1"/>
-                </a:solidFill>
-              </a:endParaRPr>
-            </a:p>
-          </p:txBody>
-        </p:sp>
-        <p:sp>
-          <p:nvSpPr>
-            <p:cNvPr id="12" name="사각형: 둥근 모서리 11">
-              <a:extLst>
-                <a:ext uri="{FF2B5EF4-FFF2-40B4-BE49-F238E27FC236}">
-                  <a16:creationId xmlns:a16="http://schemas.microsoft.com/office/drawing/2014/main" id="{21418427-C2DB-1297-9A85-854D85447E99}"/>
-                </a:ext>
-              </a:extLst>
-            </p:cNvPr>
-            <p:cNvSpPr/>
-            <p:nvPr/>
-          </p:nvSpPr>
-          <p:spPr>
-            <a:xfrm>
-              <a:off x="2619472" y="2429706"/>
-              <a:ext cx="1876928" cy="914400"/>
-            </a:xfrm>
-            <a:prstGeom prst="roundRect">
-              <a:avLst/>
-            </a:prstGeom>
-            <a:solidFill>
-              <a:schemeClr val="bg1"/>
-            </a:solidFill>
-            <a:ln>
-              <a:solidFill>
-                <a:schemeClr val="tx1"/>
-              </a:solidFill>
-            </a:ln>
-          </p:spPr>
-          <p:style>
-            <a:lnRef idx="2">
-              <a:schemeClr val="accent1">
-                <a:shade val="50000"/>
-              </a:schemeClr>
-            </a:lnRef>
-            <a:fillRef idx="1">
-              <a:schemeClr val="accent1"/>
-            </a:fillRef>
-            <a:effectRef idx="0">
-              <a:schemeClr val="accent1"/>
-            </a:effectRef>
-            <a:fontRef idx="minor">
-              <a:schemeClr val="lt1"/>
-            </a:fontRef>
-          </p:style>
-          <p:txBody>
-            <a:bodyPr rtlCol="0" anchor="ctr"/>
-            <a:lstStyle/>
-            <a:p>
-              <a:pPr algn="ctr"/>
-              <a:r>
-                <a:rPr lang="en-US" altLang="ko-KR" dirty="0" err="1">
-                  <a:solidFill>
-                    <a:schemeClr val="tx1"/>
-                  </a:solidFill>
-                </a:rPr>
-                <a:t>MemoSaver</a:t>
-              </a:r>
-              <a:endParaRPr lang="en-US" altLang="ko-KR" dirty="0">
-                <a:solidFill>
-                  <a:schemeClr val="tx1"/>
-                </a:solidFill>
-              </a:endParaRPr>
-            </a:p>
-            <a:p>
-              <a:pPr algn="ctr"/>
-              <a:r>
-                <a:rPr lang="ko-KR" altLang="en-US" sz="1600" dirty="0">
-                  <a:solidFill>
-                    <a:schemeClr val="tx1"/>
-                  </a:solidFill>
-                </a:rPr>
-                <a:t>녹음 파일을 저장</a:t>
-              </a:r>
-              <a:endParaRPr lang="ko-KR" altLang="en-US" dirty="0">
-                <a:solidFill>
-                  <a:schemeClr val="tx1"/>
-                </a:solidFill>
-              </a:endParaRPr>
-            </a:p>
-          </p:txBody>
-        </p:sp>
-        <p:sp>
-          <p:nvSpPr>
-            <p:cNvPr id="13" name="사각형: 둥근 모서리 12">
-              <a:extLst>
-                <a:ext uri="{FF2B5EF4-FFF2-40B4-BE49-F238E27FC236}">
-                  <a16:creationId xmlns:a16="http://schemas.microsoft.com/office/drawing/2014/main" id="{3C6B7C5D-A67E-25C6-2BB9-8C3FD0D34310}"/>
-                </a:ext>
-              </a:extLst>
-            </p:cNvPr>
-            <p:cNvSpPr/>
-            <p:nvPr/>
-          </p:nvSpPr>
-          <p:spPr>
-            <a:xfrm>
-              <a:off x="2619472" y="3708002"/>
-              <a:ext cx="1876928" cy="914400"/>
-            </a:xfrm>
-            <a:prstGeom prst="roundRect">
-              <a:avLst/>
-            </a:prstGeom>
-            <a:solidFill>
-              <a:schemeClr val="bg1"/>
-            </a:solidFill>
-            <a:ln>
-              <a:solidFill>
-                <a:schemeClr val="tx1"/>
-              </a:solidFill>
-            </a:ln>
-          </p:spPr>
-          <p:style>
-            <a:lnRef idx="2">
-              <a:schemeClr val="accent1">
-                <a:shade val="50000"/>
-              </a:schemeClr>
-            </a:lnRef>
-            <a:fillRef idx="1">
-              <a:schemeClr val="accent1"/>
-            </a:fillRef>
-            <a:effectRef idx="0">
-              <a:schemeClr val="accent1"/>
-            </a:effectRef>
-            <a:fontRef idx="minor">
-              <a:schemeClr val="lt1"/>
-            </a:fontRef>
-          </p:style>
-          <p:txBody>
-            <a:bodyPr rtlCol="0" anchor="ctr"/>
-            <a:lstStyle/>
-            <a:p>
-              <a:pPr algn="ctr"/>
-              <a:r>
-                <a:rPr lang="en-US" altLang="ko-KR" dirty="0" err="1">
-                  <a:solidFill>
-                    <a:schemeClr val="tx1"/>
-                  </a:solidFill>
-                </a:rPr>
-                <a:t>FileList</a:t>
-              </a:r>
-              <a:endParaRPr lang="en-US" altLang="ko-KR" dirty="0">
-                <a:solidFill>
-                  <a:schemeClr val="tx1"/>
-                </a:solidFill>
-              </a:endParaRPr>
-            </a:p>
-            <a:p>
-              <a:pPr algn="ctr"/>
-              <a:r>
-                <a:rPr lang="ko-KR" altLang="en-US" sz="1600" dirty="0">
-                  <a:solidFill>
-                    <a:schemeClr val="tx1"/>
-                  </a:solidFill>
-                </a:rPr>
-                <a:t>메모 파일 목록</a:t>
-              </a:r>
-              <a:endParaRPr lang="ko-KR" altLang="en-US" dirty="0">
-                <a:solidFill>
-                  <a:schemeClr val="tx1"/>
-                </a:solidFill>
-              </a:endParaRPr>
-            </a:p>
-          </p:txBody>
-        </p:sp>
-        <p:sp>
-          <p:nvSpPr>
-            <p:cNvPr id="14" name="사각형: 둥근 모서리 13">
-              <a:extLst>
-                <a:ext uri="{FF2B5EF4-FFF2-40B4-BE49-F238E27FC236}">
-                  <a16:creationId xmlns:a16="http://schemas.microsoft.com/office/drawing/2014/main" id="{6B146C09-8358-5389-AEA9-7F69D1C8366D}"/>
-                </a:ext>
-              </a:extLst>
-            </p:cNvPr>
-            <p:cNvSpPr/>
-            <p:nvPr/>
-          </p:nvSpPr>
-          <p:spPr>
-            <a:xfrm>
-              <a:off x="2619472" y="4986298"/>
-              <a:ext cx="1876928" cy="914400"/>
-            </a:xfrm>
-            <a:prstGeom prst="roundRect">
-              <a:avLst/>
-            </a:prstGeom>
-            <a:solidFill>
-              <a:schemeClr val="bg1"/>
-            </a:solidFill>
-            <a:ln>
-              <a:solidFill>
-                <a:schemeClr val="tx1"/>
-              </a:solidFill>
-            </a:ln>
-          </p:spPr>
-          <p:style>
-            <a:lnRef idx="2">
-              <a:schemeClr val="accent1">
-                <a:shade val="50000"/>
-              </a:schemeClr>
-            </a:lnRef>
-            <a:fillRef idx="1">
-              <a:schemeClr val="accent1"/>
-            </a:fillRef>
-            <a:effectRef idx="0">
-              <a:schemeClr val="accent1"/>
-            </a:effectRef>
-            <a:fontRef idx="minor">
-              <a:schemeClr val="lt1"/>
-            </a:fontRef>
-          </p:style>
-          <p:txBody>
-            <a:bodyPr rtlCol="0" anchor="ctr"/>
-            <a:lstStyle/>
-            <a:p>
-              <a:pPr algn="ctr"/>
-              <a:r>
-                <a:rPr lang="en-US" altLang="ko-KR" dirty="0" err="1">
-                  <a:solidFill>
-                    <a:schemeClr val="tx1"/>
-                  </a:solidFill>
-                </a:rPr>
-                <a:t>MemoPlayer</a:t>
-              </a:r>
-              <a:endParaRPr lang="en-US" altLang="ko-KR" dirty="0">
-                <a:solidFill>
-                  <a:schemeClr val="tx1"/>
-                </a:solidFill>
-              </a:endParaRPr>
-            </a:p>
-            <a:p>
-              <a:pPr algn="ctr"/>
-              <a:r>
-                <a:rPr lang="ko-KR" altLang="en-US" sz="1600" dirty="0">
-                  <a:solidFill>
-                    <a:schemeClr val="tx1"/>
-                  </a:solidFill>
-                </a:rPr>
-                <a:t>음성 메모를 재생</a:t>
-              </a:r>
-              <a:endParaRPr lang="ko-KR" altLang="en-US" dirty="0">
-                <a:solidFill>
-                  <a:schemeClr val="tx1"/>
-                </a:solidFill>
-              </a:endParaRPr>
-            </a:p>
-          </p:txBody>
-        </p:sp>
-        <p:sp>
-          <p:nvSpPr>
-            <p:cNvPr id="15" name="사각형: 둥근 모서리 14">
-              <a:extLst>
-                <a:ext uri="{FF2B5EF4-FFF2-40B4-BE49-F238E27FC236}">
-                  <a16:creationId xmlns:a16="http://schemas.microsoft.com/office/drawing/2014/main" id="{DBE34118-B76E-D8F1-3216-BD4B09243ACE}"/>
-                </a:ext>
-              </a:extLst>
-            </p:cNvPr>
-            <p:cNvSpPr/>
-            <p:nvPr/>
-          </p:nvSpPr>
-          <p:spPr>
-            <a:xfrm>
-              <a:off x="6756931" y="1165718"/>
-              <a:ext cx="1876928" cy="914400"/>
-            </a:xfrm>
-            <a:prstGeom prst="roundRect">
-              <a:avLst/>
-            </a:prstGeom>
-            <a:solidFill>
-              <a:schemeClr val="bg1"/>
-            </a:solidFill>
-            <a:ln>
-              <a:solidFill>
-                <a:schemeClr val="tx1"/>
-              </a:solidFill>
-            </a:ln>
-          </p:spPr>
-          <p:style>
-            <a:lnRef idx="2">
-              <a:schemeClr val="accent1">
-                <a:shade val="50000"/>
-              </a:schemeClr>
-            </a:lnRef>
-            <a:fillRef idx="1">
-              <a:schemeClr val="accent1"/>
-            </a:fillRef>
-            <a:effectRef idx="0">
-              <a:schemeClr val="accent1"/>
-            </a:effectRef>
-            <a:fontRef idx="minor">
-              <a:schemeClr val="lt1"/>
-            </a:fontRef>
-          </p:style>
-          <p:txBody>
-            <a:bodyPr rtlCol="0" anchor="ctr"/>
-            <a:lstStyle/>
-            <a:p>
-              <a:pPr algn="ctr"/>
-              <a:r>
-                <a:rPr lang="en-US" altLang="ko-KR" dirty="0" err="1">
-                  <a:solidFill>
-                    <a:schemeClr val="tx1"/>
-                  </a:solidFill>
-                </a:rPr>
-                <a:t>FileManager</a:t>
-              </a:r>
-              <a:endParaRPr lang="en-US" altLang="ko-KR" dirty="0">
-                <a:solidFill>
-                  <a:schemeClr val="tx1"/>
-                </a:solidFill>
-              </a:endParaRPr>
-            </a:p>
-            <a:p>
-              <a:pPr algn="ctr"/>
-              <a:r>
-                <a:rPr lang="ko-KR" altLang="en-US" sz="1600" dirty="0">
-                  <a:solidFill>
-                    <a:schemeClr val="tx1"/>
-                  </a:solidFill>
-                </a:rPr>
-                <a:t>음성 파일을 관리</a:t>
-              </a:r>
-              <a:endParaRPr lang="ko-KR" altLang="en-US" dirty="0">
-                <a:solidFill>
-                  <a:schemeClr val="tx1"/>
-                </a:solidFill>
-              </a:endParaRPr>
-            </a:p>
-          </p:txBody>
-        </p:sp>
-        <p:cxnSp>
-          <p:nvCxnSpPr>
-            <p:cNvPr id="16" name="직선 화살표 연결선 15">
-              <a:extLst>
-                <a:ext uri="{FF2B5EF4-FFF2-40B4-BE49-F238E27FC236}">
-                  <a16:creationId xmlns:a16="http://schemas.microsoft.com/office/drawing/2014/main" id="{D25A71D2-CF1C-BE2B-D2F9-A8F3475DA4A3}"/>
-                </a:ext>
-              </a:extLst>
-            </p:cNvPr>
-            <p:cNvCxnSpPr>
-              <a:stCxn id="11" idx="2"/>
-              <a:endCxn id="12" idx="0"/>
-            </p:cNvCxnSpPr>
-            <p:nvPr/>
-          </p:nvCxnSpPr>
-          <p:spPr>
-            <a:xfrm>
-              <a:off x="3557936" y="2065810"/>
-              <a:ext cx="0" cy="363896"/>
-            </a:xfrm>
-            <a:prstGeom prst="straightConnector1">
-              <a:avLst/>
-            </a:prstGeom>
-            <a:ln w="25400">
+              </a:rPr>
+              <a:t>손가락 제스처로 확대 가능</a:t>
+            </a:r>
+            <a:endParaRPr lang="en-US" altLang="ko-KR" b="1" dirty="0">
               <a:solidFill>
                 <a:srgbClr val="FF0000"/>
               </a:solidFill>
-              <a:tailEnd type="triangle"/>
-            </a:ln>
-          </p:spPr>
-          <p:style>
-            <a:lnRef idx="1">
-              <a:schemeClr val="accent1"/>
-            </a:lnRef>
-            <a:fillRef idx="0">
-              <a:schemeClr val="accent1"/>
-            </a:fillRef>
-            <a:effectRef idx="0">
-              <a:schemeClr val="accent1"/>
-            </a:effectRef>
-            <a:fontRef idx="minor">
-              <a:schemeClr val="tx1"/>
-            </a:fontRef>
-          </p:style>
-        </p:cxnSp>
-        <p:cxnSp>
-          <p:nvCxnSpPr>
-            <p:cNvPr id="17" name="연결선: 꺾임 16">
-              <a:extLst>
-                <a:ext uri="{FF2B5EF4-FFF2-40B4-BE49-F238E27FC236}">
-                  <a16:creationId xmlns:a16="http://schemas.microsoft.com/office/drawing/2014/main" id="{F9D4E6C9-D873-26A8-A316-435300530C12}"/>
-                </a:ext>
-              </a:extLst>
-            </p:cNvPr>
-            <p:cNvCxnSpPr>
-              <a:stCxn id="12" idx="3"/>
-              <a:endCxn id="15" idx="1"/>
-            </p:cNvCxnSpPr>
-            <p:nvPr/>
-          </p:nvCxnSpPr>
-          <p:spPr>
-            <a:xfrm flipV="1">
-              <a:off x="4496400" y="1622918"/>
-              <a:ext cx="2260531" cy="1263988"/>
-            </a:xfrm>
-            <a:prstGeom prst="bentConnector3">
-              <a:avLst/>
-            </a:prstGeom>
-            <a:ln w="25400">
+            </a:endParaRPr>
+          </a:p>
+        </p:txBody>
+      </p:sp>
+      <p:cxnSp>
+        <p:nvCxnSpPr>
+          <p:cNvPr id="21" name="직선 화살표 연결선 20">
+            <a:extLst>
+              <a:ext uri="{FF2B5EF4-FFF2-40B4-BE49-F238E27FC236}">
+                <a16:creationId xmlns:a16="http://schemas.microsoft.com/office/drawing/2014/main" id="{83A4CD72-2B0C-FF00-FA66-5C279572D37B}"/>
+              </a:ext>
+            </a:extLst>
+          </p:cNvPr>
+          <p:cNvCxnSpPr/>
+          <p:nvPr/>
+        </p:nvCxnSpPr>
+        <p:spPr>
+          <a:xfrm flipV="1">
+            <a:off x="2447364" y="4804593"/>
+            <a:ext cx="1927412" cy="1"/>
+          </a:xfrm>
+          <a:prstGeom prst="straightConnector1">
+            <a:avLst/>
+          </a:prstGeom>
+          <a:ln w="25400">
+            <a:solidFill>
+              <a:srgbClr val="FF0000"/>
+            </a:solidFill>
+            <a:tailEnd type="triangle"/>
+          </a:ln>
+        </p:spPr>
+        <p:style>
+          <a:lnRef idx="1">
+            <a:schemeClr val="accent1"/>
+          </a:lnRef>
+          <a:fillRef idx="0">
+            <a:schemeClr val="accent1"/>
+          </a:fillRef>
+          <a:effectRef idx="0">
+            <a:schemeClr val="accent1"/>
+          </a:effectRef>
+          <a:fontRef idx="minor">
+            <a:schemeClr val="tx1"/>
+          </a:fontRef>
+        </p:style>
+      </p:cxnSp>
+      <p:sp>
+        <p:nvSpPr>
+          <p:cNvPr id="22" name="TextBox 21">
+            <a:extLst>
+              <a:ext uri="{FF2B5EF4-FFF2-40B4-BE49-F238E27FC236}">
+                <a16:creationId xmlns:a16="http://schemas.microsoft.com/office/drawing/2014/main" id="{B225451F-9982-18C2-A067-5E7B311D1BE6}"/>
+              </a:ext>
+            </a:extLst>
+          </p:cNvPr>
+          <p:cNvSpPr txBox="1"/>
+          <p:nvPr/>
+        </p:nvSpPr>
+        <p:spPr>
+          <a:xfrm>
+            <a:off x="4374776" y="4668067"/>
+            <a:ext cx="2137124" cy="369332"/>
+          </a:xfrm>
+          <a:prstGeom prst="rect">
+            <a:avLst/>
+          </a:prstGeom>
+          <a:noFill/>
+        </p:spPr>
+        <p:txBody>
+          <a:bodyPr wrap="none" rtlCol="0">
+            <a:spAutoFit/>
+          </a:bodyPr>
+          <a:lstStyle/>
+          <a:p>
+            <a:r>
+              <a:rPr lang="ko-KR" altLang="en-US" b="1" dirty="0">
+                <a:solidFill>
+                  <a:srgbClr val="FF0000"/>
+                </a:solidFill>
+              </a:rPr>
+              <a:t>메모 내용을 </a:t>
+            </a:r>
+            <a:r>
+              <a:rPr lang="ko-KR" altLang="en-US" b="1" dirty="0" err="1">
+                <a:solidFill>
+                  <a:srgbClr val="FF0000"/>
+                </a:solidFill>
+              </a:rPr>
+              <a:t>읽어줌</a:t>
+            </a:r>
+            <a:endParaRPr lang="en-US" altLang="ko-KR" b="1" dirty="0">
               <a:solidFill>
                 <a:srgbClr val="FF0000"/>
               </a:solidFill>
-              <a:tailEnd type="triangle"/>
-            </a:ln>
-          </p:spPr>
-          <p:style>
-            <a:lnRef idx="1">
-              <a:schemeClr val="accent1"/>
-            </a:lnRef>
-            <a:fillRef idx="0">
-              <a:schemeClr val="accent1"/>
-            </a:fillRef>
-            <a:effectRef idx="0">
-              <a:schemeClr val="accent1"/>
-            </a:effectRef>
-            <a:fontRef idx="minor">
-              <a:schemeClr val="tx1"/>
-            </a:fontRef>
-          </p:style>
-        </p:cxnSp>
-        <p:cxnSp>
-          <p:nvCxnSpPr>
-            <p:cNvPr id="18" name="연결선: 꺾임 17">
-              <a:extLst>
-                <a:ext uri="{FF2B5EF4-FFF2-40B4-BE49-F238E27FC236}">
-                  <a16:creationId xmlns:a16="http://schemas.microsoft.com/office/drawing/2014/main" id="{778EC304-BFEC-A2C6-F463-C5B69162EE33}"/>
-                </a:ext>
-              </a:extLst>
-            </p:cNvPr>
-            <p:cNvCxnSpPr>
-              <a:stCxn id="15" idx="2"/>
-              <a:endCxn id="13" idx="3"/>
-            </p:cNvCxnSpPr>
-            <p:nvPr/>
-          </p:nvCxnSpPr>
-          <p:spPr>
-            <a:xfrm rot="5400000">
-              <a:off x="5053356" y="1523163"/>
-              <a:ext cx="2085084" cy="3198995"/>
-            </a:xfrm>
-            <a:prstGeom prst="bentConnector2">
-              <a:avLst/>
-            </a:prstGeom>
-            <a:ln w="25400">
-              <a:solidFill>
-                <a:srgbClr val="FF0000"/>
-              </a:solidFill>
-              <a:tailEnd type="triangle"/>
-            </a:ln>
-          </p:spPr>
-          <p:style>
-            <a:lnRef idx="1">
-              <a:schemeClr val="accent1"/>
-            </a:lnRef>
-            <a:fillRef idx="0">
-              <a:schemeClr val="accent1"/>
-            </a:fillRef>
-            <a:effectRef idx="0">
-              <a:schemeClr val="accent1"/>
-            </a:effectRef>
-            <a:fontRef idx="minor">
-              <a:schemeClr val="tx1"/>
-            </a:fontRef>
-          </p:style>
-        </p:cxnSp>
-        <p:cxnSp>
-          <p:nvCxnSpPr>
-            <p:cNvPr id="19" name="직선 화살표 연결선 18">
-              <a:extLst>
-                <a:ext uri="{FF2B5EF4-FFF2-40B4-BE49-F238E27FC236}">
-                  <a16:creationId xmlns:a16="http://schemas.microsoft.com/office/drawing/2014/main" id="{0FE9B5D8-1E68-7F0B-7604-735935C88287}"/>
-                </a:ext>
-              </a:extLst>
-            </p:cNvPr>
-            <p:cNvCxnSpPr>
-              <a:stCxn id="13" idx="2"/>
-              <a:endCxn id="14" idx="0"/>
-            </p:cNvCxnSpPr>
-            <p:nvPr/>
-          </p:nvCxnSpPr>
-          <p:spPr>
-            <a:xfrm>
-              <a:off x="3557936" y="4622402"/>
-              <a:ext cx="0" cy="363896"/>
-            </a:xfrm>
-            <a:prstGeom prst="straightConnector1">
-              <a:avLst/>
-            </a:prstGeom>
-            <a:ln w="25400">
-              <a:solidFill>
-                <a:srgbClr val="FF0000"/>
-              </a:solidFill>
-              <a:tailEnd type="triangle"/>
-            </a:ln>
-          </p:spPr>
-          <p:style>
-            <a:lnRef idx="1">
-              <a:schemeClr val="accent1"/>
-            </a:lnRef>
-            <a:fillRef idx="0">
-              <a:schemeClr val="accent1"/>
-            </a:fillRef>
-            <a:effectRef idx="0">
-              <a:schemeClr val="accent1"/>
-            </a:effectRef>
-            <a:fontRef idx="minor">
-              <a:schemeClr val="tx1"/>
-            </a:fontRef>
-          </p:style>
-        </p:cxnSp>
-      </p:grpSp>
+            </a:endParaRPr>
+          </a:p>
+        </p:txBody>
+      </p:sp>
     </p:spTree>
     <p:extLst>
       <p:ext uri="{BB962C8B-B14F-4D97-AF65-F5344CB8AC3E}">
-        <p14:creationId xmlns:p14="http://schemas.microsoft.com/office/powerpoint/2010/main" val="3455297731"/>
+        <p14:creationId xmlns:p14="http://schemas.microsoft.com/office/powerpoint/2010/main" val="2931906446"/>
+      </p:ext>
+    </p:extLst>
+  </p:cSld>
+  <p:clrMapOvr>
+    <a:masterClrMapping/>
+  </p:clrMapOvr>
+</p:sld>
+</file>
+
+<file path=ppt/slides/slide7.xml><?xml version="1.0" encoding="utf-8"?>
+<p:sld xmlns:a="http://schemas.openxmlformats.org/drawingml/2006/main" xmlns:r="http://schemas.openxmlformats.org/officeDocument/2006/relationships" xmlns:p="http://schemas.openxmlformats.org/presentationml/2006/main">
+  <p:cSld>
+    <p:spTree>
+      <p:nvGrpSpPr>
+        <p:cNvPr id="1" name=""/>
+        <p:cNvGrpSpPr/>
+        <p:nvPr/>
+      </p:nvGrpSpPr>
+      <p:grpSpPr>
+        <a:xfrm>
+          <a:off x="0" y="0"/>
+          <a:ext cx="0" cy="0"/>
+          <a:chOff x="0" y="0"/>
+          <a:chExt cx="0" cy="0"/>
+        </a:xfrm>
+      </p:grpSpPr>
+      <p:sp>
+        <p:nvSpPr>
+          <p:cNvPr id="2" name="제목 1">
+            <a:extLst>
+              <a:ext uri="{FF2B5EF4-FFF2-40B4-BE49-F238E27FC236}">
+                <a16:creationId xmlns:a16="http://schemas.microsoft.com/office/drawing/2014/main" id="{F2C45FC5-204F-B5B5-5E59-9BA3851834D9}"/>
+              </a:ext>
+            </a:extLst>
+          </p:cNvPr>
+          <p:cNvSpPr>
+            <a:spLocks noGrp="1"/>
+          </p:cNvSpPr>
+          <p:nvPr>
+            <p:ph type="title"/>
+          </p:nvPr>
+        </p:nvSpPr>
+        <p:spPr/>
+        <p:txBody>
+          <a:bodyPr/>
+          <a:lstStyle/>
+          <a:p>
+            <a:r>
+              <a:rPr lang="ko-KR" altLang="en-US" dirty="0"/>
+              <a:t>주요 기능</a:t>
+            </a:r>
+            <a:r>
+              <a:rPr lang="en-US" altLang="ko-KR" dirty="0"/>
+              <a:t> </a:t>
+            </a:r>
+            <a:endParaRPr lang="ko-KR" altLang="en-US" dirty="0"/>
+          </a:p>
+        </p:txBody>
+      </p:sp>
+      <p:sp>
+        <p:nvSpPr>
+          <p:cNvPr id="3" name="내용 개체 틀 2">
+            <a:extLst>
+              <a:ext uri="{FF2B5EF4-FFF2-40B4-BE49-F238E27FC236}">
+                <a16:creationId xmlns:a16="http://schemas.microsoft.com/office/drawing/2014/main" id="{81BCD1FC-C346-DE47-0A1C-E983E7E247E8}"/>
+              </a:ext>
+            </a:extLst>
+          </p:cNvPr>
+          <p:cNvSpPr>
+            <a:spLocks noGrp="1"/>
+          </p:cNvSpPr>
+          <p:nvPr>
+            <p:ph idx="1"/>
+          </p:nvPr>
+        </p:nvSpPr>
+        <p:spPr/>
+        <p:txBody>
+          <a:bodyPr/>
+          <a:lstStyle/>
+          <a:p>
+            <a:r>
+              <a:rPr lang="ko-KR" altLang="en-US" dirty="0"/>
+              <a:t>메모에 날짜나 시간을 입력하면 앱 내 존재하는 캘린더 기능과 알람 기능에 자동으로 등록되어 음성으로 알려주는 기능을 제공합니다</a:t>
+            </a:r>
+            <a:r>
+              <a:rPr lang="en-US" altLang="ko-KR" dirty="0"/>
+              <a:t>. </a:t>
+            </a:r>
+            <a:r>
+              <a:rPr lang="ko-KR" altLang="en-US" dirty="0"/>
+              <a:t>예를 들어 </a:t>
+            </a:r>
+            <a:r>
+              <a:rPr lang="en-US" altLang="ko-KR" dirty="0"/>
+              <a:t>‘</a:t>
+            </a:r>
+            <a:r>
+              <a:rPr lang="ko-KR" altLang="en-US" dirty="0"/>
+              <a:t>내일 오후 </a:t>
+            </a:r>
+            <a:r>
+              <a:rPr lang="en-US" altLang="ko-KR" dirty="0"/>
+              <a:t>1</a:t>
+            </a:r>
+            <a:r>
+              <a:rPr lang="ko-KR" altLang="en-US" dirty="0"/>
+              <a:t>시에 </a:t>
+            </a:r>
+            <a:r>
+              <a:rPr lang="ko-KR" altLang="en-US" dirty="0" err="1"/>
+              <a:t>인공지능’을</a:t>
+            </a:r>
+            <a:r>
+              <a:rPr lang="ko-KR" altLang="en-US" dirty="0"/>
+              <a:t> 기록하게 되면 앱 내 캘린더에 자동으로 해당 일정이 등록되고</a:t>
+            </a:r>
+            <a:r>
+              <a:rPr lang="en-US" altLang="ko-KR" dirty="0"/>
+              <a:t>, </a:t>
+            </a:r>
+            <a:r>
+              <a:rPr lang="ko-KR" altLang="en-US" dirty="0"/>
+              <a:t>당일 오후 </a:t>
+            </a:r>
+            <a:r>
+              <a:rPr lang="en-US" altLang="ko-KR" dirty="0"/>
+              <a:t>1</a:t>
+            </a:r>
+            <a:r>
+              <a:rPr lang="ko-KR" altLang="en-US" dirty="0"/>
+              <a:t>시에 음성으로 알림이 오도록 합니다</a:t>
+            </a:r>
+            <a:r>
+              <a:rPr lang="en-US" altLang="ko-KR" dirty="0"/>
+              <a:t>.</a:t>
+            </a:r>
+            <a:endParaRPr lang="ko-KR" altLang="en-US" dirty="0"/>
+          </a:p>
+        </p:txBody>
+      </p:sp>
+      <p:sp>
+        <p:nvSpPr>
+          <p:cNvPr id="4" name="슬라이드 번호 개체 틀 3">
+            <a:extLst>
+              <a:ext uri="{FF2B5EF4-FFF2-40B4-BE49-F238E27FC236}">
+                <a16:creationId xmlns:a16="http://schemas.microsoft.com/office/drawing/2014/main" id="{D88A7F1E-9BCA-7D5A-B32F-AE5B2C457840}"/>
+              </a:ext>
+            </a:extLst>
+          </p:cNvPr>
+          <p:cNvSpPr>
+            <a:spLocks noGrp="1"/>
+          </p:cNvSpPr>
+          <p:nvPr>
+            <p:ph type="sldNum" sz="quarter" idx="12"/>
+          </p:nvPr>
+        </p:nvSpPr>
+        <p:spPr/>
+        <p:txBody>
+          <a:bodyPr/>
+          <a:lstStyle/>
+          <a:p>
+            <a:fld id="{2F00E46C-ED49-42AD-BB6D-7499E1F08A71}" type="slidenum">
+              <a:rPr lang="ko-KR" altLang="en-US" smtClean="0"/>
+              <a:t>7</a:t>
+            </a:fld>
+            <a:endParaRPr lang="ko-KR" altLang="en-US"/>
+          </a:p>
+        </p:txBody>
+      </p:sp>
+    </p:spTree>
+    <p:extLst>
+      <p:ext uri="{BB962C8B-B14F-4D97-AF65-F5344CB8AC3E}">
+        <p14:creationId xmlns:p14="http://schemas.microsoft.com/office/powerpoint/2010/main" val="318889263"/>
+      </p:ext>
+    </p:extLst>
+  </p:cSld>
+  <p:clrMapOvr>
+    <a:masterClrMapping/>
+  </p:clrMapOvr>
+</p:sld>
+</file>
+
+<file path=ppt/slides/slide8.xml><?xml version="1.0" encoding="utf-8"?>
+<p:sld xmlns:a="http://schemas.openxmlformats.org/drawingml/2006/main" xmlns:r="http://schemas.openxmlformats.org/officeDocument/2006/relationships" xmlns:p="http://schemas.openxmlformats.org/presentationml/2006/main">
+  <p:cSld>
+    <p:spTree>
+      <p:nvGrpSpPr>
+        <p:cNvPr id="1" name=""/>
+        <p:cNvGrpSpPr/>
+        <p:nvPr/>
+      </p:nvGrpSpPr>
+      <p:grpSpPr>
+        <a:xfrm>
+          <a:off x="0" y="0"/>
+          <a:ext cx="0" cy="0"/>
+          <a:chOff x="0" y="0"/>
+          <a:chExt cx="0" cy="0"/>
+        </a:xfrm>
+      </p:grpSpPr>
+      <p:sp>
+        <p:nvSpPr>
+          <p:cNvPr id="2" name="제목 1">
+            <a:extLst>
+              <a:ext uri="{FF2B5EF4-FFF2-40B4-BE49-F238E27FC236}">
+                <a16:creationId xmlns:a16="http://schemas.microsoft.com/office/drawing/2014/main" id="{87A51400-60D4-788E-02AF-DF6C99A42C85}"/>
+              </a:ext>
+            </a:extLst>
+          </p:cNvPr>
+          <p:cNvSpPr>
+            <a:spLocks noGrp="1"/>
+          </p:cNvSpPr>
+          <p:nvPr>
+            <p:ph type="title"/>
+          </p:nvPr>
+        </p:nvSpPr>
+        <p:spPr/>
+        <p:txBody>
+          <a:bodyPr/>
+          <a:lstStyle/>
+          <a:p>
+            <a:r>
+              <a:rPr lang="ko-KR" altLang="en-US" dirty="0"/>
+              <a:t>주요 기능</a:t>
+            </a:r>
+            <a:r>
+              <a:rPr lang="en-US" altLang="ko-KR" dirty="0"/>
+              <a:t> </a:t>
+            </a:r>
+            <a:endParaRPr lang="ko-KR" altLang="en-US" dirty="0"/>
+          </a:p>
+        </p:txBody>
+      </p:sp>
+      <p:sp>
+        <p:nvSpPr>
+          <p:cNvPr id="3" name="내용 개체 틀 2">
+            <a:extLst>
+              <a:ext uri="{FF2B5EF4-FFF2-40B4-BE49-F238E27FC236}">
+                <a16:creationId xmlns:a16="http://schemas.microsoft.com/office/drawing/2014/main" id="{526991B8-0B87-1095-BB98-92FA1B524B93}"/>
+              </a:ext>
+            </a:extLst>
+          </p:cNvPr>
+          <p:cNvSpPr>
+            <a:spLocks noGrp="1"/>
+          </p:cNvSpPr>
+          <p:nvPr>
+            <p:ph idx="1"/>
+          </p:nvPr>
+        </p:nvSpPr>
+        <p:spPr/>
+        <p:txBody>
+          <a:bodyPr/>
+          <a:lstStyle/>
+          <a:p>
+            <a:r>
+              <a:rPr lang="ko-KR" altLang="en-US" dirty="0"/>
+              <a:t>메모 상에서 전화번호나 이메일 주소를 말하게 되면 해당하는 연락처를 추가할 지를 녹음을 종료한 후 묻는 기능이 있습니다</a:t>
+            </a:r>
+            <a:r>
+              <a:rPr lang="en-US" altLang="ko-KR" dirty="0"/>
+              <a:t>.</a:t>
+            </a:r>
+            <a:r>
+              <a:rPr lang="ko-KR" altLang="en-US" dirty="0"/>
+              <a:t>예를 들어</a:t>
+            </a:r>
+            <a:r>
+              <a:rPr lang="en-US" altLang="ko-KR" dirty="0"/>
+              <a:t>, </a:t>
+            </a:r>
+            <a:r>
+              <a:rPr lang="ko-KR" altLang="en-US" dirty="0"/>
+              <a:t>녹음 앱에서 </a:t>
+            </a:r>
+            <a:r>
+              <a:rPr lang="en-US" altLang="ko-KR" dirty="0"/>
+              <a:t>＇</a:t>
+            </a:r>
+            <a:r>
+              <a:rPr lang="ko-KR" altLang="en-US" dirty="0"/>
+              <a:t>최신호 </a:t>
+            </a:r>
+            <a:r>
+              <a:rPr lang="en-US" altLang="ko-KR" dirty="0"/>
+              <a:t>01012345678 </a:t>
+            </a:r>
+            <a:r>
+              <a:rPr lang="en-US" altLang="ko-KR" dirty="0">
+                <a:hlinkClick r:id="rId2"/>
+              </a:rPr>
+              <a:t>choish@gmail.com’</a:t>
+            </a:r>
+            <a:r>
+              <a:rPr lang="ko-KR" altLang="en-US" dirty="0">
+                <a:hlinkClick r:id="rId2"/>
+              </a:rPr>
+              <a:t>이라고</a:t>
+            </a:r>
+            <a:r>
+              <a:rPr lang="ko-KR" altLang="en-US" dirty="0"/>
+              <a:t> 말하면 이를 인식하여 연락처에 추가할 지를 묻는 기능이 있습니다</a:t>
+            </a:r>
+            <a:r>
+              <a:rPr lang="en-US" altLang="ko-KR" dirty="0"/>
+              <a:t>.</a:t>
+            </a:r>
+          </a:p>
+          <a:p>
+            <a:r>
+              <a:rPr lang="ko-KR" altLang="en-US" dirty="0"/>
+              <a:t>이 경우 </a:t>
+            </a:r>
+            <a:r>
+              <a:rPr lang="en-US" altLang="ko-KR" dirty="0"/>
+              <a:t>@</a:t>
+            </a:r>
+            <a:r>
+              <a:rPr lang="ko-KR" altLang="en-US" dirty="0"/>
+              <a:t>의 경우 일반적으로 </a:t>
+            </a:r>
+            <a:r>
+              <a:rPr lang="en-US" altLang="ko-KR" dirty="0"/>
+              <a:t>“</a:t>
+            </a:r>
+            <a:r>
+              <a:rPr lang="ko-KR" altLang="en-US" dirty="0" err="1"/>
+              <a:t>골뱅이</a:t>
+            </a:r>
+            <a:r>
+              <a:rPr lang="en-US" altLang="ko-KR" dirty="0"/>
+              <a:t>”</a:t>
+            </a:r>
+            <a:r>
+              <a:rPr lang="ko-KR" altLang="en-US" dirty="0"/>
+              <a:t>라고 발음하는 경우가 많은데</a:t>
+            </a:r>
+            <a:r>
+              <a:rPr lang="en-US" altLang="ko-KR" dirty="0"/>
+              <a:t>, </a:t>
+            </a:r>
+            <a:r>
+              <a:rPr lang="ko-KR" altLang="en-US" dirty="0"/>
+              <a:t>이 또한 자동으로 변환합니다</a:t>
+            </a:r>
+            <a:r>
+              <a:rPr lang="en-US" altLang="ko-KR" dirty="0"/>
+              <a:t>.</a:t>
+            </a:r>
+            <a:endParaRPr lang="ko-KR" altLang="en-US" dirty="0"/>
+          </a:p>
+        </p:txBody>
+      </p:sp>
+      <p:sp>
+        <p:nvSpPr>
+          <p:cNvPr id="4" name="슬라이드 번호 개체 틀 3">
+            <a:extLst>
+              <a:ext uri="{FF2B5EF4-FFF2-40B4-BE49-F238E27FC236}">
+                <a16:creationId xmlns:a16="http://schemas.microsoft.com/office/drawing/2014/main" id="{2A676701-7789-2AEE-5467-F1B7AF326AC4}"/>
+              </a:ext>
+            </a:extLst>
+          </p:cNvPr>
+          <p:cNvSpPr>
+            <a:spLocks noGrp="1"/>
+          </p:cNvSpPr>
+          <p:nvPr>
+            <p:ph type="sldNum" sz="quarter" idx="12"/>
+          </p:nvPr>
+        </p:nvSpPr>
+        <p:spPr/>
+        <p:txBody>
+          <a:bodyPr/>
+          <a:lstStyle/>
+          <a:p>
+            <a:fld id="{2F00E46C-ED49-42AD-BB6D-7499E1F08A71}" type="slidenum">
+              <a:rPr lang="ko-KR" altLang="en-US" smtClean="0"/>
+              <a:t>8</a:t>
+            </a:fld>
+            <a:endParaRPr lang="ko-KR" altLang="en-US"/>
+          </a:p>
+        </p:txBody>
+      </p:sp>
+    </p:spTree>
+    <p:extLst>
+      <p:ext uri="{BB962C8B-B14F-4D97-AF65-F5344CB8AC3E}">
+        <p14:creationId xmlns:p14="http://schemas.microsoft.com/office/powerpoint/2010/main" val="3745981789"/>
+      </p:ext>
+    </p:extLst>
+  </p:cSld>
+  <p:clrMapOvr>
+    <a:masterClrMapping/>
+  </p:clrMapOvr>
+</p:sld>
+</file>
+
+<file path=ppt/slides/slide9.xml><?xml version="1.0" encoding="utf-8"?>
+<p:sld xmlns:a="http://schemas.openxmlformats.org/drawingml/2006/main" xmlns:r="http://schemas.openxmlformats.org/officeDocument/2006/relationships" xmlns:p="http://schemas.openxmlformats.org/presentationml/2006/main">
+  <p:cSld>
+    <p:spTree>
+      <p:nvGrpSpPr>
+        <p:cNvPr id="1" name=""/>
+        <p:cNvGrpSpPr/>
+        <p:nvPr/>
+      </p:nvGrpSpPr>
+      <p:grpSpPr>
+        <a:xfrm>
+          <a:off x="0" y="0"/>
+          <a:ext cx="0" cy="0"/>
+          <a:chOff x="0" y="0"/>
+          <a:chExt cx="0" cy="0"/>
+        </a:xfrm>
+      </p:grpSpPr>
+      <p:sp>
+        <p:nvSpPr>
+          <p:cNvPr id="2" name="제목 1">
+            <a:extLst>
+              <a:ext uri="{FF2B5EF4-FFF2-40B4-BE49-F238E27FC236}">
+                <a16:creationId xmlns:a16="http://schemas.microsoft.com/office/drawing/2014/main" id="{F0AADE48-5588-3731-A317-6FD0F9EC657F}"/>
+              </a:ext>
+            </a:extLst>
+          </p:cNvPr>
+          <p:cNvSpPr>
+            <a:spLocks noGrp="1"/>
+          </p:cNvSpPr>
+          <p:nvPr>
+            <p:ph type="title"/>
+          </p:nvPr>
+        </p:nvSpPr>
+        <p:spPr/>
+        <p:txBody>
+          <a:bodyPr/>
+          <a:lstStyle/>
+          <a:p>
+            <a:r>
+              <a:rPr lang="ko-KR" altLang="en-US" dirty="0"/>
+              <a:t>주요 기능</a:t>
+            </a:r>
+            <a:r>
+              <a:rPr lang="en-US" altLang="ko-KR" dirty="0"/>
+              <a:t> </a:t>
+            </a:r>
+            <a:endParaRPr lang="ko-KR" altLang="en-US" dirty="0"/>
+          </a:p>
+        </p:txBody>
+      </p:sp>
+      <p:sp>
+        <p:nvSpPr>
+          <p:cNvPr id="3" name="내용 개체 틀 2">
+            <a:extLst>
+              <a:ext uri="{FF2B5EF4-FFF2-40B4-BE49-F238E27FC236}">
+                <a16:creationId xmlns:a16="http://schemas.microsoft.com/office/drawing/2014/main" id="{82D663C6-3048-D6B7-BCBD-24D57460E256}"/>
+              </a:ext>
+            </a:extLst>
+          </p:cNvPr>
+          <p:cNvSpPr>
+            <a:spLocks noGrp="1"/>
+          </p:cNvSpPr>
+          <p:nvPr>
+            <p:ph idx="1"/>
+          </p:nvPr>
+        </p:nvSpPr>
+        <p:spPr/>
+        <p:txBody>
+          <a:bodyPr/>
+          <a:lstStyle/>
+          <a:p>
+            <a:r>
+              <a:rPr lang="ko-KR" altLang="en-US" dirty="0"/>
+              <a:t>메모에 주소를 기록하면</a:t>
+            </a:r>
+            <a:r>
+              <a:rPr lang="en-US" altLang="ko-KR" dirty="0"/>
+              <a:t>, </a:t>
+            </a:r>
+            <a:r>
+              <a:rPr lang="ko-KR" altLang="en-US" dirty="0"/>
+              <a:t>메모를 빠져나오기 전에 지도로 연결할 지를 물어보고 음성으로 길 안내를 해주기 까지를 기능을 제공합니다</a:t>
+            </a:r>
+            <a:r>
+              <a:rPr lang="en-US" altLang="ko-KR" dirty="0"/>
+              <a:t>. </a:t>
+            </a:r>
+            <a:r>
+              <a:rPr lang="ko-KR" altLang="en-US" dirty="0"/>
+              <a:t>네이버지도 또는 구글 지도의 </a:t>
+            </a:r>
+            <a:r>
+              <a:rPr lang="en-US" altLang="ko-KR" dirty="0"/>
+              <a:t>API</a:t>
+            </a:r>
+            <a:r>
+              <a:rPr lang="ko-KR" altLang="en-US" dirty="0"/>
+              <a:t>를 활용해 해당하는 장소까지 음성으로 안내하도록 구현할 예정입니다</a:t>
+            </a:r>
+            <a:r>
+              <a:rPr lang="en-US" altLang="ko-KR" dirty="0"/>
+              <a:t>. </a:t>
+            </a:r>
+            <a:r>
+              <a:rPr lang="ko-KR" altLang="en-US" dirty="0"/>
+              <a:t>음성 안내의 경우 해당하는 지도 앱의 자체 기능을 사용합니다</a:t>
+            </a:r>
+            <a:r>
+              <a:rPr lang="en-US" altLang="ko-KR" dirty="0"/>
+              <a:t>. (</a:t>
+            </a:r>
+            <a:r>
+              <a:rPr lang="ko-KR" altLang="en-US" dirty="0"/>
+              <a:t>네이버 </a:t>
+            </a:r>
+            <a:r>
+              <a:rPr lang="ko-KR" altLang="en-US" dirty="0" err="1"/>
+              <a:t>클로바</a:t>
+            </a:r>
+            <a:r>
+              <a:rPr lang="ko-KR" altLang="en-US" dirty="0"/>
+              <a:t> 길안내 등</a:t>
+            </a:r>
+            <a:r>
+              <a:rPr lang="en-US" altLang="ko-KR" dirty="0"/>
+              <a:t>)</a:t>
+            </a:r>
+            <a:endParaRPr lang="ko-KR" altLang="en-US" dirty="0"/>
+          </a:p>
+        </p:txBody>
+      </p:sp>
+      <p:sp>
+        <p:nvSpPr>
+          <p:cNvPr id="4" name="슬라이드 번호 개체 틀 3">
+            <a:extLst>
+              <a:ext uri="{FF2B5EF4-FFF2-40B4-BE49-F238E27FC236}">
+                <a16:creationId xmlns:a16="http://schemas.microsoft.com/office/drawing/2014/main" id="{60EFDA79-B448-562D-5C8B-6B22D57439EB}"/>
+              </a:ext>
+            </a:extLst>
+          </p:cNvPr>
+          <p:cNvSpPr>
+            <a:spLocks noGrp="1"/>
+          </p:cNvSpPr>
+          <p:nvPr>
+            <p:ph type="sldNum" sz="quarter" idx="12"/>
+          </p:nvPr>
+        </p:nvSpPr>
+        <p:spPr/>
+        <p:txBody>
+          <a:bodyPr/>
+          <a:lstStyle/>
+          <a:p>
+            <a:fld id="{2F00E46C-ED49-42AD-BB6D-7499E1F08A71}" type="slidenum">
+              <a:rPr lang="ko-KR" altLang="en-US" smtClean="0"/>
+              <a:t>9</a:t>
+            </a:fld>
+            <a:endParaRPr lang="ko-KR" altLang="en-US"/>
+          </a:p>
+        </p:txBody>
+      </p:sp>
+    </p:spTree>
+    <p:extLst>
+      <p:ext uri="{BB962C8B-B14F-4D97-AF65-F5344CB8AC3E}">
+        <p14:creationId xmlns:p14="http://schemas.microsoft.com/office/powerpoint/2010/main" val="1679617667"/>
       </p:ext>
     </p:extLst>
   </p:cSld>

--- a/2022-2-PreCapstoneDesign-최종보고서.pptx
+++ b/2022-2-PreCapstoneDesign-최종보고서.pptx
@@ -5,22 +5,23 @@
     <p:sldMasterId id="2147483660" r:id="rId1"/>
   </p:sldMasterIdLst>
   <p:notesMasterIdLst>
-    <p:notesMasterId r:id="rId15"/>
+    <p:notesMasterId r:id="rId16"/>
   </p:notesMasterIdLst>
   <p:sldIdLst>
     <p:sldId id="256" r:id="rId2"/>
     <p:sldId id="348" r:id="rId3"/>
     <p:sldId id="346" r:id="rId4"/>
-    <p:sldId id="351" r:id="rId5"/>
-    <p:sldId id="353" r:id="rId6"/>
-    <p:sldId id="352" r:id="rId7"/>
-    <p:sldId id="354" r:id="rId8"/>
-    <p:sldId id="355" r:id="rId9"/>
-    <p:sldId id="356" r:id="rId10"/>
-    <p:sldId id="357" r:id="rId11"/>
-    <p:sldId id="358" r:id="rId12"/>
-    <p:sldId id="359" r:id="rId13"/>
-    <p:sldId id="360" r:id="rId14"/>
+    <p:sldId id="361" r:id="rId5"/>
+    <p:sldId id="351" r:id="rId6"/>
+    <p:sldId id="353" r:id="rId7"/>
+    <p:sldId id="352" r:id="rId8"/>
+    <p:sldId id="354" r:id="rId9"/>
+    <p:sldId id="355" r:id="rId10"/>
+    <p:sldId id="356" r:id="rId11"/>
+    <p:sldId id="357" r:id="rId12"/>
+    <p:sldId id="358" r:id="rId13"/>
+    <p:sldId id="359" r:id="rId14"/>
+    <p:sldId id="360" r:id="rId15"/>
   </p:sldIdLst>
   <p:sldSz cx="9144000" cy="6858000" type="screen4x3"/>
   <p:notesSz cx="6858000" cy="9144000"/>
@@ -497,7 +498,7 @@
           <a:p>
             <a:fld id="{E7F6F9A2-9DD7-4BFD-8560-ED9D186197C6}" type="datetimeFigureOut">
               <a:rPr lang="ko-KR" altLang="en-US" smtClean="0"/>
-              <a:t>2023-04-05</a:t>
+              <a:t>2023-04-08</a:t>
             </a:fld>
             <a:endParaRPr lang="ko-KR" altLang="en-US"/>
           </a:p>
@@ -4411,7 +4412,7 @@
           <p:cNvPr id="2" name="제목 1">
             <a:extLst>
               <a:ext uri="{FF2B5EF4-FFF2-40B4-BE49-F238E27FC236}">
-                <a16:creationId xmlns:a16="http://schemas.microsoft.com/office/drawing/2014/main" id="{84608098-9710-2FE1-77B3-C607CC95D111}"/>
+                <a16:creationId xmlns:a16="http://schemas.microsoft.com/office/drawing/2014/main" id="{F0AADE48-5588-3731-A317-6FD0F9EC657F}"/>
               </a:ext>
             </a:extLst>
           </p:cNvPr>
@@ -4429,8 +4430,13 @@
           <a:p>
             <a:r>
               <a:rPr lang="ko-KR" altLang="en-US" dirty="0"/>
-              <a:t>장점 분석</a:t>
-            </a:r>
+              <a:t>주요 기능</a:t>
+            </a:r>
+            <a:r>
+              <a:rPr lang="en-US" altLang="ko-KR" dirty="0"/>
+              <a:t> </a:t>
+            </a:r>
+            <a:endParaRPr lang="ko-KR" altLang="en-US" dirty="0"/>
           </a:p>
         </p:txBody>
       </p:sp>
@@ -4439,7 +4445,7 @@
           <p:cNvPr id="3" name="내용 개체 틀 2">
             <a:extLst>
               <a:ext uri="{FF2B5EF4-FFF2-40B4-BE49-F238E27FC236}">
-                <a16:creationId xmlns:a16="http://schemas.microsoft.com/office/drawing/2014/main" id="{7468426A-9869-B3C4-3EA1-3C398FAEB264}"/>
+                <a16:creationId xmlns:a16="http://schemas.microsoft.com/office/drawing/2014/main" id="{82D663C6-3048-D6B7-BCBD-24D57460E256}"/>
               </a:ext>
             </a:extLst>
           </p:cNvPr>
@@ -4450,21 +4456,22 @@
             <p:ph idx="1"/>
           </p:nvPr>
         </p:nvSpPr>
-        <p:spPr>
-          <a:xfrm>
-            <a:off x="439947" y="1199626"/>
-            <a:ext cx="8281359" cy="5389433"/>
-          </a:xfrm>
-        </p:spPr>
-        <p:txBody>
-          <a:bodyPr>
-            <a:normAutofit fontScale="92500" lnSpcReduction="10000"/>
-          </a:bodyPr>
-          <a:lstStyle/>
-          <a:p>
-            <a:r>
-              <a:rPr lang="ko-KR" altLang="en-US" dirty="0"/>
-              <a:t>음성으로 메모를 작성할 수 있습니다</a:t>
+        <p:spPr/>
+        <p:txBody>
+          <a:bodyPr/>
+          <a:lstStyle/>
+          <a:p>
+            <a:r>
+              <a:rPr lang="ko-KR" altLang="en-US" dirty="0"/>
+              <a:t>메모에 주소를 기록하면</a:t>
+            </a:r>
+            <a:r>
+              <a:rPr lang="en-US" altLang="ko-KR" dirty="0"/>
+              <a:t>, </a:t>
+            </a:r>
+            <a:r>
+              <a:rPr lang="ko-KR" altLang="en-US" dirty="0"/>
+              <a:t>메모를 빠져나오기 전에 지도로 연결할 지를 물어보고 음성으로 길 안내를 해주기 까지를 기능을 제공합니다</a:t>
             </a:r>
             <a:r>
               <a:rPr lang="en-US" altLang="ko-KR" dirty="0"/>
@@ -4472,7 +4479,15 @@
             </a:r>
             <a:r>
               <a:rPr lang="ko-KR" altLang="en-US" dirty="0"/>
-              <a:t>시각장애인은 키보드를 사용하기 어려울 수 있기 때문에 음성으로 메모를 작성하는 것이 편리합니다</a:t>
+              <a:t>네이버지도 또는 구글 지도의 </a:t>
+            </a:r>
+            <a:r>
+              <a:rPr lang="en-US" altLang="ko-KR" dirty="0"/>
+              <a:t>API</a:t>
+            </a:r>
+            <a:r>
+              <a:rPr lang="ko-KR" altLang="en-US" dirty="0"/>
+              <a:t>를 활용해 해당하는 장소까지 음성으로 안내하도록 구현할 예정입니다</a:t>
             </a:r>
             <a:r>
               <a:rPr lang="en-US" altLang="ko-KR" dirty="0"/>
@@ -4480,228 +4495,29 @@
             </a:r>
             <a:r>
               <a:rPr lang="ko-KR" altLang="en-US" dirty="0"/>
-              <a:t>또한</a:t>
+              <a:t>음성 안내의 경우 해당하는 지도 앱의 자체 기능을 사용합니다</a:t>
             </a:r>
             <a:r>
               <a:rPr lang="en-US" altLang="ko-KR" dirty="0"/>
-              <a:t>, </a:t>
-            </a:r>
-            <a:r>
-              <a:rPr lang="ko-KR" altLang="en-US" dirty="0"/>
-              <a:t>음성으로 메모의 제목과 내용을 구분하고</a:t>
+              <a:t>. (</a:t>
+            </a:r>
+            <a:r>
+              <a:rPr lang="ko-KR" altLang="en-US" dirty="0"/>
+              <a:t>네이버 </a:t>
+            </a:r>
+            <a:r>
+              <a:rPr lang="ko-KR" altLang="en-US" dirty="0" err="1"/>
+              <a:t>클로바</a:t>
+            </a:r>
+            <a:r>
+              <a:rPr lang="ko-KR" altLang="en-US" dirty="0"/>
+              <a:t> 길안내 등</a:t>
             </a:r>
             <a:r>
               <a:rPr lang="en-US" altLang="ko-KR" dirty="0"/>
-              <a:t>, </a:t>
-            </a:r>
-            <a:r>
-              <a:rPr lang="ko-KR" altLang="en-US" dirty="0"/>
-              <a:t>수정하고</a:t>
-            </a:r>
-            <a:r>
-              <a:rPr lang="en-US" altLang="ko-KR" dirty="0"/>
-              <a:t>, </a:t>
-            </a:r>
-            <a:r>
-              <a:rPr lang="ko-KR" altLang="en-US" dirty="0"/>
-              <a:t>삭제할 수 있습니다</a:t>
-            </a:r>
-            <a:r>
-              <a:rPr lang="en-US" altLang="ko-KR" dirty="0"/>
-              <a:t>.</a:t>
-            </a:r>
-          </a:p>
-          <a:p>
-            <a:r>
-              <a:rPr lang="ko-KR" altLang="en-US" dirty="0"/>
-              <a:t>메모를 저장하고 관리할 수 있습니다</a:t>
-            </a:r>
-            <a:r>
-              <a:rPr lang="en-US" altLang="ko-KR" dirty="0"/>
-              <a:t>. </a:t>
-            </a:r>
-            <a:r>
-              <a:rPr lang="ko-KR" altLang="en-US" dirty="0"/>
-              <a:t>시각장애인은 화면을 보기 어려울 수 있기 때문에 음성으로 메모를 저장하고 관리하는 것이 편리합니다</a:t>
-            </a:r>
-            <a:r>
-              <a:rPr lang="en-US" altLang="ko-KR" dirty="0"/>
-              <a:t>. </a:t>
-            </a:r>
-            <a:r>
-              <a:rPr lang="ko-KR" altLang="en-US" dirty="0"/>
-              <a:t>또한</a:t>
-            </a:r>
-            <a:r>
-              <a:rPr lang="en-US" altLang="ko-KR" dirty="0"/>
-              <a:t>, </a:t>
-            </a:r>
-            <a:r>
-              <a:rPr lang="ko-KR" altLang="en-US" dirty="0"/>
-              <a:t>폴더별로 메모를 관리하고</a:t>
-            </a:r>
-            <a:r>
-              <a:rPr lang="en-US" altLang="ko-KR" dirty="0"/>
-              <a:t>, </a:t>
-            </a:r>
-            <a:r>
-              <a:rPr lang="ko-KR" altLang="en-US" dirty="0"/>
-              <a:t>검색하여 내용을 다시 확인하거나 인식되는 기능을 수행합니다</a:t>
-            </a:r>
-            <a:r>
-              <a:rPr lang="en-US" altLang="ko-KR" dirty="0"/>
-              <a:t>. </a:t>
-            </a:r>
-            <a:r>
-              <a:rPr lang="ko-KR" altLang="en-US" dirty="0"/>
-              <a:t>음성으로 된 메모는 카카오톡이나 기타 메시지로 보내거나</a:t>
-            </a:r>
-            <a:r>
-              <a:rPr lang="en-US" altLang="ko-KR" dirty="0"/>
-              <a:t>, SNS</a:t>
-            </a:r>
-            <a:r>
-              <a:rPr lang="ko-KR" altLang="en-US" dirty="0"/>
-              <a:t>에 게시할 수도 있습니다</a:t>
-            </a:r>
-            <a:r>
-              <a:rPr lang="en-US" altLang="ko-KR" dirty="0"/>
-              <a:t>.</a:t>
-            </a:r>
-          </a:p>
-          <a:p>
-            <a:r>
-              <a:rPr lang="ko-KR" altLang="en-US" dirty="0"/>
-              <a:t>앱 내 캘린더와 알람 기능은 음성으로 일정의 제목</a:t>
-            </a:r>
-            <a:r>
-              <a:rPr lang="en-US" altLang="ko-KR" dirty="0"/>
-              <a:t>, </a:t>
-            </a:r>
-            <a:r>
-              <a:rPr lang="ko-KR" altLang="en-US" dirty="0"/>
-              <a:t>위치</a:t>
-            </a:r>
-            <a:r>
-              <a:rPr lang="en-US" altLang="ko-KR" dirty="0"/>
-              <a:t>, </a:t>
-            </a:r>
-            <a:r>
-              <a:rPr lang="ko-KR" altLang="en-US" dirty="0"/>
-              <a:t>날짜</a:t>
-            </a:r>
-            <a:r>
-              <a:rPr lang="en-US" altLang="ko-KR" dirty="0"/>
-              <a:t>, </a:t>
-            </a:r>
-            <a:r>
-              <a:rPr lang="ko-KR" altLang="en-US" dirty="0"/>
-              <a:t>시간</a:t>
-            </a:r>
-            <a:r>
-              <a:rPr lang="en-US" altLang="ko-KR" dirty="0"/>
-              <a:t>, </a:t>
-            </a:r>
-            <a:r>
-              <a:rPr lang="ko-KR" altLang="en-US" dirty="0" err="1"/>
-              <a:t>해야할</a:t>
-            </a:r>
-            <a:r>
-              <a:rPr lang="ko-KR" altLang="en-US" dirty="0"/>
-              <a:t> 일</a:t>
-            </a:r>
-            <a:r>
-              <a:rPr lang="en-US" altLang="ko-KR" dirty="0"/>
-              <a:t>, </a:t>
-            </a:r>
-            <a:r>
-              <a:rPr lang="ko-KR" altLang="en-US" dirty="0"/>
-              <a:t>만나야 할 사람</a:t>
-            </a:r>
-            <a:r>
-              <a:rPr lang="en-US" altLang="ko-KR" dirty="0"/>
-              <a:t> </a:t>
-            </a:r>
-            <a:r>
-              <a:rPr lang="ko-KR" altLang="en-US" dirty="0"/>
-              <a:t>등을 기록한 상태에서 알림을 받을 수 있습니다</a:t>
-            </a:r>
-            <a:r>
-              <a:rPr lang="en-US" altLang="ko-KR" dirty="0"/>
-              <a:t>. </a:t>
-            </a:r>
-            <a:r>
-              <a:rPr lang="ko-KR" altLang="en-US" dirty="0"/>
-              <a:t>이러한 기능은 스마트폰 자체 음성비서 서비스에 비해 더 구체적이고 사용자에게 친화적입니다</a:t>
-            </a:r>
-            <a:r>
-              <a:rPr lang="en-US" altLang="ko-KR" dirty="0"/>
-              <a:t>.</a:t>
-            </a:r>
-          </a:p>
-          <a:p>
-            <a:r>
-              <a:rPr lang="ko-KR" altLang="en-US" dirty="0"/>
-              <a:t>그 밖에도 메모에서 전화번호나 이메일 주소 등을 자동으로 인식하고 연락처에 추가할 지를 묻거나</a:t>
-            </a:r>
-            <a:r>
-              <a:rPr lang="en-US" altLang="ko-KR" dirty="0"/>
-              <a:t>,</a:t>
-            </a:r>
-            <a:r>
-              <a:rPr lang="ko-KR" altLang="en-US" dirty="0"/>
-              <a:t> </a:t>
-            </a:r>
-            <a:r>
-              <a:rPr lang="ko-KR" altLang="en-US" b="0" i="0" dirty="0">
-                <a:solidFill>
-                  <a:srgbClr val="111111"/>
-                </a:solidFill>
-                <a:effectLst/>
-                <a:latin typeface="-apple-system"/>
-              </a:rPr>
-              <a:t>주소를 인식하여 지도를 열어서 음성으로 길 안내를 할 지를 묻는 등을 지원하며</a:t>
-            </a:r>
-            <a:r>
-              <a:rPr lang="en-US" altLang="ko-KR" b="0" i="0" dirty="0">
-                <a:solidFill>
-                  <a:srgbClr val="111111"/>
-                </a:solidFill>
-                <a:effectLst/>
-                <a:latin typeface="-apple-system"/>
-              </a:rPr>
-              <a:t>, </a:t>
-            </a:r>
-            <a:r>
-              <a:rPr lang="ko-KR" altLang="en-US" dirty="0">
-                <a:solidFill>
-                  <a:srgbClr val="111111"/>
-                </a:solidFill>
-                <a:latin typeface="-apple-system"/>
-              </a:rPr>
-              <a:t>이에 </a:t>
-            </a:r>
-            <a:r>
-              <a:rPr lang="ko-KR" altLang="en-US" b="0" i="0" dirty="0">
-                <a:solidFill>
-                  <a:srgbClr val="111111"/>
-                </a:solidFill>
-                <a:effectLst/>
-                <a:latin typeface="-apple-system"/>
-              </a:rPr>
-              <a:t>따라 사용자의 의존도가 높아지면서 향후 업데이트를 통해 더 많은 기능을 추가할 수 있습니다</a:t>
-            </a:r>
-            <a:r>
-              <a:rPr lang="en-US" altLang="ko-KR" b="0" i="0" dirty="0">
-                <a:solidFill>
-                  <a:srgbClr val="111111"/>
-                </a:solidFill>
-                <a:effectLst/>
-                <a:latin typeface="-apple-system"/>
-              </a:rPr>
-              <a:t>.</a:t>
-            </a:r>
-            <a:endParaRPr lang="en-US" altLang="ko-KR" dirty="0"/>
+              <a:t>)</a:t>
+            </a:r>
+            <a:endParaRPr lang="ko-KR" altLang="en-US" dirty="0"/>
           </a:p>
         </p:txBody>
       </p:sp>
@@ -4710,7 +4526,7 @@
           <p:cNvPr id="4" name="슬라이드 번호 개체 틀 3">
             <a:extLst>
               <a:ext uri="{FF2B5EF4-FFF2-40B4-BE49-F238E27FC236}">
-                <a16:creationId xmlns:a16="http://schemas.microsoft.com/office/drawing/2014/main" id="{5CD09EEB-402F-C85C-FD0F-F577A16FF05E}"/>
+                <a16:creationId xmlns:a16="http://schemas.microsoft.com/office/drawing/2014/main" id="{60EFDA79-B448-562D-5C8B-6B22D57439EB}"/>
               </a:ext>
             </a:extLst>
           </p:cNvPr>
@@ -4737,7 +4553,7 @@
     </p:spTree>
     <p:extLst>
       <p:ext uri="{BB962C8B-B14F-4D97-AF65-F5344CB8AC3E}">
-        <p14:creationId xmlns:p14="http://schemas.microsoft.com/office/powerpoint/2010/main" val="516328828"/>
+        <p14:creationId xmlns:p14="http://schemas.microsoft.com/office/powerpoint/2010/main" val="1679617667"/>
       </p:ext>
     </p:extLst>
   </p:cSld>
@@ -4769,7 +4585,7 @@
           <p:cNvPr id="2" name="제목 1">
             <a:extLst>
               <a:ext uri="{FF2B5EF4-FFF2-40B4-BE49-F238E27FC236}">
-                <a16:creationId xmlns:a16="http://schemas.microsoft.com/office/drawing/2014/main" id="{10CE78C1-FE3B-5F6A-5117-77AFD9BCEED0}"/>
+                <a16:creationId xmlns:a16="http://schemas.microsoft.com/office/drawing/2014/main" id="{84608098-9710-2FE1-77B3-C607CC95D111}"/>
               </a:ext>
             </a:extLst>
           </p:cNvPr>
@@ -4787,7 +4603,7 @@
           <a:p>
             <a:r>
               <a:rPr lang="ko-KR" altLang="en-US" dirty="0"/>
-              <a:t>취약점 분석</a:t>
+              <a:t>장점 분석</a:t>
             </a:r>
           </a:p>
         </p:txBody>
@@ -4797,7 +4613,7 @@
           <p:cNvPr id="3" name="내용 개체 틀 2">
             <a:extLst>
               <a:ext uri="{FF2B5EF4-FFF2-40B4-BE49-F238E27FC236}">
-                <a16:creationId xmlns:a16="http://schemas.microsoft.com/office/drawing/2014/main" id="{9B94B080-B56E-C8E8-CE78-12D5033DC963}"/>
+                <a16:creationId xmlns:a16="http://schemas.microsoft.com/office/drawing/2014/main" id="{7468426A-9869-B3C4-3EA1-3C398FAEB264}"/>
               </a:ext>
             </a:extLst>
           </p:cNvPr>
@@ -4808,14 +4624,21 @@
             <p:ph idx="1"/>
           </p:nvPr>
         </p:nvSpPr>
-        <p:spPr/>
-        <p:txBody>
-          <a:bodyPr/>
-          <a:lstStyle/>
-          <a:p>
-            <a:r>
-              <a:rPr lang="ko-KR" altLang="en-US" dirty="0"/>
-              <a:t>음성 인식의 정확도와 속도는 사용자가 음성으로 메모를 작성하고 관리할 때 매우 중요한 요소입니다</a:t>
+        <p:spPr>
+          <a:xfrm>
+            <a:off x="439947" y="1199626"/>
+            <a:ext cx="8281359" cy="5389433"/>
+          </a:xfrm>
+        </p:spPr>
+        <p:txBody>
+          <a:bodyPr>
+            <a:normAutofit fontScale="92500" lnSpcReduction="10000"/>
+          </a:bodyPr>
+          <a:lstStyle/>
+          <a:p>
+            <a:r>
+              <a:rPr lang="ko-KR" altLang="en-US" dirty="0"/>
+              <a:t>음성으로 메모를 작성할 수 있습니다</a:t>
             </a:r>
             <a:r>
               <a:rPr lang="en-US" altLang="ko-KR" dirty="0"/>
@@ -4823,7 +4646,15 @@
             </a:r>
             <a:r>
               <a:rPr lang="ko-KR" altLang="en-US" dirty="0"/>
-              <a:t>사용자가 말한 내용을 정확하게 텍스트로 변환하고</a:t>
+              <a:t>시각장애인은 키보드를 사용하기 어려울 수 있기 때문에 음성으로 메모를 작성하는 것이 편리합니다</a:t>
+            </a:r>
+            <a:r>
+              <a:rPr lang="en-US" altLang="ko-KR" dirty="0"/>
+              <a:t>. </a:t>
+            </a:r>
+            <a:r>
+              <a:rPr lang="ko-KR" altLang="en-US" dirty="0"/>
+              <a:t>또한</a:t>
             </a:r>
             <a:r>
               <a:rPr lang="en-US" altLang="ko-KR" dirty="0"/>
@@ -4831,7 +4662,33 @@
             </a:r>
             <a:r>
               <a:rPr lang="ko-KR" altLang="en-US" dirty="0"/>
-              <a:t>빠르게 저장하고 검색할 수 있어야 합니다</a:t>
+              <a:t>음성으로 메모의 제목과 내용을 구분하고</a:t>
+            </a:r>
+            <a:r>
+              <a:rPr lang="en-US" altLang="ko-KR" dirty="0"/>
+              <a:t>, </a:t>
+            </a:r>
+            <a:r>
+              <a:rPr lang="ko-KR" altLang="en-US" dirty="0"/>
+              <a:t>수정하고</a:t>
+            </a:r>
+            <a:r>
+              <a:rPr lang="en-US" altLang="ko-KR" dirty="0"/>
+              <a:t>, </a:t>
+            </a:r>
+            <a:r>
+              <a:rPr lang="ko-KR" altLang="en-US" dirty="0"/>
+              <a:t>삭제할 수 있습니다</a:t>
+            </a:r>
+            <a:r>
+              <a:rPr lang="en-US" altLang="ko-KR" dirty="0"/>
+              <a:t>.</a:t>
+            </a:r>
+          </a:p>
+          <a:p>
+            <a:r>
+              <a:rPr lang="ko-KR" altLang="en-US" dirty="0"/>
+              <a:t>메모를 저장하고 관리할 수 있습니다</a:t>
             </a:r>
             <a:r>
               <a:rPr lang="en-US" altLang="ko-KR" dirty="0"/>
@@ -4839,39 +4696,186 @@
             </a:r>
             <a:r>
               <a:rPr lang="ko-KR" altLang="en-US" dirty="0"/>
-              <a:t>음성 인식의 오류나 지연이 발생하면 사용자의 만족도가 떨어질 수 있습니다</a:t>
+              <a:t>시각장애인은 화면을 보기 어려울 수 있기 때문에 음성으로 메모를 저장하고 관리하는 것이 편리합니다</a:t>
             </a:r>
             <a:r>
               <a:rPr lang="en-US" altLang="ko-KR" dirty="0"/>
               <a:t>. </a:t>
             </a:r>
-          </a:p>
-          <a:p>
-            <a:r>
-              <a:rPr lang="ko-KR" altLang="en-US" dirty="0"/>
-              <a:t>특히 사투리</a:t>
+            <a:r>
+              <a:rPr lang="ko-KR" altLang="en-US" dirty="0"/>
+              <a:t>또한</a:t>
             </a:r>
             <a:r>
               <a:rPr lang="en-US" altLang="ko-KR" dirty="0"/>
-              <a:t>(</a:t>
-            </a:r>
-            <a:r>
-              <a:rPr lang="ko-KR" altLang="en-US" dirty="0"/>
-              <a:t>방언</a:t>
+              <a:t>, </a:t>
+            </a:r>
+            <a:r>
+              <a:rPr lang="ko-KR" altLang="en-US" dirty="0"/>
+              <a:t>폴더별로 메모를 관리하고</a:t>
             </a:r>
             <a:r>
               <a:rPr lang="en-US" altLang="ko-KR" dirty="0"/>
-              <a:t>), </a:t>
-            </a:r>
-            <a:r>
-              <a:rPr lang="ko-KR" altLang="en-US" dirty="0"/>
-              <a:t>외국어와 같이 지원하지 않는 용어를 사용하게 될 경우 메모의 인식 기능이 원활하게 작동하지 않을 수 있으므로 이에 대한 예외처리가 준비되어 있어야 합니다</a:t>
+              <a:t>, </a:t>
+            </a:r>
+            <a:r>
+              <a:rPr lang="ko-KR" altLang="en-US" dirty="0"/>
+              <a:t>검색하여 내용을 다시 확인하거나 인식되는 기능을 수행합니다</a:t>
+            </a:r>
+            <a:r>
+              <a:rPr lang="en-US" altLang="ko-KR" dirty="0"/>
+              <a:t>. </a:t>
+            </a:r>
+            <a:r>
+              <a:rPr lang="ko-KR" altLang="en-US" dirty="0"/>
+              <a:t>음성으로 된 메모는 카카오톡이나 기타 메시지로 보내거나</a:t>
+            </a:r>
+            <a:r>
+              <a:rPr lang="en-US" altLang="ko-KR" dirty="0"/>
+              <a:t>, SNS</a:t>
+            </a:r>
+            <a:r>
+              <a:rPr lang="ko-KR" altLang="en-US" dirty="0"/>
+              <a:t>에 게시할 수도 있습니다</a:t>
             </a:r>
             <a:r>
               <a:rPr lang="en-US" altLang="ko-KR" dirty="0"/>
               <a:t>.</a:t>
             </a:r>
-            <a:endParaRPr lang="ko-KR" altLang="en-US" dirty="0"/>
+          </a:p>
+          <a:p>
+            <a:r>
+              <a:rPr lang="ko-KR" altLang="en-US" dirty="0"/>
+              <a:t>앱 내 캘린더와 알람 기능은 음성으로 일정의 제목</a:t>
+            </a:r>
+            <a:r>
+              <a:rPr lang="en-US" altLang="ko-KR" dirty="0"/>
+              <a:t>, </a:t>
+            </a:r>
+            <a:r>
+              <a:rPr lang="ko-KR" altLang="en-US" dirty="0"/>
+              <a:t>위치</a:t>
+            </a:r>
+            <a:r>
+              <a:rPr lang="en-US" altLang="ko-KR" dirty="0"/>
+              <a:t>, </a:t>
+            </a:r>
+            <a:r>
+              <a:rPr lang="ko-KR" altLang="en-US" dirty="0"/>
+              <a:t>날짜</a:t>
+            </a:r>
+            <a:r>
+              <a:rPr lang="en-US" altLang="ko-KR" dirty="0"/>
+              <a:t>, </a:t>
+            </a:r>
+            <a:r>
+              <a:rPr lang="ko-KR" altLang="en-US" dirty="0"/>
+              <a:t>시간</a:t>
+            </a:r>
+            <a:r>
+              <a:rPr lang="en-US" altLang="ko-KR" dirty="0"/>
+              <a:t>, </a:t>
+            </a:r>
+            <a:r>
+              <a:rPr lang="ko-KR" altLang="en-US" dirty="0" err="1"/>
+              <a:t>해야할</a:t>
+            </a:r>
+            <a:r>
+              <a:rPr lang="ko-KR" altLang="en-US" dirty="0"/>
+              <a:t> 일</a:t>
+            </a:r>
+            <a:r>
+              <a:rPr lang="en-US" altLang="ko-KR" dirty="0"/>
+              <a:t>, </a:t>
+            </a:r>
+            <a:r>
+              <a:rPr lang="ko-KR" altLang="en-US" dirty="0"/>
+              <a:t>만나야 할 사람</a:t>
+            </a:r>
+            <a:r>
+              <a:rPr lang="en-US" altLang="ko-KR" dirty="0"/>
+              <a:t> </a:t>
+            </a:r>
+            <a:r>
+              <a:rPr lang="ko-KR" altLang="en-US" dirty="0"/>
+              <a:t>등을 기록한 상태에서 알림을 받을 수 있습니다</a:t>
+            </a:r>
+            <a:r>
+              <a:rPr lang="en-US" altLang="ko-KR" dirty="0"/>
+              <a:t>. </a:t>
+            </a:r>
+            <a:r>
+              <a:rPr lang="ko-KR" altLang="en-US" dirty="0"/>
+              <a:t>이러한 기능은 스마트폰 자체 음성비서 서비스에 비해 더 구체적이고 사용자에게 친화적입니다</a:t>
+            </a:r>
+            <a:r>
+              <a:rPr lang="en-US" altLang="ko-KR" dirty="0"/>
+              <a:t>.</a:t>
+            </a:r>
+          </a:p>
+          <a:p>
+            <a:r>
+              <a:rPr lang="ko-KR" altLang="en-US" dirty="0"/>
+              <a:t>그 밖에도 메모에서 전화번호나 이메일 주소 등을 자동으로 인식하고 연락처에 추가할 지를 묻거나</a:t>
+            </a:r>
+            <a:r>
+              <a:rPr lang="en-US" altLang="ko-KR" dirty="0"/>
+              <a:t>,</a:t>
+            </a:r>
+            <a:r>
+              <a:rPr lang="ko-KR" altLang="en-US" dirty="0"/>
+              <a:t> </a:t>
+            </a:r>
+            <a:r>
+              <a:rPr lang="ko-KR" altLang="en-US" b="0" i="0" dirty="0">
+                <a:solidFill>
+                  <a:srgbClr val="111111"/>
+                </a:solidFill>
+                <a:effectLst/>
+                <a:latin typeface="-apple-system"/>
+              </a:rPr>
+              <a:t>주소를 인식하여 지도를 열어서 음성으로 길 안내를 할 지를 묻는 등을 지원하며</a:t>
+            </a:r>
+            <a:r>
+              <a:rPr lang="en-US" altLang="ko-KR" b="0" i="0" dirty="0">
+                <a:solidFill>
+                  <a:srgbClr val="111111"/>
+                </a:solidFill>
+                <a:effectLst/>
+                <a:latin typeface="-apple-system"/>
+              </a:rPr>
+              <a:t>, </a:t>
+            </a:r>
+            <a:r>
+              <a:rPr lang="ko-KR" altLang="en-US" dirty="0">
+                <a:solidFill>
+                  <a:srgbClr val="111111"/>
+                </a:solidFill>
+                <a:latin typeface="-apple-system"/>
+              </a:rPr>
+              <a:t>이에 </a:t>
+            </a:r>
+            <a:r>
+              <a:rPr lang="ko-KR" altLang="en-US" b="0" i="0" dirty="0">
+                <a:solidFill>
+                  <a:srgbClr val="111111"/>
+                </a:solidFill>
+                <a:effectLst/>
+                <a:latin typeface="-apple-system"/>
+              </a:rPr>
+              <a:t>따라 사용자의 의존도가 높아지면서 향후 업데이트를 통해 더 많은 기능을 추가할 수 있습니다</a:t>
+            </a:r>
+            <a:r>
+              <a:rPr lang="en-US" altLang="ko-KR" b="0" i="0" dirty="0">
+                <a:solidFill>
+                  <a:srgbClr val="111111"/>
+                </a:solidFill>
+                <a:effectLst/>
+                <a:latin typeface="-apple-system"/>
+              </a:rPr>
+              <a:t>.</a:t>
+            </a:r>
+            <a:endParaRPr lang="en-US" altLang="ko-KR" dirty="0"/>
           </a:p>
         </p:txBody>
       </p:sp>
@@ -4880,7 +4884,7 @@
           <p:cNvPr id="4" name="슬라이드 번호 개체 틀 3">
             <a:extLst>
               <a:ext uri="{FF2B5EF4-FFF2-40B4-BE49-F238E27FC236}">
-                <a16:creationId xmlns:a16="http://schemas.microsoft.com/office/drawing/2014/main" id="{1819A0F6-89A5-561D-75D9-6E98470F5B8F}"/>
+                <a16:creationId xmlns:a16="http://schemas.microsoft.com/office/drawing/2014/main" id="{5CD09EEB-402F-C85C-FD0F-F577A16FF05E}"/>
               </a:ext>
             </a:extLst>
           </p:cNvPr>
@@ -4907,7 +4911,7 @@
     </p:spTree>
     <p:extLst>
       <p:ext uri="{BB962C8B-B14F-4D97-AF65-F5344CB8AC3E}">
-        <p14:creationId xmlns:p14="http://schemas.microsoft.com/office/powerpoint/2010/main" val="2435760319"/>
+        <p14:creationId xmlns:p14="http://schemas.microsoft.com/office/powerpoint/2010/main" val="516328828"/>
       </p:ext>
     </p:extLst>
   </p:cSld>
@@ -4939,7 +4943,7 @@
           <p:cNvPr id="2" name="제목 1">
             <a:extLst>
               <a:ext uri="{FF2B5EF4-FFF2-40B4-BE49-F238E27FC236}">
-                <a16:creationId xmlns:a16="http://schemas.microsoft.com/office/drawing/2014/main" id="{7CD8E1AC-1751-6043-F8C8-B467C92C17E0}"/>
+                <a16:creationId xmlns:a16="http://schemas.microsoft.com/office/drawing/2014/main" id="{10CE78C1-FE3B-5F6A-5117-77AFD9BCEED0}"/>
               </a:ext>
             </a:extLst>
           </p:cNvPr>
@@ -4957,7 +4961,7 @@
           <a:p>
             <a:r>
               <a:rPr lang="ko-KR" altLang="en-US" dirty="0"/>
-              <a:t>해결방안</a:t>
+              <a:t>취약점 분석</a:t>
             </a:r>
           </a:p>
         </p:txBody>
@@ -4967,7 +4971,7 @@
           <p:cNvPr id="3" name="내용 개체 틀 2">
             <a:extLst>
               <a:ext uri="{FF2B5EF4-FFF2-40B4-BE49-F238E27FC236}">
-                <a16:creationId xmlns:a16="http://schemas.microsoft.com/office/drawing/2014/main" id="{C59E81B0-843C-16FB-6729-371AD053D7D4}"/>
+                <a16:creationId xmlns:a16="http://schemas.microsoft.com/office/drawing/2014/main" id="{9B94B080-B56E-C8E8-CE78-12D5033DC963}"/>
               </a:ext>
             </a:extLst>
           </p:cNvPr>
@@ -4980,38 +4984,12 @@
         </p:nvSpPr>
         <p:spPr/>
         <p:txBody>
-          <a:bodyPr>
-            <a:normAutofit/>
-          </a:bodyPr>
-          <a:lstStyle/>
-          <a:p>
-            <a:r>
-              <a:rPr lang="ko-KR" altLang="en-US" dirty="0"/>
-              <a:t>네이버 </a:t>
-            </a:r>
-            <a:r>
-              <a:rPr lang="ko-KR" altLang="en-US" dirty="0" err="1"/>
-              <a:t>클로바</a:t>
-            </a:r>
-            <a:r>
-              <a:rPr lang="ko-KR" altLang="en-US" dirty="0"/>
-              <a:t> </a:t>
-            </a:r>
-            <a:r>
-              <a:rPr lang="en-US" altLang="ko-KR" dirty="0" err="1"/>
-              <a:t>api</a:t>
-            </a:r>
-            <a:r>
-              <a:rPr lang="ko-KR" altLang="en-US" dirty="0"/>
-              <a:t>는 음성 인식에 대해 다양한 기능과 서비스를 제공하는 인공지능 </a:t>
-            </a:r>
-            <a:r>
-              <a:rPr lang="en-US" altLang="ko-KR" dirty="0" err="1"/>
-              <a:t>api</a:t>
-            </a:r>
-            <a:r>
-              <a:rPr lang="ko-KR" altLang="en-US" dirty="0"/>
-              <a:t>입니다</a:t>
+          <a:bodyPr/>
+          <a:lstStyle/>
+          <a:p>
+            <a:r>
+              <a:rPr lang="ko-KR" altLang="en-US" dirty="0"/>
+              <a:t>음성 인식의 정확도와 속도는 사용자가 음성으로 메모를 작성하고 관리할 때 매우 중요한 요소입니다</a:t>
             </a:r>
             <a:r>
               <a:rPr lang="en-US" altLang="ko-KR" dirty="0"/>
@@ -5019,23 +4997,41 @@
             </a:r>
             <a:r>
               <a:rPr lang="ko-KR" altLang="en-US" dirty="0"/>
-              <a:t>음성 명령 인식</a:t>
+              <a:t>사용자가 말한 내용을 정확하게 텍스트로 변환하고</a:t>
             </a:r>
             <a:r>
               <a:rPr lang="en-US" altLang="ko-KR" dirty="0"/>
               <a:t>, </a:t>
             </a:r>
             <a:r>
-              <a:rPr lang="ko-KR" altLang="en-US" dirty="0" err="1"/>
-              <a:t>딕테이션</a:t>
+              <a:rPr lang="ko-KR" altLang="en-US" dirty="0"/>
+              <a:t>빠르게 저장하고 검색할 수 있어야 합니다</a:t>
             </a:r>
             <a:r>
               <a:rPr lang="en-US" altLang="ko-KR" dirty="0"/>
-              <a:t>(STT/TTS </a:t>
-            </a:r>
-            <a:r>
-              <a:rPr lang="ko-KR" altLang="en-US" dirty="0"/>
-              <a:t>엔진</a:t>
+              <a:t>. </a:t>
+            </a:r>
+            <a:r>
+              <a:rPr lang="ko-KR" altLang="en-US" dirty="0"/>
+              <a:t>음성 인식의 오류나 지연이 발생하면 사용자의 만족도가 떨어질 수 있습니다</a:t>
+            </a:r>
+            <a:r>
+              <a:rPr lang="en-US" altLang="ko-KR" dirty="0"/>
+              <a:t>. </a:t>
+            </a:r>
+          </a:p>
+          <a:p>
+            <a:r>
+              <a:rPr lang="ko-KR" altLang="en-US" dirty="0"/>
+              <a:t>특히 사투리</a:t>
+            </a:r>
+            <a:r>
+              <a:rPr lang="en-US" altLang="ko-KR" dirty="0"/>
+              <a:t>(</a:t>
+            </a:r>
+            <a:r>
+              <a:rPr lang="ko-KR" altLang="en-US" dirty="0"/>
+              <a:t>방언</a:t>
             </a:r>
             <a:r>
               <a:rPr lang="en-US" altLang="ko-KR" dirty="0"/>
@@ -5043,260 +5039,12 @@
             </a:r>
             <a:r>
               <a:rPr lang="ko-KR" altLang="en-US" dirty="0"/>
-              <a:t>화자 인식 등의 기술을 활용할 수 있습니다</a:t>
+              <a:t>외국어와 같이 지원하지 않는 용어를 사용하게 될 경우 메모의 인식 기능이 원활하게 작동하지 않을 수 있으므로 이에 대한 예외처리가 준비되어 있어야 합니다</a:t>
             </a:r>
             <a:r>
               <a:rPr lang="en-US" altLang="ko-KR" dirty="0"/>
               <a:t>.</a:t>
             </a:r>
-          </a:p>
-          <a:p>
-            <a:r>
-              <a:rPr lang="ko-KR" altLang="en-US" b="0" i="0" dirty="0" err="1">
-                <a:solidFill>
-                  <a:srgbClr val="111111"/>
-                </a:solidFill>
-                <a:effectLst/>
-                <a:latin typeface="-apple-system"/>
-              </a:rPr>
-              <a:t>클로바는</a:t>
-            </a:r>
-            <a:r>
-              <a:rPr lang="ko-KR" altLang="en-US" b="0" i="0" dirty="0">
-                <a:solidFill>
-                  <a:srgbClr val="111111"/>
-                </a:solidFill>
-                <a:effectLst/>
-                <a:latin typeface="-apple-system"/>
-              </a:rPr>
-              <a:t> 네이버와 라인의 방대한 데이터를 기반으로 인하여</a:t>
-            </a:r>
-            <a:r>
-              <a:rPr lang="en-US" altLang="ko-KR" b="0" i="0" dirty="0">
-                <a:solidFill>
-                  <a:srgbClr val="111111"/>
-                </a:solidFill>
-                <a:effectLst/>
-                <a:latin typeface="-apple-system"/>
-              </a:rPr>
-              <a:t>, </a:t>
-            </a:r>
-            <a:r>
-              <a:rPr lang="ko-KR" altLang="en-US" b="0" i="0" dirty="0">
-                <a:solidFill>
-                  <a:srgbClr val="111111"/>
-                </a:solidFill>
-                <a:effectLst/>
-                <a:latin typeface="-apple-system"/>
-              </a:rPr>
-              <a:t>구글에 비해 더 정확하고 다양한 한국어 음성을 인식할 수 있습니다</a:t>
-            </a:r>
-            <a:r>
-              <a:rPr lang="en-US" altLang="ko-KR" b="0" i="0" dirty="0">
-                <a:solidFill>
-                  <a:srgbClr val="111111"/>
-                </a:solidFill>
-                <a:effectLst/>
-                <a:latin typeface="-apple-system"/>
-              </a:rPr>
-              <a:t>. </a:t>
-            </a:r>
-            <a:r>
-              <a:rPr lang="ko-KR" altLang="en-US" b="0" i="0" dirty="0">
-                <a:solidFill>
-                  <a:srgbClr val="111111"/>
-                </a:solidFill>
-                <a:effectLst/>
-                <a:latin typeface="-apple-system"/>
-              </a:rPr>
-              <a:t>또한 </a:t>
-            </a:r>
-            <a:r>
-              <a:rPr lang="ko-KR" altLang="en-US" b="0" i="0" dirty="0" err="1">
-                <a:solidFill>
-                  <a:srgbClr val="111111"/>
-                </a:solidFill>
-                <a:effectLst/>
-                <a:latin typeface="-apple-system"/>
-              </a:rPr>
-              <a:t>클로바는</a:t>
-            </a:r>
-            <a:r>
-              <a:rPr lang="ko-KR" altLang="en-US" b="0" i="0" dirty="0">
-                <a:solidFill>
-                  <a:srgbClr val="111111"/>
-                </a:solidFill>
-                <a:effectLst/>
-                <a:latin typeface="-apple-system"/>
-              </a:rPr>
-              <a:t> 다양한 말하기 스타일과 감정을 지원하며</a:t>
-            </a:r>
-            <a:r>
-              <a:rPr lang="en-US" altLang="ko-KR" b="0" i="0" dirty="0">
-                <a:solidFill>
-                  <a:srgbClr val="111111"/>
-                </a:solidFill>
-                <a:effectLst/>
-                <a:latin typeface="-apple-system"/>
-              </a:rPr>
-              <a:t>, </a:t>
-            </a:r>
-            <a:r>
-              <a:rPr lang="ko-KR" altLang="en-US" b="0" i="0" dirty="0">
-                <a:solidFill>
-                  <a:srgbClr val="111111"/>
-                </a:solidFill>
-                <a:effectLst/>
-                <a:latin typeface="-apple-system"/>
-              </a:rPr>
-              <a:t>자연스럽고 현실적인 음성을 생성할 수 있습니다</a:t>
-            </a:r>
-            <a:r>
-              <a:rPr lang="en-US" altLang="ko-KR" b="0" i="0" dirty="0">
-                <a:solidFill>
-                  <a:srgbClr val="111111"/>
-                </a:solidFill>
-                <a:effectLst/>
-                <a:latin typeface="-apple-system"/>
-              </a:rPr>
-              <a:t>. </a:t>
-            </a:r>
-          </a:p>
-          <a:p>
-            <a:r>
-              <a:rPr lang="ko-KR" altLang="en-US" dirty="0"/>
-              <a:t>또한 한국어와 더불어 일본어</a:t>
-            </a:r>
-            <a:r>
-              <a:rPr lang="en-US" altLang="ko-KR" dirty="0"/>
-              <a:t>,</a:t>
-            </a:r>
-            <a:r>
-              <a:rPr lang="ko-KR" altLang="en-US" dirty="0"/>
-              <a:t> 영어</a:t>
-            </a:r>
-            <a:r>
-              <a:rPr lang="en-US" altLang="ko-KR" dirty="0"/>
-              <a:t>, </a:t>
-            </a:r>
-            <a:r>
-              <a:rPr lang="ko-KR" altLang="en-US" dirty="0"/>
-              <a:t>중국어</a:t>
-            </a:r>
-            <a:r>
-              <a:rPr lang="en-US" altLang="ko-KR" dirty="0"/>
-              <a:t> </a:t>
-            </a:r>
-            <a:r>
-              <a:rPr lang="ko-KR" altLang="en-US" dirty="0"/>
-              <a:t>등 다양한 언어를 지원합니다</a:t>
-            </a:r>
-            <a:r>
-              <a:rPr lang="en-US" altLang="ko-KR" dirty="0"/>
-              <a:t>. </a:t>
-            </a:r>
-            <a:r>
-              <a:rPr lang="ko-KR" altLang="en-US" dirty="0"/>
-              <a:t>따라서 외국어와 방언에 대한 예외처리에 대한 문제점 역시 충족시킬 수 있습니다</a:t>
-            </a:r>
-            <a:r>
-              <a:rPr lang="en-US" altLang="ko-KR" dirty="0"/>
-              <a:t>.</a:t>
-            </a:r>
-          </a:p>
-          <a:p>
-            <a:r>
-              <a:rPr lang="ko-KR" altLang="en-US" b="0" i="0" dirty="0">
-                <a:solidFill>
-                  <a:srgbClr val="111111"/>
-                </a:solidFill>
-                <a:effectLst/>
-                <a:latin typeface="-apple-system"/>
-              </a:rPr>
-              <a:t>출처 </a:t>
-            </a:r>
-            <a:r>
-              <a:rPr lang="en-US" altLang="ko-KR" b="0" i="0" dirty="0">
-                <a:solidFill>
-                  <a:srgbClr val="111111"/>
-                </a:solidFill>
-                <a:effectLst/>
-                <a:latin typeface="-apple-system"/>
-              </a:rPr>
-              <a:t>: </a:t>
-            </a:r>
-            <a:r>
-              <a:rPr lang="ko-KR" altLang="en-US" dirty="0">
-                <a:hlinkClick r:id="rId2"/>
-              </a:rPr>
-              <a:t>네이버 </a:t>
-            </a:r>
-            <a:r>
-              <a:rPr lang="ko-KR" altLang="en-US" dirty="0" err="1">
-                <a:hlinkClick r:id="rId2"/>
-              </a:rPr>
-              <a:t>클로바</a:t>
-            </a:r>
-            <a:r>
-              <a:rPr lang="ko-KR" altLang="en-US" dirty="0">
-                <a:hlinkClick r:id="rId2"/>
-              </a:rPr>
-              <a:t> 음성 인식</a:t>
-            </a:r>
-            <a:r>
-              <a:rPr lang="en-US" altLang="ko-KR" dirty="0">
-                <a:hlinkClick r:id="rId2"/>
-              </a:rPr>
-              <a:t>(</a:t>
-            </a:r>
-            <a:r>
-              <a:rPr lang="en-US" altLang="ko-KR" dirty="0" err="1">
-                <a:hlinkClick r:id="rId2"/>
-              </a:rPr>
-              <a:t>Clova</a:t>
-            </a:r>
-            <a:r>
-              <a:rPr lang="en-US" altLang="ko-KR" dirty="0">
-                <a:hlinkClick r:id="rId2"/>
-              </a:rPr>
-              <a:t> CSR) </a:t>
-            </a:r>
-            <a:r>
-              <a:rPr lang="ko-KR" altLang="en-US" dirty="0">
-                <a:hlinkClick r:id="rId2"/>
-              </a:rPr>
-              <a:t>인공지능 </a:t>
-            </a:r>
-            <a:r>
-              <a:rPr lang="en-US" altLang="ko-KR" dirty="0">
-                <a:hlinkClick r:id="rId2"/>
-              </a:rPr>
-              <a:t>API</a:t>
-            </a:r>
-            <a:r>
-              <a:rPr lang="ko-KR" altLang="en-US" dirty="0">
-                <a:hlinkClick r:id="rId2"/>
-              </a:rPr>
-              <a:t>를 이용해보자 </a:t>
-            </a:r>
-            <a:r>
-              <a:rPr lang="en-US" altLang="ko-KR" dirty="0">
-                <a:hlinkClick r:id="rId2"/>
-              </a:rPr>
-              <a:t>: </a:t>
-            </a:r>
-            <a:r>
-              <a:rPr lang="ko-KR" altLang="en-US" dirty="0">
-                <a:hlinkClick r:id="rId2"/>
-              </a:rPr>
-              <a:t>네이버 블로그 </a:t>
-            </a:r>
-            <a:r>
-              <a:rPr lang="en-US" altLang="ko-KR" dirty="0">
-                <a:hlinkClick r:id="rId2"/>
-              </a:rPr>
-              <a:t>(naver.com)</a:t>
-            </a:r>
             <a:endParaRPr lang="ko-KR" altLang="en-US" dirty="0"/>
           </a:p>
         </p:txBody>
@@ -5306,7 +5054,7 @@
           <p:cNvPr id="4" name="슬라이드 번호 개체 틀 3">
             <a:extLst>
               <a:ext uri="{FF2B5EF4-FFF2-40B4-BE49-F238E27FC236}">
-                <a16:creationId xmlns:a16="http://schemas.microsoft.com/office/drawing/2014/main" id="{957E6111-CC21-0E43-3D36-B670F79B5DEA}"/>
+                <a16:creationId xmlns:a16="http://schemas.microsoft.com/office/drawing/2014/main" id="{1819A0F6-89A5-561D-75D9-6E98470F5B8F}"/>
               </a:ext>
             </a:extLst>
           </p:cNvPr>
@@ -5333,7 +5081,7 @@
     </p:spTree>
     <p:extLst>
       <p:ext uri="{BB962C8B-B14F-4D97-AF65-F5344CB8AC3E}">
-        <p14:creationId xmlns:p14="http://schemas.microsoft.com/office/powerpoint/2010/main" val="12581872"/>
+        <p14:creationId xmlns:p14="http://schemas.microsoft.com/office/powerpoint/2010/main" val="2435760319"/>
       </p:ext>
     </p:extLst>
   </p:cSld>
@@ -5365,7 +5113,7 @@
           <p:cNvPr id="2" name="제목 1">
             <a:extLst>
               <a:ext uri="{FF2B5EF4-FFF2-40B4-BE49-F238E27FC236}">
-                <a16:creationId xmlns:a16="http://schemas.microsoft.com/office/drawing/2014/main" id="{602480D4-3F66-118D-AA47-92602635A244}"/>
+                <a16:creationId xmlns:a16="http://schemas.microsoft.com/office/drawing/2014/main" id="{7CD8E1AC-1751-6043-F8C8-B467C92C17E0}"/>
               </a:ext>
             </a:extLst>
           </p:cNvPr>
@@ -5383,8 +5131,347 @@
           <a:p>
             <a:r>
               <a:rPr lang="ko-KR" altLang="en-US" dirty="0"/>
-              <a:t>시스템 구성도</a:t>
-            </a:r>
+              <a:t>해결방안</a:t>
+            </a:r>
+          </a:p>
+        </p:txBody>
+      </p:sp>
+      <p:sp>
+        <p:nvSpPr>
+          <p:cNvPr id="3" name="내용 개체 틀 2">
+            <a:extLst>
+              <a:ext uri="{FF2B5EF4-FFF2-40B4-BE49-F238E27FC236}">
+                <a16:creationId xmlns:a16="http://schemas.microsoft.com/office/drawing/2014/main" id="{C59E81B0-843C-16FB-6729-371AD053D7D4}"/>
+              </a:ext>
+            </a:extLst>
+          </p:cNvPr>
+          <p:cNvSpPr>
+            <a:spLocks noGrp="1"/>
+          </p:cNvSpPr>
+          <p:nvPr>
+            <p:ph idx="1"/>
+          </p:nvPr>
+        </p:nvSpPr>
+        <p:spPr/>
+        <p:txBody>
+          <a:bodyPr>
+            <a:normAutofit/>
+          </a:bodyPr>
+          <a:lstStyle/>
+          <a:p>
+            <a:r>
+              <a:rPr lang="ko-KR" altLang="en-US" dirty="0"/>
+              <a:t>네이버 </a:t>
+            </a:r>
+            <a:r>
+              <a:rPr lang="ko-KR" altLang="en-US" dirty="0" err="1"/>
+              <a:t>클로바</a:t>
+            </a:r>
+            <a:r>
+              <a:rPr lang="ko-KR" altLang="en-US" dirty="0"/>
+              <a:t> </a:t>
+            </a:r>
+            <a:r>
+              <a:rPr lang="en-US" altLang="ko-KR" dirty="0" err="1"/>
+              <a:t>api</a:t>
+            </a:r>
+            <a:r>
+              <a:rPr lang="ko-KR" altLang="en-US" dirty="0"/>
+              <a:t>는 음성 인식에 대해 다양한 기능과 서비스를 제공하는 인공지능 </a:t>
+            </a:r>
+            <a:r>
+              <a:rPr lang="en-US" altLang="ko-KR" dirty="0" err="1"/>
+              <a:t>api</a:t>
+            </a:r>
+            <a:r>
+              <a:rPr lang="ko-KR" altLang="en-US" dirty="0"/>
+              <a:t>입니다</a:t>
+            </a:r>
+            <a:r>
+              <a:rPr lang="en-US" altLang="ko-KR" dirty="0"/>
+              <a:t>. </a:t>
+            </a:r>
+            <a:r>
+              <a:rPr lang="ko-KR" altLang="en-US" dirty="0"/>
+              <a:t>음성 명령 인식</a:t>
+            </a:r>
+            <a:r>
+              <a:rPr lang="en-US" altLang="ko-KR" dirty="0"/>
+              <a:t>, </a:t>
+            </a:r>
+            <a:r>
+              <a:rPr lang="ko-KR" altLang="en-US" dirty="0" err="1"/>
+              <a:t>딕테이션</a:t>
+            </a:r>
+            <a:r>
+              <a:rPr lang="en-US" altLang="ko-KR" dirty="0"/>
+              <a:t>(STT/TTS </a:t>
+            </a:r>
+            <a:r>
+              <a:rPr lang="ko-KR" altLang="en-US" dirty="0"/>
+              <a:t>엔진</a:t>
+            </a:r>
+            <a:r>
+              <a:rPr lang="en-US" altLang="ko-KR" dirty="0"/>
+              <a:t>), </a:t>
+            </a:r>
+            <a:r>
+              <a:rPr lang="ko-KR" altLang="en-US" dirty="0"/>
+              <a:t>화자 인식 등의 기술을 활용할 수 있습니다</a:t>
+            </a:r>
+            <a:r>
+              <a:rPr lang="en-US" altLang="ko-KR" dirty="0"/>
+              <a:t>.</a:t>
+            </a:r>
+          </a:p>
+          <a:p>
+            <a:r>
+              <a:rPr lang="ko-KR" altLang="en-US" b="0" i="0" dirty="0" err="1">
+                <a:solidFill>
+                  <a:srgbClr val="111111"/>
+                </a:solidFill>
+                <a:effectLst/>
+                <a:latin typeface="-apple-system"/>
+              </a:rPr>
+              <a:t>클로바는</a:t>
+            </a:r>
+            <a:r>
+              <a:rPr lang="ko-KR" altLang="en-US" b="0" i="0" dirty="0">
+                <a:solidFill>
+                  <a:srgbClr val="111111"/>
+                </a:solidFill>
+                <a:effectLst/>
+                <a:latin typeface="-apple-system"/>
+              </a:rPr>
+              <a:t> 네이버와 라인의 방대한 데이터를 기반으로 인하여</a:t>
+            </a:r>
+            <a:r>
+              <a:rPr lang="en-US" altLang="ko-KR" b="0" i="0" dirty="0">
+                <a:solidFill>
+                  <a:srgbClr val="111111"/>
+                </a:solidFill>
+                <a:effectLst/>
+                <a:latin typeface="-apple-system"/>
+              </a:rPr>
+              <a:t>, </a:t>
+            </a:r>
+            <a:r>
+              <a:rPr lang="ko-KR" altLang="en-US" b="0" i="0" dirty="0">
+                <a:solidFill>
+                  <a:srgbClr val="111111"/>
+                </a:solidFill>
+                <a:effectLst/>
+                <a:latin typeface="-apple-system"/>
+              </a:rPr>
+              <a:t>구글에 비해 더 정확하고 다양한 한국어 음성을 인식할 수 있습니다</a:t>
+            </a:r>
+            <a:r>
+              <a:rPr lang="en-US" altLang="ko-KR" b="0" i="0" dirty="0">
+                <a:solidFill>
+                  <a:srgbClr val="111111"/>
+                </a:solidFill>
+                <a:effectLst/>
+                <a:latin typeface="-apple-system"/>
+              </a:rPr>
+              <a:t>. </a:t>
+            </a:r>
+            <a:r>
+              <a:rPr lang="ko-KR" altLang="en-US" b="0" i="0" dirty="0">
+                <a:solidFill>
+                  <a:srgbClr val="111111"/>
+                </a:solidFill>
+                <a:effectLst/>
+                <a:latin typeface="-apple-system"/>
+              </a:rPr>
+              <a:t>또한 </a:t>
+            </a:r>
+            <a:r>
+              <a:rPr lang="ko-KR" altLang="en-US" b="0" i="0" dirty="0" err="1">
+                <a:solidFill>
+                  <a:srgbClr val="111111"/>
+                </a:solidFill>
+                <a:effectLst/>
+                <a:latin typeface="-apple-system"/>
+              </a:rPr>
+              <a:t>클로바는</a:t>
+            </a:r>
+            <a:r>
+              <a:rPr lang="ko-KR" altLang="en-US" b="0" i="0" dirty="0">
+                <a:solidFill>
+                  <a:srgbClr val="111111"/>
+                </a:solidFill>
+                <a:effectLst/>
+                <a:latin typeface="-apple-system"/>
+              </a:rPr>
+              <a:t> 다양한 말하기 스타일과 감정을 지원하며</a:t>
+            </a:r>
+            <a:r>
+              <a:rPr lang="en-US" altLang="ko-KR" b="0" i="0" dirty="0">
+                <a:solidFill>
+                  <a:srgbClr val="111111"/>
+                </a:solidFill>
+                <a:effectLst/>
+                <a:latin typeface="-apple-system"/>
+              </a:rPr>
+              <a:t>, </a:t>
+            </a:r>
+            <a:r>
+              <a:rPr lang="ko-KR" altLang="en-US" b="0" i="0" dirty="0">
+                <a:solidFill>
+                  <a:srgbClr val="111111"/>
+                </a:solidFill>
+                <a:effectLst/>
+                <a:latin typeface="-apple-system"/>
+              </a:rPr>
+              <a:t>자연스럽고 현실적인 음성을 생성할 수 있습니다</a:t>
+            </a:r>
+            <a:r>
+              <a:rPr lang="en-US" altLang="ko-KR" b="0" i="0" dirty="0">
+                <a:solidFill>
+                  <a:srgbClr val="111111"/>
+                </a:solidFill>
+                <a:effectLst/>
+                <a:latin typeface="-apple-system"/>
+              </a:rPr>
+              <a:t>. </a:t>
+            </a:r>
+          </a:p>
+          <a:p>
+            <a:r>
+              <a:rPr lang="ko-KR" altLang="en-US" dirty="0"/>
+              <a:t>또한 한국어와 더불어 일본어</a:t>
+            </a:r>
+            <a:r>
+              <a:rPr lang="en-US" altLang="ko-KR" dirty="0"/>
+              <a:t>,</a:t>
+            </a:r>
+            <a:r>
+              <a:rPr lang="ko-KR" altLang="en-US" dirty="0"/>
+              <a:t> 영어</a:t>
+            </a:r>
+            <a:r>
+              <a:rPr lang="en-US" altLang="ko-KR" dirty="0"/>
+              <a:t>, </a:t>
+            </a:r>
+            <a:r>
+              <a:rPr lang="ko-KR" altLang="en-US" dirty="0"/>
+              <a:t>중국어</a:t>
+            </a:r>
+            <a:r>
+              <a:rPr lang="en-US" altLang="ko-KR" dirty="0"/>
+              <a:t> </a:t>
+            </a:r>
+            <a:r>
+              <a:rPr lang="ko-KR" altLang="en-US" dirty="0"/>
+              <a:t>등 다양한 언어를 지원합니다</a:t>
+            </a:r>
+            <a:r>
+              <a:rPr lang="en-US" altLang="ko-KR" dirty="0"/>
+              <a:t>. </a:t>
+            </a:r>
+            <a:r>
+              <a:rPr lang="ko-KR" altLang="en-US" dirty="0"/>
+              <a:t>따라서 외국어와 방언에 대한 예외처리에 대한 문제점 역시 충족시킬 수 있습니다</a:t>
+            </a:r>
+            <a:r>
+              <a:rPr lang="en-US" altLang="ko-KR" dirty="0"/>
+              <a:t>.</a:t>
+            </a:r>
+          </a:p>
+          <a:p>
+            <a:r>
+              <a:rPr lang="ko-KR" altLang="en-US" b="0" i="0" dirty="0">
+                <a:solidFill>
+                  <a:srgbClr val="111111"/>
+                </a:solidFill>
+                <a:effectLst/>
+                <a:latin typeface="-apple-system"/>
+              </a:rPr>
+              <a:t>출처 </a:t>
+            </a:r>
+            <a:r>
+              <a:rPr lang="en-US" altLang="ko-KR" b="0" i="0" dirty="0">
+                <a:solidFill>
+                  <a:srgbClr val="111111"/>
+                </a:solidFill>
+                <a:effectLst/>
+                <a:latin typeface="-apple-system"/>
+              </a:rPr>
+              <a:t>: </a:t>
+            </a:r>
+            <a:r>
+              <a:rPr lang="ko-KR" altLang="en-US" dirty="0">
+                <a:hlinkClick r:id="rId2"/>
+              </a:rPr>
+              <a:t>네이버 </a:t>
+            </a:r>
+            <a:r>
+              <a:rPr lang="ko-KR" altLang="en-US" dirty="0" err="1">
+                <a:hlinkClick r:id="rId2"/>
+              </a:rPr>
+              <a:t>클로바</a:t>
+            </a:r>
+            <a:r>
+              <a:rPr lang="ko-KR" altLang="en-US" dirty="0">
+                <a:hlinkClick r:id="rId2"/>
+              </a:rPr>
+              <a:t> 음성 인식</a:t>
+            </a:r>
+            <a:r>
+              <a:rPr lang="en-US" altLang="ko-KR" dirty="0">
+                <a:hlinkClick r:id="rId2"/>
+              </a:rPr>
+              <a:t>(</a:t>
+            </a:r>
+            <a:r>
+              <a:rPr lang="en-US" altLang="ko-KR" dirty="0" err="1">
+                <a:hlinkClick r:id="rId2"/>
+              </a:rPr>
+              <a:t>Clova</a:t>
+            </a:r>
+            <a:r>
+              <a:rPr lang="en-US" altLang="ko-KR" dirty="0">
+                <a:hlinkClick r:id="rId2"/>
+              </a:rPr>
+              <a:t> CSR) </a:t>
+            </a:r>
+            <a:r>
+              <a:rPr lang="ko-KR" altLang="en-US" dirty="0">
+                <a:hlinkClick r:id="rId2"/>
+              </a:rPr>
+              <a:t>인공지능 </a:t>
+            </a:r>
+            <a:r>
+              <a:rPr lang="en-US" altLang="ko-KR" dirty="0">
+                <a:hlinkClick r:id="rId2"/>
+              </a:rPr>
+              <a:t>API</a:t>
+            </a:r>
+            <a:r>
+              <a:rPr lang="ko-KR" altLang="en-US" dirty="0">
+                <a:hlinkClick r:id="rId2"/>
+              </a:rPr>
+              <a:t>를 이용해보자 </a:t>
+            </a:r>
+            <a:r>
+              <a:rPr lang="en-US" altLang="ko-KR" dirty="0">
+                <a:hlinkClick r:id="rId2"/>
+              </a:rPr>
+              <a:t>: </a:t>
+            </a:r>
+            <a:r>
+              <a:rPr lang="ko-KR" altLang="en-US" dirty="0">
+                <a:hlinkClick r:id="rId2"/>
+              </a:rPr>
+              <a:t>네이버 블로그 </a:t>
+            </a:r>
+            <a:r>
+              <a:rPr lang="en-US" altLang="ko-KR" dirty="0">
+                <a:hlinkClick r:id="rId2"/>
+              </a:rPr>
+              <a:t>(naver.com)</a:t>
+            </a:r>
+            <a:endParaRPr lang="ko-KR" altLang="en-US" dirty="0"/>
           </a:p>
         </p:txBody>
       </p:sp>
@@ -5393,7 +5480,7 @@
           <p:cNvPr id="4" name="슬라이드 번호 개체 틀 3">
             <a:extLst>
               <a:ext uri="{FF2B5EF4-FFF2-40B4-BE49-F238E27FC236}">
-                <a16:creationId xmlns:a16="http://schemas.microsoft.com/office/drawing/2014/main" id="{92FCB9DE-6C83-2B8B-231B-D97911F60794}"/>
+                <a16:creationId xmlns:a16="http://schemas.microsoft.com/office/drawing/2014/main" id="{957E6111-CC21-0E43-3D36-B670F79B5DEA}"/>
               </a:ext>
             </a:extLst>
           </p:cNvPr>
@@ -5412,6 +5499,93 @@
             <a:fld id="{2F00E46C-ED49-42AD-BB6D-7499E1F08A71}" type="slidenum">
               <a:rPr lang="ko-KR" altLang="en-US" smtClean="0"/>
               <a:t>13</a:t>
+            </a:fld>
+            <a:endParaRPr lang="ko-KR" altLang="en-US"/>
+          </a:p>
+        </p:txBody>
+      </p:sp>
+    </p:spTree>
+    <p:extLst>
+      <p:ext uri="{BB962C8B-B14F-4D97-AF65-F5344CB8AC3E}">
+        <p14:creationId xmlns:p14="http://schemas.microsoft.com/office/powerpoint/2010/main" val="12581872"/>
+      </p:ext>
+    </p:extLst>
+  </p:cSld>
+  <p:clrMapOvr>
+    <a:masterClrMapping/>
+  </p:clrMapOvr>
+</p:sld>
+</file>
+
+<file path=ppt/slides/slide14.xml><?xml version="1.0" encoding="utf-8"?>
+<p:sld xmlns:a="http://schemas.openxmlformats.org/drawingml/2006/main" xmlns:r="http://schemas.openxmlformats.org/officeDocument/2006/relationships" xmlns:p="http://schemas.openxmlformats.org/presentationml/2006/main">
+  <p:cSld>
+    <p:spTree>
+      <p:nvGrpSpPr>
+        <p:cNvPr id="1" name=""/>
+        <p:cNvGrpSpPr/>
+        <p:nvPr/>
+      </p:nvGrpSpPr>
+      <p:grpSpPr>
+        <a:xfrm>
+          <a:off x="0" y="0"/>
+          <a:ext cx="0" cy="0"/>
+          <a:chOff x="0" y="0"/>
+          <a:chExt cx="0" cy="0"/>
+        </a:xfrm>
+      </p:grpSpPr>
+      <p:sp>
+        <p:nvSpPr>
+          <p:cNvPr id="2" name="제목 1">
+            <a:extLst>
+              <a:ext uri="{FF2B5EF4-FFF2-40B4-BE49-F238E27FC236}">
+                <a16:creationId xmlns:a16="http://schemas.microsoft.com/office/drawing/2014/main" id="{602480D4-3F66-118D-AA47-92602635A244}"/>
+              </a:ext>
+            </a:extLst>
+          </p:cNvPr>
+          <p:cNvSpPr>
+            <a:spLocks noGrp="1"/>
+          </p:cNvSpPr>
+          <p:nvPr>
+            <p:ph type="title"/>
+          </p:nvPr>
+        </p:nvSpPr>
+        <p:spPr/>
+        <p:txBody>
+          <a:bodyPr/>
+          <a:lstStyle/>
+          <a:p>
+            <a:r>
+              <a:rPr lang="ko-KR" altLang="en-US" dirty="0"/>
+              <a:t>시스템 구성도</a:t>
+            </a:r>
+          </a:p>
+        </p:txBody>
+      </p:sp>
+      <p:sp>
+        <p:nvSpPr>
+          <p:cNvPr id="4" name="슬라이드 번호 개체 틀 3">
+            <a:extLst>
+              <a:ext uri="{FF2B5EF4-FFF2-40B4-BE49-F238E27FC236}">
+                <a16:creationId xmlns:a16="http://schemas.microsoft.com/office/drawing/2014/main" id="{92FCB9DE-6C83-2B8B-231B-D97911F60794}"/>
+              </a:ext>
+            </a:extLst>
+          </p:cNvPr>
+          <p:cNvSpPr>
+            <a:spLocks noGrp="1"/>
+          </p:cNvSpPr>
+          <p:nvPr>
+            <p:ph type="sldNum" sz="quarter" idx="12"/>
+          </p:nvPr>
+        </p:nvSpPr>
+        <p:spPr/>
+        <p:txBody>
+          <a:bodyPr/>
+          <a:lstStyle/>
+          <a:p>
+            <a:fld id="{2F00E46C-ED49-42AD-BB6D-7499E1F08A71}" type="slidenum">
+              <a:rPr lang="ko-KR" altLang="en-US" smtClean="0"/>
+              <a:t>14</a:t>
             </a:fld>
             <a:endParaRPr lang="ko-KR" altLang="en-US"/>
           </a:p>
@@ -8203,6 +8377,17 @@
 <file path=ppt/slides/slide4.xml><?xml version="1.0" encoding="utf-8"?>
 <p:sld xmlns:a="http://schemas.openxmlformats.org/drawingml/2006/main" xmlns:r="http://schemas.openxmlformats.org/officeDocument/2006/relationships" xmlns:p="http://schemas.openxmlformats.org/presentationml/2006/main">
   <p:cSld>
+    <p:bg>
+      <p:bgPr>
+        <a:solidFill>
+          <a:schemeClr val="accent6">
+            <a:lumMod val="60000"/>
+            <a:lumOff val="40000"/>
+          </a:schemeClr>
+        </a:solidFill>
+        <a:effectLst/>
+      </p:bgPr>
+    </p:bg>
     <p:spTree>
       <p:nvGrpSpPr>
         <p:cNvPr id="1" name=""/>
@@ -8219,6 +8404,88 @@
       </p:grpSpPr>
       <p:sp>
         <p:nvSpPr>
+          <p:cNvPr id="5" name="직사각형 4">
+            <a:extLst>
+              <a:ext uri="{FF2B5EF4-FFF2-40B4-BE49-F238E27FC236}">
+                <a16:creationId xmlns:a16="http://schemas.microsoft.com/office/drawing/2014/main" id="{A9F84397-B49E-1557-F2ED-F31B6E97A009}"/>
+              </a:ext>
+            </a:extLst>
+          </p:cNvPr>
+          <p:cNvSpPr/>
+          <p:nvPr/>
+        </p:nvSpPr>
+        <p:spPr>
+          <a:xfrm>
+            <a:off x="3845859" y="1882588"/>
+            <a:ext cx="2106706" cy="2106706"/>
+          </a:xfrm>
+          <a:prstGeom prst="rect">
+            <a:avLst/>
+          </a:prstGeom>
+          <a:solidFill>
+            <a:schemeClr val="bg1"/>
+          </a:solidFill>
+          <a:ln>
+            <a:noFill/>
+          </a:ln>
+        </p:spPr>
+        <p:style>
+          <a:lnRef idx="2">
+            <a:schemeClr val="accent1">
+              <a:shade val="50000"/>
+            </a:schemeClr>
+          </a:lnRef>
+          <a:fillRef idx="1">
+            <a:schemeClr val="accent1"/>
+          </a:fillRef>
+          <a:effectRef idx="0">
+            <a:schemeClr val="accent1"/>
+          </a:effectRef>
+          <a:fontRef idx="minor">
+            <a:schemeClr val="lt1"/>
+          </a:fontRef>
+        </p:style>
+        <p:txBody>
+          <a:bodyPr rtlCol="0" anchor="ctr"/>
+          <a:lstStyle/>
+          <a:p>
+            <a:pPr algn="ctr"/>
+            <a:endParaRPr lang="ko-KR" altLang="en-US"/>
+          </a:p>
+        </p:txBody>
+      </p:sp>
+    </p:spTree>
+    <p:extLst>
+      <p:ext uri="{BB962C8B-B14F-4D97-AF65-F5344CB8AC3E}">
+        <p14:creationId xmlns:p14="http://schemas.microsoft.com/office/powerpoint/2010/main" val="1643920081"/>
+      </p:ext>
+    </p:extLst>
+  </p:cSld>
+  <p:clrMapOvr>
+    <a:masterClrMapping/>
+  </p:clrMapOvr>
+</p:sld>
+</file>
+
+<file path=ppt/slides/slide5.xml><?xml version="1.0" encoding="utf-8"?>
+<p:sld xmlns:a="http://schemas.openxmlformats.org/drawingml/2006/main" xmlns:r="http://schemas.openxmlformats.org/officeDocument/2006/relationships" xmlns:p="http://schemas.openxmlformats.org/presentationml/2006/main">
+  <p:cSld>
+    <p:spTree>
+      <p:nvGrpSpPr>
+        <p:cNvPr id="1" name=""/>
+        <p:cNvGrpSpPr/>
+        <p:nvPr/>
+      </p:nvGrpSpPr>
+      <p:grpSpPr>
+        <a:xfrm>
+          <a:off x="0" y="0"/>
+          <a:ext cx="0" cy="0"/>
+          <a:chOff x="0" y="0"/>
+          <a:chExt cx="0" cy="0"/>
+        </a:xfrm>
+      </p:grpSpPr>
+      <p:sp>
+        <p:nvSpPr>
           <p:cNvPr id="2" name="제목 1">
             <a:extLst>
               <a:ext uri="{FF2B5EF4-FFF2-40B4-BE49-F238E27FC236}">
@@ -8306,7 +8573,7 @@
           <a:p>
             <a:fld id="{2F00E46C-ED49-42AD-BB6D-7499E1F08A71}" type="slidenum">
               <a:rPr lang="ko-KR" altLang="en-US" smtClean="0"/>
-              <a:t>4</a:t>
+              <a:t>5</a:t>
             </a:fld>
             <a:endParaRPr lang="ko-KR" altLang="en-US"/>
           </a:p>
@@ -8386,138 +8653,6 @@
 </p:sld>
 </file>
 
-<file path=ppt/slides/slide5.xml><?xml version="1.0" encoding="utf-8"?>
-<p:sld xmlns:a="http://schemas.openxmlformats.org/drawingml/2006/main" xmlns:r="http://schemas.openxmlformats.org/officeDocument/2006/relationships" xmlns:p="http://schemas.openxmlformats.org/presentationml/2006/main">
-  <p:cSld>
-    <p:spTree>
-      <p:nvGrpSpPr>
-        <p:cNvPr id="1" name=""/>
-        <p:cNvGrpSpPr/>
-        <p:nvPr/>
-      </p:nvGrpSpPr>
-      <p:grpSpPr>
-        <a:xfrm>
-          <a:off x="0" y="0"/>
-          <a:ext cx="0" cy="0"/>
-          <a:chOff x="0" y="0"/>
-          <a:chExt cx="0" cy="0"/>
-        </a:xfrm>
-      </p:grpSpPr>
-      <p:sp>
-        <p:nvSpPr>
-          <p:cNvPr id="2" name="제목 1">
-            <a:extLst>
-              <a:ext uri="{FF2B5EF4-FFF2-40B4-BE49-F238E27FC236}">
-                <a16:creationId xmlns:a16="http://schemas.microsoft.com/office/drawing/2014/main" id="{52821BB7-8D7C-1D03-7A8F-76BCEE98F169}"/>
-              </a:ext>
-            </a:extLst>
-          </p:cNvPr>
-          <p:cNvSpPr>
-            <a:spLocks noGrp="1"/>
-          </p:cNvSpPr>
-          <p:nvPr>
-            <p:ph type="title"/>
-          </p:nvPr>
-        </p:nvSpPr>
-        <p:spPr/>
-        <p:txBody>
-          <a:bodyPr/>
-          <a:lstStyle/>
-          <a:p>
-            <a:r>
-              <a:rPr lang="ko-KR" altLang="en-US" dirty="0"/>
-              <a:t>주요 기능</a:t>
-            </a:r>
-            <a:r>
-              <a:rPr lang="en-US" altLang="ko-KR" dirty="0"/>
-              <a:t> </a:t>
-            </a:r>
-            <a:endParaRPr lang="ko-KR" altLang="en-US" dirty="0"/>
-          </a:p>
-        </p:txBody>
-      </p:sp>
-      <p:sp>
-        <p:nvSpPr>
-          <p:cNvPr id="3" name="내용 개체 틀 2">
-            <a:extLst>
-              <a:ext uri="{FF2B5EF4-FFF2-40B4-BE49-F238E27FC236}">
-                <a16:creationId xmlns:a16="http://schemas.microsoft.com/office/drawing/2014/main" id="{3310D84D-F072-3B2B-EB2C-B9526D62183E}"/>
-              </a:ext>
-            </a:extLst>
-          </p:cNvPr>
-          <p:cNvSpPr>
-            <a:spLocks noGrp="1"/>
-          </p:cNvSpPr>
-          <p:nvPr>
-            <p:ph idx="1"/>
-          </p:nvPr>
-        </p:nvSpPr>
-        <p:spPr/>
-        <p:txBody>
-          <a:bodyPr/>
-          <a:lstStyle/>
-          <a:p>
-            <a:r>
-              <a:rPr lang="ko-KR" altLang="en-US" dirty="0"/>
-              <a:t>스마트폰에 내장되어 있는 음성 비서 서비스로 앱 실행 가능</a:t>
-            </a:r>
-            <a:r>
-              <a:rPr lang="en-US" altLang="ko-KR" dirty="0"/>
-              <a:t>, </a:t>
-            </a:r>
-            <a:r>
-              <a:rPr lang="ko-KR" altLang="en-US" dirty="0"/>
-              <a:t>그 밖에도 시각이 제한되는 사람들이 더 쉽게 앱을 실행할 수 있도록 기능을 구현합니다</a:t>
-            </a:r>
-            <a:r>
-              <a:rPr lang="en-US" altLang="ko-KR" dirty="0"/>
-              <a:t>.</a:t>
-            </a:r>
-          </a:p>
-        </p:txBody>
-      </p:sp>
-      <p:sp>
-        <p:nvSpPr>
-          <p:cNvPr id="4" name="슬라이드 번호 개체 틀 3">
-            <a:extLst>
-              <a:ext uri="{FF2B5EF4-FFF2-40B4-BE49-F238E27FC236}">
-                <a16:creationId xmlns:a16="http://schemas.microsoft.com/office/drawing/2014/main" id="{00CF6292-33F1-EC24-0919-7610704B9CA3}"/>
-              </a:ext>
-            </a:extLst>
-          </p:cNvPr>
-          <p:cNvSpPr>
-            <a:spLocks noGrp="1"/>
-          </p:cNvSpPr>
-          <p:nvPr>
-            <p:ph type="sldNum" sz="quarter" idx="12"/>
-          </p:nvPr>
-        </p:nvSpPr>
-        <p:spPr/>
-        <p:txBody>
-          <a:bodyPr/>
-          <a:lstStyle/>
-          <a:p>
-            <a:fld id="{2F00E46C-ED49-42AD-BB6D-7499E1F08A71}" type="slidenum">
-              <a:rPr lang="ko-KR" altLang="en-US" smtClean="0"/>
-              <a:t>5</a:t>
-            </a:fld>
-            <a:endParaRPr lang="ko-KR" altLang="en-US"/>
-          </a:p>
-        </p:txBody>
-      </p:sp>
-    </p:spTree>
-    <p:extLst>
-      <p:ext uri="{BB962C8B-B14F-4D97-AF65-F5344CB8AC3E}">
-        <p14:creationId xmlns:p14="http://schemas.microsoft.com/office/powerpoint/2010/main" val="3310025904"/>
-      </p:ext>
-    </p:extLst>
-  </p:cSld>
-  <p:clrMapOvr>
-    <a:masterClrMapping/>
-  </p:clrMapOvr>
-</p:sld>
-</file>
-
 <file path=ppt/slides/slide6.xml><?xml version="1.0" encoding="utf-8"?>
 <p:sld xmlns:a="http://schemas.openxmlformats.org/drawingml/2006/main" xmlns:r="http://schemas.openxmlformats.org/officeDocument/2006/relationships" xmlns:p="http://schemas.openxmlformats.org/presentationml/2006/main">
   <p:cSld>
@@ -8540,7 +8675,7 @@
           <p:cNvPr id="2" name="제목 1">
             <a:extLst>
               <a:ext uri="{FF2B5EF4-FFF2-40B4-BE49-F238E27FC236}">
-                <a16:creationId xmlns:a16="http://schemas.microsoft.com/office/drawing/2014/main" id="{899307D8-6E8D-EF30-29D4-F04AF4DD9107}"/>
+                <a16:creationId xmlns:a16="http://schemas.microsoft.com/office/drawing/2014/main" id="{52821BB7-8D7C-1D03-7A8F-76BCEE98F169}"/>
               </a:ext>
             </a:extLst>
           </p:cNvPr>
@@ -8573,7 +8708,7 @@
           <p:cNvPr id="3" name="내용 개체 틀 2">
             <a:extLst>
               <a:ext uri="{FF2B5EF4-FFF2-40B4-BE49-F238E27FC236}">
-                <a16:creationId xmlns:a16="http://schemas.microsoft.com/office/drawing/2014/main" id="{00B777E5-DF02-D973-58C4-C30EC1816915}"/>
+                <a16:creationId xmlns:a16="http://schemas.microsoft.com/office/drawing/2014/main" id="{3310D84D-F072-3B2B-EB2C-B9526D62183E}"/>
               </a:ext>
             </a:extLst>
           </p:cNvPr>
@@ -8590,34 +8725,21 @@
           <a:lstStyle/>
           <a:p>
             <a:r>
-              <a:rPr lang="ko-KR" altLang="en-US" dirty="0" err="1"/>
-              <a:t>저시력자나</a:t>
-            </a:r>
-            <a:r>
-              <a:rPr lang="ko-KR" altLang="en-US" dirty="0"/>
-              <a:t> 장애의 정도가 심하지 않은 시각장애인이 자신이 기록한 내용을 직접 읽어볼 수 있도록 글자 크기를 키우는 기능이 있으며</a:t>
+              <a:rPr lang="ko-KR" altLang="en-US" dirty="0"/>
+              <a:t>스마트폰에 내장되어 있는 음성 비서 서비스로 앱 실행 가능</a:t>
             </a:r>
             <a:r>
               <a:rPr lang="en-US" altLang="ko-KR" dirty="0"/>
-              <a:t>,</a:t>
-            </a:r>
-            <a:r>
-              <a:rPr lang="ko-KR" altLang="en-US" dirty="0"/>
-              <a:t> </a:t>
-            </a:r>
-            <a:r>
-              <a:rPr lang="en-US" altLang="ko-KR" dirty="0"/>
-              <a:t>TTS </a:t>
-            </a:r>
-            <a:r>
-              <a:rPr lang="ko-KR" altLang="en-US" dirty="0"/>
-              <a:t>음성으로 내용을 대신 읽어줄 수도 있습니다</a:t>
+              <a:t>, </a:t>
+            </a:r>
+            <a:r>
+              <a:rPr lang="ko-KR" altLang="en-US" dirty="0"/>
+              <a:t>그 밖에도 시각이 제한되는 사람들이 더 쉽게 앱을 실행할 수 있도록 기능을 구현합니다</a:t>
             </a:r>
             <a:r>
               <a:rPr lang="en-US" altLang="ko-KR" dirty="0"/>
               <a:t>.</a:t>
             </a:r>
-            <a:endParaRPr lang="ko-KR" altLang="en-US" dirty="0"/>
           </a:p>
         </p:txBody>
       </p:sp>
@@ -8626,7 +8748,7 @@
           <p:cNvPr id="4" name="슬라이드 번호 개체 틀 3">
             <a:extLst>
               <a:ext uri="{FF2B5EF4-FFF2-40B4-BE49-F238E27FC236}">
-                <a16:creationId xmlns:a16="http://schemas.microsoft.com/office/drawing/2014/main" id="{0574AAC7-585D-E043-DA6C-77A9A780D090}"/>
+                <a16:creationId xmlns:a16="http://schemas.microsoft.com/office/drawing/2014/main" id="{00CF6292-33F1-EC24-0919-7610704B9CA3}"/>
               </a:ext>
             </a:extLst>
           </p:cNvPr>
@@ -8645,6 +8767,151 @@
             <a:fld id="{2F00E46C-ED49-42AD-BB6D-7499E1F08A71}" type="slidenum">
               <a:rPr lang="ko-KR" altLang="en-US" smtClean="0"/>
               <a:t>6</a:t>
+            </a:fld>
+            <a:endParaRPr lang="ko-KR" altLang="en-US"/>
+          </a:p>
+        </p:txBody>
+      </p:sp>
+    </p:spTree>
+    <p:extLst>
+      <p:ext uri="{BB962C8B-B14F-4D97-AF65-F5344CB8AC3E}">
+        <p14:creationId xmlns:p14="http://schemas.microsoft.com/office/powerpoint/2010/main" val="3310025904"/>
+      </p:ext>
+    </p:extLst>
+  </p:cSld>
+  <p:clrMapOvr>
+    <a:masterClrMapping/>
+  </p:clrMapOvr>
+</p:sld>
+</file>
+
+<file path=ppt/slides/slide7.xml><?xml version="1.0" encoding="utf-8"?>
+<p:sld xmlns:a="http://schemas.openxmlformats.org/drawingml/2006/main" xmlns:r="http://schemas.openxmlformats.org/officeDocument/2006/relationships" xmlns:p="http://schemas.openxmlformats.org/presentationml/2006/main">
+  <p:cSld>
+    <p:spTree>
+      <p:nvGrpSpPr>
+        <p:cNvPr id="1" name=""/>
+        <p:cNvGrpSpPr/>
+        <p:nvPr/>
+      </p:nvGrpSpPr>
+      <p:grpSpPr>
+        <a:xfrm>
+          <a:off x="0" y="0"/>
+          <a:ext cx="0" cy="0"/>
+          <a:chOff x="0" y="0"/>
+          <a:chExt cx="0" cy="0"/>
+        </a:xfrm>
+      </p:grpSpPr>
+      <p:sp>
+        <p:nvSpPr>
+          <p:cNvPr id="2" name="제목 1">
+            <a:extLst>
+              <a:ext uri="{FF2B5EF4-FFF2-40B4-BE49-F238E27FC236}">
+                <a16:creationId xmlns:a16="http://schemas.microsoft.com/office/drawing/2014/main" id="{899307D8-6E8D-EF30-29D4-F04AF4DD9107}"/>
+              </a:ext>
+            </a:extLst>
+          </p:cNvPr>
+          <p:cNvSpPr>
+            <a:spLocks noGrp="1"/>
+          </p:cNvSpPr>
+          <p:nvPr>
+            <p:ph type="title"/>
+          </p:nvPr>
+        </p:nvSpPr>
+        <p:spPr/>
+        <p:txBody>
+          <a:bodyPr/>
+          <a:lstStyle/>
+          <a:p>
+            <a:r>
+              <a:rPr lang="ko-KR" altLang="en-US" dirty="0"/>
+              <a:t>주요 기능</a:t>
+            </a:r>
+            <a:r>
+              <a:rPr lang="en-US" altLang="ko-KR" dirty="0"/>
+              <a:t> </a:t>
+            </a:r>
+            <a:endParaRPr lang="ko-KR" altLang="en-US" dirty="0"/>
+          </a:p>
+        </p:txBody>
+      </p:sp>
+      <p:sp>
+        <p:nvSpPr>
+          <p:cNvPr id="3" name="내용 개체 틀 2">
+            <a:extLst>
+              <a:ext uri="{FF2B5EF4-FFF2-40B4-BE49-F238E27FC236}">
+                <a16:creationId xmlns:a16="http://schemas.microsoft.com/office/drawing/2014/main" id="{00B777E5-DF02-D973-58C4-C30EC1816915}"/>
+              </a:ext>
+            </a:extLst>
+          </p:cNvPr>
+          <p:cNvSpPr>
+            <a:spLocks noGrp="1"/>
+          </p:cNvSpPr>
+          <p:nvPr>
+            <p:ph idx="1"/>
+          </p:nvPr>
+        </p:nvSpPr>
+        <p:spPr/>
+        <p:txBody>
+          <a:bodyPr/>
+          <a:lstStyle/>
+          <a:p>
+            <a:r>
+              <a:rPr lang="ko-KR" altLang="en-US" dirty="0" err="1"/>
+              <a:t>저시력자나</a:t>
+            </a:r>
+            <a:r>
+              <a:rPr lang="ko-KR" altLang="en-US" dirty="0"/>
+              <a:t> 장애의 정도가 심하지 않은 시각장애인이 자신이 기록한 내용을 직접 읽어볼 수 있도록 글자 크기를 키우는 기능이 있으며</a:t>
+            </a:r>
+            <a:r>
+              <a:rPr lang="en-US" altLang="ko-KR" dirty="0"/>
+              <a:t>,</a:t>
+            </a:r>
+            <a:r>
+              <a:rPr lang="ko-KR" altLang="en-US" dirty="0"/>
+              <a:t> </a:t>
+            </a:r>
+            <a:r>
+              <a:rPr lang="en-US" altLang="ko-KR" dirty="0"/>
+              <a:t>TTS </a:t>
+            </a:r>
+            <a:r>
+              <a:rPr lang="ko-KR" altLang="en-US" dirty="0"/>
+              <a:t>음성으로 내용을 대신 읽어줄 수도 있습니다</a:t>
+            </a:r>
+            <a:r>
+              <a:rPr lang="en-US" altLang="ko-KR" dirty="0"/>
+              <a:t>.</a:t>
+            </a:r>
+            <a:endParaRPr lang="ko-KR" altLang="en-US" dirty="0"/>
+          </a:p>
+        </p:txBody>
+      </p:sp>
+      <p:sp>
+        <p:nvSpPr>
+          <p:cNvPr id="4" name="슬라이드 번호 개체 틀 3">
+            <a:extLst>
+              <a:ext uri="{FF2B5EF4-FFF2-40B4-BE49-F238E27FC236}">
+                <a16:creationId xmlns:a16="http://schemas.microsoft.com/office/drawing/2014/main" id="{0574AAC7-585D-E043-DA6C-77A9A780D090}"/>
+              </a:ext>
+            </a:extLst>
+          </p:cNvPr>
+          <p:cNvSpPr>
+            <a:spLocks noGrp="1"/>
+          </p:cNvSpPr>
+          <p:nvPr>
+            <p:ph type="sldNum" sz="quarter" idx="12"/>
+          </p:nvPr>
+        </p:nvSpPr>
+        <p:spPr/>
+        <p:txBody>
+          <a:bodyPr/>
+          <a:lstStyle/>
+          <a:p>
+            <a:fld id="{2F00E46C-ED49-42AD-BB6D-7499E1F08A71}" type="slidenum">
+              <a:rPr lang="ko-KR" altLang="en-US" smtClean="0"/>
+              <a:t>7</a:t>
             </a:fld>
             <a:endParaRPr lang="ko-KR" altLang="en-US"/>
           </a:p>
@@ -9076,179 +9343,6 @@
 </p:sld>
 </file>
 
-<file path=ppt/slides/slide7.xml><?xml version="1.0" encoding="utf-8"?>
-<p:sld xmlns:a="http://schemas.openxmlformats.org/drawingml/2006/main" xmlns:r="http://schemas.openxmlformats.org/officeDocument/2006/relationships" xmlns:p="http://schemas.openxmlformats.org/presentationml/2006/main">
-  <p:cSld>
-    <p:spTree>
-      <p:nvGrpSpPr>
-        <p:cNvPr id="1" name=""/>
-        <p:cNvGrpSpPr/>
-        <p:nvPr/>
-      </p:nvGrpSpPr>
-      <p:grpSpPr>
-        <a:xfrm>
-          <a:off x="0" y="0"/>
-          <a:ext cx="0" cy="0"/>
-          <a:chOff x="0" y="0"/>
-          <a:chExt cx="0" cy="0"/>
-        </a:xfrm>
-      </p:grpSpPr>
-      <p:sp>
-        <p:nvSpPr>
-          <p:cNvPr id="2" name="제목 1">
-            <a:extLst>
-              <a:ext uri="{FF2B5EF4-FFF2-40B4-BE49-F238E27FC236}">
-                <a16:creationId xmlns:a16="http://schemas.microsoft.com/office/drawing/2014/main" id="{F2C45FC5-204F-B5B5-5E59-9BA3851834D9}"/>
-              </a:ext>
-            </a:extLst>
-          </p:cNvPr>
-          <p:cNvSpPr>
-            <a:spLocks noGrp="1"/>
-          </p:cNvSpPr>
-          <p:nvPr>
-            <p:ph type="title"/>
-          </p:nvPr>
-        </p:nvSpPr>
-        <p:spPr/>
-        <p:txBody>
-          <a:bodyPr/>
-          <a:lstStyle/>
-          <a:p>
-            <a:r>
-              <a:rPr lang="ko-KR" altLang="en-US" dirty="0"/>
-              <a:t>주요 기능</a:t>
-            </a:r>
-            <a:r>
-              <a:rPr lang="en-US" altLang="ko-KR" dirty="0"/>
-              <a:t> </a:t>
-            </a:r>
-            <a:endParaRPr lang="ko-KR" altLang="en-US" dirty="0"/>
-          </a:p>
-        </p:txBody>
-      </p:sp>
-      <p:sp>
-        <p:nvSpPr>
-          <p:cNvPr id="3" name="내용 개체 틀 2">
-            <a:extLst>
-              <a:ext uri="{FF2B5EF4-FFF2-40B4-BE49-F238E27FC236}">
-                <a16:creationId xmlns:a16="http://schemas.microsoft.com/office/drawing/2014/main" id="{81BCD1FC-C346-DE47-0A1C-E983E7E247E8}"/>
-              </a:ext>
-            </a:extLst>
-          </p:cNvPr>
-          <p:cNvSpPr>
-            <a:spLocks noGrp="1"/>
-          </p:cNvSpPr>
-          <p:nvPr>
-            <p:ph idx="1"/>
-          </p:nvPr>
-        </p:nvSpPr>
-        <p:spPr/>
-        <p:txBody>
-          <a:bodyPr/>
-          <a:lstStyle/>
-          <a:p>
-            <a:r>
-              <a:rPr lang="ko-KR" altLang="en-US" dirty="0"/>
-              <a:t>메모에 날짜나 시간을 입력하면 앱 내 존재하는 캘린더 기능과 알람 기능에 자동으로 등록되어 음성으로 알려주는 기능을 제공합니다</a:t>
-            </a:r>
-            <a:r>
-              <a:rPr lang="en-US" altLang="ko-KR" dirty="0"/>
-              <a:t>. </a:t>
-            </a:r>
-            <a:r>
-              <a:rPr lang="ko-KR" altLang="en-US" dirty="0"/>
-              <a:t>예를 들어 </a:t>
-            </a:r>
-            <a:r>
-              <a:rPr lang="en-US" altLang="ko-KR" dirty="0"/>
-              <a:t>‘</a:t>
-            </a:r>
-            <a:r>
-              <a:rPr lang="ko-KR" altLang="en-US" dirty="0"/>
-              <a:t>내일 오후 </a:t>
-            </a:r>
-            <a:r>
-              <a:rPr lang="en-US" altLang="ko-KR" dirty="0"/>
-              <a:t>1</a:t>
-            </a:r>
-            <a:r>
-              <a:rPr lang="ko-KR" altLang="en-US" dirty="0"/>
-              <a:t>시에 </a:t>
-            </a:r>
-            <a:r>
-              <a:rPr lang="ko-KR" altLang="en-US" dirty="0" err="1"/>
-              <a:t>인공지능’을</a:t>
-            </a:r>
-            <a:r>
-              <a:rPr lang="ko-KR" altLang="en-US" dirty="0"/>
-              <a:t> 기록하게 되면 앱 내 캘린더에 자동으로 해당 일정이 등록되고</a:t>
-            </a:r>
-            <a:r>
-              <a:rPr lang="en-US" altLang="ko-KR" dirty="0"/>
-              <a:t>, </a:t>
-            </a:r>
-            <a:r>
-              <a:rPr lang="ko-KR" altLang="en-US" dirty="0"/>
-              <a:t>당일 오후 </a:t>
-            </a:r>
-            <a:r>
-              <a:rPr lang="en-US" altLang="ko-KR" dirty="0"/>
-              <a:t>1</a:t>
-            </a:r>
-            <a:r>
-              <a:rPr lang="ko-KR" altLang="en-US" dirty="0"/>
-              <a:t>시에 음성으로 알림이 오도록 합니다</a:t>
-            </a:r>
-            <a:r>
-              <a:rPr lang="en-US" altLang="ko-KR" dirty="0"/>
-              <a:t>.</a:t>
-            </a:r>
-            <a:endParaRPr lang="ko-KR" altLang="en-US" dirty="0"/>
-          </a:p>
-        </p:txBody>
-      </p:sp>
-      <p:sp>
-        <p:nvSpPr>
-          <p:cNvPr id="4" name="슬라이드 번호 개체 틀 3">
-            <a:extLst>
-              <a:ext uri="{FF2B5EF4-FFF2-40B4-BE49-F238E27FC236}">
-                <a16:creationId xmlns:a16="http://schemas.microsoft.com/office/drawing/2014/main" id="{D88A7F1E-9BCA-7D5A-B32F-AE5B2C457840}"/>
-              </a:ext>
-            </a:extLst>
-          </p:cNvPr>
-          <p:cNvSpPr>
-            <a:spLocks noGrp="1"/>
-          </p:cNvSpPr>
-          <p:nvPr>
-            <p:ph type="sldNum" sz="quarter" idx="12"/>
-          </p:nvPr>
-        </p:nvSpPr>
-        <p:spPr/>
-        <p:txBody>
-          <a:bodyPr/>
-          <a:lstStyle/>
-          <a:p>
-            <a:fld id="{2F00E46C-ED49-42AD-BB6D-7499E1F08A71}" type="slidenum">
-              <a:rPr lang="ko-KR" altLang="en-US" smtClean="0"/>
-              <a:t>7</a:t>
-            </a:fld>
-            <a:endParaRPr lang="ko-KR" altLang="en-US"/>
-          </a:p>
-        </p:txBody>
-      </p:sp>
-    </p:spTree>
-    <p:extLst>
-      <p:ext uri="{BB962C8B-B14F-4D97-AF65-F5344CB8AC3E}">
-        <p14:creationId xmlns:p14="http://schemas.microsoft.com/office/powerpoint/2010/main" val="318889263"/>
-      </p:ext>
-    </p:extLst>
-  </p:cSld>
-  <p:clrMapOvr>
-    <a:masterClrMapping/>
-  </p:clrMapOvr>
-</p:sld>
-</file>
-
 <file path=ppt/slides/slide8.xml><?xml version="1.0" encoding="utf-8"?>
 <p:sld xmlns:a="http://schemas.openxmlformats.org/drawingml/2006/main" xmlns:r="http://schemas.openxmlformats.org/officeDocument/2006/relationships" xmlns:p="http://schemas.openxmlformats.org/presentationml/2006/main">
   <p:cSld>
@@ -9271,7 +9365,7 @@
           <p:cNvPr id="2" name="제목 1">
             <a:extLst>
               <a:ext uri="{FF2B5EF4-FFF2-40B4-BE49-F238E27FC236}">
-                <a16:creationId xmlns:a16="http://schemas.microsoft.com/office/drawing/2014/main" id="{87A51400-60D4-788E-02AF-DF6C99A42C85}"/>
+                <a16:creationId xmlns:a16="http://schemas.microsoft.com/office/drawing/2014/main" id="{F2C45FC5-204F-B5B5-5E59-9BA3851834D9}"/>
               </a:ext>
             </a:extLst>
           </p:cNvPr>
@@ -9304,7 +9398,7 @@
           <p:cNvPr id="3" name="내용 개체 틀 2">
             <a:extLst>
               <a:ext uri="{FF2B5EF4-FFF2-40B4-BE49-F238E27FC236}">
-                <a16:creationId xmlns:a16="http://schemas.microsoft.com/office/drawing/2014/main" id="{526991B8-0B87-1095-BB98-92FA1B524B93}"/>
+                <a16:creationId xmlns:a16="http://schemas.microsoft.com/office/drawing/2014/main" id="{81BCD1FC-C346-DE47-0A1C-E983E7E247E8}"/>
               </a:ext>
             </a:extLst>
           </p:cNvPr>
@@ -9322,98 +9416,60 @@
           <a:p>
             <a:r>
               <a:rPr lang="ko-KR" altLang="en-US" dirty="0"/>
-              <a:t>메모 상에서 전화번호나 이메일 주소를 말하게 되면 해당하는 연락처를 추가할 지를 녹음을 종료한 후 묻는 기능이 있습니다</a:t>
+              <a:t>메모에 날짜나 시간을 입력하면 앱 내 존재하는 캘린더 기능과 알람 기능에 자동으로 등록되어 음성으로 알려주는 기능을 제공합니다</a:t>
+            </a:r>
+            <a:r>
+              <a:rPr lang="en-US" altLang="ko-KR" dirty="0"/>
+              <a:t>. </a:t>
+            </a:r>
+            <a:r>
+              <a:rPr lang="ko-KR" altLang="en-US" dirty="0"/>
+              <a:t>예를 들어 </a:t>
+            </a:r>
+            <a:r>
+              <a:rPr lang="en-US" altLang="ko-KR" dirty="0"/>
+              <a:t>‘</a:t>
+            </a:r>
+            <a:r>
+              <a:rPr lang="ko-KR" altLang="en-US" dirty="0"/>
+              <a:t>내일 오후 </a:t>
+            </a:r>
+            <a:r>
+              <a:rPr lang="en-US" altLang="ko-KR" dirty="0"/>
+              <a:t>1</a:t>
+            </a:r>
+            <a:r>
+              <a:rPr lang="ko-KR" altLang="en-US" dirty="0"/>
+              <a:t>시에 </a:t>
+            </a:r>
+            <a:r>
+              <a:rPr lang="ko-KR" altLang="en-US" dirty="0" err="1"/>
+              <a:t>인공지능’을</a:t>
+            </a:r>
+            <a:r>
+              <a:rPr lang="ko-KR" altLang="en-US" dirty="0"/>
+              <a:t> 기록하게 되면 앱 내 캘린더에 자동으로 해당 일정이 등록되고</a:t>
+            </a:r>
+            <a:r>
+              <a:rPr lang="en-US" altLang="ko-KR" dirty="0"/>
+              <a:t>, </a:t>
+            </a:r>
+            <a:r>
+              <a:rPr lang="ko-KR" altLang="en-US" dirty="0"/>
+              <a:t>당일 오후 </a:t>
+            </a:r>
+            <a:r>
+              <a:rPr lang="en-US" altLang="ko-KR" dirty="0"/>
+              <a:t>1</a:t>
+            </a:r>
+            <a:r>
+              <a:rPr lang="ko-KR" altLang="en-US" dirty="0"/>
+              <a:t>시에 음성으로 알림이 오도록 합니다</a:t>
             </a:r>
             <a:r>
               <a:rPr lang="en-US" altLang="ko-KR" dirty="0"/>
               <a:t>.</a:t>
             </a:r>
-            <a:r>
-              <a:rPr lang="ko-KR" altLang="en-US" dirty="0"/>
-              <a:t>예를 들어</a:t>
-            </a:r>
-            <a:r>
-              <a:rPr lang="en-US" altLang="ko-KR" dirty="0"/>
-              <a:t>, </a:t>
-            </a:r>
-            <a:r>
-              <a:rPr lang="ko-KR" altLang="en-US" dirty="0"/>
-              <a:t>녹음 앱에서 </a:t>
-            </a:r>
-            <a:r>
-              <a:rPr lang="en-US" altLang="ko-KR" dirty="0"/>
-              <a:t>＇</a:t>
-            </a:r>
-            <a:r>
-              <a:rPr lang="ko-KR" altLang="en-US" dirty="0"/>
-              <a:t>최신호 </a:t>
-            </a:r>
-            <a:r>
-              <a:rPr lang="en-US" altLang="ko-KR" dirty="0"/>
-              <a:t>01012345678 </a:t>
-            </a:r>
-            <a:r>
-              <a:rPr lang="en-US" altLang="ko-KR" dirty="0">
-                <a:hlinkClick r:id="rId2"/>
-              </a:rPr>
-              <a:t>choish@gmail.com’</a:t>
-            </a:r>
-            <a:r>
-              <a:rPr lang="ko-KR" altLang="en-US" dirty="0">
-                <a:hlinkClick r:id="rId2"/>
-              </a:rPr>
-              <a:t>이라고</a:t>
-            </a:r>
-            <a:r>
-              <a:rPr lang="ko-KR" altLang="en-US" dirty="0"/>
-              <a:t> 말하면 이를 인식하여 연락처에 추가할 지를 묻는 기능이 있습니다</a:t>
-            </a:r>
-            <a:r>
-              <a:rPr lang="en-US" altLang="ko-KR" dirty="0"/>
-              <a:t>.</a:t>
-            </a:r>
-          </a:p>
-          <a:p>
-            <a:r>
-              <a:rPr lang="ko-KR" altLang="en-US" dirty="0"/>
-              <a:t>이 경우 </a:t>
-            </a:r>
-            <a:r>
-              <a:rPr lang="en-US" altLang="ko-KR" dirty="0"/>
-              <a:t>@</a:t>
-            </a:r>
-            <a:r>
-              <a:rPr lang="ko-KR" altLang="en-US" dirty="0"/>
-              <a:t>의 경우 일반적으로 </a:t>
-            </a:r>
-            <a:r>
-              <a:rPr lang="en-US" altLang="ko-KR" dirty="0"/>
-              <a:t>“</a:t>
-            </a:r>
-            <a:r>
-              <a:rPr lang="ko-KR" altLang="en-US" dirty="0" err="1"/>
-              <a:t>골뱅이</a:t>
-            </a:r>
-            <a:r>
-              <a:rPr lang="en-US" altLang="ko-KR" dirty="0"/>
-              <a:t>”</a:t>
-            </a:r>
-            <a:r>
-              <a:rPr lang="ko-KR" altLang="en-US" dirty="0"/>
-              <a:t>라고 발음하는 경우가 많은데</a:t>
-            </a:r>
-            <a:r>
-              <a:rPr lang="en-US" altLang="ko-KR" dirty="0"/>
-              <a:t>, </a:t>
-            </a:r>
-            <a:r>
-              <a:rPr lang="ko-KR" altLang="en-US" dirty="0"/>
-              <a:t>이 또한 자동으로 변환합니다</a:t>
-            </a:r>
-            <a:r>
-              <a:rPr lang="en-US" altLang="ko-KR" dirty="0"/>
-              <a:t>.</a:t>
-            </a:r>
             <a:endParaRPr lang="ko-KR" altLang="en-US" dirty="0"/>
           </a:p>
         </p:txBody>
@@ -9423,7 +9479,7 @@
           <p:cNvPr id="4" name="슬라이드 번호 개체 틀 3">
             <a:extLst>
               <a:ext uri="{FF2B5EF4-FFF2-40B4-BE49-F238E27FC236}">
-                <a16:creationId xmlns:a16="http://schemas.microsoft.com/office/drawing/2014/main" id="{2A676701-7789-2AEE-5467-F1B7AF326AC4}"/>
+                <a16:creationId xmlns:a16="http://schemas.microsoft.com/office/drawing/2014/main" id="{D88A7F1E-9BCA-7D5A-B32F-AE5B2C457840}"/>
               </a:ext>
             </a:extLst>
           </p:cNvPr>
@@ -9450,7 +9506,7 @@
     </p:spTree>
     <p:extLst>
       <p:ext uri="{BB962C8B-B14F-4D97-AF65-F5344CB8AC3E}">
-        <p14:creationId xmlns:p14="http://schemas.microsoft.com/office/powerpoint/2010/main" val="3745981789"/>
+        <p14:creationId xmlns:p14="http://schemas.microsoft.com/office/powerpoint/2010/main" val="318889263"/>
       </p:ext>
     </p:extLst>
   </p:cSld>
@@ -9482,7 +9538,7 @@
           <p:cNvPr id="2" name="제목 1">
             <a:extLst>
               <a:ext uri="{FF2B5EF4-FFF2-40B4-BE49-F238E27FC236}">
-                <a16:creationId xmlns:a16="http://schemas.microsoft.com/office/drawing/2014/main" id="{F0AADE48-5588-3731-A317-6FD0F9EC657F}"/>
+                <a16:creationId xmlns:a16="http://schemas.microsoft.com/office/drawing/2014/main" id="{87A51400-60D4-788E-02AF-DF6C99A42C85}"/>
               </a:ext>
             </a:extLst>
           </p:cNvPr>
@@ -9515,7 +9571,7 @@
           <p:cNvPr id="3" name="내용 개체 틀 2">
             <a:extLst>
               <a:ext uri="{FF2B5EF4-FFF2-40B4-BE49-F238E27FC236}">
-                <a16:creationId xmlns:a16="http://schemas.microsoft.com/office/drawing/2014/main" id="{82D663C6-3048-D6B7-BCBD-24D57460E256}"/>
+                <a16:creationId xmlns:a16="http://schemas.microsoft.com/office/drawing/2014/main" id="{526991B8-0B87-1095-BB98-92FA1B524B93}"/>
               </a:ext>
             </a:extLst>
           </p:cNvPr>
@@ -9533,7 +9589,15 @@
           <a:p>
             <a:r>
               <a:rPr lang="ko-KR" altLang="en-US" dirty="0"/>
-              <a:t>메모에 주소를 기록하면</a:t>
+              <a:t>메모 상에서 전화번호나 이메일 주소를 말하게 되면 해당하는 연락처를 추가할 지를 녹음을 종료한 후 묻는 기능이 있습니다</a:t>
+            </a:r>
+            <a:r>
+              <a:rPr lang="en-US" altLang="ko-KR" dirty="0"/>
+              <a:t>.</a:t>
+            </a:r>
+            <a:r>
+              <a:rPr lang="ko-KR" altLang="en-US" dirty="0"/>
+              <a:t>예를 들어</a:t>
             </a:r>
             <a:r>
               <a:rPr lang="en-US" altLang="ko-KR" dirty="0"/>
@@ -9541,51 +9605,81 @@
             </a:r>
             <a:r>
               <a:rPr lang="ko-KR" altLang="en-US" dirty="0"/>
-              <a:t>메모를 빠져나오기 전에 지도로 연결할 지를 물어보고 음성으로 길 안내를 해주기 까지를 기능을 제공합니다</a:t>
+              <a:t>녹음 앱에서 </a:t>
             </a:r>
             <a:r>
               <a:rPr lang="en-US" altLang="ko-KR" dirty="0"/>
-              <a:t>. </a:t>
-            </a:r>
-            <a:r>
-              <a:rPr lang="ko-KR" altLang="en-US" dirty="0"/>
-              <a:t>네이버지도 또는 구글 지도의 </a:t>
+              <a:t>＇</a:t>
+            </a:r>
+            <a:r>
+              <a:rPr lang="ko-KR" altLang="en-US" dirty="0"/>
+              <a:t>최신호 </a:t>
             </a:r>
             <a:r>
               <a:rPr lang="en-US" altLang="ko-KR" dirty="0"/>
-              <a:t>API</a:t>
-            </a:r>
-            <a:r>
-              <a:rPr lang="ko-KR" altLang="en-US" dirty="0"/>
-              <a:t>를 활용해 해당하는 장소까지 음성으로 안내하도록 구현할 예정입니다</a:t>
+              <a:t>01012345678 </a:t>
+            </a:r>
+            <a:r>
+              <a:rPr lang="en-US" altLang="ko-KR" dirty="0">
+                <a:hlinkClick r:id="rId2"/>
+              </a:rPr>
+              <a:t>choish@gmail.com’</a:t>
+            </a:r>
+            <a:r>
+              <a:rPr lang="ko-KR" altLang="en-US" dirty="0">
+                <a:hlinkClick r:id="rId2"/>
+              </a:rPr>
+              <a:t>이라고</a:t>
+            </a:r>
+            <a:r>
+              <a:rPr lang="ko-KR" altLang="en-US" dirty="0"/>
+              <a:t> 말하면 이를 인식하여 연락처에 추가할 지를 묻는 기능이 있습니다</a:t>
             </a:r>
             <a:r>
               <a:rPr lang="en-US" altLang="ko-KR" dirty="0"/>
-              <a:t>. </a:t>
-            </a:r>
-            <a:r>
-              <a:rPr lang="ko-KR" altLang="en-US" dirty="0"/>
-              <a:t>음성 안내의 경우 해당하는 지도 앱의 자체 기능을 사용합니다</a:t>
+              <a:t>.</a:t>
+            </a:r>
+          </a:p>
+          <a:p>
+            <a:r>
+              <a:rPr lang="ko-KR" altLang="en-US" dirty="0"/>
+              <a:t>이 경우 </a:t>
             </a:r>
             <a:r>
               <a:rPr lang="en-US" altLang="ko-KR" dirty="0"/>
-              <a:t>. (</a:t>
-            </a:r>
-            <a:r>
-              <a:rPr lang="ko-KR" altLang="en-US" dirty="0"/>
-              <a:t>네이버 </a:t>
+              <a:t>@</a:t>
+            </a:r>
+            <a:r>
+              <a:rPr lang="ko-KR" altLang="en-US" dirty="0"/>
+              <a:t>의 경우 일반적으로 </a:t>
+            </a:r>
+            <a:r>
+              <a:rPr lang="en-US" altLang="ko-KR" dirty="0"/>
+              <a:t>“</a:t>
             </a:r>
             <a:r>
               <a:rPr lang="ko-KR" altLang="en-US" dirty="0" err="1"/>
-              <a:t>클로바</a:t>
-            </a:r>
-            <a:r>
-              <a:rPr lang="ko-KR" altLang="en-US" dirty="0"/>
-              <a:t> 길안내 등</a:t>
+              <a:t>골뱅이</a:t>
             </a:r>
             <a:r>
               <a:rPr lang="en-US" altLang="ko-KR" dirty="0"/>
-              <a:t>)</a:t>
+              <a:t>”</a:t>
+            </a:r>
+            <a:r>
+              <a:rPr lang="ko-KR" altLang="en-US" dirty="0"/>
+              <a:t>라고 발음하는 경우가 많은데</a:t>
+            </a:r>
+            <a:r>
+              <a:rPr lang="en-US" altLang="ko-KR" dirty="0"/>
+              <a:t>, </a:t>
+            </a:r>
+            <a:r>
+              <a:rPr lang="ko-KR" altLang="en-US" dirty="0"/>
+              <a:t>이 또한 자동으로 변환합니다</a:t>
+            </a:r>
+            <a:r>
+              <a:rPr lang="en-US" altLang="ko-KR" dirty="0"/>
+              <a:t>.</a:t>
             </a:r>
             <a:endParaRPr lang="ko-KR" altLang="en-US" dirty="0"/>
           </a:p>
@@ -9596,7 +9690,7 @@
           <p:cNvPr id="4" name="슬라이드 번호 개체 틀 3">
             <a:extLst>
               <a:ext uri="{FF2B5EF4-FFF2-40B4-BE49-F238E27FC236}">
-                <a16:creationId xmlns:a16="http://schemas.microsoft.com/office/drawing/2014/main" id="{60EFDA79-B448-562D-5C8B-6B22D57439EB}"/>
+                <a16:creationId xmlns:a16="http://schemas.microsoft.com/office/drawing/2014/main" id="{2A676701-7789-2AEE-5467-F1B7AF326AC4}"/>
               </a:ext>
             </a:extLst>
           </p:cNvPr>
@@ -9623,7 +9717,7 @@
     </p:spTree>
     <p:extLst>
       <p:ext uri="{BB962C8B-B14F-4D97-AF65-F5344CB8AC3E}">
-        <p14:creationId xmlns:p14="http://schemas.microsoft.com/office/powerpoint/2010/main" val="1679617667"/>
+        <p14:creationId xmlns:p14="http://schemas.microsoft.com/office/powerpoint/2010/main" val="3745981789"/>
       </p:ext>
     </p:extLst>
   </p:cSld>
